--- a/slides/M-02-01-Loops-Invariants.pptx
+++ b/slides/M-02-01-Loops-Invariants.pptx
@@ -5,14 +5,22 @@
     <p:sldMasterId id="2147483649" r:id="rId1"/>
   </p:sldMasterIdLst>
   <p:notesMasterIdLst>
-    <p:notesMasterId r:id="rId4"/>
+    <p:notesMasterId r:id="rId12"/>
   </p:notesMasterIdLst>
   <p:handoutMasterIdLst>
-    <p:handoutMasterId r:id="rId5"/>
+    <p:handoutMasterId r:id="rId13"/>
   </p:handoutMasterIdLst>
   <p:sldIdLst>
     <p:sldId id="258" r:id="rId2"/>
     <p:sldId id="1911" r:id="rId3"/>
+    <p:sldId id="1914" r:id="rId4"/>
+    <p:sldId id="1915" r:id="rId5"/>
+    <p:sldId id="1913" r:id="rId6"/>
+    <p:sldId id="1917" r:id="rId7"/>
+    <p:sldId id="1916" r:id="rId8"/>
+    <p:sldId id="1912" r:id="rId9"/>
+    <p:sldId id="1918" r:id="rId10"/>
+    <p:sldId id="1919" r:id="rId11"/>
   </p:sldIdLst>
   <p:sldSz cx="9144000" cy="6858000" type="screen4x3"/>
   <p:notesSz cx="6858000" cy="9144000"/>
@@ -961,6 +969,185 @@
 </p:notes>
 </file>
 
+<file path=ppt/notesSlides/notesSlide10.xml><?xml version="1.0" encoding="utf-8"?>
+<p:notes xmlns:a="http://schemas.openxmlformats.org/drawingml/2006/main" xmlns:r="http://schemas.openxmlformats.org/officeDocument/2006/relationships" xmlns:p="http://schemas.openxmlformats.org/presentationml/2006/main">
+  <p:cSld>
+    <p:spTree>
+      <p:nvGrpSpPr>
+        <p:cNvPr id="1" name="">
+          <a:extLst>
+            <a:ext uri="{FF2B5EF4-FFF2-40B4-BE49-F238E27FC236}">
+              <a16:creationId xmlns:a16="http://schemas.microsoft.com/office/drawing/2014/main" id="{4EB4B835-76E5-2276-E249-F5A3A4E9FF88}"/>
+            </a:ext>
+          </a:extLst>
+        </p:cNvPr>
+        <p:cNvGrpSpPr/>
+        <p:nvPr/>
+      </p:nvGrpSpPr>
+      <p:grpSpPr>
+        <a:xfrm>
+          <a:off x="0" y="0"/>
+          <a:ext cx="0" cy="0"/>
+          <a:chOff x="0" y="0"/>
+          <a:chExt cx="0" cy="0"/>
+        </a:xfrm>
+      </p:grpSpPr>
+      <p:sp>
+        <p:nvSpPr>
+          <p:cNvPr id="2" name="Slide Image Placeholder 1">
+            <a:extLst>
+              <a:ext uri="{FF2B5EF4-FFF2-40B4-BE49-F238E27FC236}">
+                <a16:creationId xmlns:a16="http://schemas.microsoft.com/office/drawing/2014/main" id="{3DAD5C06-968F-8A00-105C-9EDD5BDBEA50}"/>
+              </a:ext>
+            </a:extLst>
+          </p:cNvPr>
+          <p:cNvSpPr>
+            <a:spLocks noGrp="1" noRot="1" noChangeAspect="1"/>
+          </p:cNvSpPr>
+          <p:nvPr>
+            <p:ph type="sldImg"/>
+          </p:nvPr>
+        </p:nvSpPr>
+        <p:spPr/>
+      </p:sp>
+      <p:sp>
+        <p:nvSpPr>
+          <p:cNvPr id="3" name="Notes Placeholder 2">
+            <a:extLst>
+              <a:ext uri="{FF2B5EF4-FFF2-40B4-BE49-F238E27FC236}">
+                <a16:creationId xmlns:a16="http://schemas.microsoft.com/office/drawing/2014/main" id="{9E4D0895-E4BA-8534-A10A-E1D4896A8DB6}"/>
+              </a:ext>
+            </a:extLst>
+          </p:cNvPr>
+          <p:cNvSpPr>
+            <a:spLocks noGrp="1"/>
+          </p:cNvSpPr>
+          <p:nvPr>
+            <p:ph type="body" idx="1"/>
+          </p:nvPr>
+        </p:nvSpPr>
+        <p:spPr/>
+        <p:txBody>
+          <a:bodyPr/>
+          <a:lstStyle/>
+          <a:p>
+            <a:r>
+              <a:rPr lang="en-US" dirty="0">
+                <a:latin typeface="Tahoma" panose="020B0604030504040204" pitchFamily="34" charset="0"/>
+                <a:ea typeface="Tahoma" panose="020B0604030504040204" pitchFamily="34" charset="0"/>
+                <a:cs typeface="Tahoma" panose="020B0604030504040204" pitchFamily="34" charset="0"/>
+              </a:rPr>
+              <a:t>The framework that we will be using for this work is HAMR -- a model-driven development tool chain for high assurance embedded systems that emphasizes three layers of development:</a:t>
+            </a:r>
+          </a:p>
+          <a:p>
+            <a:endParaRPr lang="en-US" dirty="0">
+              <a:latin typeface="Tahoma" panose="020B0604030504040204" pitchFamily="34" charset="0"/>
+              <a:ea typeface="Tahoma" panose="020B0604030504040204" pitchFamily="34" charset="0"/>
+              <a:cs typeface="Tahoma" panose="020B0604030504040204" pitchFamily="34" charset="0"/>
+            </a:endParaRPr>
+          </a:p>
+          <a:p>
+            <a:r>
+              <a:rPr lang="en-US" dirty="0">
+                <a:latin typeface="Tahoma" panose="020B0604030504040204" pitchFamily="34" charset="0"/>
+                <a:ea typeface="Tahoma" panose="020B0604030504040204" pitchFamily="34" charset="0"/>
+                <a:cs typeface="Tahoma" panose="020B0604030504040204" pitchFamily="34" charset="0"/>
+              </a:rPr>
+              <a:t>Modeling, analysis and verification in the AADL modeling language, leveraging many tools in the AADL ecosystem</a:t>
+            </a:r>
+          </a:p>
+          <a:p>
+            <a:endParaRPr lang="en-US" dirty="0">
+              <a:latin typeface="Tahoma" panose="020B0604030504040204" pitchFamily="34" charset="0"/>
+              <a:ea typeface="Tahoma" panose="020B0604030504040204" pitchFamily="34" charset="0"/>
+              <a:cs typeface="Tahoma" panose="020B0604030504040204" pitchFamily="34" charset="0"/>
+            </a:endParaRPr>
+          </a:p>
+          <a:p>
+            <a:r>
+              <a:rPr lang="en-US" dirty="0">
+                <a:latin typeface="Tahoma" panose="020B0604030504040204" pitchFamily="34" charset="0"/>
+                <a:ea typeface="Tahoma" panose="020B0604030504040204" pitchFamily="34" charset="0"/>
+                <a:cs typeface="Tahoma" panose="020B0604030504040204" pitchFamily="34" charset="0"/>
+              </a:rPr>
+              <a:t>Development of component application logic in multiple languages include C and Slang (a safety-critical system of Scala with a contract verification framework, which can be translated to C)</a:t>
+            </a:r>
+          </a:p>
+          <a:p>
+            <a:endParaRPr lang="en-US" dirty="0">
+              <a:latin typeface="Tahoma" panose="020B0604030504040204" pitchFamily="34" charset="0"/>
+              <a:ea typeface="Tahoma" panose="020B0604030504040204" pitchFamily="34" charset="0"/>
+              <a:cs typeface="Tahoma" panose="020B0604030504040204" pitchFamily="34" charset="0"/>
+            </a:endParaRPr>
+          </a:p>
+          <a:p>
+            <a:r>
+              <a:rPr lang="en-US" dirty="0">
+                <a:latin typeface="Tahoma" panose="020B0604030504040204" pitchFamily="34" charset="0"/>
+                <a:ea typeface="Tahoma" panose="020B0604030504040204" pitchFamily="34" charset="0"/>
+                <a:cs typeface="Tahoma" panose="020B0604030504040204" pitchFamily="34" charset="0"/>
+              </a:rPr>
+              <a:t>Deployments on multiple platforms including seL4 verified microkernel.</a:t>
+            </a:r>
+          </a:p>
+          <a:p>
+            <a:endParaRPr lang="en-US" dirty="0">
+              <a:latin typeface="Tahoma" panose="020B0604030504040204" pitchFamily="34" charset="0"/>
+              <a:ea typeface="Tahoma" panose="020B0604030504040204" pitchFamily="34" charset="0"/>
+              <a:cs typeface="Tahoma" panose="020B0604030504040204" pitchFamily="34" charset="0"/>
+            </a:endParaRPr>
+          </a:p>
+        </p:txBody>
+      </p:sp>
+      <p:sp>
+        <p:nvSpPr>
+          <p:cNvPr id="4" name="Slide Number Placeholder 3">
+            <a:extLst>
+              <a:ext uri="{FF2B5EF4-FFF2-40B4-BE49-F238E27FC236}">
+                <a16:creationId xmlns:a16="http://schemas.microsoft.com/office/drawing/2014/main" id="{9D13FCBB-7E80-3976-46FC-55C71BB28E36}"/>
+              </a:ext>
+            </a:extLst>
+          </p:cNvPr>
+          <p:cNvSpPr>
+            <a:spLocks noGrp="1"/>
+          </p:cNvSpPr>
+          <p:nvPr>
+            <p:ph type="sldNum" sz="quarter" idx="5"/>
+          </p:nvPr>
+        </p:nvSpPr>
+        <p:spPr/>
+        <p:txBody>
+          <a:bodyPr/>
+          <a:lstStyle/>
+          <a:p>
+            <a:pPr>
+              <a:defRPr/>
+            </a:pPr>
+            <a:fld id="{2BFE2475-28EF-9A44-97D3-D2287C00B1B1}" type="slidenum">
+              <a:rPr lang="en-US" smtClean="0"/>
+              <a:pPr>
+                <a:defRPr/>
+              </a:pPr>
+              <a:t>10</a:t>
+            </a:fld>
+            <a:endParaRPr lang="en-US"/>
+          </a:p>
+        </p:txBody>
+      </p:sp>
+    </p:spTree>
+    <p:extLst>
+      <p:ext uri="{BB962C8B-B14F-4D97-AF65-F5344CB8AC3E}">
+        <p14:creationId xmlns:p14="http://schemas.microsoft.com/office/powerpoint/2010/main" val="3464101712"/>
+      </p:ext>
+    </p:extLst>
+  </p:cSld>
+  <p:clrMapOvr>
+    <a:masterClrMapping/>
+  </p:clrMapOvr>
+</p:notes>
+</file>
+
 <file path=ppt/notesSlides/notesSlide2.xml><?xml version="1.0" encoding="utf-8"?>
 <p:notes xmlns:a="http://schemas.openxmlformats.org/drawingml/2006/main" xmlns:r="http://schemas.openxmlformats.org/officeDocument/2006/relationships" xmlns:p="http://schemas.openxmlformats.org/presentationml/2006/main">
   <p:cSld>
@@ -1131,6 +1318,1259 @@
     <p:extLst>
       <p:ext uri="{BB962C8B-B14F-4D97-AF65-F5344CB8AC3E}">
         <p14:creationId xmlns:p14="http://schemas.microsoft.com/office/powerpoint/2010/main" val="2787644252"/>
+      </p:ext>
+    </p:extLst>
+  </p:cSld>
+  <p:clrMapOvr>
+    <a:masterClrMapping/>
+  </p:clrMapOvr>
+</p:notes>
+</file>
+
+<file path=ppt/notesSlides/notesSlide3.xml><?xml version="1.0" encoding="utf-8"?>
+<p:notes xmlns:a="http://schemas.openxmlformats.org/drawingml/2006/main" xmlns:r="http://schemas.openxmlformats.org/officeDocument/2006/relationships" xmlns:p="http://schemas.openxmlformats.org/presentationml/2006/main">
+  <p:cSld>
+    <p:spTree>
+      <p:nvGrpSpPr>
+        <p:cNvPr id="1" name="">
+          <a:extLst>
+            <a:ext uri="{FF2B5EF4-FFF2-40B4-BE49-F238E27FC236}">
+              <a16:creationId xmlns:a16="http://schemas.microsoft.com/office/drawing/2014/main" id="{AA54F497-C3F3-E7C6-4BBE-0DF296CA6034}"/>
+            </a:ext>
+          </a:extLst>
+        </p:cNvPr>
+        <p:cNvGrpSpPr/>
+        <p:nvPr/>
+      </p:nvGrpSpPr>
+      <p:grpSpPr>
+        <a:xfrm>
+          <a:off x="0" y="0"/>
+          <a:ext cx="0" cy="0"/>
+          <a:chOff x="0" y="0"/>
+          <a:chExt cx="0" cy="0"/>
+        </a:xfrm>
+      </p:grpSpPr>
+      <p:sp>
+        <p:nvSpPr>
+          <p:cNvPr id="2" name="Slide Image Placeholder 1">
+            <a:extLst>
+              <a:ext uri="{FF2B5EF4-FFF2-40B4-BE49-F238E27FC236}">
+                <a16:creationId xmlns:a16="http://schemas.microsoft.com/office/drawing/2014/main" id="{16F07E7D-ACCE-F6F5-66DF-4774F0DF7D8D}"/>
+              </a:ext>
+            </a:extLst>
+          </p:cNvPr>
+          <p:cNvSpPr>
+            <a:spLocks noGrp="1" noRot="1" noChangeAspect="1"/>
+          </p:cNvSpPr>
+          <p:nvPr>
+            <p:ph type="sldImg"/>
+          </p:nvPr>
+        </p:nvSpPr>
+        <p:spPr/>
+      </p:sp>
+      <p:sp>
+        <p:nvSpPr>
+          <p:cNvPr id="3" name="Notes Placeholder 2">
+            <a:extLst>
+              <a:ext uri="{FF2B5EF4-FFF2-40B4-BE49-F238E27FC236}">
+                <a16:creationId xmlns:a16="http://schemas.microsoft.com/office/drawing/2014/main" id="{ADDC28BE-B16C-232A-9FAD-8466906384FC}"/>
+              </a:ext>
+            </a:extLst>
+          </p:cNvPr>
+          <p:cNvSpPr>
+            <a:spLocks noGrp="1"/>
+          </p:cNvSpPr>
+          <p:nvPr>
+            <p:ph type="body" idx="1"/>
+          </p:nvPr>
+        </p:nvSpPr>
+        <p:spPr/>
+        <p:txBody>
+          <a:bodyPr/>
+          <a:lstStyle/>
+          <a:p>
+            <a:r>
+              <a:rPr lang="en-US" dirty="0">
+                <a:latin typeface="Tahoma" panose="020B0604030504040204" pitchFamily="34" charset="0"/>
+                <a:ea typeface="Tahoma" panose="020B0604030504040204" pitchFamily="34" charset="0"/>
+                <a:cs typeface="Tahoma" panose="020B0604030504040204" pitchFamily="34" charset="0"/>
+              </a:rPr>
+              <a:t>The framework that we will be using for this work is HAMR -- a model-driven development tool chain for high assurance embedded systems that emphasizes three layers of development:</a:t>
+            </a:r>
+          </a:p>
+          <a:p>
+            <a:endParaRPr lang="en-US" dirty="0">
+              <a:latin typeface="Tahoma" panose="020B0604030504040204" pitchFamily="34" charset="0"/>
+              <a:ea typeface="Tahoma" panose="020B0604030504040204" pitchFamily="34" charset="0"/>
+              <a:cs typeface="Tahoma" panose="020B0604030504040204" pitchFamily="34" charset="0"/>
+            </a:endParaRPr>
+          </a:p>
+          <a:p>
+            <a:r>
+              <a:rPr lang="en-US" dirty="0">
+                <a:latin typeface="Tahoma" panose="020B0604030504040204" pitchFamily="34" charset="0"/>
+                <a:ea typeface="Tahoma" panose="020B0604030504040204" pitchFamily="34" charset="0"/>
+                <a:cs typeface="Tahoma" panose="020B0604030504040204" pitchFamily="34" charset="0"/>
+              </a:rPr>
+              <a:t>Modeling, analysis and verification in the AADL modeling language, leveraging many tools in the AADL ecosystem</a:t>
+            </a:r>
+          </a:p>
+          <a:p>
+            <a:endParaRPr lang="en-US" dirty="0">
+              <a:latin typeface="Tahoma" panose="020B0604030504040204" pitchFamily="34" charset="0"/>
+              <a:ea typeface="Tahoma" panose="020B0604030504040204" pitchFamily="34" charset="0"/>
+              <a:cs typeface="Tahoma" panose="020B0604030504040204" pitchFamily="34" charset="0"/>
+            </a:endParaRPr>
+          </a:p>
+          <a:p>
+            <a:r>
+              <a:rPr lang="en-US" dirty="0">
+                <a:latin typeface="Tahoma" panose="020B0604030504040204" pitchFamily="34" charset="0"/>
+                <a:ea typeface="Tahoma" panose="020B0604030504040204" pitchFamily="34" charset="0"/>
+                <a:cs typeface="Tahoma" panose="020B0604030504040204" pitchFamily="34" charset="0"/>
+              </a:rPr>
+              <a:t>Development of component application logic in multiple languages include C and Slang (a safety-critical system of Scala with a contract verification framework, which can be translated to C)</a:t>
+            </a:r>
+          </a:p>
+          <a:p>
+            <a:endParaRPr lang="en-US" dirty="0">
+              <a:latin typeface="Tahoma" panose="020B0604030504040204" pitchFamily="34" charset="0"/>
+              <a:ea typeface="Tahoma" panose="020B0604030504040204" pitchFamily="34" charset="0"/>
+              <a:cs typeface="Tahoma" panose="020B0604030504040204" pitchFamily="34" charset="0"/>
+            </a:endParaRPr>
+          </a:p>
+          <a:p>
+            <a:r>
+              <a:rPr lang="en-US" dirty="0">
+                <a:latin typeface="Tahoma" panose="020B0604030504040204" pitchFamily="34" charset="0"/>
+                <a:ea typeface="Tahoma" panose="020B0604030504040204" pitchFamily="34" charset="0"/>
+                <a:cs typeface="Tahoma" panose="020B0604030504040204" pitchFamily="34" charset="0"/>
+              </a:rPr>
+              <a:t>Deployments on multiple platforms including seL4 verified microkernel.</a:t>
+            </a:r>
+          </a:p>
+          <a:p>
+            <a:endParaRPr lang="en-US" dirty="0">
+              <a:latin typeface="Tahoma" panose="020B0604030504040204" pitchFamily="34" charset="0"/>
+              <a:ea typeface="Tahoma" panose="020B0604030504040204" pitchFamily="34" charset="0"/>
+              <a:cs typeface="Tahoma" panose="020B0604030504040204" pitchFamily="34" charset="0"/>
+            </a:endParaRPr>
+          </a:p>
+        </p:txBody>
+      </p:sp>
+      <p:sp>
+        <p:nvSpPr>
+          <p:cNvPr id="4" name="Slide Number Placeholder 3">
+            <a:extLst>
+              <a:ext uri="{FF2B5EF4-FFF2-40B4-BE49-F238E27FC236}">
+                <a16:creationId xmlns:a16="http://schemas.microsoft.com/office/drawing/2014/main" id="{BE388AE8-3A29-BB45-5134-D4AD1326739E}"/>
+              </a:ext>
+            </a:extLst>
+          </p:cNvPr>
+          <p:cNvSpPr>
+            <a:spLocks noGrp="1"/>
+          </p:cNvSpPr>
+          <p:nvPr>
+            <p:ph type="sldNum" sz="quarter" idx="5"/>
+          </p:nvPr>
+        </p:nvSpPr>
+        <p:spPr/>
+        <p:txBody>
+          <a:bodyPr/>
+          <a:lstStyle/>
+          <a:p>
+            <a:pPr>
+              <a:defRPr/>
+            </a:pPr>
+            <a:fld id="{2BFE2475-28EF-9A44-97D3-D2287C00B1B1}" type="slidenum">
+              <a:rPr lang="en-US" smtClean="0"/>
+              <a:pPr>
+                <a:defRPr/>
+              </a:pPr>
+              <a:t>3</a:t>
+            </a:fld>
+            <a:endParaRPr lang="en-US"/>
+          </a:p>
+        </p:txBody>
+      </p:sp>
+    </p:spTree>
+    <p:extLst>
+      <p:ext uri="{BB962C8B-B14F-4D97-AF65-F5344CB8AC3E}">
+        <p14:creationId xmlns:p14="http://schemas.microsoft.com/office/powerpoint/2010/main" val="326108747"/>
+      </p:ext>
+    </p:extLst>
+  </p:cSld>
+  <p:clrMapOvr>
+    <a:masterClrMapping/>
+  </p:clrMapOvr>
+</p:notes>
+</file>
+
+<file path=ppt/notesSlides/notesSlide4.xml><?xml version="1.0" encoding="utf-8"?>
+<p:notes xmlns:a="http://schemas.openxmlformats.org/drawingml/2006/main" xmlns:r="http://schemas.openxmlformats.org/officeDocument/2006/relationships" xmlns:p="http://schemas.openxmlformats.org/presentationml/2006/main">
+  <p:cSld>
+    <p:spTree>
+      <p:nvGrpSpPr>
+        <p:cNvPr id="1" name="">
+          <a:extLst>
+            <a:ext uri="{FF2B5EF4-FFF2-40B4-BE49-F238E27FC236}">
+              <a16:creationId xmlns:a16="http://schemas.microsoft.com/office/drawing/2014/main" id="{D72EE545-62D9-7CB0-7743-AC5201BD9523}"/>
+            </a:ext>
+          </a:extLst>
+        </p:cNvPr>
+        <p:cNvGrpSpPr/>
+        <p:nvPr/>
+      </p:nvGrpSpPr>
+      <p:grpSpPr>
+        <a:xfrm>
+          <a:off x="0" y="0"/>
+          <a:ext cx="0" cy="0"/>
+          <a:chOff x="0" y="0"/>
+          <a:chExt cx="0" cy="0"/>
+        </a:xfrm>
+      </p:grpSpPr>
+      <p:sp>
+        <p:nvSpPr>
+          <p:cNvPr id="2" name="Slide Image Placeholder 1">
+            <a:extLst>
+              <a:ext uri="{FF2B5EF4-FFF2-40B4-BE49-F238E27FC236}">
+                <a16:creationId xmlns:a16="http://schemas.microsoft.com/office/drawing/2014/main" id="{A012F669-71AE-1829-3CFB-9BAFBD983C75}"/>
+              </a:ext>
+            </a:extLst>
+          </p:cNvPr>
+          <p:cNvSpPr>
+            <a:spLocks noGrp="1" noRot="1" noChangeAspect="1"/>
+          </p:cNvSpPr>
+          <p:nvPr>
+            <p:ph type="sldImg"/>
+          </p:nvPr>
+        </p:nvSpPr>
+        <p:spPr/>
+      </p:sp>
+      <p:sp>
+        <p:nvSpPr>
+          <p:cNvPr id="3" name="Notes Placeholder 2">
+            <a:extLst>
+              <a:ext uri="{FF2B5EF4-FFF2-40B4-BE49-F238E27FC236}">
+                <a16:creationId xmlns:a16="http://schemas.microsoft.com/office/drawing/2014/main" id="{A718D1BF-058E-9C9F-CF42-EC7C5D64BD1A}"/>
+              </a:ext>
+            </a:extLst>
+          </p:cNvPr>
+          <p:cNvSpPr>
+            <a:spLocks noGrp="1"/>
+          </p:cNvSpPr>
+          <p:nvPr>
+            <p:ph type="body" idx="1"/>
+          </p:nvPr>
+        </p:nvSpPr>
+        <p:spPr/>
+        <p:txBody>
+          <a:bodyPr/>
+          <a:lstStyle/>
+          <a:p>
+            <a:r>
+              <a:rPr lang="en-US" dirty="0">
+                <a:latin typeface="Tahoma" panose="020B0604030504040204" pitchFamily="34" charset="0"/>
+                <a:ea typeface="Tahoma" panose="020B0604030504040204" pitchFamily="34" charset="0"/>
+                <a:cs typeface="Tahoma" panose="020B0604030504040204" pitchFamily="34" charset="0"/>
+              </a:rPr>
+              <a:t>The framework that we will be using for this work is HAMR -- a model-driven development tool chain for high assurance embedded systems that emphasizes three layers of development:</a:t>
+            </a:r>
+          </a:p>
+          <a:p>
+            <a:endParaRPr lang="en-US" dirty="0">
+              <a:latin typeface="Tahoma" panose="020B0604030504040204" pitchFamily="34" charset="0"/>
+              <a:ea typeface="Tahoma" panose="020B0604030504040204" pitchFamily="34" charset="0"/>
+              <a:cs typeface="Tahoma" panose="020B0604030504040204" pitchFamily="34" charset="0"/>
+            </a:endParaRPr>
+          </a:p>
+          <a:p>
+            <a:r>
+              <a:rPr lang="en-US" dirty="0">
+                <a:latin typeface="Tahoma" panose="020B0604030504040204" pitchFamily="34" charset="0"/>
+                <a:ea typeface="Tahoma" panose="020B0604030504040204" pitchFamily="34" charset="0"/>
+                <a:cs typeface="Tahoma" panose="020B0604030504040204" pitchFamily="34" charset="0"/>
+              </a:rPr>
+              <a:t>Modeling, analysis and verification in the AADL modeling language, leveraging many tools in the AADL ecosystem</a:t>
+            </a:r>
+          </a:p>
+          <a:p>
+            <a:endParaRPr lang="en-US" dirty="0">
+              <a:latin typeface="Tahoma" panose="020B0604030504040204" pitchFamily="34" charset="0"/>
+              <a:ea typeface="Tahoma" panose="020B0604030504040204" pitchFamily="34" charset="0"/>
+              <a:cs typeface="Tahoma" panose="020B0604030504040204" pitchFamily="34" charset="0"/>
+            </a:endParaRPr>
+          </a:p>
+          <a:p>
+            <a:r>
+              <a:rPr lang="en-US" dirty="0">
+                <a:latin typeface="Tahoma" panose="020B0604030504040204" pitchFamily="34" charset="0"/>
+                <a:ea typeface="Tahoma" panose="020B0604030504040204" pitchFamily="34" charset="0"/>
+                <a:cs typeface="Tahoma" panose="020B0604030504040204" pitchFamily="34" charset="0"/>
+              </a:rPr>
+              <a:t>Development of component application logic in multiple languages include C and Slang (a safety-critical system of Scala with a contract verification framework, which can be translated to C)</a:t>
+            </a:r>
+          </a:p>
+          <a:p>
+            <a:endParaRPr lang="en-US" dirty="0">
+              <a:latin typeface="Tahoma" panose="020B0604030504040204" pitchFamily="34" charset="0"/>
+              <a:ea typeface="Tahoma" panose="020B0604030504040204" pitchFamily="34" charset="0"/>
+              <a:cs typeface="Tahoma" panose="020B0604030504040204" pitchFamily="34" charset="0"/>
+            </a:endParaRPr>
+          </a:p>
+          <a:p>
+            <a:r>
+              <a:rPr lang="en-US" dirty="0">
+                <a:latin typeface="Tahoma" panose="020B0604030504040204" pitchFamily="34" charset="0"/>
+                <a:ea typeface="Tahoma" panose="020B0604030504040204" pitchFamily="34" charset="0"/>
+                <a:cs typeface="Tahoma" panose="020B0604030504040204" pitchFamily="34" charset="0"/>
+              </a:rPr>
+              <a:t>Deployments on multiple platforms including seL4 verified microkernel.</a:t>
+            </a:r>
+          </a:p>
+          <a:p>
+            <a:endParaRPr lang="en-US" dirty="0">
+              <a:latin typeface="Tahoma" panose="020B0604030504040204" pitchFamily="34" charset="0"/>
+              <a:ea typeface="Tahoma" panose="020B0604030504040204" pitchFamily="34" charset="0"/>
+              <a:cs typeface="Tahoma" panose="020B0604030504040204" pitchFamily="34" charset="0"/>
+            </a:endParaRPr>
+          </a:p>
+        </p:txBody>
+      </p:sp>
+      <p:sp>
+        <p:nvSpPr>
+          <p:cNvPr id="4" name="Slide Number Placeholder 3">
+            <a:extLst>
+              <a:ext uri="{FF2B5EF4-FFF2-40B4-BE49-F238E27FC236}">
+                <a16:creationId xmlns:a16="http://schemas.microsoft.com/office/drawing/2014/main" id="{6B3887C8-A386-739C-0565-302EC1829EBB}"/>
+              </a:ext>
+            </a:extLst>
+          </p:cNvPr>
+          <p:cNvSpPr>
+            <a:spLocks noGrp="1"/>
+          </p:cNvSpPr>
+          <p:nvPr>
+            <p:ph type="sldNum" sz="quarter" idx="5"/>
+          </p:nvPr>
+        </p:nvSpPr>
+        <p:spPr/>
+        <p:txBody>
+          <a:bodyPr/>
+          <a:lstStyle/>
+          <a:p>
+            <a:pPr>
+              <a:defRPr/>
+            </a:pPr>
+            <a:fld id="{2BFE2475-28EF-9A44-97D3-D2287C00B1B1}" type="slidenum">
+              <a:rPr lang="en-US" smtClean="0"/>
+              <a:pPr>
+                <a:defRPr/>
+              </a:pPr>
+              <a:t>4</a:t>
+            </a:fld>
+            <a:endParaRPr lang="en-US"/>
+          </a:p>
+        </p:txBody>
+      </p:sp>
+    </p:spTree>
+    <p:extLst>
+      <p:ext uri="{BB962C8B-B14F-4D97-AF65-F5344CB8AC3E}">
+        <p14:creationId xmlns:p14="http://schemas.microsoft.com/office/powerpoint/2010/main" val="3699004840"/>
+      </p:ext>
+    </p:extLst>
+  </p:cSld>
+  <p:clrMapOvr>
+    <a:masterClrMapping/>
+  </p:clrMapOvr>
+</p:notes>
+</file>
+
+<file path=ppt/notesSlides/notesSlide5.xml><?xml version="1.0" encoding="utf-8"?>
+<p:notes xmlns:a="http://schemas.openxmlformats.org/drawingml/2006/main" xmlns:r="http://schemas.openxmlformats.org/officeDocument/2006/relationships" xmlns:p="http://schemas.openxmlformats.org/presentationml/2006/main">
+  <p:cSld>
+    <p:spTree>
+      <p:nvGrpSpPr>
+        <p:cNvPr id="1" name="">
+          <a:extLst>
+            <a:ext uri="{FF2B5EF4-FFF2-40B4-BE49-F238E27FC236}">
+              <a16:creationId xmlns:a16="http://schemas.microsoft.com/office/drawing/2014/main" id="{62ECC4FB-06B5-DF49-3F30-29F548E3FF99}"/>
+            </a:ext>
+          </a:extLst>
+        </p:cNvPr>
+        <p:cNvGrpSpPr/>
+        <p:nvPr/>
+      </p:nvGrpSpPr>
+      <p:grpSpPr>
+        <a:xfrm>
+          <a:off x="0" y="0"/>
+          <a:ext cx="0" cy="0"/>
+          <a:chOff x="0" y="0"/>
+          <a:chExt cx="0" cy="0"/>
+        </a:xfrm>
+      </p:grpSpPr>
+      <p:sp>
+        <p:nvSpPr>
+          <p:cNvPr id="2" name="Slide Image Placeholder 1">
+            <a:extLst>
+              <a:ext uri="{FF2B5EF4-FFF2-40B4-BE49-F238E27FC236}">
+                <a16:creationId xmlns:a16="http://schemas.microsoft.com/office/drawing/2014/main" id="{0D36E629-7FC9-3D22-DA13-F51869F2FAB7}"/>
+              </a:ext>
+            </a:extLst>
+          </p:cNvPr>
+          <p:cNvSpPr>
+            <a:spLocks noGrp="1" noRot="1" noChangeAspect="1"/>
+          </p:cNvSpPr>
+          <p:nvPr>
+            <p:ph type="sldImg"/>
+          </p:nvPr>
+        </p:nvSpPr>
+        <p:spPr/>
+      </p:sp>
+      <p:sp>
+        <p:nvSpPr>
+          <p:cNvPr id="3" name="Notes Placeholder 2">
+            <a:extLst>
+              <a:ext uri="{FF2B5EF4-FFF2-40B4-BE49-F238E27FC236}">
+                <a16:creationId xmlns:a16="http://schemas.microsoft.com/office/drawing/2014/main" id="{4C0DF802-E6DA-AAF2-D5B4-6CCC55171C6C}"/>
+              </a:ext>
+            </a:extLst>
+          </p:cNvPr>
+          <p:cNvSpPr>
+            <a:spLocks noGrp="1"/>
+          </p:cNvSpPr>
+          <p:nvPr>
+            <p:ph type="body" idx="1"/>
+          </p:nvPr>
+        </p:nvSpPr>
+        <p:spPr/>
+        <p:txBody>
+          <a:bodyPr/>
+          <a:lstStyle/>
+          <a:p>
+            <a:r>
+              <a:rPr lang="en-US" dirty="0">
+                <a:latin typeface="Tahoma" panose="020B0604030504040204" pitchFamily="34" charset="0"/>
+                <a:ea typeface="Tahoma" panose="020B0604030504040204" pitchFamily="34" charset="0"/>
+                <a:cs typeface="Tahoma" panose="020B0604030504040204" pitchFamily="34" charset="0"/>
+              </a:rPr>
+              <a:t>The framework that we will be using for this work is HAMR -- a model-driven development tool chain for high assurance embedded systems that emphasizes three layers of development:</a:t>
+            </a:r>
+          </a:p>
+          <a:p>
+            <a:endParaRPr lang="en-US" dirty="0">
+              <a:latin typeface="Tahoma" panose="020B0604030504040204" pitchFamily="34" charset="0"/>
+              <a:ea typeface="Tahoma" panose="020B0604030504040204" pitchFamily="34" charset="0"/>
+              <a:cs typeface="Tahoma" panose="020B0604030504040204" pitchFamily="34" charset="0"/>
+            </a:endParaRPr>
+          </a:p>
+          <a:p>
+            <a:r>
+              <a:rPr lang="en-US" dirty="0">
+                <a:latin typeface="Tahoma" panose="020B0604030504040204" pitchFamily="34" charset="0"/>
+                <a:ea typeface="Tahoma" panose="020B0604030504040204" pitchFamily="34" charset="0"/>
+                <a:cs typeface="Tahoma" panose="020B0604030504040204" pitchFamily="34" charset="0"/>
+              </a:rPr>
+              <a:t>Modeling, analysis and verification in the AADL modeling language, leveraging many tools in the AADL ecosystem</a:t>
+            </a:r>
+          </a:p>
+          <a:p>
+            <a:endParaRPr lang="en-US" dirty="0">
+              <a:latin typeface="Tahoma" panose="020B0604030504040204" pitchFamily="34" charset="0"/>
+              <a:ea typeface="Tahoma" panose="020B0604030504040204" pitchFamily="34" charset="0"/>
+              <a:cs typeface="Tahoma" panose="020B0604030504040204" pitchFamily="34" charset="0"/>
+            </a:endParaRPr>
+          </a:p>
+          <a:p>
+            <a:r>
+              <a:rPr lang="en-US" dirty="0">
+                <a:latin typeface="Tahoma" panose="020B0604030504040204" pitchFamily="34" charset="0"/>
+                <a:ea typeface="Tahoma" panose="020B0604030504040204" pitchFamily="34" charset="0"/>
+                <a:cs typeface="Tahoma" panose="020B0604030504040204" pitchFamily="34" charset="0"/>
+              </a:rPr>
+              <a:t>Development of component application logic in multiple languages include C and Slang (a safety-critical system of Scala with a contract verification framework, which can be translated to C)</a:t>
+            </a:r>
+          </a:p>
+          <a:p>
+            <a:endParaRPr lang="en-US" dirty="0">
+              <a:latin typeface="Tahoma" panose="020B0604030504040204" pitchFamily="34" charset="0"/>
+              <a:ea typeface="Tahoma" panose="020B0604030504040204" pitchFamily="34" charset="0"/>
+              <a:cs typeface="Tahoma" panose="020B0604030504040204" pitchFamily="34" charset="0"/>
+            </a:endParaRPr>
+          </a:p>
+          <a:p>
+            <a:r>
+              <a:rPr lang="en-US" dirty="0">
+                <a:latin typeface="Tahoma" panose="020B0604030504040204" pitchFamily="34" charset="0"/>
+                <a:ea typeface="Tahoma" panose="020B0604030504040204" pitchFamily="34" charset="0"/>
+                <a:cs typeface="Tahoma" panose="020B0604030504040204" pitchFamily="34" charset="0"/>
+              </a:rPr>
+              <a:t>Deployments on multiple platforms including seL4 verified microkernel.</a:t>
+            </a:r>
+          </a:p>
+          <a:p>
+            <a:endParaRPr lang="en-US" dirty="0">
+              <a:latin typeface="Tahoma" panose="020B0604030504040204" pitchFamily="34" charset="0"/>
+              <a:ea typeface="Tahoma" panose="020B0604030504040204" pitchFamily="34" charset="0"/>
+              <a:cs typeface="Tahoma" panose="020B0604030504040204" pitchFamily="34" charset="0"/>
+            </a:endParaRPr>
+          </a:p>
+        </p:txBody>
+      </p:sp>
+      <p:sp>
+        <p:nvSpPr>
+          <p:cNvPr id="4" name="Slide Number Placeholder 3">
+            <a:extLst>
+              <a:ext uri="{FF2B5EF4-FFF2-40B4-BE49-F238E27FC236}">
+                <a16:creationId xmlns:a16="http://schemas.microsoft.com/office/drawing/2014/main" id="{CB799A3D-97B6-971B-93B2-F166F155E689}"/>
+              </a:ext>
+            </a:extLst>
+          </p:cNvPr>
+          <p:cNvSpPr>
+            <a:spLocks noGrp="1"/>
+          </p:cNvSpPr>
+          <p:nvPr>
+            <p:ph type="sldNum" sz="quarter" idx="5"/>
+          </p:nvPr>
+        </p:nvSpPr>
+        <p:spPr/>
+        <p:txBody>
+          <a:bodyPr/>
+          <a:lstStyle/>
+          <a:p>
+            <a:pPr>
+              <a:defRPr/>
+            </a:pPr>
+            <a:fld id="{2BFE2475-28EF-9A44-97D3-D2287C00B1B1}" type="slidenum">
+              <a:rPr lang="en-US" smtClean="0"/>
+              <a:pPr>
+                <a:defRPr/>
+              </a:pPr>
+              <a:t>5</a:t>
+            </a:fld>
+            <a:endParaRPr lang="en-US"/>
+          </a:p>
+        </p:txBody>
+      </p:sp>
+    </p:spTree>
+    <p:extLst>
+      <p:ext uri="{BB962C8B-B14F-4D97-AF65-F5344CB8AC3E}">
+        <p14:creationId xmlns:p14="http://schemas.microsoft.com/office/powerpoint/2010/main" val="952873890"/>
+      </p:ext>
+    </p:extLst>
+  </p:cSld>
+  <p:clrMapOvr>
+    <a:masterClrMapping/>
+  </p:clrMapOvr>
+</p:notes>
+</file>
+
+<file path=ppt/notesSlides/notesSlide6.xml><?xml version="1.0" encoding="utf-8"?>
+<p:notes xmlns:a="http://schemas.openxmlformats.org/drawingml/2006/main" xmlns:r="http://schemas.openxmlformats.org/officeDocument/2006/relationships" xmlns:p="http://schemas.openxmlformats.org/presentationml/2006/main">
+  <p:cSld>
+    <p:spTree>
+      <p:nvGrpSpPr>
+        <p:cNvPr id="1" name="">
+          <a:extLst>
+            <a:ext uri="{FF2B5EF4-FFF2-40B4-BE49-F238E27FC236}">
+              <a16:creationId xmlns:a16="http://schemas.microsoft.com/office/drawing/2014/main" id="{A4EFB05A-DA6D-7BDF-0F03-F201DF16141B}"/>
+            </a:ext>
+          </a:extLst>
+        </p:cNvPr>
+        <p:cNvGrpSpPr/>
+        <p:nvPr/>
+      </p:nvGrpSpPr>
+      <p:grpSpPr>
+        <a:xfrm>
+          <a:off x="0" y="0"/>
+          <a:ext cx="0" cy="0"/>
+          <a:chOff x="0" y="0"/>
+          <a:chExt cx="0" cy="0"/>
+        </a:xfrm>
+      </p:grpSpPr>
+      <p:sp>
+        <p:nvSpPr>
+          <p:cNvPr id="2" name="Slide Image Placeholder 1">
+            <a:extLst>
+              <a:ext uri="{FF2B5EF4-FFF2-40B4-BE49-F238E27FC236}">
+                <a16:creationId xmlns:a16="http://schemas.microsoft.com/office/drawing/2014/main" id="{296A83DE-F5D9-1A52-5426-20F292234879}"/>
+              </a:ext>
+            </a:extLst>
+          </p:cNvPr>
+          <p:cNvSpPr>
+            <a:spLocks noGrp="1" noRot="1" noChangeAspect="1"/>
+          </p:cNvSpPr>
+          <p:nvPr>
+            <p:ph type="sldImg"/>
+          </p:nvPr>
+        </p:nvSpPr>
+        <p:spPr/>
+      </p:sp>
+      <p:sp>
+        <p:nvSpPr>
+          <p:cNvPr id="3" name="Notes Placeholder 2">
+            <a:extLst>
+              <a:ext uri="{FF2B5EF4-FFF2-40B4-BE49-F238E27FC236}">
+                <a16:creationId xmlns:a16="http://schemas.microsoft.com/office/drawing/2014/main" id="{C7D09A1F-450B-8B74-8A00-7642C792FD37}"/>
+              </a:ext>
+            </a:extLst>
+          </p:cNvPr>
+          <p:cNvSpPr>
+            <a:spLocks noGrp="1"/>
+          </p:cNvSpPr>
+          <p:nvPr>
+            <p:ph type="body" idx="1"/>
+          </p:nvPr>
+        </p:nvSpPr>
+        <p:spPr/>
+        <p:txBody>
+          <a:bodyPr/>
+          <a:lstStyle/>
+          <a:p>
+            <a:r>
+              <a:rPr lang="en-US" dirty="0">
+                <a:latin typeface="Tahoma" panose="020B0604030504040204" pitchFamily="34" charset="0"/>
+                <a:ea typeface="Tahoma" panose="020B0604030504040204" pitchFamily="34" charset="0"/>
+                <a:cs typeface="Tahoma" panose="020B0604030504040204" pitchFamily="34" charset="0"/>
+              </a:rPr>
+              <a:t>The framework that we will be using for this work is HAMR -- a model-driven development tool chain for high assurance embedded systems that emphasizes three layers of development:</a:t>
+            </a:r>
+          </a:p>
+          <a:p>
+            <a:endParaRPr lang="en-US" dirty="0">
+              <a:latin typeface="Tahoma" panose="020B0604030504040204" pitchFamily="34" charset="0"/>
+              <a:ea typeface="Tahoma" panose="020B0604030504040204" pitchFamily="34" charset="0"/>
+              <a:cs typeface="Tahoma" panose="020B0604030504040204" pitchFamily="34" charset="0"/>
+            </a:endParaRPr>
+          </a:p>
+          <a:p>
+            <a:r>
+              <a:rPr lang="en-US" dirty="0">
+                <a:latin typeface="Tahoma" panose="020B0604030504040204" pitchFamily="34" charset="0"/>
+                <a:ea typeface="Tahoma" panose="020B0604030504040204" pitchFamily="34" charset="0"/>
+                <a:cs typeface="Tahoma" panose="020B0604030504040204" pitchFamily="34" charset="0"/>
+              </a:rPr>
+              <a:t>Modeling, analysis and verification in the AADL modeling language, leveraging many tools in the AADL ecosystem</a:t>
+            </a:r>
+          </a:p>
+          <a:p>
+            <a:endParaRPr lang="en-US" dirty="0">
+              <a:latin typeface="Tahoma" panose="020B0604030504040204" pitchFamily="34" charset="0"/>
+              <a:ea typeface="Tahoma" panose="020B0604030504040204" pitchFamily="34" charset="0"/>
+              <a:cs typeface="Tahoma" panose="020B0604030504040204" pitchFamily="34" charset="0"/>
+            </a:endParaRPr>
+          </a:p>
+          <a:p>
+            <a:r>
+              <a:rPr lang="en-US" dirty="0">
+                <a:latin typeface="Tahoma" panose="020B0604030504040204" pitchFamily="34" charset="0"/>
+                <a:ea typeface="Tahoma" panose="020B0604030504040204" pitchFamily="34" charset="0"/>
+                <a:cs typeface="Tahoma" panose="020B0604030504040204" pitchFamily="34" charset="0"/>
+              </a:rPr>
+              <a:t>Development of component application logic in multiple languages include C and Slang (a safety-critical system of Scala with a contract verification framework, which can be translated to C)</a:t>
+            </a:r>
+          </a:p>
+          <a:p>
+            <a:endParaRPr lang="en-US" dirty="0">
+              <a:latin typeface="Tahoma" panose="020B0604030504040204" pitchFamily="34" charset="0"/>
+              <a:ea typeface="Tahoma" panose="020B0604030504040204" pitchFamily="34" charset="0"/>
+              <a:cs typeface="Tahoma" panose="020B0604030504040204" pitchFamily="34" charset="0"/>
+            </a:endParaRPr>
+          </a:p>
+          <a:p>
+            <a:r>
+              <a:rPr lang="en-US" dirty="0">
+                <a:latin typeface="Tahoma" panose="020B0604030504040204" pitchFamily="34" charset="0"/>
+                <a:ea typeface="Tahoma" panose="020B0604030504040204" pitchFamily="34" charset="0"/>
+                <a:cs typeface="Tahoma" panose="020B0604030504040204" pitchFamily="34" charset="0"/>
+              </a:rPr>
+              <a:t>Deployments on multiple platforms including seL4 verified microkernel.</a:t>
+            </a:r>
+          </a:p>
+          <a:p>
+            <a:endParaRPr lang="en-US" dirty="0">
+              <a:latin typeface="Tahoma" panose="020B0604030504040204" pitchFamily="34" charset="0"/>
+              <a:ea typeface="Tahoma" panose="020B0604030504040204" pitchFamily="34" charset="0"/>
+              <a:cs typeface="Tahoma" panose="020B0604030504040204" pitchFamily="34" charset="0"/>
+            </a:endParaRPr>
+          </a:p>
+        </p:txBody>
+      </p:sp>
+      <p:sp>
+        <p:nvSpPr>
+          <p:cNvPr id="4" name="Slide Number Placeholder 3">
+            <a:extLst>
+              <a:ext uri="{FF2B5EF4-FFF2-40B4-BE49-F238E27FC236}">
+                <a16:creationId xmlns:a16="http://schemas.microsoft.com/office/drawing/2014/main" id="{2DB7E3F2-BB22-A6F4-7289-A4AE35BD8AB6}"/>
+              </a:ext>
+            </a:extLst>
+          </p:cNvPr>
+          <p:cNvSpPr>
+            <a:spLocks noGrp="1"/>
+          </p:cNvSpPr>
+          <p:nvPr>
+            <p:ph type="sldNum" sz="quarter" idx="5"/>
+          </p:nvPr>
+        </p:nvSpPr>
+        <p:spPr/>
+        <p:txBody>
+          <a:bodyPr/>
+          <a:lstStyle/>
+          <a:p>
+            <a:pPr>
+              <a:defRPr/>
+            </a:pPr>
+            <a:fld id="{2BFE2475-28EF-9A44-97D3-D2287C00B1B1}" type="slidenum">
+              <a:rPr lang="en-US" smtClean="0"/>
+              <a:pPr>
+                <a:defRPr/>
+              </a:pPr>
+              <a:t>6</a:t>
+            </a:fld>
+            <a:endParaRPr lang="en-US"/>
+          </a:p>
+        </p:txBody>
+      </p:sp>
+    </p:spTree>
+    <p:extLst>
+      <p:ext uri="{BB962C8B-B14F-4D97-AF65-F5344CB8AC3E}">
+        <p14:creationId xmlns:p14="http://schemas.microsoft.com/office/powerpoint/2010/main" val="273991117"/>
+      </p:ext>
+    </p:extLst>
+  </p:cSld>
+  <p:clrMapOvr>
+    <a:masterClrMapping/>
+  </p:clrMapOvr>
+</p:notes>
+</file>
+
+<file path=ppt/notesSlides/notesSlide7.xml><?xml version="1.0" encoding="utf-8"?>
+<p:notes xmlns:a="http://schemas.openxmlformats.org/drawingml/2006/main" xmlns:r="http://schemas.openxmlformats.org/officeDocument/2006/relationships" xmlns:p="http://schemas.openxmlformats.org/presentationml/2006/main">
+  <p:cSld>
+    <p:spTree>
+      <p:nvGrpSpPr>
+        <p:cNvPr id="1" name="">
+          <a:extLst>
+            <a:ext uri="{FF2B5EF4-FFF2-40B4-BE49-F238E27FC236}">
+              <a16:creationId xmlns:a16="http://schemas.microsoft.com/office/drawing/2014/main" id="{43F1E094-5FA4-0A80-A853-80FECF54978E}"/>
+            </a:ext>
+          </a:extLst>
+        </p:cNvPr>
+        <p:cNvGrpSpPr/>
+        <p:nvPr/>
+      </p:nvGrpSpPr>
+      <p:grpSpPr>
+        <a:xfrm>
+          <a:off x="0" y="0"/>
+          <a:ext cx="0" cy="0"/>
+          <a:chOff x="0" y="0"/>
+          <a:chExt cx="0" cy="0"/>
+        </a:xfrm>
+      </p:grpSpPr>
+      <p:sp>
+        <p:nvSpPr>
+          <p:cNvPr id="2" name="Slide Image Placeholder 1">
+            <a:extLst>
+              <a:ext uri="{FF2B5EF4-FFF2-40B4-BE49-F238E27FC236}">
+                <a16:creationId xmlns:a16="http://schemas.microsoft.com/office/drawing/2014/main" id="{7F24F519-A167-266F-D30B-C580803CD7BA}"/>
+              </a:ext>
+            </a:extLst>
+          </p:cNvPr>
+          <p:cNvSpPr>
+            <a:spLocks noGrp="1" noRot="1" noChangeAspect="1"/>
+          </p:cNvSpPr>
+          <p:nvPr>
+            <p:ph type="sldImg"/>
+          </p:nvPr>
+        </p:nvSpPr>
+        <p:spPr/>
+      </p:sp>
+      <p:sp>
+        <p:nvSpPr>
+          <p:cNvPr id="3" name="Notes Placeholder 2">
+            <a:extLst>
+              <a:ext uri="{FF2B5EF4-FFF2-40B4-BE49-F238E27FC236}">
+                <a16:creationId xmlns:a16="http://schemas.microsoft.com/office/drawing/2014/main" id="{1CF248AF-C39F-522F-97B2-8056E84AD73A}"/>
+              </a:ext>
+            </a:extLst>
+          </p:cNvPr>
+          <p:cNvSpPr>
+            <a:spLocks noGrp="1"/>
+          </p:cNvSpPr>
+          <p:nvPr>
+            <p:ph type="body" idx="1"/>
+          </p:nvPr>
+        </p:nvSpPr>
+        <p:spPr/>
+        <p:txBody>
+          <a:bodyPr/>
+          <a:lstStyle/>
+          <a:p>
+            <a:r>
+              <a:rPr lang="en-US" dirty="0">
+                <a:latin typeface="Tahoma" panose="020B0604030504040204" pitchFamily="34" charset="0"/>
+                <a:ea typeface="Tahoma" panose="020B0604030504040204" pitchFamily="34" charset="0"/>
+                <a:cs typeface="Tahoma" panose="020B0604030504040204" pitchFamily="34" charset="0"/>
+              </a:rPr>
+              <a:t>The framework that we will be using for this work is HAMR -- a model-driven development tool chain for high assurance embedded systems that emphasizes three layers of development:</a:t>
+            </a:r>
+          </a:p>
+          <a:p>
+            <a:endParaRPr lang="en-US" dirty="0">
+              <a:latin typeface="Tahoma" panose="020B0604030504040204" pitchFamily="34" charset="0"/>
+              <a:ea typeface="Tahoma" panose="020B0604030504040204" pitchFamily="34" charset="0"/>
+              <a:cs typeface="Tahoma" panose="020B0604030504040204" pitchFamily="34" charset="0"/>
+            </a:endParaRPr>
+          </a:p>
+          <a:p>
+            <a:r>
+              <a:rPr lang="en-US" dirty="0">
+                <a:latin typeface="Tahoma" panose="020B0604030504040204" pitchFamily="34" charset="0"/>
+                <a:ea typeface="Tahoma" panose="020B0604030504040204" pitchFamily="34" charset="0"/>
+                <a:cs typeface="Tahoma" panose="020B0604030504040204" pitchFamily="34" charset="0"/>
+              </a:rPr>
+              <a:t>Modeling, analysis and verification in the AADL modeling language, leveraging many tools in the AADL ecosystem</a:t>
+            </a:r>
+          </a:p>
+          <a:p>
+            <a:endParaRPr lang="en-US" dirty="0">
+              <a:latin typeface="Tahoma" panose="020B0604030504040204" pitchFamily="34" charset="0"/>
+              <a:ea typeface="Tahoma" panose="020B0604030504040204" pitchFamily="34" charset="0"/>
+              <a:cs typeface="Tahoma" panose="020B0604030504040204" pitchFamily="34" charset="0"/>
+            </a:endParaRPr>
+          </a:p>
+          <a:p>
+            <a:r>
+              <a:rPr lang="en-US" dirty="0">
+                <a:latin typeface="Tahoma" panose="020B0604030504040204" pitchFamily="34" charset="0"/>
+                <a:ea typeface="Tahoma" panose="020B0604030504040204" pitchFamily="34" charset="0"/>
+                <a:cs typeface="Tahoma" panose="020B0604030504040204" pitchFamily="34" charset="0"/>
+              </a:rPr>
+              <a:t>Development of component application logic in multiple languages include C and Slang (a safety-critical system of Scala with a contract verification framework, which can be translated to C)</a:t>
+            </a:r>
+          </a:p>
+          <a:p>
+            <a:endParaRPr lang="en-US" dirty="0">
+              <a:latin typeface="Tahoma" panose="020B0604030504040204" pitchFamily="34" charset="0"/>
+              <a:ea typeface="Tahoma" panose="020B0604030504040204" pitchFamily="34" charset="0"/>
+              <a:cs typeface="Tahoma" panose="020B0604030504040204" pitchFamily="34" charset="0"/>
+            </a:endParaRPr>
+          </a:p>
+          <a:p>
+            <a:r>
+              <a:rPr lang="en-US" dirty="0">
+                <a:latin typeface="Tahoma" panose="020B0604030504040204" pitchFamily="34" charset="0"/>
+                <a:ea typeface="Tahoma" panose="020B0604030504040204" pitchFamily="34" charset="0"/>
+                <a:cs typeface="Tahoma" panose="020B0604030504040204" pitchFamily="34" charset="0"/>
+              </a:rPr>
+              <a:t>Deployments on multiple platforms including seL4 verified microkernel.</a:t>
+            </a:r>
+          </a:p>
+          <a:p>
+            <a:endParaRPr lang="en-US" dirty="0">
+              <a:latin typeface="Tahoma" panose="020B0604030504040204" pitchFamily="34" charset="0"/>
+              <a:ea typeface="Tahoma" panose="020B0604030504040204" pitchFamily="34" charset="0"/>
+              <a:cs typeface="Tahoma" panose="020B0604030504040204" pitchFamily="34" charset="0"/>
+            </a:endParaRPr>
+          </a:p>
+        </p:txBody>
+      </p:sp>
+      <p:sp>
+        <p:nvSpPr>
+          <p:cNvPr id="4" name="Slide Number Placeholder 3">
+            <a:extLst>
+              <a:ext uri="{FF2B5EF4-FFF2-40B4-BE49-F238E27FC236}">
+                <a16:creationId xmlns:a16="http://schemas.microsoft.com/office/drawing/2014/main" id="{9DBC90AB-F015-0722-F851-E17BCC6F8311}"/>
+              </a:ext>
+            </a:extLst>
+          </p:cNvPr>
+          <p:cNvSpPr>
+            <a:spLocks noGrp="1"/>
+          </p:cNvSpPr>
+          <p:nvPr>
+            <p:ph type="sldNum" sz="quarter" idx="5"/>
+          </p:nvPr>
+        </p:nvSpPr>
+        <p:spPr/>
+        <p:txBody>
+          <a:bodyPr/>
+          <a:lstStyle/>
+          <a:p>
+            <a:pPr>
+              <a:defRPr/>
+            </a:pPr>
+            <a:fld id="{2BFE2475-28EF-9A44-97D3-D2287C00B1B1}" type="slidenum">
+              <a:rPr lang="en-US" smtClean="0"/>
+              <a:pPr>
+                <a:defRPr/>
+              </a:pPr>
+              <a:t>7</a:t>
+            </a:fld>
+            <a:endParaRPr lang="en-US"/>
+          </a:p>
+        </p:txBody>
+      </p:sp>
+    </p:spTree>
+    <p:extLst>
+      <p:ext uri="{BB962C8B-B14F-4D97-AF65-F5344CB8AC3E}">
+        <p14:creationId xmlns:p14="http://schemas.microsoft.com/office/powerpoint/2010/main" val="890315688"/>
+      </p:ext>
+    </p:extLst>
+  </p:cSld>
+  <p:clrMapOvr>
+    <a:masterClrMapping/>
+  </p:clrMapOvr>
+</p:notes>
+</file>
+
+<file path=ppt/notesSlides/notesSlide8.xml><?xml version="1.0" encoding="utf-8"?>
+<p:notes xmlns:a="http://schemas.openxmlformats.org/drawingml/2006/main" xmlns:r="http://schemas.openxmlformats.org/officeDocument/2006/relationships" xmlns:p="http://schemas.openxmlformats.org/presentationml/2006/main">
+  <p:cSld>
+    <p:spTree>
+      <p:nvGrpSpPr>
+        <p:cNvPr id="1" name="">
+          <a:extLst>
+            <a:ext uri="{FF2B5EF4-FFF2-40B4-BE49-F238E27FC236}">
+              <a16:creationId xmlns:a16="http://schemas.microsoft.com/office/drawing/2014/main" id="{C50C0545-3646-48F4-0058-E6291B45ED98}"/>
+            </a:ext>
+          </a:extLst>
+        </p:cNvPr>
+        <p:cNvGrpSpPr/>
+        <p:nvPr/>
+      </p:nvGrpSpPr>
+      <p:grpSpPr>
+        <a:xfrm>
+          <a:off x="0" y="0"/>
+          <a:ext cx="0" cy="0"/>
+          <a:chOff x="0" y="0"/>
+          <a:chExt cx="0" cy="0"/>
+        </a:xfrm>
+      </p:grpSpPr>
+      <p:sp>
+        <p:nvSpPr>
+          <p:cNvPr id="2" name="Slide Image Placeholder 1">
+            <a:extLst>
+              <a:ext uri="{FF2B5EF4-FFF2-40B4-BE49-F238E27FC236}">
+                <a16:creationId xmlns:a16="http://schemas.microsoft.com/office/drawing/2014/main" id="{23AD1F59-2D72-6B46-C003-3D8256DF1BA9}"/>
+              </a:ext>
+            </a:extLst>
+          </p:cNvPr>
+          <p:cNvSpPr>
+            <a:spLocks noGrp="1" noRot="1" noChangeAspect="1"/>
+          </p:cNvSpPr>
+          <p:nvPr>
+            <p:ph type="sldImg"/>
+          </p:nvPr>
+        </p:nvSpPr>
+        <p:spPr/>
+      </p:sp>
+      <p:sp>
+        <p:nvSpPr>
+          <p:cNvPr id="3" name="Notes Placeholder 2">
+            <a:extLst>
+              <a:ext uri="{FF2B5EF4-FFF2-40B4-BE49-F238E27FC236}">
+                <a16:creationId xmlns:a16="http://schemas.microsoft.com/office/drawing/2014/main" id="{9A8BD063-F3A9-B39B-E17A-34C04A7F865F}"/>
+              </a:ext>
+            </a:extLst>
+          </p:cNvPr>
+          <p:cNvSpPr>
+            <a:spLocks noGrp="1"/>
+          </p:cNvSpPr>
+          <p:nvPr>
+            <p:ph type="body" idx="1"/>
+          </p:nvPr>
+        </p:nvSpPr>
+        <p:spPr/>
+        <p:txBody>
+          <a:bodyPr/>
+          <a:lstStyle/>
+          <a:p>
+            <a:r>
+              <a:rPr lang="en-US" dirty="0">
+                <a:latin typeface="Tahoma" panose="020B0604030504040204" pitchFamily="34" charset="0"/>
+                <a:ea typeface="Tahoma" panose="020B0604030504040204" pitchFamily="34" charset="0"/>
+                <a:cs typeface="Tahoma" panose="020B0604030504040204" pitchFamily="34" charset="0"/>
+              </a:rPr>
+              <a:t>The framework that we will be using for this work is HAMR -- a model-driven development tool chain for high assurance embedded systems that emphasizes three layers of development:</a:t>
+            </a:r>
+          </a:p>
+          <a:p>
+            <a:endParaRPr lang="en-US" dirty="0">
+              <a:latin typeface="Tahoma" panose="020B0604030504040204" pitchFamily="34" charset="0"/>
+              <a:ea typeface="Tahoma" panose="020B0604030504040204" pitchFamily="34" charset="0"/>
+              <a:cs typeface="Tahoma" panose="020B0604030504040204" pitchFamily="34" charset="0"/>
+            </a:endParaRPr>
+          </a:p>
+          <a:p>
+            <a:r>
+              <a:rPr lang="en-US" dirty="0">
+                <a:latin typeface="Tahoma" panose="020B0604030504040204" pitchFamily="34" charset="0"/>
+                <a:ea typeface="Tahoma" panose="020B0604030504040204" pitchFamily="34" charset="0"/>
+                <a:cs typeface="Tahoma" panose="020B0604030504040204" pitchFamily="34" charset="0"/>
+              </a:rPr>
+              <a:t>Modeling, analysis and verification in the AADL modeling language, leveraging many tools in the AADL ecosystem</a:t>
+            </a:r>
+          </a:p>
+          <a:p>
+            <a:endParaRPr lang="en-US" dirty="0">
+              <a:latin typeface="Tahoma" panose="020B0604030504040204" pitchFamily="34" charset="0"/>
+              <a:ea typeface="Tahoma" panose="020B0604030504040204" pitchFamily="34" charset="0"/>
+              <a:cs typeface="Tahoma" panose="020B0604030504040204" pitchFamily="34" charset="0"/>
+            </a:endParaRPr>
+          </a:p>
+          <a:p>
+            <a:r>
+              <a:rPr lang="en-US" dirty="0">
+                <a:latin typeface="Tahoma" panose="020B0604030504040204" pitchFamily="34" charset="0"/>
+                <a:ea typeface="Tahoma" panose="020B0604030504040204" pitchFamily="34" charset="0"/>
+                <a:cs typeface="Tahoma" panose="020B0604030504040204" pitchFamily="34" charset="0"/>
+              </a:rPr>
+              <a:t>Development of component application logic in multiple languages include C and Slang (a safety-critical system of Scala with a contract verification framework, which can be translated to C)</a:t>
+            </a:r>
+          </a:p>
+          <a:p>
+            <a:endParaRPr lang="en-US" dirty="0">
+              <a:latin typeface="Tahoma" panose="020B0604030504040204" pitchFamily="34" charset="0"/>
+              <a:ea typeface="Tahoma" panose="020B0604030504040204" pitchFamily="34" charset="0"/>
+              <a:cs typeface="Tahoma" panose="020B0604030504040204" pitchFamily="34" charset="0"/>
+            </a:endParaRPr>
+          </a:p>
+          <a:p>
+            <a:r>
+              <a:rPr lang="en-US" dirty="0">
+                <a:latin typeface="Tahoma" panose="020B0604030504040204" pitchFamily="34" charset="0"/>
+                <a:ea typeface="Tahoma" panose="020B0604030504040204" pitchFamily="34" charset="0"/>
+                <a:cs typeface="Tahoma" panose="020B0604030504040204" pitchFamily="34" charset="0"/>
+              </a:rPr>
+              <a:t>Deployments on multiple platforms including seL4 verified microkernel.</a:t>
+            </a:r>
+          </a:p>
+          <a:p>
+            <a:endParaRPr lang="en-US" dirty="0">
+              <a:latin typeface="Tahoma" panose="020B0604030504040204" pitchFamily="34" charset="0"/>
+              <a:ea typeface="Tahoma" panose="020B0604030504040204" pitchFamily="34" charset="0"/>
+              <a:cs typeface="Tahoma" panose="020B0604030504040204" pitchFamily="34" charset="0"/>
+            </a:endParaRPr>
+          </a:p>
+        </p:txBody>
+      </p:sp>
+      <p:sp>
+        <p:nvSpPr>
+          <p:cNvPr id="4" name="Slide Number Placeholder 3">
+            <a:extLst>
+              <a:ext uri="{FF2B5EF4-FFF2-40B4-BE49-F238E27FC236}">
+                <a16:creationId xmlns:a16="http://schemas.microsoft.com/office/drawing/2014/main" id="{4D43556A-5667-229C-BEA2-852C06E0495C}"/>
+              </a:ext>
+            </a:extLst>
+          </p:cNvPr>
+          <p:cNvSpPr>
+            <a:spLocks noGrp="1"/>
+          </p:cNvSpPr>
+          <p:nvPr>
+            <p:ph type="sldNum" sz="quarter" idx="5"/>
+          </p:nvPr>
+        </p:nvSpPr>
+        <p:spPr/>
+        <p:txBody>
+          <a:bodyPr/>
+          <a:lstStyle/>
+          <a:p>
+            <a:pPr>
+              <a:defRPr/>
+            </a:pPr>
+            <a:fld id="{2BFE2475-28EF-9A44-97D3-D2287C00B1B1}" type="slidenum">
+              <a:rPr lang="en-US" smtClean="0"/>
+              <a:pPr>
+                <a:defRPr/>
+              </a:pPr>
+              <a:t>8</a:t>
+            </a:fld>
+            <a:endParaRPr lang="en-US"/>
+          </a:p>
+        </p:txBody>
+      </p:sp>
+    </p:spTree>
+    <p:extLst>
+      <p:ext uri="{BB962C8B-B14F-4D97-AF65-F5344CB8AC3E}">
+        <p14:creationId xmlns:p14="http://schemas.microsoft.com/office/powerpoint/2010/main" val="3844621686"/>
+      </p:ext>
+    </p:extLst>
+  </p:cSld>
+  <p:clrMapOvr>
+    <a:masterClrMapping/>
+  </p:clrMapOvr>
+</p:notes>
+</file>
+
+<file path=ppt/notesSlides/notesSlide9.xml><?xml version="1.0" encoding="utf-8"?>
+<p:notes xmlns:a="http://schemas.openxmlformats.org/drawingml/2006/main" xmlns:r="http://schemas.openxmlformats.org/officeDocument/2006/relationships" xmlns:p="http://schemas.openxmlformats.org/presentationml/2006/main">
+  <p:cSld>
+    <p:spTree>
+      <p:nvGrpSpPr>
+        <p:cNvPr id="1" name="">
+          <a:extLst>
+            <a:ext uri="{FF2B5EF4-FFF2-40B4-BE49-F238E27FC236}">
+              <a16:creationId xmlns:a16="http://schemas.microsoft.com/office/drawing/2014/main" id="{788E35AE-3C6C-1273-164F-BF0F664FBDA2}"/>
+            </a:ext>
+          </a:extLst>
+        </p:cNvPr>
+        <p:cNvGrpSpPr/>
+        <p:nvPr/>
+      </p:nvGrpSpPr>
+      <p:grpSpPr>
+        <a:xfrm>
+          <a:off x="0" y="0"/>
+          <a:ext cx="0" cy="0"/>
+          <a:chOff x="0" y="0"/>
+          <a:chExt cx="0" cy="0"/>
+        </a:xfrm>
+      </p:grpSpPr>
+      <p:sp>
+        <p:nvSpPr>
+          <p:cNvPr id="2" name="Slide Image Placeholder 1">
+            <a:extLst>
+              <a:ext uri="{FF2B5EF4-FFF2-40B4-BE49-F238E27FC236}">
+                <a16:creationId xmlns:a16="http://schemas.microsoft.com/office/drawing/2014/main" id="{4A25FC0E-1A0B-E8F2-4AFF-201085FA0336}"/>
+              </a:ext>
+            </a:extLst>
+          </p:cNvPr>
+          <p:cNvSpPr>
+            <a:spLocks noGrp="1" noRot="1" noChangeAspect="1"/>
+          </p:cNvSpPr>
+          <p:nvPr>
+            <p:ph type="sldImg"/>
+          </p:nvPr>
+        </p:nvSpPr>
+        <p:spPr/>
+      </p:sp>
+      <p:sp>
+        <p:nvSpPr>
+          <p:cNvPr id="3" name="Notes Placeholder 2">
+            <a:extLst>
+              <a:ext uri="{FF2B5EF4-FFF2-40B4-BE49-F238E27FC236}">
+                <a16:creationId xmlns:a16="http://schemas.microsoft.com/office/drawing/2014/main" id="{2A13A013-70F1-1170-8F13-CAE6690DC19F}"/>
+              </a:ext>
+            </a:extLst>
+          </p:cNvPr>
+          <p:cNvSpPr>
+            <a:spLocks noGrp="1"/>
+          </p:cNvSpPr>
+          <p:nvPr>
+            <p:ph type="body" idx="1"/>
+          </p:nvPr>
+        </p:nvSpPr>
+        <p:spPr/>
+        <p:txBody>
+          <a:bodyPr/>
+          <a:lstStyle/>
+          <a:p>
+            <a:r>
+              <a:rPr lang="en-US" dirty="0">
+                <a:latin typeface="Tahoma" panose="020B0604030504040204" pitchFamily="34" charset="0"/>
+                <a:ea typeface="Tahoma" panose="020B0604030504040204" pitchFamily="34" charset="0"/>
+                <a:cs typeface="Tahoma" panose="020B0604030504040204" pitchFamily="34" charset="0"/>
+              </a:rPr>
+              <a:t>The framework that we will be using for this work is HAMR -- a model-driven development tool chain for high assurance embedded systems that emphasizes three layers of development:</a:t>
+            </a:r>
+          </a:p>
+          <a:p>
+            <a:endParaRPr lang="en-US" dirty="0">
+              <a:latin typeface="Tahoma" panose="020B0604030504040204" pitchFamily="34" charset="0"/>
+              <a:ea typeface="Tahoma" panose="020B0604030504040204" pitchFamily="34" charset="0"/>
+              <a:cs typeface="Tahoma" panose="020B0604030504040204" pitchFamily="34" charset="0"/>
+            </a:endParaRPr>
+          </a:p>
+          <a:p>
+            <a:r>
+              <a:rPr lang="en-US" dirty="0">
+                <a:latin typeface="Tahoma" panose="020B0604030504040204" pitchFamily="34" charset="0"/>
+                <a:ea typeface="Tahoma" panose="020B0604030504040204" pitchFamily="34" charset="0"/>
+                <a:cs typeface="Tahoma" panose="020B0604030504040204" pitchFamily="34" charset="0"/>
+              </a:rPr>
+              <a:t>Modeling, analysis and verification in the AADL modeling language, leveraging many tools in the AADL ecosystem</a:t>
+            </a:r>
+          </a:p>
+          <a:p>
+            <a:endParaRPr lang="en-US" dirty="0">
+              <a:latin typeface="Tahoma" panose="020B0604030504040204" pitchFamily="34" charset="0"/>
+              <a:ea typeface="Tahoma" panose="020B0604030504040204" pitchFamily="34" charset="0"/>
+              <a:cs typeface="Tahoma" panose="020B0604030504040204" pitchFamily="34" charset="0"/>
+            </a:endParaRPr>
+          </a:p>
+          <a:p>
+            <a:r>
+              <a:rPr lang="en-US" dirty="0">
+                <a:latin typeface="Tahoma" panose="020B0604030504040204" pitchFamily="34" charset="0"/>
+                <a:ea typeface="Tahoma" panose="020B0604030504040204" pitchFamily="34" charset="0"/>
+                <a:cs typeface="Tahoma" panose="020B0604030504040204" pitchFamily="34" charset="0"/>
+              </a:rPr>
+              <a:t>Development of component application logic in multiple languages include C and Slang (a safety-critical system of Scala with a contract verification framework, which can be translated to C)</a:t>
+            </a:r>
+          </a:p>
+          <a:p>
+            <a:endParaRPr lang="en-US" dirty="0">
+              <a:latin typeface="Tahoma" panose="020B0604030504040204" pitchFamily="34" charset="0"/>
+              <a:ea typeface="Tahoma" panose="020B0604030504040204" pitchFamily="34" charset="0"/>
+              <a:cs typeface="Tahoma" panose="020B0604030504040204" pitchFamily="34" charset="0"/>
+            </a:endParaRPr>
+          </a:p>
+          <a:p>
+            <a:r>
+              <a:rPr lang="en-US" dirty="0">
+                <a:latin typeface="Tahoma" panose="020B0604030504040204" pitchFamily="34" charset="0"/>
+                <a:ea typeface="Tahoma" panose="020B0604030504040204" pitchFamily="34" charset="0"/>
+                <a:cs typeface="Tahoma" panose="020B0604030504040204" pitchFamily="34" charset="0"/>
+              </a:rPr>
+              <a:t>Deployments on multiple platforms including seL4 verified microkernel.</a:t>
+            </a:r>
+          </a:p>
+          <a:p>
+            <a:endParaRPr lang="en-US" dirty="0">
+              <a:latin typeface="Tahoma" panose="020B0604030504040204" pitchFamily="34" charset="0"/>
+              <a:ea typeface="Tahoma" panose="020B0604030504040204" pitchFamily="34" charset="0"/>
+              <a:cs typeface="Tahoma" panose="020B0604030504040204" pitchFamily="34" charset="0"/>
+            </a:endParaRPr>
+          </a:p>
+        </p:txBody>
+      </p:sp>
+      <p:sp>
+        <p:nvSpPr>
+          <p:cNvPr id="4" name="Slide Number Placeholder 3">
+            <a:extLst>
+              <a:ext uri="{FF2B5EF4-FFF2-40B4-BE49-F238E27FC236}">
+                <a16:creationId xmlns:a16="http://schemas.microsoft.com/office/drawing/2014/main" id="{07AD22B2-C4C1-AD25-D9E2-BA4236FDCB1D}"/>
+              </a:ext>
+            </a:extLst>
+          </p:cNvPr>
+          <p:cNvSpPr>
+            <a:spLocks noGrp="1"/>
+          </p:cNvSpPr>
+          <p:nvPr>
+            <p:ph type="sldNum" sz="quarter" idx="5"/>
+          </p:nvPr>
+        </p:nvSpPr>
+        <p:spPr/>
+        <p:txBody>
+          <a:bodyPr/>
+          <a:lstStyle/>
+          <a:p>
+            <a:pPr>
+              <a:defRPr/>
+            </a:pPr>
+            <a:fld id="{2BFE2475-28EF-9A44-97D3-D2287C00B1B1}" type="slidenum">
+              <a:rPr lang="en-US" smtClean="0"/>
+              <a:pPr>
+                <a:defRPr/>
+              </a:pPr>
+              <a:t>9</a:t>
+            </a:fld>
+            <a:endParaRPr lang="en-US"/>
+          </a:p>
+        </p:txBody>
+      </p:sp>
+    </p:spTree>
+    <p:extLst>
+      <p:ext uri="{BB962C8B-B14F-4D97-AF65-F5344CB8AC3E}">
+        <p14:creationId xmlns:p14="http://schemas.microsoft.com/office/powerpoint/2010/main" val="3618177665"/>
       </p:ext>
     </p:extLst>
   </p:cSld>
@@ -4815,6 +6255,1870 @@
 </p:sld>
 </file>
 
+<file path=ppt/slides/slide10.xml><?xml version="1.0" encoding="utf-8"?>
+<p:sld xmlns:a="http://schemas.openxmlformats.org/drawingml/2006/main" xmlns:r="http://schemas.openxmlformats.org/officeDocument/2006/relationships" xmlns:p="http://schemas.openxmlformats.org/presentationml/2006/main">
+  <p:cSld>
+    <p:spTree>
+      <p:nvGrpSpPr>
+        <p:cNvPr id="1" name="">
+          <a:extLst>
+            <a:ext uri="{FF2B5EF4-FFF2-40B4-BE49-F238E27FC236}">
+              <a16:creationId xmlns:a16="http://schemas.microsoft.com/office/drawing/2014/main" id="{83D5448D-CA90-EFD7-4B22-94C7936D03C9}"/>
+            </a:ext>
+          </a:extLst>
+        </p:cNvPr>
+        <p:cNvGrpSpPr/>
+        <p:nvPr/>
+      </p:nvGrpSpPr>
+      <p:grpSpPr>
+        <a:xfrm>
+          <a:off x="0" y="0"/>
+          <a:ext cx="0" cy="0"/>
+          <a:chOff x="0" y="0"/>
+          <a:chExt cx="0" cy="0"/>
+        </a:xfrm>
+      </p:grpSpPr>
+      <p:sp>
+        <p:nvSpPr>
+          <p:cNvPr id="2" name="Title 1">
+            <a:extLst>
+              <a:ext uri="{FF2B5EF4-FFF2-40B4-BE49-F238E27FC236}">
+                <a16:creationId xmlns:a16="http://schemas.microsoft.com/office/drawing/2014/main" id="{2F4B258E-A59F-BAE0-B9CC-A05B3D6903EB}"/>
+              </a:ext>
+            </a:extLst>
+          </p:cNvPr>
+          <p:cNvSpPr>
+            <a:spLocks noGrp="1"/>
+          </p:cNvSpPr>
+          <p:nvPr>
+            <p:ph type="title"/>
+          </p:nvPr>
+        </p:nvSpPr>
+        <p:spPr/>
+        <p:txBody>
+          <a:bodyPr/>
+          <a:lstStyle/>
+          <a:p>
+            <a:r>
+              <a:rPr lang="en-US" sz="3600" dirty="0"/>
+              <a:t>While Loops</a:t>
+            </a:r>
+          </a:p>
+        </p:txBody>
+      </p:sp>
+      <p:sp>
+        <p:nvSpPr>
+          <p:cNvPr id="128" name="Slide Number Placeholder 127">
+            <a:extLst>
+              <a:ext uri="{FF2B5EF4-FFF2-40B4-BE49-F238E27FC236}">
+                <a16:creationId xmlns:a16="http://schemas.microsoft.com/office/drawing/2014/main" id="{52BEDE21-266A-3A77-0608-300583C4EAC7}"/>
+              </a:ext>
+            </a:extLst>
+          </p:cNvPr>
+          <p:cNvSpPr>
+            <a:spLocks noGrp="1"/>
+          </p:cNvSpPr>
+          <p:nvPr>
+            <p:ph type="sldNum" sz="quarter" idx="11"/>
+          </p:nvPr>
+        </p:nvSpPr>
+        <p:spPr/>
+        <p:txBody>
+          <a:bodyPr/>
+          <a:lstStyle/>
+          <a:p>
+            <a:pPr>
+              <a:defRPr/>
+            </a:pPr>
+            <a:fld id="{6E0AA622-F4CE-604D-A669-CD3D12FC535C}" type="slidenum">
+              <a:rPr lang="en-US" smtClean="0"/>
+              <a:pPr>
+                <a:defRPr/>
+              </a:pPr>
+              <a:t>10</a:t>
+            </a:fld>
+            <a:endParaRPr lang="en-US" dirty="0"/>
+          </a:p>
+        </p:txBody>
+      </p:sp>
+      <p:sp>
+        <p:nvSpPr>
+          <p:cNvPr id="3" name="TextBox 2">
+            <a:extLst>
+              <a:ext uri="{FF2B5EF4-FFF2-40B4-BE49-F238E27FC236}">
+                <a16:creationId xmlns:a16="http://schemas.microsoft.com/office/drawing/2014/main" id="{A600B80A-6466-222C-0EB1-A0E493306094}"/>
+              </a:ext>
+            </a:extLst>
+          </p:cNvPr>
+          <p:cNvSpPr txBox="1"/>
+          <p:nvPr/>
+        </p:nvSpPr>
+        <p:spPr>
+          <a:xfrm>
+            <a:off x="381000" y="1158925"/>
+            <a:ext cx="8016766" cy="338554"/>
+          </a:xfrm>
+          <a:prstGeom prst="rect">
+            <a:avLst/>
+          </a:prstGeom>
+          <a:gradFill flip="none" rotWithShape="1">
+            <a:gsLst>
+              <a:gs pos="0">
+                <a:schemeClr val="bg1"/>
+              </a:gs>
+              <a:gs pos="74000">
+                <a:srgbClr val="FFE267"/>
+              </a:gs>
+              <a:gs pos="83000">
+                <a:srgbClr val="FFE267"/>
+              </a:gs>
+              <a:gs pos="100000">
+                <a:srgbClr val="FFE267"/>
+              </a:gs>
+            </a:gsLst>
+            <a:lin ang="10800000" scaled="1"/>
+            <a:tileRect/>
+          </a:gradFill>
+        </p:spPr>
+        <p:txBody>
+          <a:bodyPr wrap="square" rtlCol="0">
+            <a:spAutoFit/>
+          </a:bodyPr>
+          <a:lstStyle/>
+          <a:p>
+            <a:r>
+              <a:rPr lang="en-US" sz="1600" dirty="0"/>
+              <a:t>Example: Factorial function</a:t>
+            </a:r>
+          </a:p>
+        </p:txBody>
+      </p:sp>
+      <p:sp>
+        <p:nvSpPr>
+          <p:cNvPr id="4" name="TextBox 3">
+            <a:extLst>
+              <a:ext uri="{FF2B5EF4-FFF2-40B4-BE49-F238E27FC236}">
+                <a16:creationId xmlns:a16="http://schemas.microsoft.com/office/drawing/2014/main" id="{4687EFD2-74F2-2B44-D30D-5D6AD332197B}"/>
+              </a:ext>
+            </a:extLst>
+          </p:cNvPr>
+          <p:cNvSpPr txBox="1"/>
+          <p:nvPr/>
+        </p:nvSpPr>
+        <p:spPr>
+          <a:xfrm>
+            <a:off x="549166" y="1697872"/>
+            <a:ext cx="8290034" cy="5047536"/>
+          </a:xfrm>
+          <a:prstGeom prst="rect">
+            <a:avLst/>
+          </a:prstGeom>
+          <a:noFill/>
+        </p:spPr>
+        <p:txBody>
+          <a:bodyPr wrap="square" rtlCol="0">
+            <a:spAutoFit/>
+          </a:bodyPr>
+          <a:lstStyle/>
+          <a:p>
+            <a:r>
+              <a:rPr lang="en-GB" sz="1400" dirty="0">
+                <a:solidFill>
+                  <a:srgbClr val="9E880D"/>
+                </a:solidFill>
+                <a:effectLst/>
+                <a:latin typeface="Menlo" panose="020B0609030804020204" pitchFamily="49" charset="0"/>
+                <a:ea typeface="Menlo" panose="020B0609030804020204" pitchFamily="49" charset="0"/>
+                <a:cs typeface="Menlo" panose="020B0609030804020204" pitchFamily="49" charset="0"/>
+              </a:rPr>
+              <a:t>@pure </a:t>
+            </a:r>
+            <a:r>
+              <a:rPr lang="en-GB" sz="1400" dirty="0">
+                <a:solidFill>
+                  <a:srgbClr val="0033B3"/>
+                </a:solidFill>
+                <a:effectLst/>
+                <a:latin typeface="Menlo" panose="020B0609030804020204" pitchFamily="49" charset="0"/>
+                <a:ea typeface="Menlo" panose="020B0609030804020204" pitchFamily="49" charset="0"/>
+                <a:cs typeface="Menlo" panose="020B0609030804020204" pitchFamily="49" charset="0"/>
+              </a:rPr>
+              <a:t>def </a:t>
+            </a:r>
+            <a:r>
+              <a:rPr lang="en-GB" sz="1400" dirty="0" err="1">
+                <a:solidFill>
+                  <a:srgbClr val="00627A"/>
+                </a:solidFill>
+                <a:effectLst/>
+                <a:latin typeface="Menlo" panose="020B0609030804020204" pitchFamily="49" charset="0"/>
+                <a:ea typeface="Menlo" panose="020B0609030804020204" pitchFamily="49" charset="0"/>
+                <a:cs typeface="Menlo" panose="020B0609030804020204" pitchFamily="49" charset="0"/>
+              </a:rPr>
+              <a:t>fac_it</a:t>
+            </a:r>
+            <a:r>
+              <a:rPr lang="en-GB" sz="1400" dirty="0">
+                <a:solidFill>
+                  <a:srgbClr val="080808"/>
+                </a:solidFill>
+                <a:effectLst/>
+                <a:latin typeface="Menlo" panose="020B0609030804020204" pitchFamily="49" charset="0"/>
+                <a:ea typeface="Menlo" panose="020B0609030804020204" pitchFamily="49" charset="0"/>
+                <a:cs typeface="Menlo" panose="020B0609030804020204" pitchFamily="49" charset="0"/>
+              </a:rPr>
+              <a:t>(</a:t>
+            </a:r>
+            <a:r>
+              <a:rPr lang="en-GB" sz="1400" dirty="0">
+                <a:solidFill>
+                  <a:srgbClr val="000000"/>
+                </a:solidFill>
+                <a:effectLst/>
+                <a:latin typeface="Menlo" panose="020B0609030804020204" pitchFamily="49" charset="0"/>
+                <a:ea typeface="Menlo" panose="020B0609030804020204" pitchFamily="49" charset="0"/>
+                <a:cs typeface="Menlo" panose="020B0609030804020204" pitchFamily="49" charset="0"/>
+              </a:rPr>
+              <a:t>n</a:t>
+            </a:r>
+            <a:r>
+              <a:rPr lang="en-GB" sz="1400" dirty="0">
+                <a:solidFill>
+                  <a:srgbClr val="080808"/>
+                </a:solidFill>
+                <a:effectLst/>
+                <a:latin typeface="Menlo" panose="020B0609030804020204" pitchFamily="49" charset="0"/>
+                <a:ea typeface="Menlo" panose="020B0609030804020204" pitchFamily="49" charset="0"/>
+                <a:cs typeface="Menlo" panose="020B0609030804020204" pitchFamily="49" charset="0"/>
+              </a:rPr>
+              <a:t>: </a:t>
+            </a:r>
+            <a:r>
+              <a:rPr lang="en-GB" sz="1400" dirty="0">
+                <a:solidFill>
+                  <a:srgbClr val="000000"/>
+                </a:solidFill>
+                <a:effectLst/>
+                <a:latin typeface="Menlo" panose="020B0609030804020204" pitchFamily="49" charset="0"/>
+                <a:ea typeface="Menlo" panose="020B0609030804020204" pitchFamily="49" charset="0"/>
+                <a:cs typeface="Menlo" panose="020B0609030804020204" pitchFamily="49" charset="0"/>
+              </a:rPr>
+              <a:t>Z</a:t>
+            </a:r>
+            <a:r>
+              <a:rPr lang="en-GB" sz="1400" dirty="0">
+                <a:solidFill>
+                  <a:srgbClr val="080808"/>
+                </a:solidFill>
+                <a:effectLst/>
+                <a:latin typeface="Menlo" panose="020B0609030804020204" pitchFamily="49" charset="0"/>
+                <a:ea typeface="Menlo" panose="020B0609030804020204" pitchFamily="49" charset="0"/>
+                <a:cs typeface="Menlo" panose="020B0609030804020204" pitchFamily="49" charset="0"/>
+              </a:rPr>
+              <a:t>): </a:t>
+            </a:r>
+            <a:r>
+              <a:rPr lang="en-GB" sz="1400" dirty="0">
+                <a:solidFill>
+                  <a:srgbClr val="000000"/>
+                </a:solidFill>
+                <a:effectLst/>
+                <a:latin typeface="Menlo" panose="020B0609030804020204" pitchFamily="49" charset="0"/>
+                <a:ea typeface="Menlo" panose="020B0609030804020204" pitchFamily="49" charset="0"/>
+                <a:cs typeface="Menlo" panose="020B0609030804020204" pitchFamily="49" charset="0"/>
+              </a:rPr>
+              <a:t>Z </a:t>
+            </a:r>
+            <a:r>
+              <a:rPr lang="en-GB" sz="1400" dirty="0">
+                <a:solidFill>
+                  <a:srgbClr val="080808"/>
+                </a:solidFill>
+                <a:effectLst/>
+                <a:latin typeface="Menlo" panose="020B0609030804020204" pitchFamily="49" charset="0"/>
+                <a:ea typeface="Menlo" panose="020B0609030804020204" pitchFamily="49" charset="0"/>
+                <a:cs typeface="Menlo" panose="020B0609030804020204" pitchFamily="49" charset="0"/>
+              </a:rPr>
+              <a:t>= {</a:t>
+            </a:r>
+            <a:br>
+              <a:rPr lang="en-GB" sz="1400" dirty="0">
+                <a:solidFill>
+                  <a:srgbClr val="080808"/>
+                </a:solidFill>
+                <a:effectLst/>
+                <a:latin typeface="Menlo" panose="020B0609030804020204" pitchFamily="49" charset="0"/>
+                <a:ea typeface="Menlo" panose="020B0609030804020204" pitchFamily="49" charset="0"/>
+                <a:cs typeface="Menlo" panose="020B0609030804020204" pitchFamily="49" charset="0"/>
+              </a:rPr>
+            </a:br>
+            <a:r>
+              <a:rPr lang="en-GB" sz="1400" dirty="0">
+                <a:solidFill>
+                  <a:srgbClr val="080808"/>
+                </a:solidFill>
+                <a:effectLst/>
+                <a:latin typeface="Menlo" panose="020B0609030804020204" pitchFamily="49" charset="0"/>
+                <a:ea typeface="Menlo" panose="020B0609030804020204" pitchFamily="49" charset="0"/>
+                <a:cs typeface="Menlo" panose="020B0609030804020204" pitchFamily="49" charset="0"/>
+              </a:rPr>
+              <a:t>  </a:t>
+            </a:r>
+            <a:r>
+              <a:rPr lang="en-GB" sz="1400" dirty="0">
+                <a:solidFill>
+                  <a:srgbClr val="000000"/>
+                </a:solidFill>
+                <a:effectLst/>
+                <a:latin typeface="Menlo" panose="020B0609030804020204" pitchFamily="49" charset="0"/>
+                <a:ea typeface="Menlo" panose="020B0609030804020204" pitchFamily="49" charset="0"/>
+                <a:cs typeface="Menlo" panose="020B0609030804020204" pitchFamily="49" charset="0"/>
+              </a:rPr>
+              <a:t>Contract</a:t>
+            </a:r>
+            <a:r>
+              <a:rPr lang="en-GB" sz="1400" dirty="0">
+                <a:solidFill>
+                  <a:srgbClr val="080808"/>
+                </a:solidFill>
+                <a:effectLst/>
+                <a:latin typeface="Menlo" panose="020B0609030804020204" pitchFamily="49" charset="0"/>
+                <a:ea typeface="Menlo" panose="020B0609030804020204" pitchFamily="49" charset="0"/>
+                <a:cs typeface="Menlo" panose="020B0609030804020204" pitchFamily="49" charset="0"/>
+              </a:rPr>
+              <a:t>(</a:t>
+            </a:r>
+            <a:br>
+              <a:rPr lang="en-GB" sz="1400" dirty="0">
+                <a:solidFill>
+                  <a:srgbClr val="080808"/>
+                </a:solidFill>
+                <a:effectLst/>
+                <a:latin typeface="Menlo" panose="020B0609030804020204" pitchFamily="49" charset="0"/>
+                <a:ea typeface="Menlo" panose="020B0609030804020204" pitchFamily="49" charset="0"/>
+                <a:cs typeface="Menlo" panose="020B0609030804020204" pitchFamily="49" charset="0"/>
+              </a:rPr>
+            </a:br>
+            <a:r>
+              <a:rPr lang="en-GB" sz="1400" dirty="0">
+                <a:solidFill>
+                  <a:srgbClr val="080808"/>
+                </a:solidFill>
+                <a:effectLst/>
+                <a:latin typeface="Menlo" panose="020B0609030804020204" pitchFamily="49" charset="0"/>
+                <a:ea typeface="Menlo" panose="020B0609030804020204" pitchFamily="49" charset="0"/>
+                <a:cs typeface="Menlo" panose="020B0609030804020204" pitchFamily="49" charset="0"/>
+              </a:rPr>
+              <a:t>    Requires(</a:t>
+            </a:r>
+            <a:r>
+              <a:rPr lang="en-GB" sz="1400" dirty="0">
+                <a:solidFill>
+                  <a:srgbClr val="000000"/>
+                </a:solidFill>
+                <a:effectLst/>
+                <a:latin typeface="Menlo" panose="020B0609030804020204" pitchFamily="49" charset="0"/>
+                <a:ea typeface="Menlo" panose="020B0609030804020204" pitchFamily="49" charset="0"/>
+                <a:cs typeface="Menlo" panose="020B0609030804020204" pitchFamily="49" charset="0"/>
+              </a:rPr>
+              <a:t>n </a:t>
+            </a:r>
+            <a:r>
+              <a:rPr lang="en-GB" sz="1400" dirty="0">
+                <a:solidFill>
+                  <a:srgbClr val="080808"/>
+                </a:solidFill>
+                <a:effectLst/>
+                <a:latin typeface="Menlo" panose="020B0609030804020204" pitchFamily="49" charset="0"/>
+                <a:ea typeface="Menlo" panose="020B0609030804020204" pitchFamily="49" charset="0"/>
+                <a:cs typeface="Menlo" panose="020B0609030804020204" pitchFamily="49" charset="0"/>
+              </a:rPr>
+              <a:t>&gt;= </a:t>
+            </a:r>
+            <a:r>
+              <a:rPr lang="en-GB" sz="1400" dirty="0">
+                <a:solidFill>
+                  <a:srgbClr val="1750EB"/>
+                </a:solidFill>
+                <a:effectLst/>
+                <a:latin typeface="Menlo" panose="020B0609030804020204" pitchFamily="49" charset="0"/>
+                <a:ea typeface="Menlo" panose="020B0609030804020204" pitchFamily="49" charset="0"/>
+                <a:cs typeface="Menlo" panose="020B0609030804020204" pitchFamily="49" charset="0"/>
+              </a:rPr>
+              <a:t>0</a:t>
+            </a:r>
+            <a:r>
+              <a:rPr lang="en-GB" sz="1400" dirty="0">
+                <a:solidFill>
+                  <a:srgbClr val="080808"/>
+                </a:solidFill>
+                <a:effectLst/>
+                <a:latin typeface="Menlo" panose="020B0609030804020204" pitchFamily="49" charset="0"/>
+                <a:ea typeface="Menlo" panose="020B0609030804020204" pitchFamily="49" charset="0"/>
+                <a:cs typeface="Menlo" panose="020B0609030804020204" pitchFamily="49" charset="0"/>
+              </a:rPr>
+              <a:t>),</a:t>
+            </a:r>
+            <a:br>
+              <a:rPr lang="en-GB" sz="1400" dirty="0">
+                <a:solidFill>
+                  <a:srgbClr val="080808"/>
+                </a:solidFill>
+                <a:effectLst/>
+                <a:latin typeface="Menlo" panose="020B0609030804020204" pitchFamily="49" charset="0"/>
+                <a:ea typeface="Menlo" panose="020B0609030804020204" pitchFamily="49" charset="0"/>
+                <a:cs typeface="Menlo" panose="020B0609030804020204" pitchFamily="49" charset="0"/>
+              </a:rPr>
+            </a:br>
+            <a:r>
+              <a:rPr lang="en-GB" sz="1400" dirty="0">
+                <a:solidFill>
+                  <a:srgbClr val="080808"/>
+                </a:solidFill>
+                <a:effectLst/>
+                <a:latin typeface="Menlo" panose="020B0609030804020204" pitchFamily="49" charset="0"/>
+                <a:ea typeface="Menlo" panose="020B0609030804020204" pitchFamily="49" charset="0"/>
+                <a:cs typeface="Menlo" panose="020B0609030804020204" pitchFamily="49" charset="0"/>
+              </a:rPr>
+              <a:t>    Ensures(Res </a:t>
+            </a:r>
+            <a:r>
+              <a:rPr lang="en-GB" sz="1400" dirty="0">
+                <a:solidFill>
+                  <a:srgbClr val="000000"/>
+                </a:solidFill>
+                <a:effectLst/>
+                <a:latin typeface="Menlo" panose="020B0609030804020204" pitchFamily="49" charset="0"/>
+                <a:ea typeface="Menlo" panose="020B0609030804020204" pitchFamily="49" charset="0"/>
+                <a:cs typeface="Menlo" panose="020B0609030804020204" pitchFamily="49" charset="0"/>
+              </a:rPr>
+              <a:t>== </a:t>
+            </a:r>
+            <a:r>
+              <a:rPr lang="en-GB" sz="1400" dirty="0" err="1">
+                <a:solidFill>
+                  <a:srgbClr val="080808"/>
+                </a:solidFill>
+                <a:effectLst/>
+                <a:latin typeface="Menlo" panose="020B0609030804020204" pitchFamily="49" charset="0"/>
+                <a:ea typeface="Menlo" panose="020B0609030804020204" pitchFamily="49" charset="0"/>
+                <a:cs typeface="Menlo" panose="020B0609030804020204" pitchFamily="49" charset="0"/>
+              </a:rPr>
+              <a:t>fac_spec</a:t>
+            </a:r>
+            <a:r>
+              <a:rPr lang="en-GB" sz="1400" dirty="0">
+                <a:solidFill>
+                  <a:srgbClr val="080808"/>
+                </a:solidFill>
+                <a:effectLst/>
+                <a:latin typeface="Menlo" panose="020B0609030804020204" pitchFamily="49" charset="0"/>
+                <a:ea typeface="Menlo" panose="020B0609030804020204" pitchFamily="49" charset="0"/>
+                <a:cs typeface="Menlo" panose="020B0609030804020204" pitchFamily="49" charset="0"/>
+              </a:rPr>
+              <a:t>(</a:t>
+            </a:r>
+            <a:r>
+              <a:rPr lang="en-GB" sz="1400" dirty="0">
+                <a:solidFill>
+                  <a:srgbClr val="000000"/>
+                </a:solidFill>
+                <a:effectLst/>
+                <a:latin typeface="Menlo" panose="020B0609030804020204" pitchFamily="49" charset="0"/>
+                <a:ea typeface="Menlo" panose="020B0609030804020204" pitchFamily="49" charset="0"/>
+                <a:cs typeface="Menlo" panose="020B0609030804020204" pitchFamily="49" charset="0"/>
+              </a:rPr>
+              <a:t>n</a:t>
+            </a:r>
+            <a:r>
+              <a:rPr lang="en-GB" sz="1400" dirty="0">
+                <a:solidFill>
+                  <a:srgbClr val="080808"/>
+                </a:solidFill>
+                <a:effectLst/>
+                <a:latin typeface="Menlo" panose="020B0609030804020204" pitchFamily="49" charset="0"/>
+                <a:ea typeface="Menlo" panose="020B0609030804020204" pitchFamily="49" charset="0"/>
+                <a:cs typeface="Menlo" panose="020B0609030804020204" pitchFamily="49" charset="0"/>
+              </a:rPr>
+              <a:t>))</a:t>
+            </a:r>
+            <a:br>
+              <a:rPr lang="en-GB" sz="1400" dirty="0">
+                <a:solidFill>
+                  <a:srgbClr val="080808"/>
+                </a:solidFill>
+                <a:effectLst/>
+                <a:latin typeface="Menlo" panose="020B0609030804020204" pitchFamily="49" charset="0"/>
+                <a:ea typeface="Menlo" panose="020B0609030804020204" pitchFamily="49" charset="0"/>
+                <a:cs typeface="Menlo" panose="020B0609030804020204" pitchFamily="49" charset="0"/>
+              </a:rPr>
+            </a:br>
+            <a:r>
+              <a:rPr lang="en-GB" sz="1400" dirty="0">
+                <a:solidFill>
+                  <a:srgbClr val="080808"/>
+                </a:solidFill>
+                <a:effectLst/>
+                <a:latin typeface="Menlo" panose="020B0609030804020204" pitchFamily="49" charset="0"/>
+                <a:ea typeface="Menlo" panose="020B0609030804020204" pitchFamily="49" charset="0"/>
+                <a:cs typeface="Menlo" panose="020B0609030804020204" pitchFamily="49" charset="0"/>
+              </a:rPr>
+              <a:t>  )</a:t>
+            </a:r>
+            <a:br>
+              <a:rPr lang="en-GB" sz="1400" dirty="0">
+                <a:solidFill>
+                  <a:srgbClr val="080808"/>
+                </a:solidFill>
+                <a:effectLst/>
+                <a:latin typeface="Menlo" panose="020B0609030804020204" pitchFamily="49" charset="0"/>
+                <a:ea typeface="Menlo" panose="020B0609030804020204" pitchFamily="49" charset="0"/>
+                <a:cs typeface="Menlo" panose="020B0609030804020204" pitchFamily="49" charset="0"/>
+              </a:rPr>
+            </a:br>
+            <a:r>
+              <a:rPr lang="en-GB" sz="1400" dirty="0">
+                <a:solidFill>
+                  <a:srgbClr val="080808"/>
+                </a:solidFill>
+                <a:effectLst/>
+                <a:latin typeface="Menlo" panose="020B0609030804020204" pitchFamily="49" charset="0"/>
+                <a:ea typeface="Menlo" panose="020B0609030804020204" pitchFamily="49" charset="0"/>
+                <a:cs typeface="Menlo" panose="020B0609030804020204" pitchFamily="49" charset="0"/>
+              </a:rPr>
+              <a:t>  </a:t>
+            </a:r>
+            <a:r>
+              <a:rPr lang="en-GB" sz="1400" dirty="0">
+                <a:solidFill>
+                  <a:srgbClr val="0033B3"/>
+                </a:solidFill>
+                <a:effectLst/>
+                <a:latin typeface="Menlo" panose="020B0609030804020204" pitchFamily="49" charset="0"/>
+                <a:ea typeface="Menlo" panose="020B0609030804020204" pitchFamily="49" charset="0"/>
+                <a:cs typeface="Menlo" panose="020B0609030804020204" pitchFamily="49" charset="0"/>
+              </a:rPr>
+              <a:t>var </a:t>
+            </a:r>
+            <a:r>
+              <a:rPr lang="en-GB" sz="1400" dirty="0">
+                <a:solidFill>
+                  <a:srgbClr val="000000"/>
+                </a:solidFill>
+                <a:effectLst/>
+                <a:latin typeface="Menlo" panose="020B0609030804020204" pitchFamily="49" charset="0"/>
+                <a:ea typeface="Menlo" panose="020B0609030804020204" pitchFamily="49" charset="0"/>
+                <a:cs typeface="Menlo" panose="020B0609030804020204" pitchFamily="49" charset="0"/>
+              </a:rPr>
+              <a:t>x</a:t>
+            </a:r>
+            <a:r>
+              <a:rPr lang="en-GB" sz="1400" dirty="0">
+                <a:solidFill>
+                  <a:srgbClr val="080808"/>
+                </a:solidFill>
+                <a:effectLst/>
+                <a:latin typeface="Menlo" panose="020B0609030804020204" pitchFamily="49" charset="0"/>
+                <a:ea typeface="Menlo" panose="020B0609030804020204" pitchFamily="49" charset="0"/>
+                <a:cs typeface="Menlo" panose="020B0609030804020204" pitchFamily="49" charset="0"/>
+              </a:rPr>
+              <a:t>: </a:t>
+            </a:r>
+            <a:r>
+              <a:rPr lang="en-GB" sz="1400" dirty="0">
+                <a:solidFill>
+                  <a:srgbClr val="000000"/>
+                </a:solidFill>
+                <a:effectLst/>
+                <a:latin typeface="Menlo" panose="020B0609030804020204" pitchFamily="49" charset="0"/>
+                <a:ea typeface="Menlo" panose="020B0609030804020204" pitchFamily="49" charset="0"/>
+                <a:cs typeface="Menlo" panose="020B0609030804020204" pitchFamily="49" charset="0"/>
+              </a:rPr>
+              <a:t>Z </a:t>
+            </a:r>
+            <a:r>
+              <a:rPr lang="en-GB" sz="1400" dirty="0">
+                <a:solidFill>
+                  <a:srgbClr val="080808"/>
+                </a:solidFill>
+                <a:effectLst/>
+                <a:latin typeface="Menlo" panose="020B0609030804020204" pitchFamily="49" charset="0"/>
+                <a:ea typeface="Menlo" panose="020B0609030804020204" pitchFamily="49" charset="0"/>
+                <a:cs typeface="Menlo" panose="020B0609030804020204" pitchFamily="49" charset="0"/>
+              </a:rPr>
+              <a:t>= </a:t>
+            </a:r>
+            <a:r>
+              <a:rPr lang="en-GB" sz="1400" dirty="0">
+                <a:solidFill>
+                  <a:srgbClr val="1750EB"/>
+                </a:solidFill>
+                <a:effectLst/>
+                <a:latin typeface="Menlo" panose="020B0609030804020204" pitchFamily="49" charset="0"/>
+                <a:ea typeface="Menlo" panose="020B0609030804020204" pitchFamily="49" charset="0"/>
+                <a:cs typeface="Menlo" panose="020B0609030804020204" pitchFamily="49" charset="0"/>
+              </a:rPr>
+              <a:t>1</a:t>
+            </a:r>
+            <a:br>
+              <a:rPr lang="en-GB" sz="1400" dirty="0">
+                <a:solidFill>
+                  <a:srgbClr val="1750EB"/>
+                </a:solidFill>
+                <a:effectLst/>
+                <a:latin typeface="Menlo" panose="020B0609030804020204" pitchFamily="49" charset="0"/>
+                <a:ea typeface="Menlo" panose="020B0609030804020204" pitchFamily="49" charset="0"/>
+                <a:cs typeface="Menlo" panose="020B0609030804020204" pitchFamily="49" charset="0"/>
+              </a:rPr>
+            </a:br>
+            <a:r>
+              <a:rPr lang="en-GB" sz="1400" dirty="0">
+                <a:solidFill>
+                  <a:srgbClr val="1750EB"/>
+                </a:solidFill>
+                <a:effectLst/>
+                <a:latin typeface="Menlo" panose="020B0609030804020204" pitchFamily="49" charset="0"/>
+                <a:ea typeface="Menlo" panose="020B0609030804020204" pitchFamily="49" charset="0"/>
+                <a:cs typeface="Menlo" panose="020B0609030804020204" pitchFamily="49" charset="0"/>
+              </a:rPr>
+              <a:t>  </a:t>
+            </a:r>
+            <a:r>
+              <a:rPr lang="en-GB" sz="1400" dirty="0">
+                <a:solidFill>
+                  <a:srgbClr val="0033B3"/>
+                </a:solidFill>
+                <a:effectLst/>
+                <a:latin typeface="Menlo" panose="020B0609030804020204" pitchFamily="49" charset="0"/>
+                <a:ea typeface="Menlo" panose="020B0609030804020204" pitchFamily="49" charset="0"/>
+                <a:cs typeface="Menlo" panose="020B0609030804020204" pitchFamily="49" charset="0"/>
+              </a:rPr>
+              <a:t>var </a:t>
+            </a:r>
+            <a:r>
+              <a:rPr lang="en-GB" sz="1400" dirty="0">
+                <a:solidFill>
+                  <a:srgbClr val="000000"/>
+                </a:solidFill>
+                <a:effectLst/>
+                <a:latin typeface="Menlo" panose="020B0609030804020204" pitchFamily="49" charset="0"/>
+                <a:ea typeface="Menlo" panose="020B0609030804020204" pitchFamily="49" charset="0"/>
+                <a:cs typeface="Menlo" panose="020B0609030804020204" pitchFamily="49" charset="0"/>
+              </a:rPr>
+              <a:t>m</a:t>
+            </a:r>
+            <a:r>
+              <a:rPr lang="en-GB" sz="1400" dirty="0">
+                <a:solidFill>
+                  <a:srgbClr val="080808"/>
+                </a:solidFill>
+                <a:effectLst/>
+                <a:latin typeface="Menlo" panose="020B0609030804020204" pitchFamily="49" charset="0"/>
+                <a:ea typeface="Menlo" panose="020B0609030804020204" pitchFamily="49" charset="0"/>
+                <a:cs typeface="Menlo" panose="020B0609030804020204" pitchFamily="49" charset="0"/>
+              </a:rPr>
+              <a:t>: </a:t>
+            </a:r>
+            <a:r>
+              <a:rPr lang="en-GB" sz="1400" dirty="0">
+                <a:solidFill>
+                  <a:srgbClr val="000000"/>
+                </a:solidFill>
+                <a:effectLst/>
+                <a:latin typeface="Menlo" panose="020B0609030804020204" pitchFamily="49" charset="0"/>
+                <a:ea typeface="Menlo" panose="020B0609030804020204" pitchFamily="49" charset="0"/>
+                <a:cs typeface="Menlo" panose="020B0609030804020204" pitchFamily="49" charset="0"/>
+              </a:rPr>
+              <a:t>Z </a:t>
+            </a:r>
+            <a:r>
+              <a:rPr lang="en-GB" sz="1400" dirty="0">
+                <a:solidFill>
+                  <a:srgbClr val="080808"/>
+                </a:solidFill>
+                <a:effectLst/>
+                <a:latin typeface="Menlo" panose="020B0609030804020204" pitchFamily="49" charset="0"/>
+                <a:ea typeface="Menlo" panose="020B0609030804020204" pitchFamily="49" charset="0"/>
+                <a:cs typeface="Menlo" panose="020B0609030804020204" pitchFamily="49" charset="0"/>
+              </a:rPr>
+              <a:t>= </a:t>
+            </a:r>
+            <a:r>
+              <a:rPr lang="en-GB" sz="1400" dirty="0">
+                <a:solidFill>
+                  <a:srgbClr val="1750EB"/>
+                </a:solidFill>
+                <a:effectLst/>
+                <a:latin typeface="Menlo" panose="020B0609030804020204" pitchFamily="49" charset="0"/>
+                <a:ea typeface="Menlo" panose="020B0609030804020204" pitchFamily="49" charset="0"/>
+                <a:cs typeface="Menlo" panose="020B0609030804020204" pitchFamily="49" charset="0"/>
+              </a:rPr>
+              <a:t>0</a:t>
+            </a:r>
+            <a:r>
+              <a:rPr lang="en-GB" sz="1400" dirty="0">
+                <a:solidFill>
+                  <a:srgbClr val="080808"/>
+                </a:solidFill>
+                <a:effectLst/>
+                <a:latin typeface="Menlo" panose="020B0609030804020204" pitchFamily="49" charset="0"/>
+                <a:ea typeface="Menlo" panose="020B0609030804020204" pitchFamily="49" charset="0"/>
+                <a:cs typeface="Menlo" panose="020B0609030804020204" pitchFamily="49" charset="0"/>
+              </a:rPr>
+              <a:t>;</a:t>
+            </a:r>
+            <a:br>
+              <a:rPr lang="en-GB" sz="1400" dirty="0">
+                <a:solidFill>
+                  <a:srgbClr val="080808"/>
+                </a:solidFill>
+                <a:effectLst/>
+                <a:latin typeface="Menlo" panose="020B0609030804020204" pitchFamily="49" charset="0"/>
+                <a:ea typeface="Menlo" panose="020B0609030804020204" pitchFamily="49" charset="0"/>
+                <a:cs typeface="Menlo" panose="020B0609030804020204" pitchFamily="49" charset="0"/>
+              </a:rPr>
+            </a:br>
+            <a:r>
+              <a:rPr lang="en-GB" sz="1400" dirty="0">
+                <a:solidFill>
+                  <a:srgbClr val="080808"/>
+                </a:solidFill>
+                <a:effectLst/>
+                <a:latin typeface="Menlo" panose="020B0609030804020204" pitchFamily="49" charset="0"/>
+                <a:ea typeface="Menlo" panose="020B0609030804020204" pitchFamily="49" charset="0"/>
+                <a:cs typeface="Menlo" panose="020B0609030804020204" pitchFamily="49" charset="0"/>
+              </a:rPr>
+              <a:t>  </a:t>
+            </a:r>
+            <a:r>
+              <a:rPr lang="en-GB" sz="1400" dirty="0">
+                <a:solidFill>
+                  <a:srgbClr val="0033B3"/>
+                </a:solidFill>
+                <a:effectLst/>
+                <a:latin typeface="Menlo" panose="020B0609030804020204" pitchFamily="49" charset="0"/>
+                <a:ea typeface="Menlo" panose="020B0609030804020204" pitchFamily="49" charset="0"/>
+                <a:cs typeface="Menlo" panose="020B0609030804020204" pitchFamily="49" charset="0"/>
+              </a:rPr>
+              <a:t>while </a:t>
+            </a:r>
+            <a:r>
+              <a:rPr lang="en-GB" sz="1400" dirty="0">
+                <a:solidFill>
+                  <a:srgbClr val="080808"/>
+                </a:solidFill>
+                <a:effectLst/>
+                <a:latin typeface="Menlo" panose="020B0609030804020204" pitchFamily="49" charset="0"/>
+                <a:ea typeface="Menlo" panose="020B0609030804020204" pitchFamily="49" charset="0"/>
+                <a:cs typeface="Menlo" panose="020B0609030804020204" pitchFamily="49" charset="0"/>
+              </a:rPr>
+              <a:t>(</a:t>
+            </a:r>
+            <a:r>
+              <a:rPr lang="en-GB" sz="1400" dirty="0">
+                <a:solidFill>
+                  <a:srgbClr val="000000"/>
+                </a:solidFill>
+                <a:effectLst/>
+                <a:latin typeface="Menlo" panose="020B0609030804020204" pitchFamily="49" charset="0"/>
+                <a:ea typeface="Menlo" panose="020B0609030804020204" pitchFamily="49" charset="0"/>
+                <a:cs typeface="Menlo" panose="020B0609030804020204" pitchFamily="49" charset="0"/>
+              </a:rPr>
+              <a:t>m </a:t>
+            </a:r>
+            <a:r>
+              <a:rPr lang="en-GB" sz="1400" dirty="0">
+                <a:solidFill>
+                  <a:srgbClr val="080808"/>
+                </a:solidFill>
+                <a:effectLst/>
+                <a:latin typeface="Menlo" panose="020B0609030804020204" pitchFamily="49" charset="0"/>
+                <a:ea typeface="Menlo" panose="020B0609030804020204" pitchFamily="49" charset="0"/>
+                <a:cs typeface="Menlo" panose="020B0609030804020204" pitchFamily="49" charset="0"/>
+              </a:rPr>
+              <a:t>&lt; </a:t>
+            </a:r>
+            <a:r>
+              <a:rPr lang="en-GB" sz="1400" dirty="0">
+                <a:solidFill>
+                  <a:srgbClr val="000000"/>
+                </a:solidFill>
+                <a:effectLst/>
+                <a:latin typeface="Menlo" panose="020B0609030804020204" pitchFamily="49" charset="0"/>
+                <a:ea typeface="Menlo" panose="020B0609030804020204" pitchFamily="49" charset="0"/>
+                <a:cs typeface="Menlo" panose="020B0609030804020204" pitchFamily="49" charset="0"/>
+              </a:rPr>
+              <a:t>n</a:t>
+            </a:r>
+            <a:r>
+              <a:rPr lang="en-GB" sz="1400" dirty="0">
+                <a:solidFill>
+                  <a:srgbClr val="080808"/>
+                </a:solidFill>
+                <a:effectLst/>
+                <a:latin typeface="Menlo" panose="020B0609030804020204" pitchFamily="49" charset="0"/>
+                <a:ea typeface="Menlo" panose="020B0609030804020204" pitchFamily="49" charset="0"/>
+                <a:cs typeface="Menlo" panose="020B0609030804020204" pitchFamily="49" charset="0"/>
+              </a:rPr>
+              <a:t>) {</a:t>
+            </a:r>
+            <a:br>
+              <a:rPr lang="en-GB" sz="1400" dirty="0">
+                <a:solidFill>
+                  <a:srgbClr val="080808"/>
+                </a:solidFill>
+                <a:effectLst/>
+                <a:latin typeface="Menlo" panose="020B0609030804020204" pitchFamily="49" charset="0"/>
+                <a:ea typeface="Menlo" panose="020B0609030804020204" pitchFamily="49" charset="0"/>
+                <a:cs typeface="Menlo" panose="020B0609030804020204" pitchFamily="49" charset="0"/>
+              </a:rPr>
+            </a:br>
+            <a:r>
+              <a:rPr lang="en-GB" sz="1400" dirty="0">
+                <a:solidFill>
+                  <a:srgbClr val="080808"/>
+                </a:solidFill>
+                <a:effectLst/>
+                <a:latin typeface="Menlo" panose="020B0609030804020204" pitchFamily="49" charset="0"/>
+                <a:ea typeface="Menlo" panose="020B0609030804020204" pitchFamily="49" charset="0"/>
+                <a:cs typeface="Menlo" panose="020B0609030804020204" pitchFamily="49" charset="0"/>
+              </a:rPr>
+              <a:t>    Invariant(</a:t>
+            </a:r>
+            <a:br>
+              <a:rPr lang="en-GB" sz="1400" dirty="0">
+                <a:solidFill>
+                  <a:srgbClr val="080808"/>
+                </a:solidFill>
+                <a:effectLst/>
+                <a:latin typeface="Menlo" panose="020B0609030804020204" pitchFamily="49" charset="0"/>
+                <a:ea typeface="Menlo" panose="020B0609030804020204" pitchFamily="49" charset="0"/>
+                <a:cs typeface="Menlo" panose="020B0609030804020204" pitchFamily="49" charset="0"/>
+              </a:rPr>
+            </a:br>
+            <a:r>
+              <a:rPr lang="en-GB" sz="1400" dirty="0">
+                <a:solidFill>
+                  <a:srgbClr val="080808"/>
+                </a:solidFill>
+                <a:effectLst/>
+                <a:latin typeface="Menlo" panose="020B0609030804020204" pitchFamily="49" charset="0"/>
+                <a:ea typeface="Menlo" panose="020B0609030804020204" pitchFamily="49" charset="0"/>
+                <a:cs typeface="Menlo" panose="020B0609030804020204" pitchFamily="49" charset="0"/>
+              </a:rPr>
+              <a:t>      Modifies(</a:t>
+            </a:r>
+            <a:r>
+              <a:rPr lang="en-GB" sz="1400" dirty="0">
+                <a:solidFill>
+                  <a:srgbClr val="000000"/>
+                </a:solidFill>
+                <a:effectLst/>
+                <a:latin typeface="Menlo" panose="020B0609030804020204" pitchFamily="49" charset="0"/>
+                <a:ea typeface="Menlo" panose="020B0609030804020204" pitchFamily="49" charset="0"/>
+                <a:cs typeface="Menlo" panose="020B0609030804020204" pitchFamily="49" charset="0"/>
+              </a:rPr>
+              <a:t>x</a:t>
+            </a:r>
+            <a:r>
+              <a:rPr lang="en-GB" sz="1400" dirty="0">
+                <a:solidFill>
+                  <a:srgbClr val="080808"/>
+                </a:solidFill>
+                <a:effectLst/>
+                <a:latin typeface="Menlo" panose="020B0609030804020204" pitchFamily="49" charset="0"/>
+                <a:ea typeface="Menlo" panose="020B0609030804020204" pitchFamily="49" charset="0"/>
+                <a:cs typeface="Menlo" panose="020B0609030804020204" pitchFamily="49" charset="0"/>
+              </a:rPr>
+              <a:t>, </a:t>
+            </a:r>
+            <a:r>
+              <a:rPr lang="en-GB" sz="1400" dirty="0">
+                <a:solidFill>
+                  <a:srgbClr val="000000"/>
+                </a:solidFill>
+                <a:effectLst/>
+                <a:latin typeface="Menlo" panose="020B0609030804020204" pitchFamily="49" charset="0"/>
+                <a:ea typeface="Menlo" panose="020B0609030804020204" pitchFamily="49" charset="0"/>
+                <a:cs typeface="Menlo" panose="020B0609030804020204" pitchFamily="49" charset="0"/>
+              </a:rPr>
+              <a:t>m</a:t>
+            </a:r>
+            <a:r>
+              <a:rPr lang="en-GB" sz="1400" dirty="0">
+                <a:solidFill>
+                  <a:srgbClr val="080808"/>
+                </a:solidFill>
+                <a:effectLst/>
+                <a:latin typeface="Menlo" panose="020B0609030804020204" pitchFamily="49" charset="0"/>
+                <a:ea typeface="Menlo" panose="020B0609030804020204" pitchFamily="49" charset="0"/>
+                <a:cs typeface="Menlo" panose="020B0609030804020204" pitchFamily="49" charset="0"/>
+              </a:rPr>
+              <a:t>),</a:t>
+            </a:r>
+            <a:br>
+              <a:rPr lang="en-GB" sz="1400" dirty="0">
+                <a:solidFill>
+                  <a:srgbClr val="080808"/>
+                </a:solidFill>
+                <a:effectLst/>
+                <a:latin typeface="Menlo" panose="020B0609030804020204" pitchFamily="49" charset="0"/>
+                <a:ea typeface="Menlo" panose="020B0609030804020204" pitchFamily="49" charset="0"/>
+                <a:cs typeface="Menlo" panose="020B0609030804020204" pitchFamily="49" charset="0"/>
+              </a:rPr>
+            </a:br>
+            <a:r>
+              <a:rPr lang="en-GB" sz="1400" dirty="0">
+                <a:solidFill>
+                  <a:srgbClr val="080808"/>
+                </a:solidFill>
+                <a:effectLst/>
+                <a:latin typeface="Menlo" panose="020B0609030804020204" pitchFamily="49" charset="0"/>
+                <a:ea typeface="Menlo" panose="020B0609030804020204" pitchFamily="49" charset="0"/>
+                <a:cs typeface="Menlo" panose="020B0609030804020204" pitchFamily="49" charset="0"/>
+              </a:rPr>
+              <a:t>      (</a:t>
+            </a:r>
+            <a:r>
+              <a:rPr lang="en-GB" sz="1400" dirty="0">
+                <a:solidFill>
+                  <a:srgbClr val="000000"/>
+                </a:solidFill>
+                <a:effectLst/>
+                <a:latin typeface="Menlo" panose="020B0609030804020204" pitchFamily="49" charset="0"/>
+                <a:ea typeface="Menlo" panose="020B0609030804020204" pitchFamily="49" charset="0"/>
+                <a:cs typeface="Menlo" panose="020B0609030804020204" pitchFamily="49" charset="0"/>
+              </a:rPr>
+              <a:t>m </a:t>
+            </a:r>
+            <a:r>
+              <a:rPr lang="en-GB" sz="1400" dirty="0">
+                <a:solidFill>
+                  <a:srgbClr val="080808"/>
+                </a:solidFill>
+                <a:effectLst/>
+                <a:latin typeface="Menlo" panose="020B0609030804020204" pitchFamily="49" charset="0"/>
+                <a:ea typeface="Menlo" panose="020B0609030804020204" pitchFamily="49" charset="0"/>
+                <a:cs typeface="Menlo" panose="020B0609030804020204" pitchFamily="49" charset="0"/>
+              </a:rPr>
+              <a:t>&gt;= </a:t>
+            </a:r>
+            <a:r>
+              <a:rPr lang="en-GB" sz="1400" dirty="0">
+                <a:solidFill>
+                  <a:srgbClr val="1750EB"/>
+                </a:solidFill>
+                <a:effectLst/>
+                <a:latin typeface="Menlo" panose="020B0609030804020204" pitchFamily="49" charset="0"/>
+                <a:ea typeface="Menlo" panose="020B0609030804020204" pitchFamily="49" charset="0"/>
+                <a:cs typeface="Menlo" panose="020B0609030804020204" pitchFamily="49" charset="0"/>
+              </a:rPr>
+              <a:t>0</a:t>
+            </a:r>
+            <a:r>
+              <a:rPr lang="en-GB" sz="1400" dirty="0">
+                <a:solidFill>
+                  <a:srgbClr val="080808"/>
+                </a:solidFill>
+                <a:effectLst/>
+                <a:latin typeface="Menlo" panose="020B0609030804020204" pitchFamily="49" charset="0"/>
+                <a:ea typeface="Menlo" panose="020B0609030804020204" pitchFamily="49" charset="0"/>
+                <a:cs typeface="Menlo" panose="020B0609030804020204" pitchFamily="49" charset="0"/>
+              </a:rPr>
+              <a:t>),</a:t>
+            </a:r>
+            <a:br>
+              <a:rPr lang="en-GB" sz="1400" dirty="0">
+                <a:solidFill>
+                  <a:srgbClr val="080808"/>
+                </a:solidFill>
+                <a:effectLst/>
+                <a:latin typeface="Menlo" panose="020B0609030804020204" pitchFamily="49" charset="0"/>
+                <a:ea typeface="Menlo" panose="020B0609030804020204" pitchFamily="49" charset="0"/>
+                <a:cs typeface="Menlo" panose="020B0609030804020204" pitchFamily="49" charset="0"/>
+              </a:rPr>
+            </a:br>
+            <a:r>
+              <a:rPr lang="en-GB" sz="1400" dirty="0">
+                <a:solidFill>
+                  <a:srgbClr val="080808"/>
+                </a:solidFill>
+                <a:effectLst/>
+                <a:latin typeface="Menlo" panose="020B0609030804020204" pitchFamily="49" charset="0"/>
+                <a:ea typeface="Menlo" panose="020B0609030804020204" pitchFamily="49" charset="0"/>
+                <a:cs typeface="Menlo" panose="020B0609030804020204" pitchFamily="49" charset="0"/>
+              </a:rPr>
+              <a:t>      (</a:t>
+            </a:r>
+            <a:r>
+              <a:rPr lang="en-GB" sz="1400" dirty="0">
+                <a:solidFill>
+                  <a:srgbClr val="000000"/>
+                </a:solidFill>
+                <a:effectLst/>
+                <a:latin typeface="Menlo" panose="020B0609030804020204" pitchFamily="49" charset="0"/>
+                <a:ea typeface="Menlo" panose="020B0609030804020204" pitchFamily="49" charset="0"/>
+                <a:cs typeface="Menlo" panose="020B0609030804020204" pitchFamily="49" charset="0"/>
+              </a:rPr>
+              <a:t>m </a:t>
+            </a:r>
+            <a:r>
+              <a:rPr lang="en-GB" sz="1400" dirty="0">
+                <a:solidFill>
+                  <a:srgbClr val="080808"/>
+                </a:solidFill>
+                <a:effectLst/>
+                <a:latin typeface="Menlo" panose="020B0609030804020204" pitchFamily="49" charset="0"/>
+                <a:ea typeface="Menlo" panose="020B0609030804020204" pitchFamily="49" charset="0"/>
+                <a:cs typeface="Menlo" panose="020B0609030804020204" pitchFamily="49" charset="0"/>
+              </a:rPr>
+              <a:t>&lt;= </a:t>
+            </a:r>
+            <a:r>
+              <a:rPr lang="en-GB" sz="1400" dirty="0">
+                <a:solidFill>
+                  <a:srgbClr val="000000"/>
+                </a:solidFill>
+                <a:effectLst/>
+                <a:latin typeface="Menlo" panose="020B0609030804020204" pitchFamily="49" charset="0"/>
+                <a:ea typeface="Menlo" panose="020B0609030804020204" pitchFamily="49" charset="0"/>
+                <a:cs typeface="Menlo" panose="020B0609030804020204" pitchFamily="49" charset="0"/>
+              </a:rPr>
+              <a:t>n</a:t>
+            </a:r>
+            <a:r>
+              <a:rPr lang="en-GB" sz="1400" dirty="0">
+                <a:solidFill>
+                  <a:srgbClr val="080808"/>
+                </a:solidFill>
+                <a:effectLst/>
+                <a:latin typeface="Menlo" panose="020B0609030804020204" pitchFamily="49" charset="0"/>
+                <a:ea typeface="Menlo" panose="020B0609030804020204" pitchFamily="49" charset="0"/>
+                <a:cs typeface="Menlo" panose="020B0609030804020204" pitchFamily="49" charset="0"/>
+              </a:rPr>
+              <a:t>),</a:t>
+            </a:r>
+            <a:br>
+              <a:rPr lang="en-GB" sz="1400" dirty="0">
+                <a:solidFill>
+                  <a:srgbClr val="080808"/>
+                </a:solidFill>
+                <a:effectLst/>
+                <a:latin typeface="Menlo" panose="020B0609030804020204" pitchFamily="49" charset="0"/>
+                <a:ea typeface="Menlo" panose="020B0609030804020204" pitchFamily="49" charset="0"/>
+                <a:cs typeface="Menlo" panose="020B0609030804020204" pitchFamily="49" charset="0"/>
+              </a:rPr>
+            </a:br>
+            <a:r>
+              <a:rPr lang="en-GB" sz="1400" dirty="0">
+                <a:solidFill>
+                  <a:srgbClr val="080808"/>
+                </a:solidFill>
+                <a:effectLst/>
+                <a:latin typeface="Menlo" panose="020B0609030804020204" pitchFamily="49" charset="0"/>
+                <a:ea typeface="Menlo" panose="020B0609030804020204" pitchFamily="49" charset="0"/>
+                <a:cs typeface="Menlo" panose="020B0609030804020204" pitchFamily="49" charset="0"/>
+              </a:rPr>
+              <a:t>      (</a:t>
+            </a:r>
+            <a:r>
+              <a:rPr lang="en-GB" sz="1400" dirty="0">
+                <a:solidFill>
+                  <a:srgbClr val="000000"/>
+                </a:solidFill>
+                <a:effectLst/>
+                <a:latin typeface="Menlo" panose="020B0609030804020204" pitchFamily="49" charset="0"/>
+                <a:ea typeface="Menlo" panose="020B0609030804020204" pitchFamily="49" charset="0"/>
+                <a:cs typeface="Menlo" panose="020B0609030804020204" pitchFamily="49" charset="0"/>
+              </a:rPr>
+              <a:t>x == </a:t>
+            </a:r>
+            <a:r>
+              <a:rPr lang="en-GB" sz="1400" dirty="0" err="1">
+                <a:solidFill>
+                  <a:srgbClr val="080808"/>
+                </a:solidFill>
+                <a:effectLst/>
+                <a:latin typeface="Menlo" panose="020B0609030804020204" pitchFamily="49" charset="0"/>
+                <a:ea typeface="Menlo" panose="020B0609030804020204" pitchFamily="49" charset="0"/>
+                <a:cs typeface="Menlo" panose="020B0609030804020204" pitchFamily="49" charset="0"/>
+              </a:rPr>
+              <a:t>fac_spec</a:t>
+            </a:r>
+            <a:r>
+              <a:rPr lang="en-GB" sz="1400" dirty="0">
+                <a:solidFill>
+                  <a:srgbClr val="080808"/>
+                </a:solidFill>
+                <a:effectLst/>
+                <a:latin typeface="Menlo" panose="020B0609030804020204" pitchFamily="49" charset="0"/>
+                <a:ea typeface="Menlo" panose="020B0609030804020204" pitchFamily="49" charset="0"/>
+                <a:cs typeface="Menlo" panose="020B0609030804020204" pitchFamily="49" charset="0"/>
+              </a:rPr>
+              <a:t>(</a:t>
+            </a:r>
+            <a:r>
+              <a:rPr lang="en-GB" sz="1400" dirty="0">
+                <a:solidFill>
+                  <a:srgbClr val="000000"/>
+                </a:solidFill>
+                <a:effectLst/>
+                <a:latin typeface="Menlo" panose="020B0609030804020204" pitchFamily="49" charset="0"/>
+                <a:ea typeface="Menlo" panose="020B0609030804020204" pitchFamily="49" charset="0"/>
+                <a:cs typeface="Menlo" panose="020B0609030804020204" pitchFamily="49" charset="0"/>
+              </a:rPr>
+              <a:t>m</a:t>
+            </a:r>
+            <a:r>
+              <a:rPr lang="en-GB" sz="1400" dirty="0">
+                <a:solidFill>
+                  <a:srgbClr val="080808"/>
+                </a:solidFill>
+                <a:effectLst/>
+                <a:latin typeface="Menlo" panose="020B0609030804020204" pitchFamily="49" charset="0"/>
+                <a:ea typeface="Menlo" panose="020B0609030804020204" pitchFamily="49" charset="0"/>
+                <a:cs typeface="Menlo" panose="020B0609030804020204" pitchFamily="49" charset="0"/>
+              </a:rPr>
+              <a:t>))</a:t>
+            </a:r>
+            <a:br>
+              <a:rPr lang="en-GB" sz="1400" dirty="0">
+                <a:solidFill>
+                  <a:srgbClr val="080808"/>
+                </a:solidFill>
+                <a:effectLst/>
+                <a:latin typeface="Menlo" panose="020B0609030804020204" pitchFamily="49" charset="0"/>
+                <a:ea typeface="Menlo" panose="020B0609030804020204" pitchFamily="49" charset="0"/>
+                <a:cs typeface="Menlo" panose="020B0609030804020204" pitchFamily="49" charset="0"/>
+              </a:rPr>
+            </a:br>
+            <a:r>
+              <a:rPr lang="en-GB" sz="1400" dirty="0">
+                <a:solidFill>
+                  <a:srgbClr val="080808"/>
+                </a:solidFill>
+                <a:effectLst/>
+                <a:latin typeface="Menlo" panose="020B0609030804020204" pitchFamily="49" charset="0"/>
+                <a:ea typeface="Menlo" panose="020B0609030804020204" pitchFamily="49" charset="0"/>
+                <a:cs typeface="Menlo" panose="020B0609030804020204" pitchFamily="49" charset="0"/>
+              </a:rPr>
+              <a:t>    )</a:t>
+            </a:r>
+            <a:br>
+              <a:rPr lang="en-GB" sz="1400" dirty="0">
+                <a:solidFill>
+                  <a:srgbClr val="080808"/>
+                </a:solidFill>
+                <a:effectLst/>
+                <a:latin typeface="Menlo" panose="020B0609030804020204" pitchFamily="49" charset="0"/>
+                <a:ea typeface="Menlo" panose="020B0609030804020204" pitchFamily="49" charset="0"/>
+                <a:cs typeface="Menlo" panose="020B0609030804020204" pitchFamily="49" charset="0"/>
+              </a:rPr>
+            </a:br>
+            <a:r>
+              <a:rPr lang="en-GB" sz="1400" dirty="0">
+                <a:solidFill>
+                  <a:srgbClr val="080808"/>
+                </a:solidFill>
+                <a:effectLst/>
+                <a:latin typeface="Menlo" panose="020B0609030804020204" pitchFamily="49" charset="0"/>
+                <a:ea typeface="Menlo" panose="020B0609030804020204" pitchFamily="49" charset="0"/>
+                <a:cs typeface="Menlo" panose="020B0609030804020204" pitchFamily="49" charset="0"/>
+              </a:rPr>
+              <a:t>    Deduce(|- (</a:t>
+            </a:r>
+            <a:r>
+              <a:rPr lang="en-GB" sz="1400" dirty="0">
+                <a:solidFill>
+                  <a:srgbClr val="000000"/>
+                </a:solidFill>
+                <a:effectLst/>
+                <a:latin typeface="Menlo" panose="020B0609030804020204" pitchFamily="49" charset="0"/>
+                <a:ea typeface="Menlo" panose="020B0609030804020204" pitchFamily="49" charset="0"/>
+                <a:cs typeface="Menlo" panose="020B0609030804020204" pitchFamily="49" charset="0"/>
+              </a:rPr>
+              <a:t>x </a:t>
+            </a:r>
+            <a:r>
+              <a:rPr lang="en-GB" sz="1400" dirty="0">
+                <a:solidFill>
+                  <a:srgbClr val="080808"/>
+                </a:solidFill>
+                <a:effectLst/>
+                <a:latin typeface="Menlo" panose="020B0609030804020204" pitchFamily="49" charset="0"/>
+                <a:ea typeface="Menlo" panose="020B0609030804020204" pitchFamily="49" charset="0"/>
+                <a:cs typeface="Menlo" panose="020B0609030804020204" pitchFamily="49" charset="0"/>
+              </a:rPr>
+              <a:t>* (</a:t>
+            </a:r>
+            <a:r>
+              <a:rPr lang="en-GB" sz="1400" dirty="0">
+                <a:solidFill>
+                  <a:srgbClr val="000000"/>
+                </a:solidFill>
+                <a:effectLst/>
+                <a:latin typeface="Menlo" panose="020B0609030804020204" pitchFamily="49" charset="0"/>
+                <a:ea typeface="Menlo" panose="020B0609030804020204" pitchFamily="49" charset="0"/>
+                <a:cs typeface="Menlo" panose="020B0609030804020204" pitchFamily="49" charset="0"/>
+              </a:rPr>
+              <a:t>m </a:t>
+            </a:r>
+            <a:r>
+              <a:rPr lang="en-GB" sz="1400" dirty="0">
+                <a:solidFill>
+                  <a:srgbClr val="080808"/>
+                </a:solidFill>
+                <a:effectLst/>
+                <a:latin typeface="Menlo" panose="020B0609030804020204" pitchFamily="49" charset="0"/>
+                <a:ea typeface="Menlo" panose="020B0609030804020204" pitchFamily="49" charset="0"/>
+                <a:cs typeface="Menlo" panose="020B0609030804020204" pitchFamily="49" charset="0"/>
+              </a:rPr>
+              <a:t>+ </a:t>
+            </a:r>
+            <a:r>
+              <a:rPr lang="en-GB" sz="1400" dirty="0">
+                <a:solidFill>
+                  <a:srgbClr val="1750EB"/>
+                </a:solidFill>
+                <a:effectLst/>
+                <a:latin typeface="Menlo" panose="020B0609030804020204" pitchFamily="49" charset="0"/>
+                <a:ea typeface="Menlo" panose="020B0609030804020204" pitchFamily="49" charset="0"/>
+                <a:cs typeface="Menlo" panose="020B0609030804020204" pitchFamily="49" charset="0"/>
+              </a:rPr>
+              <a:t>1</a:t>
+            </a:r>
+            <a:r>
+              <a:rPr lang="en-GB" sz="1400" dirty="0">
+                <a:solidFill>
+                  <a:srgbClr val="080808"/>
+                </a:solidFill>
+                <a:effectLst/>
+                <a:latin typeface="Menlo" panose="020B0609030804020204" pitchFamily="49" charset="0"/>
+                <a:ea typeface="Menlo" panose="020B0609030804020204" pitchFamily="49" charset="0"/>
+                <a:cs typeface="Menlo" panose="020B0609030804020204" pitchFamily="49" charset="0"/>
+              </a:rPr>
+              <a:t>) </a:t>
+            </a:r>
+            <a:r>
+              <a:rPr lang="en-GB" sz="1400" dirty="0">
+                <a:solidFill>
+                  <a:srgbClr val="000000"/>
+                </a:solidFill>
+                <a:effectLst/>
+                <a:latin typeface="Menlo" panose="020B0609030804020204" pitchFamily="49" charset="0"/>
+                <a:ea typeface="Menlo" panose="020B0609030804020204" pitchFamily="49" charset="0"/>
+                <a:cs typeface="Menlo" panose="020B0609030804020204" pitchFamily="49" charset="0"/>
+              </a:rPr>
+              <a:t>== </a:t>
+            </a:r>
+            <a:r>
+              <a:rPr lang="en-GB" sz="1400" dirty="0" err="1">
+                <a:solidFill>
+                  <a:srgbClr val="080808"/>
+                </a:solidFill>
+                <a:effectLst/>
+                <a:latin typeface="Menlo" panose="020B0609030804020204" pitchFamily="49" charset="0"/>
+                <a:ea typeface="Menlo" panose="020B0609030804020204" pitchFamily="49" charset="0"/>
+                <a:cs typeface="Menlo" panose="020B0609030804020204" pitchFamily="49" charset="0"/>
+              </a:rPr>
+              <a:t>fac_spec</a:t>
+            </a:r>
+            <a:r>
+              <a:rPr lang="en-GB" sz="1400" dirty="0">
+                <a:solidFill>
+                  <a:srgbClr val="080808"/>
+                </a:solidFill>
+                <a:effectLst/>
+                <a:latin typeface="Menlo" panose="020B0609030804020204" pitchFamily="49" charset="0"/>
+                <a:ea typeface="Menlo" panose="020B0609030804020204" pitchFamily="49" charset="0"/>
+                <a:cs typeface="Menlo" panose="020B0609030804020204" pitchFamily="49" charset="0"/>
+              </a:rPr>
+              <a:t>(</a:t>
+            </a:r>
+            <a:r>
+              <a:rPr lang="en-GB" sz="1400" dirty="0">
+                <a:solidFill>
+                  <a:srgbClr val="000000"/>
+                </a:solidFill>
+                <a:effectLst/>
+                <a:latin typeface="Menlo" panose="020B0609030804020204" pitchFamily="49" charset="0"/>
+                <a:ea typeface="Menlo" panose="020B0609030804020204" pitchFamily="49" charset="0"/>
+                <a:cs typeface="Menlo" panose="020B0609030804020204" pitchFamily="49" charset="0"/>
+              </a:rPr>
+              <a:t>m </a:t>
+            </a:r>
+            <a:r>
+              <a:rPr lang="en-GB" sz="1400" dirty="0">
+                <a:solidFill>
+                  <a:srgbClr val="080808"/>
+                </a:solidFill>
+                <a:effectLst/>
+                <a:latin typeface="Menlo" panose="020B0609030804020204" pitchFamily="49" charset="0"/>
+                <a:ea typeface="Menlo" panose="020B0609030804020204" pitchFamily="49" charset="0"/>
+                <a:cs typeface="Menlo" panose="020B0609030804020204" pitchFamily="49" charset="0"/>
+              </a:rPr>
+              <a:t>+ </a:t>
+            </a:r>
+            <a:r>
+              <a:rPr lang="en-GB" sz="1400" dirty="0">
+                <a:solidFill>
+                  <a:srgbClr val="1750EB"/>
+                </a:solidFill>
+                <a:effectLst/>
+                <a:latin typeface="Menlo" panose="020B0609030804020204" pitchFamily="49" charset="0"/>
+                <a:ea typeface="Menlo" panose="020B0609030804020204" pitchFamily="49" charset="0"/>
+                <a:cs typeface="Menlo" panose="020B0609030804020204" pitchFamily="49" charset="0"/>
+              </a:rPr>
+              <a:t>1</a:t>
+            </a:r>
+            <a:r>
+              <a:rPr lang="en-GB" sz="1400" dirty="0">
+                <a:solidFill>
+                  <a:srgbClr val="080808"/>
+                </a:solidFill>
+                <a:effectLst/>
+                <a:latin typeface="Menlo" panose="020B0609030804020204" pitchFamily="49" charset="0"/>
+                <a:ea typeface="Menlo" panose="020B0609030804020204" pitchFamily="49" charset="0"/>
+                <a:cs typeface="Menlo" panose="020B0609030804020204" pitchFamily="49" charset="0"/>
+              </a:rPr>
+              <a:t>)))</a:t>
+            </a:r>
+            <a:br>
+              <a:rPr lang="en-GB" sz="1400" dirty="0">
+                <a:solidFill>
+                  <a:srgbClr val="080808"/>
+                </a:solidFill>
+                <a:effectLst/>
+                <a:latin typeface="Menlo" panose="020B0609030804020204" pitchFamily="49" charset="0"/>
+                <a:ea typeface="Menlo" panose="020B0609030804020204" pitchFamily="49" charset="0"/>
+                <a:cs typeface="Menlo" panose="020B0609030804020204" pitchFamily="49" charset="0"/>
+              </a:rPr>
+            </a:br>
+            <a:r>
+              <a:rPr lang="en-GB" sz="1400" dirty="0">
+                <a:solidFill>
+                  <a:srgbClr val="080808"/>
+                </a:solidFill>
+                <a:effectLst/>
+                <a:latin typeface="Menlo" panose="020B0609030804020204" pitchFamily="49" charset="0"/>
+                <a:ea typeface="Menlo" panose="020B0609030804020204" pitchFamily="49" charset="0"/>
+                <a:cs typeface="Menlo" panose="020B0609030804020204" pitchFamily="49" charset="0"/>
+              </a:rPr>
+              <a:t>    </a:t>
+            </a:r>
+            <a:r>
+              <a:rPr lang="en-GB" sz="1400" dirty="0">
+                <a:solidFill>
+                  <a:srgbClr val="000000"/>
+                </a:solidFill>
+                <a:effectLst/>
+                <a:latin typeface="Menlo" panose="020B0609030804020204" pitchFamily="49" charset="0"/>
+                <a:ea typeface="Menlo" panose="020B0609030804020204" pitchFamily="49" charset="0"/>
+                <a:cs typeface="Menlo" panose="020B0609030804020204" pitchFamily="49" charset="0"/>
+              </a:rPr>
+              <a:t>m </a:t>
+            </a:r>
+            <a:r>
+              <a:rPr lang="en-GB" sz="1400" dirty="0">
+                <a:solidFill>
+                  <a:srgbClr val="080808"/>
+                </a:solidFill>
+                <a:effectLst/>
+                <a:latin typeface="Menlo" panose="020B0609030804020204" pitchFamily="49" charset="0"/>
+                <a:ea typeface="Menlo" panose="020B0609030804020204" pitchFamily="49" charset="0"/>
+                <a:cs typeface="Menlo" panose="020B0609030804020204" pitchFamily="49" charset="0"/>
+              </a:rPr>
+              <a:t>= </a:t>
+            </a:r>
+            <a:r>
+              <a:rPr lang="en-GB" sz="1400" dirty="0">
+                <a:solidFill>
+                  <a:srgbClr val="000000"/>
+                </a:solidFill>
+                <a:effectLst/>
+                <a:latin typeface="Menlo" panose="020B0609030804020204" pitchFamily="49" charset="0"/>
+                <a:ea typeface="Menlo" panose="020B0609030804020204" pitchFamily="49" charset="0"/>
+                <a:cs typeface="Menlo" panose="020B0609030804020204" pitchFamily="49" charset="0"/>
+              </a:rPr>
+              <a:t>m </a:t>
+            </a:r>
+            <a:r>
+              <a:rPr lang="en-GB" sz="1400" dirty="0">
+                <a:solidFill>
+                  <a:srgbClr val="080808"/>
+                </a:solidFill>
+                <a:effectLst/>
+                <a:latin typeface="Menlo" panose="020B0609030804020204" pitchFamily="49" charset="0"/>
+                <a:ea typeface="Menlo" panose="020B0609030804020204" pitchFamily="49" charset="0"/>
+                <a:cs typeface="Menlo" panose="020B0609030804020204" pitchFamily="49" charset="0"/>
+              </a:rPr>
+              <a:t>+ </a:t>
+            </a:r>
+            <a:r>
+              <a:rPr lang="en-GB" sz="1400" dirty="0">
+                <a:solidFill>
+                  <a:srgbClr val="1750EB"/>
+                </a:solidFill>
+                <a:effectLst/>
+                <a:latin typeface="Menlo" panose="020B0609030804020204" pitchFamily="49" charset="0"/>
+                <a:ea typeface="Menlo" panose="020B0609030804020204" pitchFamily="49" charset="0"/>
+                <a:cs typeface="Menlo" panose="020B0609030804020204" pitchFamily="49" charset="0"/>
+              </a:rPr>
+              <a:t>1</a:t>
+            </a:r>
+            <a:br>
+              <a:rPr lang="en-GB" sz="1400" dirty="0">
+                <a:solidFill>
+                  <a:srgbClr val="1750EB"/>
+                </a:solidFill>
+                <a:effectLst/>
+                <a:latin typeface="Menlo" panose="020B0609030804020204" pitchFamily="49" charset="0"/>
+                <a:ea typeface="Menlo" panose="020B0609030804020204" pitchFamily="49" charset="0"/>
+                <a:cs typeface="Menlo" panose="020B0609030804020204" pitchFamily="49" charset="0"/>
+              </a:rPr>
+            </a:br>
+            <a:r>
+              <a:rPr lang="en-GB" sz="1400" dirty="0">
+                <a:solidFill>
+                  <a:srgbClr val="1750EB"/>
+                </a:solidFill>
+                <a:effectLst/>
+                <a:latin typeface="Menlo" panose="020B0609030804020204" pitchFamily="49" charset="0"/>
+                <a:ea typeface="Menlo" panose="020B0609030804020204" pitchFamily="49" charset="0"/>
+                <a:cs typeface="Menlo" panose="020B0609030804020204" pitchFamily="49" charset="0"/>
+              </a:rPr>
+              <a:t>    </a:t>
+            </a:r>
+            <a:r>
+              <a:rPr lang="en-GB" sz="1400" dirty="0">
+                <a:solidFill>
+                  <a:srgbClr val="080808"/>
+                </a:solidFill>
+                <a:effectLst/>
+                <a:latin typeface="Menlo" panose="020B0609030804020204" pitchFamily="49" charset="0"/>
+                <a:ea typeface="Menlo" panose="020B0609030804020204" pitchFamily="49" charset="0"/>
+                <a:cs typeface="Menlo" panose="020B0609030804020204" pitchFamily="49" charset="0"/>
+              </a:rPr>
+              <a:t>Deduce(|- (</a:t>
+            </a:r>
+            <a:r>
+              <a:rPr lang="en-GB" sz="1400" dirty="0">
+                <a:solidFill>
+                  <a:srgbClr val="000000"/>
+                </a:solidFill>
+                <a:effectLst/>
+                <a:latin typeface="Menlo" panose="020B0609030804020204" pitchFamily="49" charset="0"/>
+                <a:ea typeface="Menlo" panose="020B0609030804020204" pitchFamily="49" charset="0"/>
+                <a:cs typeface="Menlo" panose="020B0609030804020204" pitchFamily="49" charset="0"/>
+              </a:rPr>
+              <a:t>x </a:t>
+            </a:r>
+            <a:r>
+              <a:rPr lang="en-GB" sz="1400" dirty="0">
+                <a:solidFill>
+                  <a:srgbClr val="080808"/>
+                </a:solidFill>
+                <a:effectLst/>
+                <a:latin typeface="Menlo" panose="020B0609030804020204" pitchFamily="49" charset="0"/>
+                <a:ea typeface="Menlo" panose="020B0609030804020204" pitchFamily="49" charset="0"/>
+                <a:cs typeface="Menlo" panose="020B0609030804020204" pitchFamily="49" charset="0"/>
+              </a:rPr>
+              <a:t>* </a:t>
+            </a:r>
+            <a:r>
+              <a:rPr lang="en-GB" sz="1400" dirty="0">
+                <a:solidFill>
+                  <a:srgbClr val="000000"/>
+                </a:solidFill>
+                <a:effectLst/>
+                <a:latin typeface="Menlo" panose="020B0609030804020204" pitchFamily="49" charset="0"/>
+                <a:ea typeface="Menlo" panose="020B0609030804020204" pitchFamily="49" charset="0"/>
+                <a:cs typeface="Menlo" panose="020B0609030804020204" pitchFamily="49" charset="0"/>
+              </a:rPr>
+              <a:t>m == </a:t>
+            </a:r>
+            <a:r>
+              <a:rPr lang="en-GB" sz="1400" dirty="0" err="1">
+                <a:solidFill>
+                  <a:srgbClr val="080808"/>
+                </a:solidFill>
+                <a:effectLst/>
+                <a:latin typeface="Menlo" panose="020B0609030804020204" pitchFamily="49" charset="0"/>
+                <a:ea typeface="Menlo" panose="020B0609030804020204" pitchFamily="49" charset="0"/>
+                <a:cs typeface="Menlo" panose="020B0609030804020204" pitchFamily="49" charset="0"/>
+              </a:rPr>
+              <a:t>fac_spec</a:t>
+            </a:r>
+            <a:r>
+              <a:rPr lang="en-GB" sz="1400" dirty="0">
+                <a:solidFill>
+                  <a:srgbClr val="080808"/>
+                </a:solidFill>
+                <a:effectLst/>
+                <a:latin typeface="Menlo" panose="020B0609030804020204" pitchFamily="49" charset="0"/>
+                <a:ea typeface="Menlo" panose="020B0609030804020204" pitchFamily="49" charset="0"/>
+                <a:cs typeface="Menlo" panose="020B0609030804020204" pitchFamily="49" charset="0"/>
+              </a:rPr>
+              <a:t>(</a:t>
+            </a:r>
+            <a:r>
+              <a:rPr lang="en-GB" sz="1400" dirty="0">
+                <a:solidFill>
+                  <a:srgbClr val="000000"/>
+                </a:solidFill>
+                <a:effectLst/>
+                <a:latin typeface="Menlo" panose="020B0609030804020204" pitchFamily="49" charset="0"/>
+                <a:ea typeface="Menlo" panose="020B0609030804020204" pitchFamily="49" charset="0"/>
+                <a:cs typeface="Menlo" panose="020B0609030804020204" pitchFamily="49" charset="0"/>
+              </a:rPr>
+              <a:t>m</a:t>
+            </a:r>
+            <a:r>
+              <a:rPr lang="en-GB" sz="1400" dirty="0">
+                <a:solidFill>
+                  <a:srgbClr val="080808"/>
+                </a:solidFill>
+                <a:effectLst/>
+                <a:latin typeface="Menlo" panose="020B0609030804020204" pitchFamily="49" charset="0"/>
+                <a:ea typeface="Menlo" panose="020B0609030804020204" pitchFamily="49" charset="0"/>
+                <a:cs typeface="Menlo" panose="020B0609030804020204" pitchFamily="49" charset="0"/>
+              </a:rPr>
+              <a:t>)))</a:t>
+            </a:r>
+            <a:br>
+              <a:rPr lang="en-GB" sz="1400" dirty="0">
+                <a:solidFill>
+                  <a:srgbClr val="080808"/>
+                </a:solidFill>
+                <a:effectLst/>
+                <a:latin typeface="Menlo" panose="020B0609030804020204" pitchFamily="49" charset="0"/>
+                <a:ea typeface="Menlo" panose="020B0609030804020204" pitchFamily="49" charset="0"/>
+                <a:cs typeface="Menlo" panose="020B0609030804020204" pitchFamily="49" charset="0"/>
+              </a:rPr>
+            </a:br>
+            <a:r>
+              <a:rPr lang="en-GB" sz="1400" dirty="0">
+                <a:solidFill>
+                  <a:srgbClr val="080808"/>
+                </a:solidFill>
+                <a:effectLst/>
+                <a:latin typeface="Menlo" panose="020B0609030804020204" pitchFamily="49" charset="0"/>
+                <a:ea typeface="Menlo" panose="020B0609030804020204" pitchFamily="49" charset="0"/>
+                <a:cs typeface="Menlo" panose="020B0609030804020204" pitchFamily="49" charset="0"/>
+              </a:rPr>
+              <a:t>    </a:t>
+            </a:r>
+            <a:r>
+              <a:rPr lang="en-GB" sz="1400" dirty="0">
+                <a:solidFill>
+                  <a:srgbClr val="000000"/>
+                </a:solidFill>
+                <a:effectLst/>
+                <a:latin typeface="Menlo" panose="020B0609030804020204" pitchFamily="49" charset="0"/>
+                <a:ea typeface="Menlo" panose="020B0609030804020204" pitchFamily="49" charset="0"/>
+                <a:cs typeface="Menlo" panose="020B0609030804020204" pitchFamily="49" charset="0"/>
+              </a:rPr>
+              <a:t>x </a:t>
+            </a:r>
+            <a:r>
+              <a:rPr lang="en-GB" sz="1400" dirty="0">
+                <a:solidFill>
+                  <a:srgbClr val="080808"/>
+                </a:solidFill>
+                <a:effectLst/>
+                <a:latin typeface="Menlo" panose="020B0609030804020204" pitchFamily="49" charset="0"/>
+                <a:ea typeface="Menlo" panose="020B0609030804020204" pitchFamily="49" charset="0"/>
+                <a:cs typeface="Menlo" panose="020B0609030804020204" pitchFamily="49" charset="0"/>
+              </a:rPr>
+              <a:t>= </a:t>
+            </a:r>
+            <a:r>
+              <a:rPr lang="en-GB" sz="1400" dirty="0">
+                <a:solidFill>
+                  <a:srgbClr val="000000"/>
+                </a:solidFill>
+                <a:effectLst/>
+                <a:latin typeface="Menlo" panose="020B0609030804020204" pitchFamily="49" charset="0"/>
+                <a:ea typeface="Menlo" panose="020B0609030804020204" pitchFamily="49" charset="0"/>
+                <a:cs typeface="Menlo" panose="020B0609030804020204" pitchFamily="49" charset="0"/>
+              </a:rPr>
+              <a:t>x </a:t>
+            </a:r>
+            <a:r>
+              <a:rPr lang="en-GB" sz="1400" dirty="0">
+                <a:solidFill>
+                  <a:srgbClr val="080808"/>
+                </a:solidFill>
+                <a:effectLst/>
+                <a:latin typeface="Menlo" panose="020B0609030804020204" pitchFamily="49" charset="0"/>
+                <a:ea typeface="Menlo" panose="020B0609030804020204" pitchFamily="49" charset="0"/>
+                <a:cs typeface="Menlo" panose="020B0609030804020204" pitchFamily="49" charset="0"/>
+              </a:rPr>
+              <a:t>* </a:t>
+            </a:r>
+            <a:r>
+              <a:rPr lang="en-GB" sz="1400" dirty="0">
+                <a:solidFill>
+                  <a:srgbClr val="000000"/>
+                </a:solidFill>
+                <a:effectLst/>
+                <a:latin typeface="Menlo" panose="020B0609030804020204" pitchFamily="49" charset="0"/>
+                <a:ea typeface="Menlo" panose="020B0609030804020204" pitchFamily="49" charset="0"/>
+                <a:cs typeface="Menlo" panose="020B0609030804020204" pitchFamily="49" charset="0"/>
+              </a:rPr>
+              <a:t>m</a:t>
+            </a:r>
+            <a:br>
+              <a:rPr lang="en-GB" sz="1400" dirty="0">
+                <a:solidFill>
+                  <a:srgbClr val="000000"/>
+                </a:solidFill>
+                <a:effectLst/>
+                <a:latin typeface="Menlo" panose="020B0609030804020204" pitchFamily="49" charset="0"/>
+                <a:ea typeface="Menlo" panose="020B0609030804020204" pitchFamily="49" charset="0"/>
+                <a:cs typeface="Menlo" panose="020B0609030804020204" pitchFamily="49" charset="0"/>
+              </a:rPr>
+            </a:br>
+            <a:r>
+              <a:rPr lang="en-GB" sz="1400" dirty="0">
+                <a:solidFill>
+                  <a:srgbClr val="000000"/>
+                </a:solidFill>
+                <a:effectLst/>
+                <a:latin typeface="Menlo" panose="020B0609030804020204" pitchFamily="49" charset="0"/>
+                <a:ea typeface="Menlo" panose="020B0609030804020204" pitchFamily="49" charset="0"/>
+                <a:cs typeface="Menlo" panose="020B0609030804020204" pitchFamily="49" charset="0"/>
+              </a:rPr>
+              <a:t>    </a:t>
+            </a:r>
+            <a:r>
+              <a:rPr lang="en-GB" sz="1400" dirty="0">
+                <a:solidFill>
+                  <a:srgbClr val="080808"/>
+                </a:solidFill>
+                <a:effectLst/>
+                <a:latin typeface="Menlo" panose="020B0609030804020204" pitchFamily="49" charset="0"/>
+                <a:ea typeface="Menlo" panose="020B0609030804020204" pitchFamily="49" charset="0"/>
+                <a:cs typeface="Menlo" panose="020B0609030804020204" pitchFamily="49" charset="0"/>
+              </a:rPr>
+              <a:t>Deduce(|- (</a:t>
+            </a:r>
+            <a:r>
+              <a:rPr lang="en-GB" sz="1400" dirty="0">
+                <a:solidFill>
+                  <a:srgbClr val="000000"/>
+                </a:solidFill>
+                <a:effectLst/>
+                <a:latin typeface="Menlo" panose="020B0609030804020204" pitchFamily="49" charset="0"/>
+                <a:ea typeface="Menlo" panose="020B0609030804020204" pitchFamily="49" charset="0"/>
+                <a:cs typeface="Menlo" panose="020B0609030804020204" pitchFamily="49" charset="0"/>
+              </a:rPr>
+              <a:t>x == </a:t>
+            </a:r>
+            <a:r>
+              <a:rPr lang="en-GB" sz="1400" dirty="0" err="1">
+                <a:solidFill>
+                  <a:srgbClr val="080808"/>
+                </a:solidFill>
+                <a:effectLst/>
+                <a:latin typeface="Menlo" panose="020B0609030804020204" pitchFamily="49" charset="0"/>
+                <a:ea typeface="Menlo" panose="020B0609030804020204" pitchFamily="49" charset="0"/>
+                <a:cs typeface="Menlo" panose="020B0609030804020204" pitchFamily="49" charset="0"/>
+              </a:rPr>
+              <a:t>fac_spec</a:t>
+            </a:r>
+            <a:r>
+              <a:rPr lang="en-GB" sz="1400" dirty="0">
+                <a:solidFill>
+                  <a:srgbClr val="080808"/>
+                </a:solidFill>
+                <a:effectLst/>
+                <a:latin typeface="Menlo" panose="020B0609030804020204" pitchFamily="49" charset="0"/>
+                <a:ea typeface="Menlo" panose="020B0609030804020204" pitchFamily="49" charset="0"/>
+                <a:cs typeface="Menlo" panose="020B0609030804020204" pitchFamily="49" charset="0"/>
+              </a:rPr>
+              <a:t>(</a:t>
+            </a:r>
+            <a:r>
+              <a:rPr lang="en-GB" sz="1400" dirty="0">
+                <a:solidFill>
+                  <a:srgbClr val="000000"/>
+                </a:solidFill>
+                <a:effectLst/>
+                <a:latin typeface="Menlo" panose="020B0609030804020204" pitchFamily="49" charset="0"/>
+                <a:ea typeface="Menlo" panose="020B0609030804020204" pitchFamily="49" charset="0"/>
+                <a:cs typeface="Menlo" panose="020B0609030804020204" pitchFamily="49" charset="0"/>
+              </a:rPr>
+              <a:t>m</a:t>
+            </a:r>
+            <a:r>
+              <a:rPr lang="en-GB" sz="1400" dirty="0">
+                <a:solidFill>
+                  <a:srgbClr val="080808"/>
+                </a:solidFill>
+                <a:effectLst/>
+                <a:latin typeface="Menlo" panose="020B0609030804020204" pitchFamily="49" charset="0"/>
+                <a:ea typeface="Menlo" panose="020B0609030804020204" pitchFamily="49" charset="0"/>
+                <a:cs typeface="Menlo" panose="020B0609030804020204" pitchFamily="49" charset="0"/>
+              </a:rPr>
+              <a:t>)))</a:t>
+            </a:r>
+            <a:br>
+              <a:rPr lang="en-GB" sz="1400" dirty="0">
+                <a:solidFill>
+                  <a:srgbClr val="080808"/>
+                </a:solidFill>
+                <a:effectLst/>
+                <a:latin typeface="Menlo" panose="020B0609030804020204" pitchFamily="49" charset="0"/>
+                <a:ea typeface="Menlo" panose="020B0609030804020204" pitchFamily="49" charset="0"/>
+                <a:cs typeface="Menlo" panose="020B0609030804020204" pitchFamily="49" charset="0"/>
+              </a:rPr>
+            </a:br>
+            <a:r>
+              <a:rPr lang="en-GB" sz="1400" dirty="0">
+                <a:solidFill>
+                  <a:srgbClr val="080808"/>
+                </a:solidFill>
+                <a:effectLst/>
+                <a:latin typeface="Menlo" panose="020B0609030804020204" pitchFamily="49" charset="0"/>
+                <a:ea typeface="Menlo" panose="020B0609030804020204" pitchFamily="49" charset="0"/>
+                <a:cs typeface="Menlo" panose="020B0609030804020204" pitchFamily="49" charset="0"/>
+              </a:rPr>
+              <a:t>  }</a:t>
+            </a:r>
+            <a:br>
+              <a:rPr lang="en-GB" sz="1400" dirty="0">
+                <a:solidFill>
+                  <a:srgbClr val="080808"/>
+                </a:solidFill>
+                <a:effectLst/>
+                <a:latin typeface="Menlo" panose="020B0609030804020204" pitchFamily="49" charset="0"/>
+                <a:ea typeface="Menlo" panose="020B0609030804020204" pitchFamily="49" charset="0"/>
+                <a:cs typeface="Menlo" panose="020B0609030804020204" pitchFamily="49" charset="0"/>
+              </a:rPr>
+            </a:br>
+            <a:r>
+              <a:rPr lang="en-GB" sz="1400" dirty="0">
+                <a:solidFill>
+                  <a:srgbClr val="080808"/>
+                </a:solidFill>
+                <a:effectLst/>
+                <a:latin typeface="Menlo" panose="020B0609030804020204" pitchFamily="49" charset="0"/>
+                <a:ea typeface="Menlo" panose="020B0609030804020204" pitchFamily="49" charset="0"/>
+                <a:cs typeface="Menlo" panose="020B0609030804020204" pitchFamily="49" charset="0"/>
+              </a:rPr>
+              <a:t>  Deduce(|- (</a:t>
+            </a:r>
+            <a:r>
+              <a:rPr lang="en-GB" sz="1400" dirty="0">
+                <a:solidFill>
+                  <a:srgbClr val="000000"/>
+                </a:solidFill>
+                <a:effectLst/>
+                <a:latin typeface="Menlo" panose="020B0609030804020204" pitchFamily="49" charset="0"/>
+                <a:ea typeface="Menlo" panose="020B0609030804020204" pitchFamily="49" charset="0"/>
+                <a:cs typeface="Menlo" panose="020B0609030804020204" pitchFamily="49" charset="0"/>
+              </a:rPr>
+              <a:t>m == n</a:t>
+            </a:r>
+            <a:r>
+              <a:rPr lang="en-GB" sz="1400" dirty="0">
+                <a:solidFill>
+                  <a:srgbClr val="080808"/>
+                </a:solidFill>
+                <a:effectLst/>
+                <a:latin typeface="Menlo" panose="020B0609030804020204" pitchFamily="49" charset="0"/>
+                <a:ea typeface="Menlo" panose="020B0609030804020204" pitchFamily="49" charset="0"/>
+                <a:cs typeface="Menlo" panose="020B0609030804020204" pitchFamily="49" charset="0"/>
+              </a:rPr>
+              <a:t>))</a:t>
+            </a:r>
+            <a:br>
+              <a:rPr lang="en-GB" sz="1400" dirty="0">
+                <a:solidFill>
+                  <a:srgbClr val="080808"/>
+                </a:solidFill>
+                <a:effectLst/>
+                <a:latin typeface="Menlo" panose="020B0609030804020204" pitchFamily="49" charset="0"/>
+                <a:ea typeface="Menlo" panose="020B0609030804020204" pitchFamily="49" charset="0"/>
+                <a:cs typeface="Menlo" panose="020B0609030804020204" pitchFamily="49" charset="0"/>
+              </a:rPr>
+            </a:br>
+            <a:r>
+              <a:rPr lang="en-GB" sz="1400" dirty="0">
+                <a:solidFill>
+                  <a:srgbClr val="080808"/>
+                </a:solidFill>
+                <a:effectLst/>
+                <a:latin typeface="Menlo" panose="020B0609030804020204" pitchFamily="49" charset="0"/>
+                <a:ea typeface="Menlo" panose="020B0609030804020204" pitchFamily="49" charset="0"/>
+                <a:cs typeface="Menlo" panose="020B0609030804020204" pitchFamily="49" charset="0"/>
+              </a:rPr>
+              <a:t>  </a:t>
+            </a:r>
+            <a:r>
+              <a:rPr lang="en-GB" sz="1400" dirty="0">
+                <a:solidFill>
+                  <a:srgbClr val="0033B3"/>
+                </a:solidFill>
+                <a:effectLst/>
+                <a:latin typeface="Menlo" panose="020B0609030804020204" pitchFamily="49" charset="0"/>
+                <a:ea typeface="Menlo" panose="020B0609030804020204" pitchFamily="49" charset="0"/>
+                <a:cs typeface="Menlo" panose="020B0609030804020204" pitchFamily="49" charset="0"/>
+              </a:rPr>
+              <a:t>return </a:t>
+            </a:r>
+            <a:r>
+              <a:rPr lang="en-GB" sz="1400" dirty="0">
+                <a:solidFill>
+                  <a:srgbClr val="000000"/>
+                </a:solidFill>
+                <a:effectLst/>
+                <a:latin typeface="Menlo" panose="020B0609030804020204" pitchFamily="49" charset="0"/>
+                <a:ea typeface="Menlo" panose="020B0609030804020204" pitchFamily="49" charset="0"/>
+                <a:cs typeface="Menlo" panose="020B0609030804020204" pitchFamily="49" charset="0"/>
+              </a:rPr>
+              <a:t>x</a:t>
+            </a:r>
+            <a:br>
+              <a:rPr lang="en-GB" sz="1400" dirty="0">
+                <a:solidFill>
+                  <a:srgbClr val="000000"/>
+                </a:solidFill>
+                <a:effectLst/>
+                <a:latin typeface="Menlo" panose="020B0609030804020204" pitchFamily="49" charset="0"/>
+                <a:ea typeface="Menlo" panose="020B0609030804020204" pitchFamily="49" charset="0"/>
+                <a:cs typeface="Menlo" panose="020B0609030804020204" pitchFamily="49" charset="0"/>
+              </a:rPr>
+            </a:br>
+            <a:r>
+              <a:rPr lang="en-GB" sz="1400" dirty="0">
+                <a:solidFill>
+                  <a:srgbClr val="080808"/>
+                </a:solidFill>
+                <a:effectLst/>
+                <a:latin typeface="Menlo" panose="020B0609030804020204" pitchFamily="49" charset="0"/>
+                <a:ea typeface="Menlo" panose="020B0609030804020204" pitchFamily="49" charset="0"/>
+                <a:cs typeface="Menlo" panose="020B0609030804020204" pitchFamily="49" charset="0"/>
+              </a:rPr>
+              <a:t>}</a:t>
+            </a:r>
+          </a:p>
+        </p:txBody>
+      </p:sp>
+    </p:spTree>
+    <p:extLst>
+      <p:ext uri="{BB962C8B-B14F-4D97-AF65-F5344CB8AC3E}">
+        <p14:creationId xmlns:p14="http://schemas.microsoft.com/office/powerpoint/2010/main" val="3467698002"/>
+      </p:ext>
+    </p:extLst>
+  </p:cSld>
+  <p:clrMapOvr>
+    <a:masterClrMapping/>
+  </p:clrMapOvr>
+</p:sld>
+</file>
+
 <file path=ppt/slides/slide2.xml><?xml version="1.0" encoding="utf-8"?>
 <p:sld xmlns:a="http://schemas.openxmlformats.org/drawingml/2006/main" xmlns:r="http://schemas.openxmlformats.org/officeDocument/2006/relationships" xmlns:p="http://schemas.openxmlformats.org/presentationml/2006/main">
   <p:cSld>
@@ -4948,7 +8252,193 @@
           <a:p>
             <a:r>
               <a:rPr lang="en-US" sz="1600" dirty="0"/>
-              <a:t>Syntax of while loops and loop invariants</a:t>
+              <a:t>Hoare-style reasoning about while loops</a:t>
+            </a:r>
+          </a:p>
+        </p:txBody>
+      </p:sp>
+      <p:sp>
+        <p:nvSpPr>
+          <p:cNvPr id="4" name="TextBox 3">
+            <a:extLst>
+              <a:ext uri="{FF2B5EF4-FFF2-40B4-BE49-F238E27FC236}">
+                <a16:creationId xmlns:a16="http://schemas.microsoft.com/office/drawing/2014/main" id="{57DED391-66C5-8E18-1E38-2AB6F2935E02}"/>
+              </a:ext>
+            </a:extLst>
+          </p:cNvPr>
+          <p:cNvSpPr txBox="1"/>
+          <p:nvPr/>
+        </p:nvSpPr>
+        <p:spPr>
+          <a:xfrm>
+            <a:off x="549166" y="1697872"/>
+            <a:ext cx="8290034" cy="2554545"/>
+          </a:xfrm>
+          <a:prstGeom prst="rect">
+            <a:avLst/>
+          </a:prstGeom>
+          <a:noFill/>
+        </p:spPr>
+        <p:txBody>
+          <a:bodyPr wrap="square" rtlCol="0">
+            <a:spAutoFit/>
+          </a:bodyPr>
+          <a:lstStyle/>
+          <a:p>
+            <a:r>
+              <a:rPr lang="en-GB" sz="1600" dirty="0">
+                <a:solidFill>
+                  <a:schemeClr val="tx2">
+                    <a:lumMod val="60000"/>
+                    <a:lumOff val="40000"/>
+                  </a:schemeClr>
+                </a:solidFill>
+                <a:effectLst/>
+                <a:latin typeface="Menlo" panose="020B0609030804020204" pitchFamily="49" charset="0"/>
+                <a:ea typeface="Menlo" panose="020B0609030804020204" pitchFamily="49" charset="0"/>
+                <a:cs typeface="Menlo" panose="020B0609030804020204" pitchFamily="49" charset="0"/>
+              </a:rPr>
+              <a:t>// Assume pre-condition </a:t>
+            </a:r>
+          </a:p>
+          <a:p>
+            <a:endParaRPr lang="en-GB" sz="1600" i="1" dirty="0">
+              <a:solidFill>
+                <a:srgbClr val="78B044"/>
+              </a:solidFill>
+              <a:latin typeface="Menlo" panose="020B0609030804020204" pitchFamily="49" charset="0"/>
+              <a:ea typeface="Menlo" panose="020B0609030804020204" pitchFamily="49" charset="0"/>
+              <a:cs typeface="Menlo" panose="020B0609030804020204" pitchFamily="49" charset="0"/>
+            </a:endParaRPr>
+          </a:p>
+          <a:p>
+            <a:endParaRPr lang="en-GB" sz="1600" i="1" dirty="0">
+              <a:solidFill>
+                <a:srgbClr val="78B044"/>
+              </a:solidFill>
+              <a:effectLst/>
+              <a:latin typeface="Menlo" panose="020B0609030804020204" pitchFamily="49" charset="0"/>
+              <a:ea typeface="Menlo" panose="020B0609030804020204" pitchFamily="49" charset="0"/>
+              <a:cs typeface="Menlo" panose="020B0609030804020204" pitchFamily="49" charset="0"/>
+            </a:endParaRPr>
+          </a:p>
+          <a:p>
+            <a:endParaRPr lang="en-GB" sz="1600" i="1" dirty="0">
+              <a:solidFill>
+                <a:srgbClr val="78B044"/>
+              </a:solidFill>
+              <a:latin typeface="Menlo" panose="020B0609030804020204" pitchFamily="49" charset="0"/>
+              <a:ea typeface="Menlo" panose="020B0609030804020204" pitchFamily="49" charset="0"/>
+              <a:cs typeface="Menlo" panose="020B0609030804020204" pitchFamily="49" charset="0"/>
+            </a:endParaRPr>
+          </a:p>
+          <a:p>
+            <a:r>
+              <a:rPr lang="en-GB" sz="1600" i="1" dirty="0">
+                <a:solidFill>
+                  <a:srgbClr val="78B044"/>
+                </a:solidFill>
+                <a:effectLst/>
+                <a:latin typeface="Menlo" panose="020B0609030804020204" pitchFamily="49" charset="0"/>
+                <a:ea typeface="Menlo" panose="020B0609030804020204" pitchFamily="49" charset="0"/>
+                <a:cs typeface="Menlo" panose="020B0609030804020204" pitchFamily="49" charset="0"/>
+              </a:rPr>
+              <a:t>Loop statement</a:t>
+            </a:r>
+          </a:p>
+          <a:p>
+            <a:endParaRPr lang="en-GB" sz="1600" i="1" dirty="0">
+              <a:solidFill>
+                <a:srgbClr val="78B044"/>
+              </a:solidFill>
+              <a:latin typeface="Menlo" panose="020B0609030804020204" pitchFamily="49" charset="0"/>
+              <a:ea typeface="Menlo" panose="020B0609030804020204" pitchFamily="49" charset="0"/>
+              <a:cs typeface="Menlo" panose="020B0609030804020204" pitchFamily="49" charset="0"/>
+            </a:endParaRPr>
+          </a:p>
+          <a:p>
+            <a:endParaRPr lang="en-GB" sz="1600" i="1" dirty="0">
+              <a:solidFill>
+                <a:srgbClr val="78B044"/>
+              </a:solidFill>
+              <a:effectLst/>
+              <a:latin typeface="Menlo" panose="020B0609030804020204" pitchFamily="49" charset="0"/>
+              <a:ea typeface="Menlo" panose="020B0609030804020204" pitchFamily="49" charset="0"/>
+              <a:cs typeface="Menlo" panose="020B0609030804020204" pitchFamily="49" charset="0"/>
+            </a:endParaRPr>
+          </a:p>
+          <a:p>
+            <a:endParaRPr lang="en-GB" sz="1600" i="1" dirty="0">
+              <a:solidFill>
+                <a:srgbClr val="78B044"/>
+              </a:solidFill>
+              <a:latin typeface="Menlo" panose="020B0609030804020204" pitchFamily="49" charset="0"/>
+              <a:ea typeface="Menlo" panose="020B0609030804020204" pitchFamily="49" charset="0"/>
+              <a:cs typeface="Menlo" panose="020B0609030804020204" pitchFamily="49" charset="0"/>
+            </a:endParaRPr>
+          </a:p>
+          <a:p>
+            <a:endParaRPr lang="en-GB" sz="1600" i="1" dirty="0">
+              <a:solidFill>
+                <a:srgbClr val="78B044"/>
+              </a:solidFill>
+              <a:effectLst/>
+              <a:latin typeface="Menlo" panose="020B0609030804020204" pitchFamily="49" charset="0"/>
+              <a:ea typeface="Menlo" panose="020B0609030804020204" pitchFamily="49" charset="0"/>
+              <a:cs typeface="Menlo" panose="020B0609030804020204" pitchFamily="49" charset="0"/>
+            </a:endParaRPr>
+          </a:p>
+          <a:p>
+            <a:r>
+              <a:rPr lang="en-GB" sz="1600" dirty="0">
+                <a:solidFill>
+                  <a:schemeClr val="tx2">
+                    <a:lumMod val="60000"/>
+                    <a:lumOff val="40000"/>
+                  </a:schemeClr>
+                </a:solidFill>
+                <a:effectLst/>
+                <a:latin typeface="Menlo" panose="020B0609030804020204" pitchFamily="49" charset="0"/>
+                <a:ea typeface="Menlo" panose="020B0609030804020204" pitchFamily="49" charset="0"/>
+                <a:cs typeface="Menlo" panose="020B0609030804020204" pitchFamily="49" charset="0"/>
+              </a:rPr>
+              <a:t>// Deduce post-condition</a:t>
+            </a:r>
+            <a:r>
+              <a:rPr lang="en-GB" sz="1600" dirty="0">
+                <a:solidFill>
+                  <a:srgbClr val="8C8C8C"/>
+                </a:solidFill>
+                <a:effectLst/>
+                <a:latin typeface="Menlo" panose="020B0609030804020204" pitchFamily="49" charset="0"/>
+                <a:ea typeface="Menlo" panose="020B0609030804020204" pitchFamily="49" charset="0"/>
+                <a:cs typeface="Menlo" panose="020B0609030804020204" pitchFamily="49" charset="0"/>
+              </a:rPr>
+              <a:t> (</a:t>
+            </a:r>
+            <a:r>
+              <a:rPr lang="en-GB" sz="1600" dirty="0">
+                <a:solidFill>
+                  <a:srgbClr val="FF0000"/>
+                </a:solidFill>
+                <a:effectLst/>
+                <a:latin typeface="Menlo" panose="020B0609030804020204" pitchFamily="49" charset="0"/>
+                <a:ea typeface="Menlo" panose="020B0609030804020204" pitchFamily="49" charset="0"/>
+                <a:cs typeface="Menlo" panose="020B0609030804020204" pitchFamily="49" charset="0"/>
+              </a:rPr>
+              <a:t>proof obligation</a:t>
+            </a:r>
+            <a:r>
+              <a:rPr lang="en-GB" sz="1600" dirty="0">
+                <a:solidFill>
+                  <a:srgbClr val="8C8C8C"/>
+                </a:solidFill>
+                <a:effectLst/>
+                <a:latin typeface="Menlo" panose="020B0609030804020204" pitchFamily="49" charset="0"/>
+                <a:ea typeface="Menlo" panose="020B0609030804020204" pitchFamily="49" charset="0"/>
+                <a:cs typeface="Menlo" panose="020B0609030804020204" pitchFamily="49" charset="0"/>
+              </a:rPr>
+              <a:t>)</a:t>
             </a:r>
           </a:p>
         </p:txBody>
@@ -4957,6 +8447,5029 @@
     <p:extLst>
       <p:ext uri="{BB962C8B-B14F-4D97-AF65-F5344CB8AC3E}">
         <p14:creationId xmlns:p14="http://schemas.microsoft.com/office/powerpoint/2010/main" val="974532288"/>
+      </p:ext>
+    </p:extLst>
+  </p:cSld>
+  <p:clrMapOvr>
+    <a:masterClrMapping/>
+  </p:clrMapOvr>
+</p:sld>
+</file>
+
+<file path=ppt/slides/slide3.xml><?xml version="1.0" encoding="utf-8"?>
+<p:sld xmlns:a="http://schemas.openxmlformats.org/drawingml/2006/main" xmlns:r="http://schemas.openxmlformats.org/officeDocument/2006/relationships" xmlns:p="http://schemas.openxmlformats.org/presentationml/2006/main">
+  <p:cSld>
+    <p:spTree>
+      <p:nvGrpSpPr>
+        <p:cNvPr id="1" name="">
+          <a:extLst>
+            <a:ext uri="{FF2B5EF4-FFF2-40B4-BE49-F238E27FC236}">
+              <a16:creationId xmlns:a16="http://schemas.microsoft.com/office/drawing/2014/main" id="{DB8A6381-61F4-ECEC-F801-68E17D1111FB}"/>
+            </a:ext>
+          </a:extLst>
+        </p:cNvPr>
+        <p:cNvGrpSpPr/>
+        <p:nvPr/>
+      </p:nvGrpSpPr>
+      <p:grpSpPr>
+        <a:xfrm>
+          <a:off x="0" y="0"/>
+          <a:ext cx="0" cy="0"/>
+          <a:chOff x="0" y="0"/>
+          <a:chExt cx="0" cy="0"/>
+        </a:xfrm>
+      </p:grpSpPr>
+      <p:sp>
+        <p:nvSpPr>
+          <p:cNvPr id="2" name="Title 1">
+            <a:extLst>
+              <a:ext uri="{FF2B5EF4-FFF2-40B4-BE49-F238E27FC236}">
+                <a16:creationId xmlns:a16="http://schemas.microsoft.com/office/drawing/2014/main" id="{932B3F87-2755-3083-C5E1-05A44AB55F27}"/>
+              </a:ext>
+            </a:extLst>
+          </p:cNvPr>
+          <p:cNvSpPr>
+            <a:spLocks noGrp="1"/>
+          </p:cNvSpPr>
+          <p:nvPr>
+            <p:ph type="title"/>
+          </p:nvPr>
+        </p:nvSpPr>
+        <p:spPr/>
+        <p:txBody>
+          <a:bodyPr/>
+          <a:lstStyle/>
+          <a:p>
+            <a:r>
+              <a:rPr lang="en-US" sz="3600" dirty="0"/>
+              <a:t>While Loops</a:t>
+            </a:r>
+          </a:p>
+        </p:txBody>
+      </p:sp>
+      <p:sp>
+        <p:nvSpPr>
+          <p:cNvPr id="128" name="Slide Number Placeholder 127">
+            <a:extLst>
+              <a:ext uri="{FF2B5EF4-FFF2-40B4-BE49-F238E27FC236}">
+                <a16:creationId xmlns:a16="http://schemas.microsoft.com/office/drawing/2014/main" id="{EE44CE0D-0BD9-44E5-2655-54FB04525954}"/>
+              </a:ext>
+            </a:extLst>
+          </p:cNvPr>
+          <p:cNvSpPr>
+            <a:spLocks noGrp="1"/>
+          </p:cNvSpPr>
+          <p:nvPr>
+            <p:ph type="sldNum" sz="quarter" idx="11"/>
+          </p:nvPr>
+        </p:nvSpPr>
+        <p:spPr/>
+        <p:txBody>
+          <a:bodyPr/>
+          <a:lstStyle/>
+          <a:p>
+            <a:pPr>
+              <a:defRPr/>
+            </a:pPr>
+            <a:fld id="{6E0AA622-F4CE-604D-A669-CD3D12FC535C}" type="slidenum">
+              <a:rPr lang="en-US" smtClean="0"/>
+              <a:pPr>
+                <a:defRPr/>
+              </a:pPr>
+              <a:t>3</a:t>
+            </a:fld>
+            <a:endParaRPr lang="en-US" dirty="0"/>
+          </a:p>
+        </p:txBody>
+      </p:sp>
+      <p:sp>
+        <p:nvSpPr>
+          <p:cNvPr id="3" name="TextBox 2">
+            <a:extLst>
+              <a:ext uri="{FF2B5EF4-FFF2-40B4-BE49-F238E27FC236}">
+                <a16:creationId xmlns:a16="http://schemas.microsoft.com/office/drawing/2014/main" id="{9628FB8D-65F0-665E-4E03-3416D0647A8D}"/>
+              </a:ext>
+            </a:extLst>
+          </p:cNvPr>
+          <p:cNvSpPr txBox="1"/>
+          <p:nvPr/>
+        </p:nvSpPr>
+        <p:spPr>
+          <a:xfrm>
+            <a:off x="381000" y="1158925"/>
+            <a:ext cx="8016766" cy="338554"/>
+          </a:xfrm>
+          <a:prstGeom prst="rect">
+            <a:avLst/>
+          </a:prstGeom>
+          <a:gradFill flip="none" rotWithShape="1">
+            <a:gsLst>
+              <a:gs pos="0">
+                <a:schemeClr val="bg1"/>
+              </a:gs>
+              <a:gs pos="74000">
+                <a:srgbClr val="FFE267"/>
+              </a:gs>
+              <a:gs pos="83000">
+                <a:srgbClr val="FFE267"/>
+              </a:gs>
+              <a:gs pos="100000">
+                <a:srgbClr val="FFE267"/>
+              </a:gs>
+            </a:gsLst>
+            <a:lin ang="10800000" scaled="1"/>
+            <a:tileRect/>
+          </a:gradFill>
+        </p:spPr>
+        <p:txBody>
+          <a:bodyPr wrap="square" rtlCol="0">
+            <a:spAutoFit/>
+          </a:bodyPr>
+          <a:lstStyle/>
+          <a:p>
+            <a:r>
+              <a:rPr lang="en-US" sz="1600" dirty="0"/>
+              <a:t>Syntax of the while loop</a:t>
+            </a:r>
+          </a:p>
+        </p:txBody>
+      </p:sp>
+      <p:sp>
+        <p:nvSpPr>
+          <p:cNvPr id="4" name="TextBox 3">
+            <a:extLst>
+              <a:ext uri="{FF2B5EF4-FFF2-40B4-BE49-F238E27FC236}">
+                <a16:creationId xmlns:a16="http://schemas.microsoft.com/office/drawing/2014/main" id="{BB57CF69-8E99-53E1-06C4-A934275FA465}"/>
+              </a:ext>
+            </a:extLst>
+          </p:cNvPr>
+          <p:cNvSpPr txBox="1"/>
+          <p:nvPr/>
+        </p:nvSpPr>
+        <p:spPr>
+          <a:xfrm>
+            <a:off x="549166" y="1697872"/>
+            <a:ext cx="8290034" cy="3539430"/>
+          </a:xfrm>
+          <a:prstGeom prst="rect">
+            <a:avLst/>
+          </a:prstGeom>
+          <a:noFill/>
+        </p:spPr>
+        <p:txBody>
+          <a:bodyPr wrap="square" rtlCol="0">
+            <a:spAutoFit/>
+          </a:bodyPr>
+          <a:lstStyle/>
+          <a:p>
+            <a:r>
+              <a:rPr lang="en-GB" sz="1600" dirty="0">
+                <a:solidFill>
+                  <a:schemeClr val="tx2">
+                    <a:lumMod val="60000"/>
+                    <a:lumOff val="40000"/>
+                  </a:schemeClr>
+                </a:solidFill>
+                <a:effectLst/>
+                <a:latin typeface="Menlo" panose="020B0609030804020204" pitchFamily="49" charset="0"/>
+                <a:ea typeface="Menlo" panose="020B0609030804020204" pitchFamily="49" charset="0"/>
+                <a:cs typeface="Menlo" panose="020B0609030804020204" pitchFamily="49" charset="0"/>
+              </a:rPr>
+              <a:t>// Assume pre-condition </a:t>
+            </a:r>
+          </a:p>
+          <a:p>
+            <a:r>
+              <a:rPr lang="en-GB" sz="1600" i="1" dirty="0">
+                <a:solidFill>
+                  <a:srgbClr val="78B044"/>
+                </a:solidFill>
+                <a:latin typeface="Menlo" panose="020B0609030804020204" pitchFamily="49" charset="0"/>
+                <a:ea typeface="Menlo" panose="020B0609030804020204" pitchFamily="49" charset="0"/>
+                <a:cs typeface="Menlo" panose="020B0609030804020204" pitchFamily="49" charset="0"/>
+              </a:rPr>
+              <a:t>b</a:t>
+            </a:r>
+            <a:r>
+              <a:rPr lang="en-GB" sz="1600" i="1" dirty="0">
+                <a:solidFill>
+                  <a:srgbClr val="78B044"/>
+                </a:solidFill>
+                <a:effectLst/>
+                <a:latin typeface="Menlo" panose="020B0609030804020204" pitchFamily="49" charset="0"/>
+                <a:ea typeface="Menlo" panose="020B0609030804020204" pitchFamily="49" charset="0"/>
+                <a:cs typeface="Menlo" panose="020B0609030804020204" pitchFamily="49" charset="0"/>
+              </a:rPr>
+              <a:t>efore</a:t>
+            </a:r>
+            <a:r>
+              <a:rPr lang="en-GB" sz="1600" i="1" dirty="0">
+                <a:solidFill>
+                  <a:srgbClr val="78B044"/>
+                </a:solidFill>
+                <a:latin typeface="Menlo" panose="020B0609030804020204" pitchFamily="49" charset="0"/>
+                <a:ea typeface="Menlo" panose="020B0609030804020204" pitchFamily="49" charset="0"/>
+                <a:cs typeface="Menlo" panose="020B0609030804020204" pitchFamily="49" charset="0"/>
+              </a:rPr>
+              <a:t> </a:t>
+            </a:r>
+            <a:r>
+              <a:rPr lang="en-GB" sz="1600" i="1" dirty="0">
+                <a:solidFill>
+                  <a:srgbClr val="78B044"/>
+                </a:solidFill>
+                <a:effectLst/>
+                <a:latin typeface="Menlo" panose="020B0609030804020204" pitchFamily="49" charset="0"/>
+                <a:ea typeface="Menlo" panose="020B0609030804020204" pitchFamily="49" charset="0"/>
+                <a:cs typeface="Menlo" panose="020B0609030804020204" pitchFamily="49" charset="0"/>
+              </a:rPr>
+              <a:t>loop</a:t>
+            </a:r>
+            <a:br>
+              <a:rPr lang="en-GB" sz="1600" dirty="0">
+                <a:solidFill>
+                  <a:srgbClr val="080808"/>
+                </a:solidFill>
+                <a:effectLst/>
+                <a:latin typeface="Menlo" panose="020B0609030804020204" pitchFamily="49" charset="0"/>
+                <a:ea typeface="Menlo" panose="020B0609030804020204" pitchFamily="49" charset="0"/>
+                <a:cs typeface="Menlo" panose="020B0609030804020204" pitchFamily="49" charset="0"/>
+              </a:rPr>
+            </a:br>
+            <a:endParaRPr lang="en-GB" sz="1600" dirty="0">
+              <a:solidFill>
+                <a:srgbClr val="8C8C8C"/>
+              </a:solidFill>
+              <a:effectLst/>
+              <a:latin typeface="Menlo" panose="020B0609030804020204" pitchFamily="49" charset="0"/>
+              <a:ea typeface="Menlo" panose="020B0609030804020204" pitchFamily="49" charset="0"/>
+              <a:cs typeface="Menlo" panose="020B0609030804020204" pitchFamily="49" charset="0"/>
+            </a:endParaRPr>
+          </a:p>
+          <a:p>
+            <a:br>
+              <a:rPr lang="en-GB" sz="1600" dirty="0">
+                <a:solidFill>
+                  <a:srgbClr val="8C8C8C"/>
+                </a:solidFill>
+                <a:effectLst/>
+                <a:latin typeface="Menlo" panose="020B0609030804020204" pitchFamily="49" charset="0"/>
+                <a:ea typeface="Menlo" panose="020B0609030804020204" pitchFamily="49" charset="0"/>
+                <a:cs typeface="Menlo" panose="020B0609030804020204" pitchFamily="49" charset="0"/>
+              </a:rPr>
+            </a:br>
+            <a:r>
+              <a:rPr lang="en-GB" sz="1600" dirty="0">
+                <a:solidFill>
+                  <a:srgbClr val="0033B3"/>
+                </a:solidFill>
+                <a:effectLst/>
+                <a:latin typeface="Menlo" panose="020B0609030804020204" pitchFamily="49" charset="0"/>
+                <a:ea typeface="Menlo" panose="020B0609030804020204" pitchFamily="49" charset="0"/>
+                <a:cs typeface="Menlo" panose="020B0609030804020204" pitchFamily="49" charset="0"/>
+              </a:rPr>
+              <a:t>while </a:t>
+            </a:r>
+            <a:r>
+              <a:rPr lang="en-GB" sz="1600" dirty="0">
+                <a:solidFill>
+                  <a:srgbClr val="080808"/>
+                </a:solidFill>
+                <a:effectLst/>
+                <a:latin typeface="Menlo" panose="020B0609030804020204" pitchFamily="49" charset="0"/>
+                <a:ea typeface="Menlo" panose="020B0609030804020204" pitchFamily="49" charset="0"/>
+                <a:cs typeface="Menlo" panose="020B0609030804020204" pitchFamily="49" charset="0"/>
+              </a:rPr>
+              <a:t>(</a:t>
+            </a:r>
+            <a:r>
+              <a:rPr lang="en-GB" sz="1600" dirty="0">
+                <a:solidFill>
+                  <a:srgbClr val="00B0F0"/>
+                </a:solidFill>
+                <a:effectLst/>
+                <a:latin typeface="Menlo" panose="020B0609030804020204" pitchFamily="49" charset="0"/>
+                <a:ea typeface="Menlo" panose="020B0609030804020204" pitchFamily="49" charset="0"/>
+                <a:cs typeface="Menlo" panose="020B0609030804020204" pitchFamily="49" charset="0"/>
+              </a:rPr>
+              <a:t>condition</a:t>
+            </a:r>
+            <a:r>
+              <a:rPr lang="en-GB" sz="1600" dirty="0">
+                <a:solidFill>
+                  <a:srgbClr val="080808"/>
+                </a:solidFill>
+                <a:effectLst/>
+                <a:latin typeface="Menlo" panose="020B0609030804020204" pitchFamily="49" charset="0"/>
+                <a:ea typeface="Menlo" panose="020B0609030804020204" pitchFamily="49" charset="0"/>
+                <a:cs typeface="Menlo" panose="020B0609030804020204" pitchFamily="49" charset="0"/>
+              </a:rPr>
+              <a:t>) {</a:t>
+            </a:r>
+            <a:br>
+              <a:rPr lang="en-GB" sz="1600" dirty="0">
+                <a:solidFill>
+                  <a:srgbClr val="080808"/>
+                </a:solidFill>
+                <a:effectLst/>
+                <a:latin typeface="Menlo" panose="020B0609030804020204" pitchFamily="49" charset="0"/>
+                <a:ea typeface="Menlo" panose="020B0609030804020204" pitchFamily="49" charset="0"/>
+                <a:cs typeface="Menlo" panose="020B0609030804020204" pitchFamily="49" charset="0"/>
+              </a:rPr>
+            </a:br>
+            <a:endParaRPr lang="en-GB" sz="1600" dirty="0">
+              <a:solidFill>
+                <a:srgbClr val="8C8C8C"/>
+              </a:solidFill>
+              <a:effectLst/>
+              <a:latin typeface="Menlo" panose="020B0609030804020204" pitchFamily="49" charset="0"/>
+              <a:ea typeface="Menlo" panose="020B0609030804020204" pitchFamily="49" charset="0"/>
+              <a:cs typeface="Menlo" panose="020B0609030804020204" pitchFamily="49" charset="0"/>
+            </a:endParaRPr>
+          </a:p>
+          <a:p>
+            <a:br>
+              <a:rPr lang="en-GB" sz="1600" dirty="0">
+                <a:solidFill>
+                  <a:srgbClr val="8C8C8C"/>
+                </a:solidFill>
+                <a:effectLst/>
+                <a:latin typeface="Menlo" panose="020B0609030804020204" pitchFamily="49" charset="0"/>
+                <a:ea typeface="Menlo" panose="020B0609030804020204" pitchFamily="49" charset="0"/>
+                <a:cs typeface="Menlo" panose="020B0609030804020204" pitchFamily="49" charset="0"/>
+              </a:rPr>
+            </a:br>
+            <a:r>
+              <a:rPr lang="en-GB" sz="1600" dirty="0">
+                <a:solidFill>
+                  <a:srgbClr val="8C8C8C"/>
+                </a:solidFill>
+                <a:effectLst/>
+                <a:latin typeface="Menlo" panose="020B0609030804020204" pitchFamily="49" charset="0"/>
+                <a:ea typeface="Menlo" panose="020B0609030804020204" pitchFamily="49" charset="0"/>
+                <a:cs typeface="Menlo" panose="020B0609030804020204" pitchFamily="49" charset="0"/>
+              </a:rPr>
+              <a:t>  </a:t>
+            </a:r>
+            <a:r>
+              <a:rPr lang="en-GB" sz="1600" i="1" dirty="0">
+                <a:solidFill>
+                  <a:srgbClr val="78B044"/>
+                </a:solidFill>
+                <a:effectLst/>
+                <a:latin typeface="Menlo" panose="020B0609030804020204" pitchFamily="49" charset="0"/>
+                <a:ea typeface="Menlo" panose="020B0609030804020204" pitchFamily="49" charset="0"/>
+                <a:cs typeface="Menlo" panose="020B0609030804020204" pitchFamily="49" charset="0"/>
+              </a:rPr>
+              <a:t>loop</a:t>
+            </a:r>
+            <a:r>
+              <a:rPr lang="en-GB" sz="1600" i="1" dirty="0">
+                <a:solidFill>
+                  <a:srgbClr val="78B044"/>
+                </a:solidFill>
+                <a:latin typeface="Menlo" panose="020B0609030804020204" pitchFamily="49" charset="0"/>
+                <a:ea typeface="Menlo" panose="020B0609030804020204" pitchFamily="49" charset="0"/>
+                <a:cs typeface="Menlo" panose="020B0609030804020204" pitchFamily="49" charset="0"/>
+              </a:rPr>
+              <a:t> </a:t>
+            </a:r>
+            <a:r>
+              <a:rPr lang="en-GB" sz="1600" i="1" dirty="0">
+                <a:solidFill>
+                  <a:srgbClr val="78B044"/>
+                </a:solidFill>
+                <a:effectLst/>
+                <a:latin typeface="Menlo" panose="020B0609030804020204" pitchFamily="49" charset="0"/>
+                <a:ea typeface="Menlo" panose="020B0609030804020204" pitchFamily="49" charset="0"/>
+                <a:cs typeface="Menlo" panose="020B0609030804020204" pitchFamily="49" charset="0"/>
+              </a:rPr>
+              <a:t>body</a:t>
+            </a:r>
+          </a:p>
+          <a:p>
+            <a:br>
+              <a:rPr lang="en-GB" sz="1600" dirty="0">
+                <a:solidFill>
+                  <a:srgbClr val="080808"/>
+                </a:solidFill>
+                <a:effectLst/>
+                <a:latin typeface="Menlo" panose="020B0609030804020204" pitchFamily="49" charset="0"/>
+                <a:ea typeface="Menlo" panose="020B0609030804020204" pitchFamily="49" charset="0"/>
+                <a:cs typeface="Menlo" panose="020B0609030804020204" pitchFamily="49" charset="0"/>
+              </a:rPr>
+            </a:br>
+            <a:r>
+              <a:rPr lang="en-GB" sz="1600" dirty="0">
+                <a:solidFill>
+                  <a:srgbClr val="080808"/>
+                </a:solidFill>
+                <a:effectLst/>
+                <a:latin typeface="Menlo" panose="020B0609030804020204" pitchFamily="49" charset="0"/>
+                <a:ea typeface="Menlo" panose="020B0609030804020204" pitchFamily="49" charset="0"/>
+                <a:cs typeface="Menlo" panose="020B0609030804020204" pitchFamily="49" charset="0"/>
+              </a:rPr>
+              <a:t>}</a:t>
+            </a:r>
+            <a:br>
+              <a:rPr lang="en-GB" sz="1600" dirty="0">
+                <a:solidFill>
+                  <a:srgbClr val="080808"/>
+                </a:solidFill>
+                <a:effectLst/>
+                <a:latin typeface="Menlo" panose="020B0609030804020204" pitchFamily="49" charset="0"/>
+                <a:ea typeface="Menlo" panose="020B0609030804020204" pitchFamily="49" charset="0"/>
+                <a:cs typeface="Menlo" panose="020B0609030804020204" pitchFamily="49" charset="0"/>
+              </a:rPr>
+            </a:br>
+            <a:endParaRPr lang="en-GB" sz="1600" dirty="0">
+              <a:solidFill>
+                <a:srgbClr val="8C8C8C"/>
+              </a:solidFill>
+              <a:effectLst/>
+              <a:latin typeface="Menlo" panose="020B0609030804020204" pitchFamily="49" charset="0"/>
+              <a:ea typeface="Menlo" panose="020B0609030804020204" pitchFamily="49" charset="0"/>
+              <a:cs typeface="Menlo" panose="020B0609030804020204" pitchFamily="49" charset="0"/>
+            </a:endParaRPr>
+          </a:p>
+          <a:p>
+            <a:br>
+              <a:rPr lang="en-GB" sz="1600" dirty="0">
+                <a:solidFill>
+                  <a:srgbClr val="8C8C8C"/>
+                </a:solidFill>
+                <a:effectLst/>
+                <a:latin typeface="Menlo" panose="020B0609030804020204" pitchFamily="49" charset="0"/>
+                <a:ea typeface="Menlo" panose="020B0609030804020204" pitchFamily="49" charset="0"/>
+                <a:cs typeface="Menlo" panose="020B0609030804020204" pitchFamily="49" charset="0"/>
+              </a:rPr>
+            </a:br>
+            <a:r>
+              <a:rPr lang="en-GB" sz="1600" i="1" dirty="0">
+                <a:solidFill>
+                  <a:srgbClr val="78B044"/>
+                </a:solidFill>
+                <a:effectLst/>
+                <a:latin typeface="Menlo" panose="020B0609030804020204" pitchFamily="49" charset="0"/>
+                <a:ea typeface="Menlo" panose="020B0609030804020204" pitchFamily="49" charset="0"/>
+                <a:cs typeface="Menlo" panose="020B0609030804020204" pitchFamily="49" charset="0"/>
+              </a:rPr>
+              <a:t>after loop</a:t>
+            </a:r>
+          </a:p>
+          <a:p>
+            <a:r>
+              <a:rPr lang="en-GB" sz="1600" dirty="0">
+                <a:solidFill>
+                  <a:schemeClr val="tx2">
+                    <a:lumMod val="60000"/>
+                    <a:lumOff val="40000"/>
+                  </a:schemeClr>
+                </a:solidFill>
+                <a:effectLst/>
+                <a:latin typeface="Menlo" panose="020B0609030804020204" pitchFamily="49" charset="0"/>
+                <a:ea typeface="Menlo" panose="020B0609030804020204" pitchFamily="49" charset="0"/>
+                <a:cs typeface="Menlo" panose="020B0609030804020204" pitchFamily="49" charset="0"/>
+              </a:rPr>
+              <a:t>// Deduce post-condition</a:t>
+            </a:r>
+            <a:r>
+              <a:rPr lang="en-GB" sz="1600" dirty="0">
+                <a:solidFill>
+                  <a:srgbClr val="8C8C8C"/>
+                </a:solidFill>
+                <a:effectLst/>
+                <a:latin typeface="Menlo" panose="020B0609030804020204" pitchFamily="49" charset="0"/>
+                <a:ea typeface="Menlo" panose="020B0609030804020204" pitchFamily="49" charset="0"/>
+                <a:cs typeface="Menlo" panose="020B0609030804020204" pitchFamily="49" charset="0"/>
+              </a:rPr>
+              <a:t> (</a:t>
+            </a:r>
+            <a:r>
+              <a:rPr lang="en-GB" sz="1600" dirty="0">
+                <a:solidFill>
+                  <a:srgbClr val="FF0000"/>
+                </a:solidFill>
+                <a:effectLst/>
+                <a:latin typeface="Menlo" panose="020B0609030804020204" pitchFamily="49" charset="0"/>
+                <a:ea typeface="Menlo" panose="020B0609030804020204" pitchFamily="49" charset="0"/>
+                <a:cs typeface="Menlo" panose="020B0609030804020204" pitchFamily="49" charset="0"/>
+              </a:rPr>
+              <a:t>proof obligation</a:t>
+            </a:r>
+            <a:r>
+              <a:rPr lang="en-GB" sz="1600" dirty="0">
+                <a:solidFill>
+                  <a:srgbClr val="8C8C8C"/>
+                </a:solidFill>
+                <a:effectLst/>
+                <a:latin typeface="Menlo" panose="020B0609030804020204" pitchFamily="49" charset="0"/>
+                <a:ea typeface="Menlo" panose="020B0609030804020204" pitchFamily="49" charset="0"/>
+                <a:cs typeface="Menlo" panose="020B0609030804020204" pitchFamily="49" charset="0"/>
+              </a:rPr>
+              <a:t>)</a:t>
+            </a:r>
+          </a:p>
+        </p:txBody>
+      </p:sp>
+    </p:spTree>
+    <p:extLst>
+      <p:ext uri="{BB962C8B-B14F-4D97-AF65-F5344CB8AC3E}">
+        <p14:creationId xmlns:p14="http://schemas.microsoft.com/office/powerpoint/2010/main" val="342017622"/>
+      </p:ext>
+    </p:extLst>
+  </p:cSld>
+  <p:clrMapOvr>
+    <a:masterClrMapping/>
+  </p:clrMapOvr>
+</p:sld>
+</file>
+
+<file path=ppt/slides/slide4.xml><?xml version="1.0" encoding="utf-8"?>
+<p:sld xmlns:a="http://schemas.openxmlformats.org/drawingml/2006/main" xmlns:r="http://schemas.openxmlformats.org/officeDocument/2006/relationships" xmlns:p="http://schemas.openxmlformats.org/presentationml/2006/main">
+  <p:cSld>
+    <p:spTree>
+      <p:nvGrpSpPr>
+        <p:cNvPr id="1" name="">
+          <a:extLst>
+            <a:ext uri="{FF2B5EF4-FFF2-40B4-BE49-F238E27FC236}">
+              <a16:creationId xmlns:a16="http://schemas.microsoft.com/office/drawing/2014/main" id="{1A7D5CE3-257F-138C-70EE-E24EA1E25349}"/>
+            </a:ext>
+          </a:extLst>
+        </p:cNvPr>
+        <p:cNvGrpSpPr/>
+        <p:nvPr/>
+      </p:nvGrpSpPr>
+      <p:grpSpPr>
+        <a:xfrm>
+          <a:off x="0" y="0"/>
+          <a:ext cx="0" cy="0"/>
+          <a:chOff x="0" y="0"/>
+          <a:chExt cx="0" cy="0"/>
+        </a:xfrm>
+      </p:grpSpPr>
+      <p:sp>
+        <p:nvSpPr>
+          <p:cNvPr id="2" name="Title 1">
+            <a:extLst>
+              <a:ext uri="{FF2B5EF4-FFF2-40B4-BE49-F238E27FC236}">
+                <a16:creationId xmlns:a16="http://schemas.microsoft.com/office/drawing/2014/main" id="{598599D5-90E3-3AC6-F3EC-6BD02D2455EB}"/>
+              </a:ext>
+            </a:extLst>
+          </p:cNvPr>
+          <p:cNvSpPr>
+            <a:spLocks noGrp="1"/>
+          </p:cNvSpPr>
+          <p:nvPr>
+            <p:ph type="title"/>
+          </p:nvPr>
+        </p:nvSpPr>
+        <p:spPr/>
+        <p:txBody>
+          <a:bodyPr/>
+          <a:lstStyle/>
+          <a:p>
+            <a:r>
+              <a:rPr lang="en-US" sz="3600" dirty="0"/>
+              <a:t>While Loops</a:t>
+            </a:r>
+          </a:p>
+        </p:txBody>
+      </p:sp>
+      <p:sp>
+        <p:nvSpPr>
+          <p:cNvPr id="128" name="Slide Number Placeholder 127">
+            <a:extLst>
+              <a:ext uri="{FF2B5EF4-FFF2-40B4-BE49-F238E27FC236}">
+                <a16:creationId xmlns:a16="http://schemas.microsoft.com/office/drawing/2014/main" id="{8C4501C7-E4E3-0D2A-94C1-B4CCD5C28639}"/>
+              </a:ext>
+            </a:extLst>
+          </p:cNvPr>
+          <p:cNvSpPr>
+            <a:spLocks noGrp="1"/>
+          </p:cNvSpPr>
+          <p:nvPr>
+            <p:ph type="sldNum" sz="quarter" idx="11"/>
+          </p:nvPr>
+        </p:nvSpPr>
+        <p:spPr/>
+        <p:txBody>
+          <a:bodyPr/>
+          <a:lstStyle/>
+          <a:p>
+            <a:pPr>
+              <a:defRPr/>
+            </a:pPr>
+            <a:fld id="{6E0AA622-F4CE-604D-A669-CD3D12FC535C}" type="slidenum">
+              <a:rPr lang="en-US" smtClean="0"/>
+              <a:pPr>
+                <a:defRPr/>
+              </a:pPr>
+              <a:t>4</a:t>
+            </a:fld>
+            <a:endParaRPr lang="en-US" dirty="0"/>
+          </a:p>
+        </p:txBody>
+      </p:sp>
+      <p:sp>
+        <p:nvSpPr>
+          <p:cNvPr id="3" name="TextBox 2">
+            <a:extLst>
+              <a:ext uri="{FF2B5EF4-FFF2-40B4-BE49-F238E27FC236}">
+                <a16:creationId xmlns:a16="http://schemas.microsoft.com/office/drawing/2014/main" id="{9A7B3B09-0BF6-FBC3-2F26-07F250CEA324}"/>
+              </a:ext>
+            </a:extLst>
+          </p:cNvPr>
+          <p:cNvSpPr txBox="1"/>
+          <p:nvPr/>
+        </p:nvSpPr>
+        <p:spPr>
+          <a:xfrm>
+            <a:off x="381000" y="1158925"/>
+            <a:ext cx="8016766" cy="338554"/>
+          </a:xfrm>
+          <a:prstGeom prst="rect">
+            <a:avLst/>
+          </a:prstGeom>
+          <a:gradFill flip="none" rotWithShape="1">
+            <a:gsLst>
+              <a:gs pos="0">
+                <a:schemeClr val="bg1"/>
+              </a:gs>
+              <a:gs pos="74000">
+                <a:srgbClr val="FFE267"/>
+              </a:gs>
+              <a:gs pos="83000">
+                <a:srgbClr val="FFE267"/>
+              </a:gs>
+              <a:gs pos="100000">
+                <a:srgbClr val="FFE267"/>
+              </a:gs>
+            </a:gsLst>
+            <a:lin ang="10800000" scaled="1"/>
+            <a:tileRect/>
+          </a:gradFill>
+        </p:spPr>
+        <p:txBody>
+          <a:bodyPr wrap="square" rtlCol="0">
+            <a:spAutoFit/>
+          </a:bodyPr>
+          <a:lstStyle/>
+          <a:p>
+            <a:r>
+              <a:rPr lang="en-US" sz="1600" dirty="0"/>
+              <a:t>Facts about the while loop that can be observed immediately</a:t>
+            </a:r>
+          </a:p>
+        </p:txBody>
+      </p:sp>
+      <p:sp>
+        <p:nvSpPr>
+          <p:cNvPr id="4" name="TextBox 3">
+            <a:extLst>
+              <a:ext uri="{FF2B5EF4-FFF2-40B4-BE49-F238E27FC236}">
+                <a16:creationId xmlns:a16="http://schemas.microsoft.com/office/drawing/2014/main" id="{FE65A12A-FF78-C0B5-B488-6A43A8B47924}"/>
+              </a:ext>
+            </a:extLst>
+          </p:cNvPr>
+          <p:cNvSpPr txBox="1"/>
+          <p:nvPr/>
+        </p:nvSpPr>
+        <p:spPr>
+          <a:xfrm>
+            <a:off x="549166" y="1697872"/>
+            <a:ext cx="8290034" cy="3539430"/>
+          </a:xfrm>
+          <a:prstGeom prst="rect">
+            <a:avLst/>
+          </a:prstGeom>
+          <a:noFill/>
+        </p:spPr>
+        <p:txBody>
+          <a:bodyPr wrap="square" rtlCol="0">
+            <a:spAutoFit/>
+          </a:bodyPr>
+          <a:lstStyle/>
+          <a:p>
+            <a:r>
+              <a:rPr lang="en-GB" sz="1600" dirty="0">
+                <a:solidFill>
+                  <a:schemeClr val="tx2">
+                    <a:lumMod val="60000"/>
+                    <a:lumOff val="40000"/>
+                  </a:schemeClr>
+                </a:solidFill>
+                <a:effectLst/>
+                <a:latin typeface="Menlo" panose="020B0609030804020204" pitchFamily="49" charset="0"/>
+                <a:ea typeface="Menlo" panose="020B0609030804020204" pitchFamily="49" charset="0"/>
+                <a:cs typeface="Menlo" panose="020B0609030804020204" pitchFamily="49" charset="0"/>
+              </a:rPr>
+              <a:t>// Assume pre-condition </a:t>
+            </a:r>
+          </a:p>
+          <a:p>
+            <a:r>
+              <a:rPr lang="en-GB" sz="1600" i="1" dirty="0">
+                <a:solidFill>
+                  <a:srgbClr val="78B044"/>
+                </a:solidFill>
+                <a:latin typeface="Menlo" panose="020B0609030804020204" pitchFamily="49" charset="0"/>
+                <a:ea typeface="Menlo" panose="020B0609030804020204" pitchFamily="49" charset="0"/>
+                <a:cs typeface="Menlo" panose="020B0609030804020204" pitchFamily="49" charset="0"/>
+              </a:rPr>
+              <a:t>b</a:t>
+            </a:r>
+            <a:r>
+              <a:rPr lang="en-GB" sz="1600" i="1" dirty="0">
+                <a:solidFill>
+                  <a:srgbClr val="78B044"/>
+                </a:solidFill>
+                <a:effectLst/>
+                <a:latin typeface="Menlo" panose="020B0609030804020204" pitchFamily="49" charset="0"/>
+                <a:ea typeface="Menlo" panose="020B0609030804020204" pitchFamily="49" charset="0"/>
+                <a:cs typeface="Menlo" panose="020B0609030804020204" pitchFamily="49" charset="0"/>
+              </a:rPr>
+              <a:t>efore</a:t>
+            </a:r>
+            <a:r>
+              <a:rPr lang="en-GB" sz="1600" i="1" dirty="0">
+                <a:solidFill>
+                  <a:srgbClr val="78B044"/>
+                </a:solidFill>
+                <a:latin typeface="Menlo" panose="020B0609030804020204" pitchFamily="49" charset="0"/>
+                <a:ea typeface="Menlo" panose="020B0609030804020204" pitchFamily="49" charset="0"/>
+                <a:cs typeface="Menlo" panose="020B0609030804020204" pitchFamily="49" charset="0"/>
+              </a:rPr>
+              <a:t> </a:t>
+            </a:r>
+            <a:r>
+              <a:rPr lang="en-GB" sz="1600" i="1" dirty="0">
+                <a:solidFill>
+                  <a:srgbClr val="78B044"/>
+                </a:solidFill>
+                <a:effectLst/>
+                <a:latin typeface="Menlo" panose="020B0609030804020204" pitchFamily="49" charset="0"/>
+                <a:ea typeface="Menlo" panose="020B0609030804020204" pitchFamily="49" charset="0"/>
+                <a:cs typeface="Menlo" panose="020B0609030804020204" pitchFamily="49" charset="0"/>
+              </a:rPr>
+              <a:t>loop</a:t>
+            </a:r>
+            <a:br>
+              <a:rPr lang="en-GB" sz="1600" dirty="0">
+                <a:solidFill>
+                  <a:srgbClr val="080808"/>
+                </a:solidFill>
+                <a:effectLst/>
+                <a:latin typeface="Menlo" panose="020B0609030804020204" pitchFamily="49" charset="0"/>
+                <a:ea typeface="Menlo" panose="020B0609030804020204" pitchFamily="49" charset="0"/>
+                <a:cs typeface="Menlo" panose="020B0609030804020204" pitchFamily="49" charset="0"/>
+              </a:rPr>
+            </a:br>
+            <a:r>
+              <a:rPr lang="en-GB" sz="1600" dirty="0">
+                <a:solidFill>
+                  <a:srgbClr val="8C8C8C"/>
+                </a:solidFill>
+                <a:effectLst/>
+                <a:latin typeface="Menlo" panose="020B0609030804020204" pitchFamily="49" charset="0"/>
+                <a:ea typeface="Menlo" panose="020B0609030804020204" pitchFamily="49" charset="0"/>
+                <a:cs typeface="Menlo" panose="020B0609030804020204" pitchFamily="49" charset="0"/>
+              </a:rPr>
+              <a:t>// Deduce facts </a:t>
+            </a:r>
+            <a:r>
+              <a:rPr lang="en-GB" sz="1600" b="1" dirty="0">
+                <a:solidFill>
+                  <a:srgbClr val="8C8C8C"/>
+                </a:solidFill>
+                <a:effectLst/>
+                <a:latin typeface="Menlo" panose="020B0609030804020204" pitchFamily="49" charset="0"/>
+                <a:ea typeface="Menlo" panose="020B0609030804020204" pitchFamily="49" charset="0"/>
+                <a:cs typeface="Menlo" panose="020B0609030804020204" pitchFamily="49" charset="0"/>
+              </a:rPr>
+              <a:t>known</a:t>
+            </a:r>
+            <a:r>
+              <a:rPr lang="en-GB" sz="1600" dirty="0">
+                <a:solidFill>
+                  <a:srgbClr val="8C8C8C"/>
+                </a:solidFill>
+                <a:effectLst/>
+                <a:latin typeface="Menlo" panose="020B0609030804020204" pitchFamily="49" charset="0"/>
+                <a:ea typeface="Menlo" panose="020B0609030804020204" pitchFamily="49" charset="0"/>
+                <a:cs typeface="Menlo" panose="020B0609030804020204" pitchFamily="49" charset="0"/>
+              </a:rPr>
+              <a:t> before the loop is entered</a:t>
+            </a:r>
+          </a:p>
+          <a:p>
+            <a:br>
+              <a:rPr lang="en-GB" sz="1600" dirty="0">
+                <a:solidFill>
+                  <a:srgbClr val="8C8C8C"/>
+                </a:solidFill>
+                <a:effectLst/>
+                <a:latin typeface="Menlo" panose="020B0609030804020204" pitchFamily="49" charset="0"/>
+                <a:ea typeface="Menlo" panose="020B0609030804020204" pitchFamily="49" charset="0"/>
+                <a:cs typeface="Menlo" panose="020B0609030804020204" pitchFamily="49" charset="0"/>
+              </a:rPr>
+            </a:br>
+            <a:r>
+              <a:rPr lang="en-GB" sz="1600" dirty="0">
+                <a:solidFill>
+                  <a:srgbClr val="0033B3"/>
+                </a:solidFill>
+                <a:effectLst/>
+                <a:latin typeface="Menlo" panose="020B0609030804020204" pitchFamily="49" charset="0"/>
+                <a:ea typeface="Menlo" panose="020B0609030804020204" pitchFamily="49" charset="0"/>
+                <a:cs typeface="Menlo" panose="020B0609030804020204" pitchFamily="49" charset="0"/>
+              </a:rPr>
+              <a:t>while </a:t>
+            </a:r>
+            <a:r>
+              <a:rPr lang="en-GB" sz="1600" dirty="0">
+                <a:solidFill>
+                  <a:srgbClr val="080808"/>
+                </a:solidFill>
+                <a:effectLst/>
+                <a:latin typeface="Menlo" panose="020B0609030804020204" pitchFamily="49" charset="0"/>
+                <a:ea typeface="Menlo" panose="020B0609030804020204" pitchFamily="49" charset="0"/>
+                <a:cs typeface="Menlo" panose="020B0609030804020204" pitchFamily="49" charset="0"/>
+              </a:rPr>
+              <a:t>(</a:t>
+            </a:r>
+            <a:r>
+              <a:rPr lang="en-GB" sz="1600" dirty="0">
+                <a:solidFill>
+                  <a:srgbClr val="00B0F0"/>
+                </a:solidFill>
+                <a:effectLst/>
+                <a:latin typeface="Menlo" panose="020B0609030804020204" pitchFamily="49" charset="0"/>
+                <a:ea typeface="Menlo" panose="020B0609030804020204" pitchFamily="49" charset="0"/>
+                <a:cs typeface="Menlo" panose="020B0609030804020204" pitchFamily="49" charset="0"/>
+              </a:rPr>
+              <a:t>condition</a:t>
+            </a:r>
+            <a:r>
+              <a:rPr lang="en-GB" sz="1600" dirty="0">
+                <a:solidFill>
+                  <a:srgbClr val="080808"/>
+                </a:solidFill>
+                <a:effectLst/>
+                <a:latin typeface="Menlo" panose="020B0609030804020204" pitchFamily="49" charset="0"/>
+                <a:ea typeface="Menlo" panose="020B0609030804020204" pitchFamily="49" charset="0"/>
+                <a:cs typeface="Menlo" panose="020B0609030804020204" pitchFamily="49" charset="0"/>
+              </a:rPr>
+              <a:t>) {</a:t>
+            </a:r>
+            <a:br>
+              <a:rPr lang="en-GB" sz="1600" dirty="0">
+                <a:solidFill>
+                  <a:srgbClr val="080808"/>
+                </a:solidFill>
+                <a:effectLst/>
+                <a:latin typeface="Menlo" panose="020B0609030804020204" pitchFamily="49" charset="0"/>
+                <a:ea typeface="Menlo" panose="020B0609030804020204" pitchFamily="49" charset="0"/>
+                <a:cs typeface="Menlo" panose="020B0609030804020204" pitchFamily="49" charset="0"/>
+              </a:rPr>
+            </a:br>
+            <a:r>
+              <a:rPr lang="en-GB" sz="1600" dirty="0">
+                <a:solidFill>
+                  <a:srgbClr val="080808"/>
+                </a:solidFill>
+                <a:effectLst/>
+                <a:latin typeface="Menlo" panose="020B0609030804020204" pitchFamily="49" charset="0"/>
+                <a:ea typeface="Menlo" panose="020B0609030804020204" pitchFamily="49" charset="0"/>
+                <a:cs typeface="Menlo" panose="020B0609030804020204" pitchFamily="49" charset="0"/>
+              </a:rPr>
+              <a:t>  </a:t>
+            </a:r>
+            <a:r>
+              <a:rPr lang="en-GB" sz="1600" dirty="0">
+                <a:solidFill>
+                  <a:srgbClr val="8C8C8C"/>
+                </a:solidFill>
+                <a:effectLst/>
+                <a:latin typeface="Menlo" panose="020B0609030804020204" pitchFamily="49" charset="0"/>
+                <a:ea typeface="Menlo" panose="020B0609030804020204" pitchFamily="49" charset="0"/>
+                <a:cs typeface="Menlo" panose="020B0609030804020204" pitchFamily="49" charset="0"/>
+              </a:rPr>
+              <a:t>// Deduce the </a:t>
+            </a:r>
+            <a:r>
+              <a:rPr lang="en-GB" sz="1600" dirty="0">
+                <a:solidFill>
+                  <a:srgbClr val="00B0F0"/>
+                </a:solidFill>
+                <a:effectLst/>
+                <a:latin typeface="Menlo" panose="020B0609030804020204" pitchFamily="49" charset="0"/>
+                <a:ea typeface="Menlo" panose="020B0609030804020204" pitchFamily="49" charset="0"/>
+                <a:cs typeface="Menlo" panose="020B0609030804020204" pitchFamily="49" charset="0"/>
+              </a:rPr>
+              <a:t>condition</a:t>
+            </a:r>
+            <a:r>
+              <a:rPr lang="en-GB" sz="1600" dirty="0">
+                <a:solidFill>
+                  <a:srgbClr val="8C8C8C"/>
+                </a:solidFill>
+                <a:effectLst/>
+                <a:latin typeface="Menlo" panose="020B0609030804020204" pitchFamily="49" charset="0"/>
+                <a:ea typeface="Menlo" panose="020B0609030804020204" pitchFamily="49" charset="0"/>
+                <a:cs typeface="Menlo" panose="020B0609030804020204" pitchFamily="49" charset="0"/>
+              </a:rPr>
+              <a:t> (at this program location)</a:t>
+            </a:r>
+          </a:p>
+          <a:p>
+            <a:br>
+              <a:rPr lang="en-GB" sz="1600" dirty="0">
+                <a:solidFill>
+                  <a:srgbClr val="8C8C8C"/>
+                </a:solidFill>
+                <a:effectLst/>
+                <a:latin typeface="Menlo" panose="020B0609030804020204" pitchFamily="49" charset="0"/>
+                <a:ea typeface="Menlo" panose="020B0609030804020204" pitchFamily="49" charset="0"/>
+                <a:cs typeface="Menlo" panose="020B0609030804020204" pitchFamily="49" charset="0"/>
+              </a:rPr>
+            </a:br>
+            <a:r>
+              <a:rPr lang="en-GB" sz="1600" dirty="0">
+                <a:solidFill>
+                  <a:srgbClr val="8C8C8C"/>
+                </a:solidFill>
+                <a:effectLst/>
+                <a:latin typeface="Menlo" panose="020B0609030804020204" pitchFamily="49" charset="0"/>
+                <a:ea typeface="Menlo" panose="020B0609030804020204" pitchFamily="49" charset="0"/>
+                <a:cs typeface="Menlo" panose="020B0609030804020204" pitchFamily="49" charset="0"/>
+              </a:rPr>
+              <a:t>  </a:t>
+            </a:r>
+            <a:r>
+              <a:rPr lang="en-GB" sz="1600" i="1" dirty="0">
+                <a:solidFill>
+                  <a:srgbClr val="78B044"/>
+                </a:solidFill>
+                <a:effectLst/>
+                <a:latin typeface="Menlo" panose="020B0609030804020204" pitchFamily="49" charset="0"/>
+                <a:ea typeface="Menlo" panose="020B0609030804020204" pitchFamily="49" charset="0"/>
+                <a:cs typeface="Menlo" panose="020B0609030804020204" pitchFamily="49" charset="0"/>
+              </a:rPr>
+              <a:t>loop</a:t>
+            </a:r>
+            <a:r>
+              <a:rPr lang="en-GB" sz="1600" i="1" dirty="0">
+                <a:solidFill>
+                  <a:srgbClr val="78B044"/>
+                </a:solidFill>
+                <a:latin typeface="Menlo" panose="020B0609030804020204" pitchFamily="49" charset="0"/>
+                <a:ea typeface="Menlo" panose="020B0609030804020204" pitchFamily="49" charset="0"/>
+                <a:cs typeface="Menlo" panose="020B0609030804020204" pitchFamily="49" charset="0"/>
+              </a:rPr>
+              <a:t> </a:t>
+            </a:r>
+            <a:r>
+              <a:rPr lang="en-GB" sz="1600" i="1" dirty="0">
+                <a:solidFill>
+                  <a:srgbClr val="78B044"/>
+                </a:solidFill>
+                <a:effectLst/>
+                <a:latin typeface="Menlo" panose="020B0609030804020204" pitchFamily="49" charset="0"/>
+                <a:ea typeface="Menlo" panose="020B0609030804020204" pitchFamily="49" charset="0"/>
+                <a:cs typeface="Menlo" panose="020B0609030804020204" pitchFamily="49" charset="0"/>
+              </a:rPr>
+              <a:t>body</a:t>
+            </a:r>
+          </a:p>
+          <a:p>
+            <a:br>
+              <a:rPr lang="en-GB" sz="1600" dirty="0">
+                <a:solidFill>
+                  <a:srgbClr val="080808"/>
+                </a:solidFill>
+                <a:effectLst/>
+                <a:latin typeface="Menlo" panose="020B0609030804020204" pitchFamily="49" charset="0"/>
+                <a:ea typeface="Menlo" panose="020B0609030804020204" pitchFamily="49" charset="0"/>
+                <a:cs typeface="Menlo" panose="020B0609030804020204" pitchFamily="49" charset="0"/>
+              </a:rPr>
+            </a:br>
+            <a:r>
+              <a:rPr lang="en-GB" sz="1600" dirty="0">
+                <a:solidFill>
+                  <a:srgbClr val="080808"/>
+                </a:solidFill>
+                <a:effectLst/>
+                <a:latin typeface="Menlo" panose="020B0609030804020204" pitchFamily="49" charset="0"/>
+                <a:ea typeface="Menlo" panose="020B0609030804020204" pitchFamily="49" charset="0"/>
+                <a:cs typeface="Menlo" panose="020B0609030804020204" pitchFamily="49" charset="0"/>
+              </a:rPr>
+              <a:t>}</a:t>
+            </a:r>
+            <a:br>
+              <a:rPr lang="en-GB" sz="1600" dirty="0">
+                <a:solidFill>
+                  <a:srgbClr val="080808"/>
+                </a:solidFill>
+                <a:effectLst/>
+                <a:latin typeface="Menlo" panose="020B0609030804020204" pitchFamily="49" charset="0"/>
+                <a:ea typeface="Menlo" panose="020B0609030804020204" pitchFamily="49" charset="0"/>
+                <a:cs typeface="Menlo" panose="020B0609030804020204" pitchFamily="49" charset="0"/>
+              </a:rPr>
+            </a:br>
+            <a:r>
+              <a:rPr lang="en-GB" sz="1600" dirty="0">
+                <a:solidFill>
+                  <a:srgbClr val="8C8C8C"/>
+                </a:solidFill>
+                <a:effectLst/>
+                <a:latin typeface="Menlo" panose="020B0609030804020204" pitchFamily="49" charset="0"/>
+                <a:ea typeface="Menlo" panose="020B0609030804020204" pitchFamily="49" charset="0"/>
+                <a:cs typeface="Menlo" panose="020B0609030804020204" pitchFamily="49" charset="0"/>
+              </a:rPr>
+              <a:t>// Deduce the </a:t>
+            </a:r>
+            <a:r>
+              <a:rPr lang="en-GB" sz="1600" b="1" dirty="0">
+                <a:solidFill>
+                  <a:srgbClr val="8C8C8C"/>
+                </a:solidFill>
+                <a:effectLst/>
+                <a:latin typeface="Menlo" panose="020B0609030804020204" pitchFamily="49" charset="0"/>
+                <a:ea typeface="Menlo" panose="020B0609030804020204" pitchFamily="49" charset="0"/>
+                <a:cs typeface="Menlo" panose="020B0609030804020204" pitchFamily="49" charset="0"/>
+              </a:rPr>
+              <a:t>negation</a:t>
+            </a:r>
+            <a:r>
+              <a:rPr lang="en-GB" sz="1600" dirty="0">
+                <a:solidFill>
+                  <a:srgbClr val="8C8C8C"/>
+                </a:solidFill>
+                <a:effectLst/>
+                <a:latin typeface="Menlo" panose="020B0609030804020204" pitchFamily="49" charset="0"/>
+                <a:ea typeface="Menlo" panose="020B0609030804020204" pitchFamily="49" charset="0"/>
+                <a:cs typeface="Menlo" panose="020B0609030804020204" pitchFamily="49" charset="0"/>
+              </a:rPr>
+              <a:t> of the </a:t>
+            </a:r>
+            <a:r>
+              <a:rPr lang="en-GB" sz="1600" dirty="0">
+                <a:solidFill>
+                  <a:srgbClr val="00B0F0"/>
+                </a:solidFill>
+                <a:effectLst/>
+                <a:latin typeface="Menlo" panose="020B0609030804020204" pitchFamily="49" charset="0"/>
+                <a:ea typeface="Menlo" panose="020B0609030804020204" pitchFamily="49" charset="0"/>
+                <a:cs typeface="Menlo" panose="020B0609030804020204" pitchFamily="49" charset="0"/>
+              </a:rPr>
+              <a:t>condition</a:t>
+            </a:r>
+            <a:r>
+              <a:rPr lang="en-GB" sz="1600" dirty="0">
+                <a:solidFill>
+                  <a:srgbClr val="8C8C8C"/>
+                </a:solidFill>
+                <a:effectLst/>
+                <a:latin typeface="Menlo" panose="020B0609030804020204" pitchFamily="49" charset="0"/>
+                <a:ea typeface="Menlo" panose="020B0609030804020204" pitchFamily="49" charset="0"/>
+                <a:cs typeface="Menlo" panose="020B0609030804020204" pitchFamily="49" charset="0"/>
+              </a:rPr>
+              <a:t> (at this program location)</a:t>
+            </a:r>
+          </a:p>
+          <a:p>
+            <a:br>
+              <a:rPr lang="en-GB" sz="1600" dirty="0">
+                <a:solidFill>
+                  <a:srgbClr val="8C8C8C"/>
+                </a:solidFill>
+                <a:effectLst/>
+                <a:latin typeface="Menlo" panose="020B0609030804020204" pitchFamily="49" charset="0"/>
+                <a:ea typeface="Menlo" panose="020B0609030804020204" pitchFamily="49" charset="0"/>
+                <a:cs typeface="Menlo" panose="020B0609030804020204" pitchFamily="49" charset="0"/>
+              </a:rPr>
+            </a:br>
+            <a:r>
+              <a:rPr lang="en-GB" sz="1600" i="1" dirty="0">
+                <a:solidFill>
+                  <a:srgbClr val="78B044"/>
+                </a:solidFill>
+                <a:effectLst/>
+                <a:latin typeface="Menlo" panose="020B0609030804020204" pitchFamily="49" charset="0"/>
+                <a:ea typeface="Menlo" panose="020B0609030804020204" pitchFamily="49" charset="0"/>
+                <a:cs typeface="Menlo" panose="020B0609030804020204" pitchFamily="49" charset="0"/>
+              </a:rPr>
+              <a:t>after loop</a:t>
+            </a:r>
+          </a:p>
+          <a:p>
+            <a:r>
+              <a:rPr lang="en-GB" sz="1600" dirty="0">
+                <a:solidFill>
+                  <a:schemeClr val="tx2">
+                    <a:lumMod val="60000"/>
+                    <a:lumOff val="40000"/>
+                  </a:schemeClr>
+                </a:solidFill>
+                <a:effectLst/>
+                <a:latin typeface="Menlo" panose="020B0609030804020204" pitchFamily="49" charset="0"/>
+                <a:ea typeface="Menlo" panose="020B0609030804020204" pitchFamily="49" charset="0"/>
+                <a:cs typeface="Menlo" panose="020B0609030804020204" pitchFamily="49" charset="0"/>
+              </a:rPr>
+              <a:t>// Deduce post-condition</a:t>
+            </a:r>
+            <a:r>
+              <a:rPr lang="en-GB" sz="1600" dirty="0">
+                <a:solidFill>
+                  <a:srgbClr val="8C8C8C"/>
+                </a:solidFill>
+                <a:effectLst/>
+                <a:latin typeface="Menlo" panose="020B0609030804020204" pitchFamily="49" charset="0"/>
+                <a:ea typeface="Menlo" panose="020B0609030804020204" pitchFamily="49" charset="0"/>
+                <a:cs typeface="Menlo" panose="020B0609030804020204" pitchFamily="49" charset="0"/>
+              </a:rPr>
+              <a:t> (</a:t>
+            </a:r>
+            <a:r>
+              <a:rPr lang="en-GB" sz="1600" dirty="0">
+                <a:solidFill>
+                  <a:srgbClr val="FF0000"/>
+                </a:solidFill>
+                <a:effectLst/>
+                <a:latin typeface="Menlo" panose="020B0609030804020204" pitchFamily="49" charset="0"/>
+                <a:ea typeface="Menlo" panose="020B0609030804020204" pitchFamily="49" charset="0"/>
+                <a:cs typeface="Menlo" panose="020B0609030804020204" pitchFamily="49" charset="0"/>
+              </a:rPr>
+              <a:t>proof obligation</a:t>
+            </a:r>
+            <a:r>
+              <a:rPr lang="en-GB" sz="1600" dirty="0">
+                <a:solidFill>
+                  <a:srgbClr val="8C8C8C"/>
+                </a:solidFill>
+                <a:effectLst/>
+                <a:latin typeface="Menlo" panose="020B0609030804020204" pitchFamily="49" charset="0"/>
+                <a:ea typeface="Menlo" panose="020B0609030804020204" pitchFamily="49" charset="0"/>
+                <a:cs typeface="Menlo" panose="020B0609030804020204" pitchFamily="49" charset="0"/>
+              </a:rPr>
+              <a:t>)</a:t>
+            </a:r>
+          </a:p>
+        </p:txBody>
+      </p:sp>
+    </p:spTree>
+    <p:extLst>
+      <p:ext uri="{BB962C8B-B14F-4D97-AF65-F5344CB8AC3E}">
+        <p14:creationId xmlns:p14="http://schemas.microsoft.com/office/powerpoint/2010/main" val="4291662792"/>
+      </p:ext>
+    </p:extLst>
+  </p:cSld>
+  <p:clrMapOvr>
+    <a:masterClrMapping/>
+  </p:clrMapOvr>
+</p:sld>
+</file>
+
+<file path=ppt/slides/slide5.xml><?xml version="1.0" encoding="utf-8"?>
+<p:sld xmlns:a="http://schemas.openxmlformats.org/drawingml/2006/main" xmlns:r="http://schemas.openxmlformats.org/officeDocument/2006/relationships" xmlns:p="http://schemas.openxmlformats.org/presentationml/2006/main">
+  <p:cSld>
+    <p:spTree>
+      <p:nvGrpSpPr>
+        <p:cNvPr id="1" name="">
+          <a:extLst>
+            <a:ext uri="{FF2B5EF4-FFF2-40B4-BE49-F238E27FC236}">
+              <a16:creationId xmlns:a16="http://schemas.microsoft.com/office/drawing/2014/main" id="{334047DD-569F-4396-711D-294427559003}"/>
+            </a:ext>
+          </a:extLst>
+        </p:cNvPr>
+        <p:cNvGrpSpPr/>
+        <p:nvPr/>
+      </p:nvGrpSpPr>
+      <p:grpSpPr>
+        <a:xfrm>
+          <a:off x="0" y="0"/>
+          <a:ext cx="0" cy="0"/>
+          <a:chOff x="0" y="0"/>
+          <a:chExt cx="0" cy="0"/>
+        </a:xfrm>
+      </p:grpSpPr>
+      <p:sp>
+        <p:nvSpPr>
+          <p:cNvPr id="2" name="Title 1">
+            <a:extLst>
+              <a:ext uri="{FF2B5EF4-FFF2-40B4-BE49-F238E27FC236}">
+                <a16:creationId xmlns:a16="http://schemas.microsoft.com/office/drawing/2014/main" id="{20AF02A3-8C4E-928E-6DA5-19C58B8B227D}"/>
+              </a:ext>
+            </a:extLst>
+          </p:cNvPr>
+          <p:cNvSpPr>
+            <a:spLocks noGrp="1"/>
+          </p:cNvSpPr>
+          <p:nvPr>
+            <p:ph type="title"/>
+          </p:nvPr>
+        </p:nvSpPr>
+        <p:spPr/>
+        <p:txBody>
+          <a:bodyPr/>
+          <a:lstStyle/>
+          <a:p>
+            <a:r>
+              <a:rPr lang="en-US" sz="3600" dirty="0"/>
+              <a:t>While Loops</a:t>
+            </a:r>
+          </a:p>
+        </p:txBody>
+      </p:sp>
+      <p:sp>
+        <p:nvSpPr>
+          <p:cNvPr id="128" name="Slide Number Placeholder 127">
+            <a:extLst>
+              <a:ext uri="{FF2B5EF4-FFF2-40B4-BE49-F238E27FC236}">
+                <a16:creationId xmlns:a16="http://schemas.microsoft.com/office/drawing/2014/main" id="{16D90712-CAE5-FBA7-F76B-FF1DF446CDBE}"/>
+              </a:ext>
+            </a:extLst>
+          </p:cNvPr>
+          <p:cNvSpPr>
+            <a:spLocks noGrp="1"/>
+          </p:cNvSpPr>
+          <p:nvPr>
+            <p:ph type="sldNum" sz="quarter" idx="11"/>
+          </p:nvPr>
+        </p:nvSpPr>
+        <p:spPr/>
+        <p:txBody>
+          <a:bodyPr/>
+          <a:lstStyle/>
+          <a:p>
+            <a:pPr>
+              <a:defRPr/>
+            </a:pPr>
+            <a:fld id="{6E0AA622-F4CE-604D-A669-CD3D12FC535C}" type="slidenum">
+              <a:rPr lang="en-US" smtClean="0"/>
+              <a:pPr>
+                <a:defRPr/>
+              </a:pPr>
+              <a:t>5</a:t>
+            </a:fld>
+            <a:endParaRPr lang="en-US" dirty="0"/>
+          </a:p>
+        </p:txBody>
+      </p:sp>
+      <p:sp>
+        <p:nvSpPr>
+          <p:cNvPr id="3" name="TextBox 2">
+            <a:extLst>
+              <a:ext uri="{FF2B5EF4-FFF2-40B4-BE49-F238E27FC236}">
+                <a16:creationId xmlns:a16="http://schemas.microsoft.com/office/drawing/2014/main" id="{8492B7FD-3180-DEDC-408C-2707828060E3}"/>
+              </a:ext>
+            </a:extLst>
+          </p:cNvPr>
+          <p:cNvSpPr txBox="1"/>
+          <p:nvPr/>
+        </p:nvSpPr>
+        <p:spPr>
+          <a:xfrm>
+            <a:off x="381000" y="1158925"/>
+            <a:ext cx="8016766" cy="338554"/>
+          </a:xfrm>
+          <a:prstGeom prst="rect">
+            <a:avLst/>
+          </a:prstGeom>
+          <a:gradFill flip="none" rotWithShape="1">
+            <a:gsLst>
+              <a:gs pos="0">
+                <a:schemeClr val="bg1"/>
+              </a:gs>
+              <a:gs pos="74000">
+                <a:srgbClr val="FFE267"/>
+              </a:gs>
+              <a:gs pos="83000">
+                <a:srgbClr val="FFE267"/>
+              </a:gs>
+              <a:gs pos="100000">
+                <a:srgbClr val="FFE267"/>
+              </a:gs>
+            </a:gsLst>
+            <a:lin ang="10800000" scaled="1"/>
+            <a:tileRect/>
+          </a:gradFill>
+        </p:spPr>
+        <p:txBody>
+          <a:bodyPr wrap="square" rtlCol="0">
+            <a:spAutoFit/>
+          </a:bodyPr>
+          <a:lstStyle/>
+          <a:p>
+            <a:r>
+              <a:rPr lang="en-US" sz="1600" dirty="0"/>
+              <a:t>Deducing a new fact by means of an inductive invariant</a:t>
+            </a:r>
+          </a:p>
+        </p:txBody>
+      </p:sp>
+      <p:sp>
+        <p:nvSpPr>
+          <p:cNvPr id="4" name="TextBox 3">
+            <a:extLst>
+              <a:ext uri="{FF2B5EF4-FFF2-40B4-BE49-F238E27FC236}">
+                <a16:creationId xmlns:a16="http://schemas.microsoft.com/office/drawing/2014/main" id="{B1FEBD97-6175-A60F-8C2F-A38638A59273}"/>
+              </a:ext>
+            </a:extLst>
+          </p:cNvPr>
+          <p:cNvSpPr txBox="1"/>
+          <p:nvPr/>
+        </p:nvSpPr>
+        <p:spPr>
+          <a:xfrm>
+            <a:off x="549166" y="1697872"/>
+            <a:ext cx="8290034" cy="3539430"/>
+          </a:xfrm>
+          <a:prstGeom prst="rect">
+            <a:avLst/>
+          </a:prstGeom>
+          <a:noFill/>
+        </p:spPr>
+        <p:txBody>
+          <a:bodyPr wrap="square" rtlCol="0">
+            <a:spAutoFit/>
+          </a:bodyPr>
+          <a:lstStyle/>
+          <a:p>
+            <a:r>
+              <a:rPr lang="en-GB" sz="1600" dirty="0">
+                <a:solidFill>
+                  <a:schemeClr val="tx2">
+                    <a:lumMod val="60000"/>
+                    <a:lumOff val="40000"/>
+                  </a:schemeClr>
+                </a:solidFill>
+                <a:effectLst/>
+                <a:latin typeface="Menlo" panose="020B0609030804020204" pitchFamily="49" charset="0"/>
+                <a:ea typeface="Menlo" panose="020B0609030804020204" pitchFamily="49" charset="0"/>
+                <a:cs typeface="Menlo" panose="020B0609030804020204" pitchFamily="49" charset="0"/>
+              </a:rPr>
+              <a:t>// Assume pre-condition </a:t>
+            </a:r>
+          </a:p>
+          <a:p>
+            <a:r>
+              <a:rPr lang="en-GB" sz="1600" i="1" dirty="0">
+                <a:solidFill>
+                  <a:srgbClr val="78B044"/>
+                </a:solidFill>
+                <a:latin typeface="Menlo" panose="020B0609030804020204" pitchFamily="49" charset="0"/>
+                <a:ea typeface="Menlo" panose="020B0609030804020204" pitchFamily="49" charset="0"/>
+                <a:cs typeface="Menlo" panose="020B0609030804020204" pitchFamily="49" charset="0"/>
+              </a:rPr>
+              <a:t>b</a:t>
+            </a:r>
+            <a:r>
+              <a:rPr lang="en-GB" sz="1600" i="1" dirty="0">
+                <a:solidFill>
+                  <a:srgbClr val="78B044"/>
+                </a:solidFill>
+                <a:effectLst/>
+                <a:latin typeface="Menlo" panose="020B0609030804020204" pitchFamily="49" charset="0"/>
+                <a:ea typeface="Menlo" panose="020B0609030804020204" pitchFamily="49" charset="0"/>
+                <a:cs typeface="Menlo" panose="020B0609030804020204" pitchFamily="49" charset="0"/>
+              </a:rPr>
+              <a:t>efore</a:t>
+            </a:r>
+            <a:r>
+              <a:rPr lang="en-GB" sz="1600" i="1" dirty="0">
+                <a:solidFill>
+                  <a:srgbClr val="78B044"/>
+                </a:solidFill>
+                <a:latin typeface="Menlo" panose="020B0609030804020204" pitchFamily="49" charset="0"/>
+                <a:ea typeface="Menlo" panose="020B0609030804020204" pitchFamily="49" charset="0"/>
+                <a:cs typeface="Menlo" panose="020B0609030804020204" pitchFamily="49" charset="0"/>
+              </a:rPr>
+              <a:t> </a:t>
+            </a:r>
+            <a:r>
+              <a:rPr lang="en-GB" sz="1600" i="1" dirty="0">
+                <a:solidFill>
+                  <a:srgbClr val="78B044"/>
+                </a:solidFill>
+                <a:effectLst/>
+                <a:latin typeface="Menlo" panose="020B0609030804020204" pitchFamily="49" charset="0"/>
+                <a:ea typeface="Menlo" panose="020B0609030804020204" pitchFamily="49" charset="0"/>
+                <a:cs typeface="Menlo" panose="020B0609030804020204" pitchFamily="49" charset="0"/>
+              </a:rPr>
+              <a:t>loop</a:t>
+            </a:r>
+            <a:br>
+              <a:rPr lang="en-GB" sz="1600" dirty="0">
+                <a:solidFill>
+                  <a:srgbClr val="080808"/>
+                </a:solidFill>
+                <a:effectLst/>
+                <a:latin typeface="Menlo" panose="020B0609030804020204" pitchFamily="49" charset="0"/>
+                <a:ea typeface="Menlo" panose="020B0609030804020204" pitchFamily="49" charset="0"/>
+                <a:cs typeface="Menlo" panose="020B0609030804020204" pitchFamily="49" charset="0"/>
+              </a:rPr>
+            </a:br>
+            <a:r>
+              <a:rPr lang="en-GB" sz="1600" dirty="0">
+                <a:solidFill>
+                  <a:srgbClr val="8C8C8C"/>
+                </a:solidFill>
+                <a:effectLst/>
+                <a:latin typeface="Menlo" panose="020B0609030804020204" pitchFamily="49" charset="0"/>
+                <a:ea typeface="Menlo" panose="020B0609030804020204" pitchFamily="49" charset="0"/>
+                <a:cs typeface="Menlo" panose="020B0609030804020204" pitchFamily="49" charset="0"/>
+              </a:rPr>
+              <a:t>// Deduce facts </a:t>
+            </a:r>
+            <a:r>
+              <a:rPr lang="en-GB" sz="1600" b="1" dirty="0">
+                <a:solidFill>
+                  <a:srgbClr val="8C8C8C"/>
+                </a:solidFill>
+                <a:effectLst/>
+                <a:latin typeface="Menlo" panose="020B0609030804020204" pitchFamily="49" charset="0"/>
+                <a:ea typeface="Menlo" panose="020B0609030804020204" pitchFamily="49" charset="0"/>
+                <a:cs typeface="Menlo" panose="020B0609030804020204" pitchFamily="49" charset="0"/>
+              </a:rPr>
+              <a:t>known</a:t>
+            </a:r>
+            <a:r>
+              <a:rPr lang="en-GB" sz="1600" dirty="0">
+                <a:solidFill>
+                  <a:srgbClr val="8C8C8C"/>
+                </a:solidFill>
+                <a:effectLst/>
+                <a:latin typeface="Menlo" panose="020B0609030804020204" pitchFamily="49" charset="0"/>
+                <a:ea typeface="Menlo" panose="020B0609030804020204" pitchFamily="49" charset="0"/>
+                <a:cs typeface="Menlo" panose="020B0609030804020204" pitchFamily="49" charset="0"/>
+              </a:rPr>
+              <a:t> before the loop is entered</a:t>
+            </a:r>
+          </a:p>
+          <a:p>
+            <a:r>
+              <a:rPr lang="en-GB" sz="1600" dirty="0">
+                <a:solidFill>
+                  <a:srgbClr val="8C8C8C"/>
+                </a:solidFill>
+                <a:latin typeface="Menlo" panose="020B0609030804020204" pitchFamily="49" charset="0"/>
+                <a:ea typeface="Menlo" panose="020B0609030804020204" pitchFamily="49" charset="0"/>
+                <a:cs typeface="Menlo" panose="020B0609030804020204" pitchFamily="49" charset="0"/>
+              </a:rPr>
+              <a:t>// Deduce the </a:t>
+            </a:r>
+            <a:r>
+              <a:rPr lang="en-GB" sz="1600" dirty="0">
+                <a:solidFill>
+                  <a:srgbClr val="0070C0"/>
+                </a:solidFill>
+                <a:latin typeface="Menlo" panose="020B0609030804020204" pitchFamily="49" charset="0"/>
+                <a:ea typeface="Menlo" panose="020B0609030804020204" pitchFamily="49" charset="0"/>
+                <a:cs typeface="Menlo" panose="020B0609030804020204" pitchFamily="49" charset="0"/>
+              </a:rPr>
+              <a:t>invariant</a:t>
+            </a:r>
+            <a:r>
+              <a:rPr lang="en-GB" sz="1600" dirty="0">
+                <a:solidFill>
+                  <a:srgbClr val="8C8C8C"/>
+                </a:solidFill>
+                <a:latin typeface="Menlo" panose="020B0609030804020204" pitchFamily="49" charset="0"/>
+                <a:ea typeface="Menlo" panose="020B0609030804020204" pitchFamily="49" charset="0"/>
+                <a:cs typeface="Menlo" panose="020B0609030804020204" pitchFamily="49" charset="0"/>
+              </a:rPr>
+              <a:t> (</a:t>
+            </a:r>
+            <a:r>
+              <a:rPr lang="en-GB" sz="1600" dirty="0">
+                <a:solidFill>
+                  <a:srgbClr val="FF0000"/>
+                </a:solidFill>
+                <a:latin typeface="Menlo" panose="020B0609030804020204" pitchFamily="49" charset="0"/>
+                <a:ea typeface="Menlo" panose="020B0609030804020204" pitchFamily="49" charset="0"/>
+                <a:cs typeface="Menlo" panose="020B0609030804020204" pitchFamily="49" charset="0"/>
+              </a:rPr>
+              <a:t>loop proof obligation</a:t>
+            </a:r>
+            <a:r>
+              <a:rPr lang="en-GB" sz="1600" dirty="0">
+                <a:solidFill>
+                  <a:srgbClr val="8C8C8C"/>
+                </a:solidFill>
+                <a:latin typeface="Menlo" panose="020B0609030804020204" pitchFamily="49" charset="0"/>
+                <a:ea typeface="Menlo" panose="020B0609030804020204" pitchFamily="49" charset="0"/>
+                <a:cs typeface="Menlo" panose="020B0609030804020204" pitchFamily="49" charset="0"/>
+              </a:rPr>
+              <a:t>)</a:t>
+            </a:r>
+            <a:br>
+              <a:rPr lang="en-GB" sz="1600" dirty="0">
+                <a:solidFill>
+                  <a:srgbClr val="8C8C8C"/>
+                </a:solidFill>
+                <a:effectLst/>
+                <a:latin typeface="Menlo" panose="020B0609030804020204" pitchFamily="49" charset="0"/>
+                <a:ea typeface="Menlo" panose="020B0609030804020204" pitchFamily="49" charset="0"/>
+                <a:cs typeface="Menlo" panose="020B0609030804020204" pitchFamily="49" charset="0"/>
+              </a:rPr>
+            </a:br>
+            <a:r>
+              <a:rPr lang="en-GB" sz="1600" dirty="0">
+                <a:solidFill>
+                  <a:srgbClr val="0033B3"/>
+                </a:solidFill>
+                <a:effectLst/>
+                <a:latin typeface="Menlo" panose="020B0609030804020204" pitchFamily="49" charset="0"/>
+                <a:ea typeface="Menlo" panose="020B0609030804020204" pitchFamily="49" charset="0"/>
+                <a:cs typeface="Menlo" panose="020B0609030804020204" pitchFamily="49" charset="0"/>
+              </a:rPr>
+              <a:t>while </a:t>
+            </a:r>
+            <a:r>
+              <a:rPr lang="en-GB" sz="1600" dirty="0">
+                <a:solidFill>
+                  <a:srgbClr val="080808"/>
+                </a:solidFill>
+                <a:effectLst/>
+                <a:latin typeface="Menlo" panose="020B0609030804020204" pitchFamily="49" charset="0"/>
+                <a:ea typeface="Menlo" panose="020B0609030804020204" pitchFamily="49" charset="0"/>
+                <a:cs typeface="Menlo" panose="020B0609030804020204" pitchFamily="49" charset="0"/>
+              </a:rPr>
+              <a:t>(</a:t>
+            </a:r>
+            <a:r>
+              <a:rPr lang="en-GB" sz="1600" dirty="0">
+                <a:solidFill>
+                  <a:srgbClr val="00B0F0"/>
+                </a:solidFill>
+                <a:effectLst/>
+                <a:latin typeface="Menlo" panose="020B0609030804020204" pitchFamily="49" charset="0"/>
+                <a:ea typeface="Menlo" panose="020B0609030804020204" pitchFamily="49" charset="0"/>
+                <a:cs typeface="Menlo" panose="020B0609030804020204" pitchFamily="49" charset="0"/>
+              </a:rPr>
+              <a:t>condition</a:t>
+            </a:r>
+            <a:r>
+              <a:rPr lang="en-GB" sz="1600" dirty="0">
+                <a:solidFill>
+                  <a:srgbClr val="080808"/>
+                </a:solidFill>
+                <a:effectLst/>
+                <a:latin typeface="Menlo" panose="020B0609030804020204" pitchFamily="49" charset="0"/>
+                <a:ea typeface="Menlo" panose="020B0609030804020204" pitchFamily="49" charset="0"/>
+                <a:cs typeface="Menlo" panose="020B0609030804020204" pitchFamily="49" charset="0"/>
+              </a:rPr>
+              <a:t>) {</a:t>
+            </a:r>
+            <a:br>
+              <a:rPr lang="en-GB" sz="1600" dirty="0">
+                <a:solidFill>
+                  <a:srgbClr val="080808"/>
+                </a:solidFill>
+                <a:effectLst/>
+                <a:latin typeface="Menlo" panose="020B0609030804020204" pitchFamily="49" charset="0"/>
+                <a:ea typeface="Menlo" panose="020B0609030804020204" pitchFamily="49" charset="0"/>
+                <a:cs typeface="Menlo" panose="020B0609030804020204" pitchFamily="49" charset="0"/>
+              </a:rPr>
+            </a:br>
+            <a:r>
+              <a:rPr lang="en-GB" sz="1600" dirty="0">
+                <a:solidFill>
+                  <a:srgbClr val="080808"/>
+                </a:solidFill>
+                <a:effectLst/>
+                <a:latin typeface="Menlo" panose="020B0609030804020204" pitchFamily="49" charset="0"/>
+                <a:ea typeface="Menlo" panose="020B0609030804020204" pitchFamily="49" charset="0"/>
+                <a:cs typeface="Menlo" panose="020B0609030804020204" pitchFamily="49" charset="0"/>
+              </a:rPr>
+              <a:t>  </a:t>
+            </a:r>
+            <a:r>
+              <a:rPr lang="en-GB" sz="1600" dirty="0">
+                <a:solidFill>
+                  <a:srgbClr val="8C8C8C"/>
+                </a:solidFill>
+                <a:effectLst/>
+                <a:latin typeface="Menlo" panose="020B0609030804020204" pitchFamily="49" charset="0"/>
+                <a:ea typeface="Menlo" panose="020B0609030804020204" pitchFamily="49" charset="0"/>
+                <a:cs typeface="Menlo" panose="020B0609030804020204" pitchFamily="49" charset="0"/>
+              </a:rPr>
+              <a:t>// Deduce the </a:t>
+            </a:r>
+            <a:r>
+              <a:rPr lang="en-GB" sz="1600" dirty="0">
+                <a:solidFill>
+                  <a:srgbClr val="00B0F0"/>
+                </a:solidFill>
+                <a:effectLst/>
+                <a:latin typeface="Menlo" panose="020B0609030804020204" pitchFamily="49" charset="0"/>
+                <a:ea typeface="Menlo" panose="020B0609030804020204" pitchFamily="49" charset="0"/>
+                <a:cs typeface="Menlo" panose="020B0609030804020204" pitchFamily="49" charset="0"/>
+              </a:rPr>
+              <a:t>condition</a:t>
+            </a:r>
+            <a:r>
+              <a:rPr lang="en-GB" sz="1600" dirty="0">
+                <a:solidFill>
+                  <a:srgbClr val="8C8C8C"/>
+                </a:solidFill>
+                <a:effectLst/>
+                <a:latin typeface="Menlo" panose="020B0609030804020204" pitchFamily="49" charset="0"/>
+                <a:ea typeface="Menlo" panose="020B0609030804020204" pitchFamily="49" charset="0"/>
+                <a:cs typeface="Menlo" panose="020B0609030804020204" pitchFamily="49" charset="0"/>
+              </a:rPr>
+              <a:t> (at this program location)</a:t>
+            </a:r>
+          </a:p>
+          <a:p>
+            <a:r>
+              <a:rPr lang="en-GB" sz="1600" dirty="0">
+                <a:solidFill>
+                  <a:srgbClr val="8C8C8C"/>
+                </a:solidFill>
+                <a:effectLst/>
+                <a:latin typeface="Menlo" panose="020B0609030804020204" pitchFamily="49" charset="0"/>
+                <a:ea typeface="Menlo" panose="020B0609030804020204" pitchFamily="49" charset="0"/>
+                <a:cs typeface="Menlo" panose="020B0609030804020204" pitchFamily="49" charset="0"/>
+              </a:rPr>
+              <a:t>  // Assume the </a:t>
+            </a:r>
+            <a:r>
+              <a:rPr lang="en-GB" sz="1600" dirty="0">
+                <a:solidFill>
+                  <a:srgbClr val="0070C0"/>
+                </a:solidFill>
+                <a:effectLst/>
+                <a:latin typeface="Menlo" panose="020B0609030804020204" pitchFamily="49" charset="0"/>
+                <a:ea typeface="Menlo" panose="020B0609030804020204" pitchFamily="49" charset="0"/>
+                <a:cs typeface="Menlo" panose="020B0609030804020204" pitchFamily="49" charset="0"/>
+              </a:rPr>
+              <a:t>invariant</a:t>
+            </a:r>
+            <a:br>
+              <a:rPr lang="en-GB" sz="1600" dirty="0">
+                <a:solidFill>
+                  <a:srgbClr val="8C8C8C"/>
+                </a:solidFill>
+                <a:effectLst/>
+                <a:latin typeface="Menlo" panose="020B0609030804020204" pitchFamily="49" charset="0"/>
+                <a:ea typeface="Menlo" panose="020B0609030804020204" pitchFamily="49" charset="0"/>
+                <a:cs typeface="Menlo" panose="020B0609030804020204" pitchFamily="49" charset="0"/>
+              </a:rPr>
+            </a:br>
+            <a:r>
+              <a:rPr lang="en-GB" sz="1600" dirty="0">
+                <a:solidFill>
+                  <a:srgbClr val="8C8C8C"/>
+                </a:solidFill>
+                <a:effectLst/>
+                <a:latin typeface="Menlo" panose="020B0609030804020204" pitchFamily="49" charset="0"/>
+                <a:ea typeface="Menlo" panose="020B0609030804020204" pitchFamily="49" charset="0"/>
+                <a:cs typeface="Menlo" panose="020B0609030804020204" pitchFamily="49" charset="0"/>
+              </a:rPr>
+              <a:t>  </a:t>
+            </a:r>
+            <a:r>
+              <a:rPr lang="en-GB" sz="1600" i="1" dirty="0">
+                <a:solidFill>
+                  <a:srgbClr val="78B044"/>
+                </a:solidFill>
+                <a:effectLst/>
+                <a:latin typeface="Menlo" panose="020B0609030804020204" pitchFamily="49" charset="0"/>
+                <a:ea typeface="Menlo" panose="020B0609030804020204" pitchFamily="49" charset="0"/>
+                <a:cs typeface="Menlo" panose="020B0609030804020204" pitchFamily="49" charset="0"/>
+              </a:rPr>
+              <a:t>loop</a:t>
+            </a:r>
+            <a:r>
+              <a:rPr lang="en-GB" sz="1600" i="1" dirty="0">
+                <a:solidFill>
+                  <a:srgbClr val="78B044"/>
+                </a:solidFill>
+                <a:latin typeface="Menlo" panose="020B0609030804020204" pitchFamily="49" charset="0"/>
+                <a:ea typeface="Menlo" panose="020B0609030804020204" pitchFamily="49" charset="0"/>
+                <a:cs typeface="Menlo" panose="020B0609030804020204" pitchFamily="49" charset="0"/>
+              </a:rPr>
+              <a:t> </a:t>
+            </a:r>
+            <a:r>
+              <a:rPr lang="en-GB" sz="1600" i="1" dirty="0">
+                <a:solidFill>
+                  <a:srgbClr val="78B044"/>
+                </a:solidFill>
+                <a:effectLst/>
+                <a:latin typeface="Menlo" panose="020B0609030804020204" pitchFamily="49" charset="0"/>
+                <a:ea typeface="Menlo" panose="020B0609030804020204" pitchFamily="49" charset="0"/>
+                <a:cs typeface="Menlo" panose="020B0609030804020204" pitchFamily="49" charset="0"/>
+              </a:rPr>
+              <a:t>body</a:t>
+            </a:r>
+            <a:br>
+              <a:rPr lang="en-GB" sz="1600" dirty="0">
+                <a:solidFill>
+                  <a:srgbClr val="080808"/>
+                </a:solidFill>
+                <a:effectLst/>
+                <a:latin typeface="Menlo" panose="020B0609030804020204" pitchFamily="49" charset="0"/>
+                <a:ea typeface="Menlo" panose="020B0609030804020204" pitchFamily="49" charset="0"/>
+                <a:cs typeface="Menlo" panose="020B0609030804020204" pitchFamily="49" charset="0"/>
+              </a:rPr>
+            </a:br>
+            <a:r>
+              <a:rPr lang="en-GB" sz="1600" dirty="0">
+                <a:solidFill>
+                  <a:srgbClr val="080808"/>
+                </a:solidFill>
+                <a:effectLst/>
+                <a:latin typeface="Menlo" panose="020B0609030804020204" pitchFamily="49" charset="0"/>
+                <a:ea typeface="Menlo" panose="020B0609030804020204" pitchFamily="49" charset="0"/>
+                <a:cs typeface="Menlo" panose="020B0609030804020204" pitchFamily="49" charset="0"/>
+              </a:rPr>
+              <a:t> </a:t>
+            </a:r>
+            <a:r>
+              <a:rPr lang="en-GB" sz="1600" dirty="0">
+                <a:solidFill>
+                  <a:srgbClr val="8C8C8C"/>
+                </a:solidFill>
+                <a:effectLst/>
+                <a:latin typeface="Menlo" panose="020B0609030804020204" pitchFamily="49" charset="0"/>
+                <a:ea typeface="Menlo" panose="020B0609030804020204" pitchFamily="49" charset="0"/>
+                <a:cs typeface="Menlo" panose="020B0609030804020204" pitchFamily="49" charset="0"/>
+              </a:rPr>
+              <a:t> // Deduce the </a:t>
+            </a:r>
+            <a:r>
+              <a:rPr lang="en-GB" sz="1600" dirty="0">
+                <a:solidFill>
+                  <a:srgbClr val="0070C0"/>
+                </a:solidFill>
+                <a:effectLst/>
+                <a:latin typeface="Menlo" panose="020B0609030804020204" pitchFamily="49" charset="0"/>
+                <a:ea typeface="Menlo" panose="020B0609030804020204" pitchFamily="49" charset="0"/>
+                <a:cs typeface="Menlo" panose="020B0609030804020204" pitchFamily="49" charset="0"/>
+              </a:rPr>
+              <a:t>invariant</a:t>
+            </a:r>
+            <a:r>
+              <a:rPr lang="en-GB" sz="1600" dirty="0">
+                <a:solidFill>
+                  <a:srgbClr val="8C8C8C"/>
+                </a:solidFill>
+                <a:effectLst/>
+                <a:latin typeface="Menlo" panose="020B0609030804020204" pitchFamily="49" charset="0"/>
+                <a:ea typeface="Menlo" panose="020B0609030804020204" pitchFamily="49" charset="0"/>
+                <a:cs typeface="Menlo" panose="020B0609030804020204" pitchFamily="49" charset="0"/>
+              </a:rPr>
+              <a:t> (</a:t>
+            </a:r>
+            <a:r>
+              <a:rPr lang="en-GB" sz="1600" dirty="0">
+                <a:solidFill>
+                  <a:srgbClr val="FF0000"/>
+                </a:solidFill>
+                <a:effectLst/>
+                <a:latin typeface="Menlo" panose="020B0609030804020204" pitchFamily="49" charset="0"/>
+                <a:ea typeface="Menlo" panose="020B0609030804020204" pitchFamily="49" charset="0"/>
+                <a:cs typeface="Menlo" panose="020B0609030804020204" pitchFamily="49" charset="0"/>
+              </a:rPr>
+              <a:t>loop proof obligation</a:t>
+            </a:r>
+            <a:r>
+              <a:rPr lang="en-GB" sz="1600" dirty="0">
+                <a:solidFill>
+                  <a:srgbClr val="8C8C8C"/>
+                </a:solidFill>
+                <a:effectLst/>
+                <a:latin typeface="Menlo" panose="020B0609030804020204" pitchFamily="49" charset="0"/>
+                <a:ea typeface="Menlo" panose="020B0609030804020204" pitchFamily="49" charset="0"/>
+                <a:cs typeface="Menlo" panose="020B0609030804020204" pitchFamily="49" charset="0"/>
+              </a:rPr>
+              <a:t>)</a:t>
+            </a:r>
+          </a:p>
+          <a:p>
+            <a:r>
+              <a:rPr lang="en-GB" sz="1600" dirty="0">
+                <a:solidFill>
+                  <a:srgbClr val="080808"/>
+                </a:solidFill>
+                <a:effectLst/>
+                <a:latin typeface="Menlo" panose="020B0609030804020204" pitchFamily="49" charset="0"/>
+                <a:ea typeface="Menlo" panose="020B0609030804020204" pitchFamily="49" charset="0"/>
+                <a:cs typeface="Menlo" panose="020B0609030804020204" pitchFamily="49" charset="0"/>
+              </a:rPr>
+              <a:t>}</a:t>
+            </a:r>
+            <a:br>
+              <a:rPr lang="en-GB" sz="1600" dirty="0">
+                <a:solidFill>
+                  <a:srgbClr val="080808"/>
+                </a:solidFill>
+                <a:effectLst/>
+                <a:latin typeface="Menlo" panose="020B0609030804020204" pitchFamily="49" charset="0"/>
+                <a:ea typeface="Menlo" panose="020B0609030804020204" pitchFamily="49" charset="0"/>
+                <a:cs typeface="Menlo" panose="020B0609030804020204" pitchFamily="49" charset="0"/>
+              </a:rPr>
+            </a:br>
+            <a:r>
+              <a:rPr lang="en-GB" sz="1600" dirty="0">
+                <a:solidFill>
+                  <a:srgbClr val="8C8C8C"/>
+                </a:solidFill>
+                <a:effectLst/>
+                <a:latin typeface="Menlo" panose="020B0609030804020204" pitchFamily="49" charset="0"/>
+                <a:ea typeface="Menlo" panose="020B0609030804020204" pitchFamily="49" charset="0"/>
+                <a:cs typeface="Menlo" panose="020B0609030804020204" pitchFamily="49" charset="0"/>
+              </a:rPr>
+              <a:t>// Deduce the </a:t>
+            </a:r>
+            <a:r>
+              <a:rPr lang="en-GB" sz="1600" b="1" dirty="0">
+                <a:solidFill>
+                  <a:srgbClr val="8C8C8C"/>
+                </a:solidFill>
+                <a:effectLst/>
+                <a:latin typeface="Menlo" panose="020B0609030804020204" pitchFamily="49" charset="0"/>
+                <a:ea typeface="Menlo" panose="020B0609030804020204" pitchFamily="49" charset="0"/>
+                <a:cs typeface="Menlo" panose="020B0609030804020204" pitchFamily="49" charset="0"/>
+              </a:rPr>
+              <a:t>negation</a:t>
+            </a:r>
+            <a:r>
+              <a:rPr lang="en-GB" sz="1600" dirty="0">
+                <a:solidFill>
+                  <a:srgbClr val="8C8C8C"/>
+                </a:solidFill>
+                <a:effectLst/>
+                <a:latin typeface="Menlo" panose="020B0609030804020204" pitchFamily="49" charset="0"/>
+                <a:ea typeface="Menlo" panose="020B0609030804020204" pitchFamily="49" charset="0"/>
+                <a:cs typeface="Menlo" panose="020B0609030804020204" pitchFamily="49" charset="0"/>
+              </a:rPr>
+              <a:t> of the </a:t>
+            </a:r>
+            <a:r>
+              <a:rPr lang="en-GB" sz="1600" dirty="0">
+                <a:solidFill>
+                  <a:srgbClr val="00B0F0"/>
+                </a:solidFill>
+                <a:effectLst/>
+                <a:latin typeface="Menlo" panose="020B0609030804020204" pitchFamily="49" charset="0"/>
+                <a:ea typeface="Menlo" panose="020B0609030804020204" pitchFamily="49" charset="0"/>
+                <a:cs typeface="Menlo" panose="020B0609030804020204" pitchFamily="49" charset="0"/>
+              </a:rPr>
+              <a:t>condition</a:t>
+            </a:r>
+            <a:r>
+              <a:rPr lang="en-GB" sz="1600" dirty="0">
+                <a:solidFill>
+                  <a:srgbClr val="8C8C8C"/>
+                </a:solidFill>
+                <a:effectLst/>
+                <a:latin typeface="Menlo" panose="020B0609030804020204" pitchFamily="49" charset="0"/>
+                <a:ea typeface="Menlo" panose="020B0609030804020204" pitchFamily="49" charset="0"/>
+                <a:cs typeface="Menlo" panose="020B0609030804020204" pitchFamily="49" charset="0"/>
+              </a:rPr>
+              <a:t> (at this program location)</a:t>
+            </a:r>
+          </a:p>
+          <a:p>
+            <a:r>
+              <a:rPr lang="en-GB" sz="1600" dirty="0">
+                <a:solidFill>
+                  <a:srgbClr val="8C8C8C"/>
+                </a:solidFill>
+                <a:latin typeface="Menlo" panose="020B0609030804020204" pitchFamily="49" charset="0"/>
+                <a:ea typeface="Menlo" panose="020B0609030804020204" pitchFamily="49" charset="0"/>
+                <a:cs typeface="Menlo" panose="020B0609030804020204" pitchFamily="49" charset="0"/>
+              </a:rPr>
+              <a:t>// Deduce the </a:t>
+            </a:r>
+            <a:r>
+              <a:rPr lang="en-GB" sz="1600" dirty="0">
+                <a:solidFill>
+                  <a:srgbClr val="0070C0"/>
+                </a:solidFill>
+                <a:latin typeface="Menlo" panose="020B0609030804020204" pitchFamily="49" charset="0"/>
+                <a:ea typeface="Menlo" panose="020B0609030804020204" pitchFamily="49" charset="0"/>
+                <a:cs typeface="Menlo" panose="020B0609030804020204" pitchFamily="49" charset="0"/>
+              </a:rPr>
+              <a:t>invariant</a:t>
+            </a:r>
+            <a:br>
+              <a:rPr lang="en-GB" sz="1600" dirty="0">
+                <a:solidFill>
+                  <a:srgbClr val="8C8C8C"/>
+                </a:solidFill>
+                <a:effectLst/>
+                <a:latin typeface="Menlo" panose="020B0609030804020204" pitchFamily="49" charset="0"/>
+                <a:ea typeface="Menlo" panose="020B0609030804020204" pitchFamily="49" charset="0"/>
+                <a:cs typeface="Menlo" panose="020B0609030804020204" pitchFamily="49" charset="0"/>
+              </a:rPr>
+            </a:br>
+            <a:r>
+              <a:rPr lang="en-GB" sz="1600" i="1" dirty="0">
+                <a:solidFill>
+                  <a:srgbClr val="78B044"/>
+                </a:solidFill>
+                <a:effectLst/>
+                <a:latin typeface="Menlo" panose="020B0609030804020204" pitchFamily="49" charset="0"/>
+                <a:ea typeface="Menlo" panose="020B0609030804020204" pitchFamily="49" charset="0"/>
+                <a:cs typeface="Menlo" panose="020B0609030804020204" pitchFamily="49" charset="0"/>
+              </a:rPr>
+              <a:t>after loop</a:t>
+            </a:r>
+          </a:p>
+          <a:p>
+            <a:r>
+              <a:rPr lang="en-GB" sz="1600" dirty="0">
+                <a:solidFill>
+                  <a:schemeClr val="tx2">
+                    <a:lumMod val="60000"/>
+                    <a:lumOff val="40000"/>
+                  </a:schemeClr>
+                </a:solidFill>
+                <a:effectLst/>
+                <a:latin typeface="Menlo" panose="020B0609030804020204" pitchFamily="49" charset="0"/>
+                <a:ea typeface="Menlo" panose="020B0609030804020204" pitchFamily="49" charset="0"/>
+                <a:cs typeface="Menlo" panose="020B0609030804020204" pitchFamily="49" charset="0"/>
+              </a:rPr>
+              <a:t>// Deduce post-condition</a:t>
+            </a:r>
+            <a:r>
+              <a:rPr lang="en-GB" sz="1600" dirty="0">
+                <a:solidFill>
+                  <a:srgbClr val="8C8C8C"/>
+                </a:solidFill>
+                <a:effectLst/>
+                <a:latin typeface="Menlo" panose="020B0609030804020204" pitchFamily="49" charset="0"/>
+                <a:ea typeface="Menlo" panose="020B0609030804020204" pitchFamily="49" charset="0"/>
+                <a:cs typeface="Menlo" panose="020B0609030804020204" pitchFamily="49" charset="0"/>
+              </a:rPr>
+              <a:t> (</a:t>
+            </a:r>
+            <a:r>
+              <a:rPr lang="en-GB" sz="1600" dirty="0">
+                <a:solidFill>
+                  <a:srgbClr val="FF0000"/>
+                </a:solidFill>
+                <a:effectLst/>
+                <a:latin typeface="Menlo" panose="020B0609030804020204" pitchFamily="49" charset="0"/>
+                <a:ea typeface="Menlo" panose="020B0609030804020204" pitchFamily="49" charset="0"/>
+                <a:cs typeface="Menlo" panose="020B0609030804020204" pitchFamily="49" charset="0"/>
+              </a:rPr>
+              <a:t>proof obligation</a:t>
+            </a:r>
+            <a:r>
+              <a:rPr lang="en-GB" sz="1600" dirty="0">
+                <a:solidFill>
+                  <a:srgbClr val="8C8C8C"/>
+                </a:solidFill>
+                <a:effectLst/>
+                <a:latin typeface="Menlo" panose="020B0609030804020204" pitchFamily="49" charset="0"/>
+                <a:ea typeface="Menlo" panose="020B0609030804020204" pitchFamily="49" charset="0"/>
+                <a:cs typeface="Menlo" panose="020B0609030804020204" pitchFamily="49" charset="0"/>
+              </a:rPr>
+              <a:t>)</a:t>
+            </a:r>
+          </a:p>
+        </p:txBody>
+      </p:sp>
+    </p:spTree>
+    <p:extLst>
+      <p:ext uri="{BB962C8B-B14F-4D97-AF65-F5344CB8AC3E}">
+        <p14:creationId xmlns:p14="http://schemas.microsoft.com/office/powerpoint/2010/main" val="3124510352"/>
+      </p:ext>
+    </p:extLst>
+  </p:cSld>
+  <p:clrMapOvr>
+    <a:masterClrMapping/>
+  </p:clrMapOvr>
+</p:sld>
+</file>
+
+<file path=ppt/slides/slide6.xml><?xml version="1.0" encoding="utf-8"?>
+<p:sld xmlns:a="http://schemas.openxmlformats.org/drawingml/2006/main" xmlns:r="http://schemas.openxmlformats.org/officeDocument/2006/relationships" xmlns:p="http://schemas.openxmlformats.org/presentationml/2006/main">
+  <p:cSld>
+    <p:spTree>
+      <p:nvGrpSpPr>
+        <p:cNvPr id="1" name="">
+          <a:extLst>
+            <a:ext uri="{FF2B5EF4-FFF2-40B4-BE49-F238E27FC236}">
+              <a16:creationId xmlns:a16="http://schemas.microsoft.com/office/drawing/2014/main" id="{7B652572-C356-B654-9D2B-C974973ECD63}"/>
+            </a:ext>
+          </a:extLst>
+        </p:cNvPr>
+        <p:cNvGrpSpPr/>
+        <p:nvPr/>
+      </p:nvGrpSpPr>
+      <p:grpSpPr>
+        <a:xfrm>
+          <a:off x="0" y="0"/>
+          <a:ext cx="0" cy="0"/>
+          <a:chOff x="0" y="0"/>
+          <a:chExt cx="0" cy="0"/>
+        </a:xfrm>
+      </p:grpSpPr>
+      <p:sp>
+        <p:nvSpPr>
+          <p:cNvPr id="2" name="Title 1">
+            <a:extLst>
+              <a:ext uri="{FF2B5EF4-FFF2-40B4-BE49-F238E27FC236}">
+                <a16:creationId xmlns:a16="http://schemas.microsoft.com/office/drawing/2014/main" id="{475DF080-CE55-C4F2-8276-C207D1F69B2D}"/>
+              </a:ext>
+            </a:extLst>
+          </p:cNvPr>
+          <p:cNvSpPr>
+            <a:spLocks noGrp="1"/>
+          </p:cNvSpPr>
+          <p:nvPr>
+            <p:ph type="title"/>
+          </p:nvPr>
+        </p:nvSpPr>
+        <p:spPr/>
+        <p:txBody>
+          <a:bodyPr/>
+          <a:lstStyle/>
+          <a:p>
+            <a:r>
+              <a:rPr lang="en-US" sz="3600" dirty="0"/>
+              <a:t>While Loops</a:t>
+            </a:r>
+          </a:p>
+        </p:txBody>
+      </p:sp>
+      <p:sp>
+        <p:nvSpPr>
+          <p:cNvPr id="128" name="Slide Number Placeholder 127">
+            <a:extLst>
+              <a:ext uri="{FF2B5EF4-FFF2-40B4-BE49-F238E27FC236}">
+                <a16:creationId xmlns:a16="http://schemas.microsoft.com/office/drawing/2014/main" id="{EBC440D2-0AE0-CE7D-E88A-783D34A0109C}"/>
+              </a:ext>
+            </a:extLst>
+          </p:cNvPr>
+          <p:cNvSpPr>
+            <a:spLocks noGrp="1"/>
+          </p:cNvSpPr>
+          <p:nvPr>
+            <p:ph type="sldNum" sz="quarter" idx="11"/>
+          </p:nvPr>
+        </p:nvSpPr>
+        <p:spPr/>
+        <p:txBody>
+          <a:bodyPr/>
+          <a:lstStyle/>
+          <a:p>
+            <a:pPr>
+              <a:defRPr/>
+            </a:pPr>
+            <a:fld id="{6E0AA622-F4CE-604D-A669-CD3D12FC535C}" type="slidenum">
+              <a:rPr lang="en-US" smtClean="0"/>
+              <a:pPr>
+                <a:defRPr/>
+              </a:pPr>
+              <a:t>6</a:t>
+            </a:fld>
+            <a:endParaRPr lang="en-US" dirty="0"/>
+          </a:p>
+        </p:txBody>
+      </p:sp>
+      <p:sp>
+        <p:nvSpPr>
+          <p:cNvPr id="3" name="TextBox 2">
+            <a:extLst>
+              <a:ext uri="{FF2B5EF4-FFF2-40B4-BE49-F238E27FC236}">
+                <a16:creationId xmlns:a16="http://schemas.microsoft.com/office/drawing/2014/main" id="{3559E62C-2223-9181-59B8-D4B88F96330F}"/>
+              </a:ext>
+            </a:extLst>
+          </p:cNvPr>
+          <p:cNvSpPr txBox="1"/>
+          <p:nvPr/>
+        </p:nvSpPr>
+        <p:spPr>
+          <a:xfrm>
+            <a:off x="381000" y="1158925"/>
+            <a:ext cx="8016766" cy="338554"/>
+          </a:xfrm>
+          <a:prstGeom prst="rect">
+            <a:avLst/>
+          </a:prstGeom>
+          <a:gradFill flip="none" rotWithShape="1">
+            <a:gsLst>
+              <a:gs pos="0">
+                <a:schemeClr val="bg1"/>
+              </a:gs>
+              <a:gs pos="74000">
+                <a:srgbClr val="FFE267"/>
+              </a:gs>
+              <a:gs pos="83000">
+                <a:srgbClr val="FFE267"/>
+              </a:gs>
+              <a:gs pos="100000">
+                <a:srgbClr val="FFE267"/>
+              </a:gs>
+            </a:gsLst>
+            <a:lin ang="10800000" scaled="1"/>
+            <a:tileRect/>
+          </a:gradFill>
+        </p:spPr>
+        <p:txBody>
+          <a:bodyPr wrap="square" rtlCol="0">
+            <a:spAutoFit/>
+          </a:bodyPr>
+          <a:lstStyle/>
+          <a:p>
+            <a:r>
+              <a:rPr lang="en-US" sz="1600" dirty="0"/>
+              <a:t>Deducing a new fact by means of an inductive invariant</a:t>
+            </a:r>
+          </a:p>
+        </p:txBody>
+      </p:sp>
+      <p:sp>
+        <p:nvSpPr>
+          <p:cNvPr id="4" name="TextBox 3">
+            <a:extLst>
+              <a:ext uri="{FF2B5EF4-FFF2-40B4-BE49-F238E27FC236}">
+                <a16:creationId xmlns:a16="http://schemas.microsoft.com/office/drawing/2014/main" id="{FE7467BC-3AA0-7017-A61C-8E5CC4CAD63B}"/>
+              </a:ext>
+            </a:extLst>
+          </p:cNvPr>
+          <p:cNvSpPr txBox="1"/>
+          <p:nvPr/>
+        </p:nvSpPr>
+        <p:spPr>
+          <a:xfrm>
+            <a:off x="549166" y="1697872"/>
+            <a:ext cx="8290034" cy="3539430"/>
+          </a:xfrm>
+          <a:prstGeom prst="rect">
+            <a:avLst/>
+          </a:prstGeom>
+          <a:noFill/>
+        </p:spPr>
+        <p:txBody>
+          <a:bodyPr wrap="square" rtlCol="0">
+            <a:spAutoFit/>
+          </a:bodyPr>
+          <a:lstStyle/>
+          <a:p>
+            <a:r>
+              <a:rPr lang="en-GB" sz="1600" dirty="0">
+                <a:solidFill>
+                  <a:schemeClr val="tx2">
+                    <a:lumMod val="60000"/>
+                    <a:lumOff val="40000"/>
+                  </a:schemeClr>
+                </a:solidFill>
+                <a:effectLst/>
+                <a:latin typeface="Menlo" panose="020B0609030804020204" pitchFamily="49" charset="0"/>
+                <a:ea typeface="Menlo" panose="020B0609030804020204" pitchFamily="49" charset="0"/>
+                <a:cs typeface="Menlo" panose="020B0609030804020204" pitchFamily="49" charset="0"/>
+              </a:rPr>
+              <a:t>// Assume pre-condition </a:t>
+            </a:r>
+          </a:p>
+          <a:p>
+            <a:r>
+              <a:rPr lang="en-GB" sz="1600" i="1" dirty="0">
+                <a:solidFill>
+                  <a:srgbClr val="78B044"/>
+                </a:solidFill>
+                <a:latin typeface="Menlo" panose="020B0609030804020204" pitchFamily="49" charset="0"/>
+                <a:ea typeface="Menlo" panose="020B0609030804020204" pitchFamily="49" charset="0"/>
+                <a:cs typeface="Menlo" panose="020B0609030804020204" pitchFamily="49" charset="0"/>
+              </a:rPr>
+              <a:t>b</a:t>
+            </a:r>
+            <a:r>
+              <a:rPr lang="en-GB" sz="1600" i="1" dirty="0">
+                <a:solidFill>
+                  <a:srgbClr val="78B044"/>
+                </a:solidFill>
+                <a:effectLst/>
+                <a:latin typeface="Menlo" panose="020B0609030804020204" pitchFamily="49" charset="0"/>
+                <a:ea typeface="Menlo" panose="020B0609030804020204" pitchFamily="49" charset="0"/>
+                <a:cs typeface="Menlo" panose="020B0609030804020204" pitchFamily="49" charset="0"/>
+              </a:rPr>
+              <a:t>efore</a:t>
+            </a:r>
+            <a:r>
+              <a:rPr lang="en-GB" sz="1600" i="1" dirty="0">
+                <a:solidFill>
+                  <a:srgbClr val="78B044"/>
+                </a:solidFill>
+                <a:latin typeface="Menlo" panose="020B0609030804020204" pitchFamily="49" charset="0"/>
+                <a:ea typeface="Menlo" panose="020B0609030804020204" pitchFamily="49" charset="0"/>
+                <a:cs typeface="Menlo" panose="020B0609030804020204" pitchFamily="49" charset="0"/>
+              </a:rPr>
+              <a:t> </a:t>
+            </a:r>
+            <a:r>
+              <a:rPr lang="en-GB" sz="1600" i="1" dirty="0">
+                <a:solidFill>
+                  <a:srgbClr val="78B044"/>
+                </a:solidFill>
+                <a:effectLst/>
+                <a:latin typeface="Menlo" panose="020B0609030804020204" pitchFamily="49" charset="0"/>
+                <a:ea typeface="Menlo" panose="020B0609030804020204" pitchFamily="49" charset="0"/>
+                <a:cs typeface="Menlo" panose="020B0609030804020204" pitchFamily="49" charset="0"/>
+              </a:rPr>
+              <a:t>loop</a:t>
+            </a:r>
+            <a:br>
+              <a:rPr lang="en-GB" sz="1600" dirty="0">
+                <a:solidFill>
+                  <a:srgbClr val="080808"/>
+                </a:solidFill>
+                <a:effectLst/>
+                <a:latin typeface="Menlo" panose="020B0609030804020204" pitchFamily="49" charset="0"/>
+                <a:ea typeface="Menlo" panose="020B0609030804020204" pitchFamily="49" charset="0"/>
+                <a:cs typeface="Menlo" panose="020B0609030804020204" pitchFamily="49" charset="0"/>
+              </a:rPr>
+            </a:br>
+            <a:r>
+              <a:rPr lang="en-GB" sz="1600" dirty="0">
+                <a:solidFill>
+                  <a:srgbClr val="8C8C8C"/>
+                </a:solidFill>
+                <a:effectLst/>
+                <a:latin typeface="Menlo" panose="020B0609030804020204" pitchFamily="49" charset="0"/>
+                <a:ea typeface="Menlo" panose="020B0609030804020204" pitchFamily="49" charset="0"/>
+                <a:cs typeface="Menlo" panose="020B0609030804020204" pitchFamily="49" charset="0"/>
+              </a:rPr>
+              <a:t>// Deduce facts </a:t>
+            </a:r>
+            <a:r>
+              <a:rPr lang="en-GB" sz="1600" b="1" dirty="0">
+                <a:solidFill>
+                  <a:srgbClr val="8C8C8C"/>
+                </a:solidFill>
+                <a:effectLst/>
+                <a:latin typeface="Menlo" panose="020B0609030804020204" pitchFamily="49" charset="0"/>
+                <a:ea typeface="Menlo" panose="020B0609030804020204" pitchFamily="49" charset="0"/>
+                <a:cs typeface="Menlo" panose="020B0609030804020204" pitchFamily="49" charset="0"/>
+              </a:rPr>
+              <a:t>known</a:t>
+            </a:r>
+            <a:r>
+              <a:rPr lang="en-GB" sz="1600" dirty="0">
+                <a:solidFill>
+                  <a:srgbClr val="8C8C8C"/>
+                </a:solidFill>
+                <a:effectLst/>
+                <a:latin typeface="Menlo" panose="020B0609030804020204" pitchFamily="49" charset="0"/>
+                <a:ea typeface="Menlo" panose="020B0609030804020204" pitchFamily="49" charset="0"/>
+                <a:cs typeface="Menlo" panose="020B0609030804020204" pitchFamily="49" charset="0"/>
+              </a:rPr>
+              <a:t> before the loop is entered</a:t>
+            </a:r>
+          </a:p>
+          <a:p>
+            <a:r>
+              <a:rPr lang="en-GB" sz="1600" dirty="0">
+                <a:solidFill>
+                  <a:srgbClr val="8C8C8C"/>
+                </a:solidFill>
+                <a:latin typeface="Menlo" panose="020B0609030804020204" pitchFamily="49" charset="0"/>
+                <a:ea typeface="Menlo" panose="020B0609030804020204" pitchFamily="49" charset="0"/>
+                <a:cs typeface="Menlo" panose="020B0609030804020204" pitchFamily="49" charset="0"/>
+              </a:rPr>
+              <a:t>// Deduce the </a:t>
+            </a:r>
+            <a:r>
+              <a:rPr lang="en-GB" sz="1600" dirty="0">
+                <a:solidFill>
+                  <a:srgbClr val="0070C0"/>
+                </a:solidFill>
+                <a:latin typeface="Menlo" panose="020B0609030804020204" pitchFamily="49" charset="0"/>
+                <a:ea typeface="Menlo" panose="020B0609030804020204" pitchFamily="49" charset="0"/>
+                <a:cs typeface="Menlo" panose="020B0609030804020204" pitchFamily="49" charset="0"/>
+              </a:rPr>
+              <a:t>invariant</a:t>
+            </a:r>
+            <a:r>
+              <a:rPr lang="en-GB" sz="1600" dirty="0">
+                <a:solidFill>
+                  <a:srgbClr val="8C8C8C"/>
+                </a:solidFill>
+                <a:latin typeface="Menlo" panose="020B0609030804020204" pitchFamily="49" charset="0"/>
+                <a:ea typeface="Menlo" panose="020B0609030804020204" pitchFamily="49" charset="0"/>
+                <a:cs typeface="Menlo" panose="020B0609030804020204" pitchFamily="49" charset="0"/>
+              </a:rPr>
+              <a:t> (</a:t>
+            </a:r>
+            <a:r>
+              <a:rPr lang="en-GB" sz="1600" dirty="0">
+                <a:solidFill>
+                  <a:srgbClr val="FF0000"/>
+                </a:solidFill>
+                <a:latin typeface="Menlo" panose="020B0609030804020204" pitchFamily="49" charset="0"/>
+                <a:ea typeface="Menlo" panose="020B0609030804020204" pitchFamily="49" charset="0"/>
+                <a:cs typeface="Menlo" panose="020B0609030804020204" pitchFamily="49" charset="0"/>
+              </a:rPr>
+              <a:t>loop proof obligation – </a:t>
+            </a:r>
+            <a:r>
+              <a:rPr lang="en-GB" sz="1600" b="1" dirty="0">
+                <a:solidFill>
+                  <a:srgbClr val="FF0000"/>
+                </a:solidFill>
+                <a:latin typeface="Menlo" panose="020B0609030804020204" pitchFamily="49" charset="0"/>
+                <a:ea typeface="Menlo" panose="020B0609030804020204" pitchFamily="49" charset="0"/>
+                <a:cs typeface="Menlo" panose="020B0609030804020204" pitchFamily="49" charset="0"/>
+              </a:rPr>
+              <a:t>base case</a:t>
+            </a:r>
+            <a:r>
+              <a:rPr lang="en-GB" sz="1600" dirty="0">
+                <a:solidFill>
+                  <a:srgbClr val="8C8C8C"/>
+                </a:solidFill>
+                <a:latin typeface="Menlo" panose="020B0609030804020204" pitchFamily="49" charset="0"/>
+                <a:ea typeface="Menlo" panose="020B0609030804020204" pitchFamily="49" charset="0"/>
+                <a:cs typeface="Menlo" panose="020B0609030804020204" pitchFamily="49" charset="0"/>
+              </a:rPr>
+              <a:t>)</a:t>
+            </a:r>
+            <a:br>
+              <a:rPr lang="en-GB" sz="1600" dirty="0">
+                <a:solidFill>
+                  <a:srgbClr val="8C8C8C"/>
+                </a:solidFill>
+                <a:effectLst/>
+                <a:latin typeface="Menlo" panose="020B0609030804020204" pitchFamily="49" charset="0"/>
+                <a:ea typeface="Menlo" panose="020B0609030804020204" pitchFamily="49" charset="0"/>
+                <a:cs typeface="Menlo" panose="020B0609030804020204" pitchFamily="49" charset="0"/>
+              </a:rPr>
+            </a:br>
+            <a:r>
+              <a:rPr lang="en-GB" sz="1600" dirty="0">
+                <a:solidFill>
+                  <a:srgbClr val="0033B3"/>
+                </a:solidFill>
+                <a:effectLst/>
+                <a:latin typeface="Menlo" panose="020B0609030804020204" pitchFamily="49" charset="0"/>
+                <a:ea typeface="Menlo" panose="020B0609030804020204" pitchFamily="49" charset="0"/>
+                <a:cs typeface="Menlo" panose="020B0609030804020204" pitchFamily="49" charset="0"/>
+              </a:rPr>
+              <a:t>while </a:t>
+            </a:r>
+            <a:r>
+              <a:rPr lang="en-GB" sz="1600" dirty="0">
+                <a:solidFill>
+                  <a:srgbClr val="080808"/>
+                </a:solidFill>
+                <a:effectLst/>
+                <a:latin typeface="Menlo" panose="020B0609030804020204" pitchFamily="49" charset="0"/>
+                <a:ea typeface="Menlo" panose="020B0609030804020204" pitchFamily="49" charset="0"/>
+                <a:cs typeface="Menlo" panose="020B0609030804020204" pitchFamily="49" charset="0"/>
+              </a:rPr>
+              <a:t>(</a:t>
+            </a:r>
+            <a:r>
+              <a:rPr lang="en-GB" sz="1600" dirty="0">
+                <a:solidFill>
+                  <a:srgbClr val="00B0F0"/>
+                </a:solidFill>
+                <a:effectLst/>
+                <a:latin typeface="Menlo" panose="020B0609030804020204" pitchFamily="49" charset="0"/>
+                <a:ea typeface="Menlo" panose="020B0609030804020204" pitchFamily="49" charset="0"/>
+                <a:cs typeface="Menlo" panose="020B0609030804020204" pitchFamily="49" charset="0"/>
+              </a:rPr>
+              <a:t>condition</a:t>
+            </a:r>
+            <a:r>
+              <a:rPr lang="en-GB" sz="1600" dirty="0">
+                <a:solidFill>
+                  <a:srgbClr val="080808"/>
+                </a:solidFill>
+                <a:effectLst/>
+                <a:latin typeface="Menlo" panose="020B0609030804020204" pitchFamily="49" charset="0"/>
+                <a:ea typeface="Menlo" panose="020B0609030804020204" pitchFamily="49" charset="0"/>
+                <a:cs typeface="Menlo" panose="020B0609030804020204" pitchFamily="49" charset="0"/>
+              </a:rPr>
+              <a:t>) {</a:t>
+            </a:r>
+            <a:br>
+              <a:rPr lang="en-GB" sz="1600" dirty="0">
+                <a:solidFill>
+                  <a:srgbClr val="080808"/>
+                </a:solidFill>
+                <a:effectLst/>
+                <a:latin typeface="Menlo" panose="020B0609030804020204" pitchFamily="49" charset="0"/>
+                <a:ea typeface="Menlo" panose="020B0609030804020204" pitchFamily="49" charset="0"/>
+                <a:cs typeface="Menlo" panose="020B0609030804020204" pitchFamily="49" charset="0"/>
+              </a:rPr>
+            </a:br>
+            <a:r>
+              <a:rPr lang="en-GB" sz="1600" dirty="0">
+                <a:solidFill>
+                  <a:srgbClr val="080808"/>
+                </a:solidFill>
+                <a:effectLst/>
+                <a:latin typeface="Menlo" panose="020B0609030804020204" pitchFamily="49" charset="0"/>
+                <a:ea typeface="Menlo" panose="020B0609030804020204" pitchFamily="49" charset="0"/>
+                <a:cs typeface="Menlo" panose="020B0609030804020204" pitchFamily="49" charset="0"/>
+              </a:rPr>
+              <a:t>  </a:t>
+            </a:r>
+            <a:r>
+              <a:rPr lang="en-GB" sz="1600" dirty="0">
+                <a:solidFill>
+                  <a:srgbClr val="8C8C8C"/>
+                </a:solidFill>
+                <a:effectLst/>
+                <a:latin typeface="Menlo" panose="020B0609030804020204" pitchFamily="49" charset="0"/>
+                <a:ea typeface="Menlo" panose="020B0609030804020204" pitchFamily="49" charset="0"/>
+                <a:cs typeface="Menlo" panose="020B0609030804020204" pitchFamily="49" charset="0"/>
+              </a:rPr>
+              <a:t>// Deduce the </a:t>
+            </a:r>
+            <a:r>
+              <a:rPr lang="en-GB" sz="1600" dirty="0">
+                <a:solidFill>
+                  <a:srgbClr val="00B0F0"/>
+                </a:solidFill>
+                <a:effectLst/>
+                <a:latin typeface="Menlo" panose="020B0609030804020204" pitchFamily="49" charset="0"/>
+                <a:ea typeface="Menlo" panose="020B0609030804020204" pitchFamily="49" charset="0"/>
+                <a:cs typeface="Menlo" panose="020B0609030804020204" pitchFamily="49" charset="0"/>
+              </a:rPr>
+              <a:t>condition</a:t>
+            </a:r>
+            <a:r>
+              <a:rPr lang="en-GB" sz="1600" dirty="0">
+                <a:solidFill>
+                  <a:srgbClr val="8C8C8C"/>
+                </a:solidFill>
+                <a:effectLst/>
+                <a:latin typeface="Menlo" panose="020B0609030804020204" pitchFamily="49" charset="0"/>
+                <a:ea typeface="Menlo" panose="020B0609030804020204" pitchFamily="49" charset="0"/>
+                <a:cs typeface="Menlo" panose="020B0609030804020204" pitchFamily="49" charset="0"/>
+              </a:rPr>
+              <a:t> (at this program location)</a:t>
+            </a:r>
+          </a:p>
+          <a:p>
+            <a:r>
+              <a:rPr lang="en-GB" sz="1600" dirty="0">
+                <a:solidFill>
+                  <a:srgbClr val="8C8C8C"/>
+                </a:solidFill>
+                <a:effectLst/>
+                <a:latin typeface="Menlo" panose="020B0609030804020204" pitchFamily="49" charset="0"/>
+                <a:ea typeface="Menlo" panose="020B0609030804020204" pitchFamily="49" charset="0"/>
+                <a:cs typeface="Menlo" panose="020B0609030804020204" pitchFamily="49" charset="0"/>
+              </a:rPr>
+              <a:t>  // Assume the </a:t>
+            </a:r>
+            <a:r>
+              <a:rPr lang="en-GB" sz="1600" dirty="0">
+                <a:solidFill>
+                  <a:srgbClr val="0070C0"/>
+                </a:solidFill>
+                <a:effectLst/>
+                <a:latin typeface="Menlo" panose="020B0609030804020204" pitchFamily="49" charset="0"/>
+                <a:ea typeface="Menlo" panose="020B0609030804020204" pitchFamily="49" charset="0"/>
+                <a:cs typeface="Menlo" panose="020B0609030804020204" pitchFamily="49" charset="0"/>
+              </a:rPr>
+              <a:t>invariant</a:t>
+            </a:r>
+            <a:br>
+              <a:rPr lang="en-GB" sz="1600" dirty="0">
+                <a:solidFill>
+                  <a:srgbClr val="8C8C8C"/>
+                </a:solidFill>
+                <a:effectLst/>
+                <a:latin typeface="Menlo" panose="020B0609030804020204" pitchFamily="49" charset="0"/>
+                <a:ea typeface="Menlo" panose="020B0609030804020204" pitchFamily="49" charset="0"/>
+                <a:cs typeface="Menlo" panose="020B0609030804020204" pitchFamily="49" charset="0"/>
+              </a:rPr>
+            </a:br>
+            <a:r>
+              <a:rPr lang="en-GB" sz="1600" dirty="0">
+                <a:solidFill>
+                  <a:srgbClr val="8C8C8C"/>
+                </a:solidFill>
+                <a:effectLst/>
+                <a:latin typeface="Menlo" panose="020B0609030804020204" pitchFamily="49" charset="0"/>
+                <a:ea typeface="Menlo" panose="020B0609030804020204" pitchFamily="49" charset="0"/>
+                <a:cs typeface="Menlo" panose="020B0609030804020204" pitchFamily="49" charset="0"/>
+              </a:rPr>
+              <a:t>  </a:t>
+            </a:r>
+            <a:r>
+              <a:rPr lang="en-GB" sz="1600" i="1" dirty="0">
+                <a:solidFill>
+                  <a:srgbClr val="78B044"/>
+                </a:solidFill>
+                <a:effectLst/>
+                <a:latin typeface="Menlo" panose="020B0609030804020204" pitchFamily="49" charset="0"/>
+                <a:ea typeface="Menlo" panose="020B0609030804020204" pitchFamily="49" charset="0"/>
+                <a:cs typeface="Menlo" panose="020B0609030804020204" pitchFamily="49" charset="0"/>
+              </a:rPr>
+              <a:t>loop</a:t>
+            </a:r>
+            <a:r>
+              <a:rPr lang="en-GB" sz="1600" i="1" dirty="0">
+                <a:solidFill>
+                  <a:srgbClr val="78B044"/>
+                </a:solidFill>
+                <a:latin typeface="Menlo" panose="020B0609030804020204" pitchFamily="49" charset="0"/>
+                <a:ea typeface="Menlo" panose="020B0609030804020204" pitchFamily="49" charset="0"/>
+                <a:cs typeface="Menlo" panose="020B0609030804020204" pitchFamily="49" charset="0"/>
+              </a:rPr>
+              <a:t> </a:t>
+            </a:r>
+            <a:r>
+              <a:rPr lang="en-GB" sz="1600" i="1" dirty="0">
+                <a:solidFill>
+                  <a:srgbClr val="78B044"/>
+                </a:solidFill>
+                <a:effectLst/>
+                <a:latin typeface="Menlo" panose="020B0609030804020204" pitchFamily="49" charset="0"/>
+                <a:ea typeface="Menlo" panose="020B0609030804020204" pitchFamily="49" charset="0"/>
+                <a:cs typeface="Menlo" panose="020B0609030804020204" pitchFamily="49" charset="0"/>
+              </a:rPr>
+              <a:t>body</a:t>
+            </a:r>
+            <a:br>
+              <a:rPr lang="en-GB" sz="1600" dirty="0">
+                <a:solidFill>
+                  <a:srgbClr val="080808"/>
+                </a:solidFill>
+                <a:effectLst/>
+                <a:latin typeface="Menlo" panose="020B0609030804020204" pitchFamily="49" charset="0"/>
+                <a:ea typeface="Menlo" panose="020B0609030804020204" pitchFamily="49" charset="0"/>
+                <a:cs typeface="Menlo" panose="020B0609030804020204" pitchFamily="49" charset="0"/>
+              </a:rPr>
+            </a:br>
+            <a:r>
+              <a:rPr lang="en-GB" sz="1600" dirty="0">
+                <a:solidFill>
+                  <a:srgbClr val="080808"/>
+                </a:solidFill>
+                <a:effectLst/>
+                <a:latin typeface="Menlo" panose="020B0609030804020204" pitchFamily="49" charset="0"/>
+                <a:ea typeface="Menlo" panose="020B0609030804020204" pitchFamily="49" charset="0"/>
+                <a:cs typeface="Menlo" panose="020B0609030804020204" pitchFamily="49" charset="0"/>
+              </a:rPr>
+              <a:t> </a:t>
+            </a:r>
+            <a:r>
+              <a:rPr lang="en-GB" sz="1600" dirty="0">
+                <a:solidFill>
+                  <a:srgbClr val="8C8C8C"/>
+                </a:solidFill>
+                <a:effectLst/>
+                <a:latin typeface="Menlo" panose="020B0609030804020204" pitchFamily="49" charset="0"/>
+                <a:ea typeface="Menlo" panose="020B0609030804020204" pitchFamily="49" charset="0"/>
+                <a:cs typeface="Menlo" panose="020B0609030804020204" pitchFamily="49" charset="0"/>
+              </a:rPr>
+              <a:t> // Deduce the </a:t>
+            </a:r>
+            <a:r>
+              <a:rPr lang="en-GB" sz="1600" dirty="0">
+                <a:solidFill>
+                  <a:srgbClr val="0070C0"/>
+                </a:solidFill>
+                <a:effectLst/>
+                <a:latin typeface="Menlo" panose="020B0609030804020204" pitchFamily="49" charset="0"/>
+                <a:ea typeface="Menlo" panose="020B0609030804020204" pitchFamily="49" charset="0"/>
+                <a:cs typeface="Menlo" panose="020B0609030804020204" pitchFamily="49" charset="0"/>
+              </a:rPr>
+              <a:t>invariant</a:t>
+            </a:r>
+            <a:r>
+              <a:rPr lang="en-GB" sz="1600" dirty="0">
+                <a:solidFill>
+                  <a:srgbClr val="8C8C8C"/>
+                </a:solidFill>
+                <a:effectLst/>
+                <a:latin typeface="Menlo" panose="020B0609030804020204" pitchFamily="49" charset="0"/>
+                <a:ea typeface="Menlo" panose="020B0609030804020204" pitchFamily="49" charset="0"/>
+                <a:cs typeface="Menlo" panose="020B0609030804020204" pitchFamily="49" charset="0"/>
+              </a:rPr>
+              <a:t> (</a:t>
+            </a:r>
+            <a:r>
+              <a:rPr lang="en-GB" sz="1600" dirty="0">
+                <a:solidFill>
+                  <a:srgbClr val="FF0000"/>
+                </a:solidFill>
+                <a:effectLst/>
+                <a:latin typeface="Menlo" panose="020B0609030804020204" pitchFamily="49" charset="0"/>
+                <a:ea typeface="Menlo" panose="020B0609030804020204" pitchFamily="49" charset="0"/>
+                <a:cs typeface="Menlo" panose="020B0609030804020204" pitchFamily="49" charset="0"/>
+              </a:rPr>
+              <a:t>loop proof obligation – </a:t>
+            </a:r>
+            <a:r>
+              <a:rPr lang="en-GB" sz="1600" b="1" dirty="0">
+                <a:solidFill>
+                  <a:srgbClr val="FF0000"/>
+                </a:solidFill>
+                <a:effectLst/>
+                <a:latin typeface="Menlo" panose="020B0609030804020204" pitchFamily="49" charset="0"/>
+                <a:ea typeface="Menlo" panose="020B0609030804020204" pitchFamily="49" charset="0"/>
+                <a:cs typeface="Menlo" panose="020B0609030804020204" pitchFamily="49" charset="0"/>
+              </a:rPr>
+              <a:t>inductive step</a:t>
+            </a:r>
+            <a:r>
+              <a:rPr lang="en-GB" sz="1600" dirty="0">
+                <a:solidFill>
+                  <a:srgbClr val="8C8C8C"/>
+                </a:solidFill>
+                <a:effectLst/>
+                <a:latin typeface="Menlo" panose="020B0609030804020204" pitchFamily="49" charset="0"/>
+                <a:ea typeface="Menlo" panose="020B0609030804020204" pitchFamily="49" charset="0"/>
+                <a:cs typeface="Menlo" panose="020B0609030804020204" pitchFamily="49" charset="0"/>
+              </a:rPr>
+              <a:t>)</a:t>
+            </a:r>
+          </a:p>
+          <a:p>
+            <a:r>
+              <a:rPr lang="en-GB" sz="1600" dirty="0">
+                <a:solidFill>
+                  <a:srgbClr val="080808"/>
+                </a:solidFill>
+                <a:effectLst/>
+                <a:latin typeface="Menlo" panose="020B0609030804020204" pitchFamily="49" charset="0"/>
+                <a:ea typeface="Menlo" panose="020B0609030804020204" pitchFamily="49" charset="0"/>
+                <a:cs typeface="Menlo" panose="020B0609030804020204" pitchFamily="49" charset="0"/>
+              </a:rPr>
+              <a:t>}</a:t>
+            </a:r>
+            <a:br>
+              <a:rPr lang="en-GB" sz="1600" dirty="0">
+                <a:solidFill>
+                  <a:srgbClr val="080808"/>
+                </a:solidFill>
+                <a:effectLst/>
+                <a:latin typeface="Menlo" panose="020B0609030804020204" pitchFamily="49" charset="0"/>
+                <a:ea typeface="Menlo" panose="020B0609030804020204" pitchFamily="49" charset="0"/>
+                <a:cs typeface="Menlo" panose="020B0609030804020204" pitchFamily="49" charset="0"/>
+              </a:rPr>
+            </a:br>
+            <a:r>
+              <a:rPr lang="en-GB" sz="1600" dirty="0">
+                <a:solidFill>
+                  <a:srgbClr val="8C8C8C"/>
+                </a:solidFill>
+                <a:effectLst/>
+                <a:latin typeface="Menlo" panose="020B0609030804020204" pitchFamily="49" charset="0"/>
+                <a:ea typeface="Menlo" panose="020B0609030804020204" pitchFamily="49" charset="0"/>
+                <a:cs typeface="Menlo" panose="020B0609030804020204" pitchFamily="49" charset="0"/>
+              </a:rPr>
+              <a:t>// Deduce the </a:t>
+            </a:r>
+            <a:r>
+              <a:rPr lang="en-GB" sz="1600" b="1" dirty="0">
+                <a:solidFill>
+                  <a:srgbClr val="8C8C8C"/>
+                </a:solidFill>
+                <a:effectLst/>
+                <a:latin typeface="Menlo" panose="020B0609030804020204" pitchFamily="49" charset="0"/>
+                <a:ea typeface="Menlo" panose="020B0609030804020204" pitchFamily="49" charset="0"/>
+                <a:cs typeface="Menlo" panose="020B0609030804020204" pitchFamily="49" charset="0"/>
+              </a:rPr>
+              <a:t>negation</a:t>
+            </a:r>
+            <a:r>
+              <a:rPr lang="en-GB" sz="1600" dirty="0">
+                <a:solidFill>
+                  <a:srgbClr val="8C8C8C"/>
+                </a:solidFill>
+                <a:effectLst/>
+                <a:latin typeface="Menlo" panose="020B0609030804020204" pitchFamily="49" charset="0"/>
+                <a:ea typeface="Menlo" panose="020B0609030804020204" pitchFamily="49" charset="0"/>
+                <a:cs typeface="Menlo" panose="020B0609030804020204" pitchFamily="49" charset="0"/>
+              </a:rPr>
+              <a:t> of the </a:t>
+            </a:r>
+            <a:r>
+              <a:rPr lang="en-GB" sz="1600" dirty="0">
+                <a:solidFill>
+                  <a:srgbClr val="00B0F0"/>
+                </a:solidFill>
+                <a:effectLst/>
+                <a:latin typeface="Menlo" panose="020B0609030804020204" pitchFamily="49" charset="0"/>
+                <a:ea typeface="Menlo" panose="020B0609030804020204" pitchFamily="49" charset="0"/>
+                <a:cs typeface="Menlo" panose="020B0609030804020204" pitchFamily="49" charset="0"/>
+              </a:rPr>
+              <a:t>condition</a:t>
+            </a:r>
+            <a:r>
+              <a:rPr lang="en-GB" sz="1600" dirty="0">
+                <a:solidFill>
+                  <a:srgbClr val="8C8C8C"/>
+                </a:solidFill>
+                <a:effectLst/>
+                <a:latin typeface="Menlo" panose="020B0609030804020204" pitchFamily="49" charset="0"/>
+                <a:ea typeface="Menlo" panose="020B0609030804020204" pitchFamily="49" charset="0"/>
+                <a:cs typeface="Menlo" panose="020B0609030804020204" pitchFamily="49" charset="0"/>
+              </a:rPr>
+              <a:t> (at this program location)</a:t>
+            </a:r>
+          </a:p>
+          <a:p>
+            <a:r>
+              <a:rPr lang="en-GB" sz="1600" dirty="0">
+                <a:solidFill>
+                  <a:srgbClr val="8C8C8C"/>
+                </a:solidFill>
+                <a:latin typeface="Menlo" panose="020B0609030804020204" pitchFamily="49" charset="0"/>
+                <a:ea typeface="Menlo" panose="020B0609030804020204" pitchFamily="49" charset="0"/>
+                <a:cs typeface="Menlo" panose="020B0609030804020204" pitchFamily="49" charset="0"/>
+              </a:rPr>
+              <a:t>// Deduce the </a:t>
+            </a:r>
+            <a:r>
+              <a:rPr lang="en-GB" sz="1600" dirty="0">
+                <a:solidFill>
+                  <a:srgbClr val="0070C0"/>
+                </a:solidFill>
+                <a:latin typeface="Menlo" panose="020B0609030804020204" pitchFamily="49" charset="0"/>
+                <a:ea typeface="Menlo" panose="020B0609030804020204" pitchFamily="49" charset="0"/>
+                <a:cs typeface="Menlo" panose="020B0609030804020204" pitchFamily="49" charset="0"/>
+              </a:rPr>
+              <a:t>invariant</a:t>
+            </a:r>
+            <a:br>
+              <a:rPr lang="en-GB" sz="1600" dirty="0">
+                <a:solidFill>
+                  <a:srgbClr val="8C8C8C"/>
+                </a:solidFill>
+                <a:effectLst/>
+                <a:latin typeface="Menlo" panose="020B0609030804020204" pitchFamily="49" charset="0"/>
+                <a:ea typeface="Menlo" panose="020B0609030804020204" pitchFamily="49" charset="0"/>
+                <a:cs typeface="Menlo" panose="020B0609030804020204" pitchFamily="49" charset="0"/>
+              </a:rPr>
+            </a:br>
+            <a:r>
+              <a:rPr lang="en-GB" sz="1600" i="1" dirty="0">
+                <a:solidFill>
+                  <a:srgbClr val="78B044"/>
+                </a:solidFill>
+                <a:effectLst/>
+                <a:latin typeface="Menlo" panose="020B0609030804020204" pitchFamily="49" charset="0"/>
+                <a:ea typeface="Menlo" panose="020B0609030804020204" pitchFamily="49" charset="0"/>
+                <a:cs typeface="Menlo" panose="020B0609030804020204" pitchFamily="49" charset="0"/>
+              </a:rPr>
+              <a:t>after loop</a:t>
+            </a:r>
+          </a:p>
+          <a:p>
+            <a:r>
+              <a:rPr lang="en-GB" sz="1600" dirty="0">
+                <a:solidFill>
+                  <a:schemeClr val="tx2">
+                    <a:lumMod val="60000"/>
+                    <a:lumOff val="40000"/>
+                  </a:schemeClr>
+                </a:solidFill>
+                <a:effectLst/>
+                <a:latin typeface="Menlo" panose="020B0609030804020204" pitchFamily="49" charset="0"/>
+                <a:ea typeface="Menlo" panose="020B0609030804020204" pitchFamily="49" charset="0"/>
+                <a:cs typeface="Menlo" panose="020B0609030804020204" pitchFamily="49" charset="0"/>
+              </a:rPr>
+              <a:t>// Deduce post-condition</a:t>
+            </a:r>
+            <a:r>
+              <a:rPr lang="en-GB" sz="1600" dirty="0">
+                <a:solidFill>
+                  <a:srgbClr val="8C8C8C"/>
+                </a:solidFill>
+                <a:effectLst/>
+                <a:latin typeface="Menlo" panose="020B0609030804020204" pitchFamily="49" charset="0"/>
+                <a:ea typeface="Menlo" panose="020B0609030804020204" pitchFamily="49" charset="0"/>
+                <a:cs typeface="Menlo" panose="020B0609030804020204" pitchFamily="49" charset="0"/>
+              </a:rPr>
+              <a:t> (</a:t>
+            </a:r>
+            <a:r>
+              <a:rPr lang="en-GB" sz="1600" dirty="0">
+                <a:solidFill>
+                  <a:srgbClr val="FF0000"/>
+                </a:solidFill>
+                <a:effectLst/>
+                <a:latin typeface="Menlo" panose="020B0609030804020204" pitchFamily="49" charset="0"/>
+                <a:ea typeface="Menlo" panose="020B0609030804020204" pitchFamily="49" charset="0"/>
+                <a:cs typeface="Menlo" panose="020B0609030804020204" pitchFamily="49" charset="0"/>
+              </a:rPr>
+              <a:t>proof obligation</a:t>
+            </a:r>
+            <a:r>
+              <a:rPr lang="en-GB" sz="1600" dirty="0">
+                <a:solidFill>
+                  <a:srgbClr val="8C8C8C"/>
+                </a:solidFill>
+                <a:effectLst/>
+                <a:latin typeface="Menlo" panose="020B0609030804020204" pitchFamily="49" charset="0"/>
+                <a:ea typeface="Menlo" panose="020B0609030804020204" pitchFamily="49" charset="0"/>
+                <a:cs typeface="Menlo" panose="020B0609030804020204" pitchFamily="49" charset="0"/>
+              </a:rPr>
+              <a:t>)</a:t>
+            </a:r>
+          </a:p>
+        </p:txBody>
+      </p:sp>
+    </p:spTree>
+    <p:extLst>
+      <p:ext uri="{BB962C8B-B14F-4D97-AF65-F5344CB8AC3E}">
+        <p14:creationId xmlns:p14="http://schemas.microsoft.com/office/powerpoint/2010/main" val="4003859797"/>
+      </p:ext>
+    </p:extLst>
+  </p:cSld>
+  <p:clrMapOvr>
+    <a:masterClrMapping/>
+  </p:clrMapOvr>
+</p:sld>
+</file>
+
+<file path=ppt/slides/slide7.xml><?xml version="1.0" encoding="utf-8"?>
+<p:sld xmlns:a="http://schemas.openxmlformats.org/drawingml/2006/main" xmlns:r="http://schemas.openxmlformats.org/officeDocument/2006/relationships" xmlns:p="http://schemas.openxmlformats.org/presentationml/2006/main">
+  <p:cSld>
+    <p:spTree>
+      <p:nvGrpSpPr>
+        <p:cNvPr id="1" name="">
+          <a:extLst>
+            <a:ext uri="{FF2B5EF4-FFF2-40B4-BE49-F238E27FC236}">
+              <a16:creationId xmlns:a16="http://schemas.microsoft.com/office/drawing/2014/main" id="{1E32A720-4DD0-EF03-6FA4-7349CF71D564}"/>
+            </a:ext>
+          </a:extLst>
+        </p:cNvPr>
+        <p:cNvGrpSpPr/>
+        <p:nvPr/>
+      </p:nvGrpSpPr>
+      <p:grpSpPr>
+        <a:xfrm>
+          <a:off x="0" y="0"/>
+          <a:ext cx="0" cy="0"/>
+          <a:chOff x="0" y="0"/>
+          <a:chExt cx="0" cy="0"/>
+        </a:xfrm>
+      </p:grpSpPr>
+      <p:sp>
+        <p:nvSpPr>
+          <p:cNvPr id="2" name="Title 1">
+            <a:extLst>
+              <a:ext uri="{FF2B5EF4-FFF2-40B4-BE49-F238E27FC236}">
+                <a16:creationId xmlns:a16="http://schemas.microsoft.com/office/drawing/2014/main" id="{13689E1E-0B1E-94F9-D777-643461791EC4}"/>
+              </a:ext>
+            </a:extLst>
+          </p:cNvPr>
+          <p:cNvSpPr>
+            <a:spLocks noGrp="1"/>
+          </p:cNvSpPr>
+          <p:nvPr>
+            <p:ph type="title"/>
+          </p:nvPr>
+        </p:nvSpPr>
+        <p:spPr/>
+        <p:txBody>
+          <a:bodyPr/>
+          <a:lstStyle/>
+          <a:p>
+            <a:r>
+              <a:rPr lang="en-US" sz="3600" dirty="0"/>
+              <a:t>While Loops</a:t>
+            </a:r>
+          </a:p>
+        </p:txBody>
+      </p:sp>
+      <p:sp>
+        <p:nvSpPr>
+          <p:cNvPr id="128" name="Slide Number Placeholder 127">
+            <a:extLst>
+              <a:ext uri="{FF2B5EF4-FFF2-40B4-BE49-F238E27FC236}">
+                <a16:creationId xmlns:a16="http://schemas.microsoft.com/office/drawing/2014/main" id="{86577BF6-5911-4D92-EE6D-C7C5C6067091}"/>
+              </a:ext>
+            </a:extLst>
+          </p:cNvPr>
+          <p:cNvSpPr>
+            <a:spLocks noGrp="1"/>
+          </p:cNvSpPr>
+          <p:nvPr>
+            <p:ph type="sldNum" sz="quarter" idx="11"/>
+          </p:nvPr>
+        </p:nvSpPr>
+        <p:spPr/>
+        <p:txBody>
+          <a:bodyPr/>
+          <a:lstStyle/>
+          <a:p>
+            <a:pPr>
+              <a:defRPr/>
+            </a:pPr>
+            <a:fld id="{6E0AA622-F4CE-604D-A669-CD3D12FC535C}" type="slidenum">
+              <a:rPr lang="en-US" smtClean="0"/>
+              <a:pPr>
+                <a:defRPr/>
+              </a:pPr>
+              <a:t>7</a:t>
+            </a:fld>
+            <a:endParaRPr lang="en-US" dirty="0"/>
+          </a:p>
+        </p:txBody>
+      </p:sp>
+      <p:sp>
+        <p:nvSpPr>
+          <p:cNvPr id="3" name="TextBox 2">
+            <a:extLst>
+              <a:ext uri="{FF2B5EF4-FFF2-40B4-BE49-F238E27FC236}">
+                <a16:creationId xmlns:a16="http://schemas.microsoft.com/office/drawing/2014/main" id="{8DC27871-E0DC-9AF2-04DF-DFC977B5B05D}"/>
+              </a:ext>
+            </a:extLst>
+          </p:cNvPr>
+          <p:cNvSpPr txBox="1"/>
+          <p:nvPr/>
+        </p:nvSpPr>
+        <p:spPr>
+          <a:xfrm>
+            <a:off x="381000" y="1158925"/>
+            <a:ext cx="8016766" cy="338554"/>
+          </a:xfrm>
+          <a:prstGeom prst="rect">
+            <a:avLst/>
+          </a:prstGeom>
+          <a:gradFill flip="none" rotWithShape="1">
+            <a:gsLst>
+              <a:gs pos="0">
+                <a:schemeClr val="bg1"/>
+              </a:gs>
+              <a:gs pos="74000">
+                <a:srgbClr val="FFE267"/>
+              </a:gs>
+              <a:gs pos="83000">
+                <a:srgbClr val="FFE267"/>
+              </a:gs>
+              <a:gs pos="100000">
+                <a:srgbClr val="FFE267"/>
+              </a:gs>
+            </a:gsLst>
+            <a:lin ang="10800000" scaled="1"/>
+            <a:tileRect/>
+          </a:gradFill>
+        </p:spPr>
+        <p:txBody>
+          <a:bodyPr wrap="square" rtlCol="0">
+            <a:spAutoFit/>
+          </a:bodyPr>
+          <a:lstStyle/>
+          <a:p>
+            <a:r>
+              <a:rPr lang="en-US" sz="1600" dirty="0"/>
+              <a:t>Syntax of while loops and loop invariants</a:t>
+            </a:r>
+          </a:p>
+        </p:txBody>
+      </p:sp>
+      <p:sp>
+        <p:nvSpPr>
+          <p:cNvPr id="4" name="TextBox 3">
+            <a:extLst>
+              <a:ext uri="{FF2B5EF4-FFF2-40B4-BE49-F238E27FC236}">
+                <a16:creationId xmlns:a16="http://schemas.microsoft.com/office/drawing/2014/main" id="{5B3D32B7-6083-44BC-AA77-D4345C9C6F8B}"/>
+              </a:ext>
+            </a:extLst>
+          </p:cNvPr>
+          <p:cNvSpPr txBox="1"/>
+          <p:nvPr/>
+        </p:nvSpPr>
+        <p:spPr>
+          <a:xfrm>
+            <a:off x="549166" y="1697872"/>
+            <a:ext cx="8290034" cy="3785652"/>
+          </a:xfrm>
+          <a:prstGeom prst="rect">
+            <a:avLst/>
+          </a:prstGeom>
+          <a:noFill/>
+        </p:spPr>
+        <p:txBody>
+          <a:bodyPr wrap="square" rtlCol="0">
+            <a:spAutoFit/>
+          </a:bodyPr>
+          <a:lstStyle/>
+          <a:p>
+            <a:r>
+              <a:rPr lang="en-GB" sz="1600" dirty="0">
+                <a:solidFill>
+                  <a:schemeClr val="tx2">
+                    <a:lumMod val="60000"/>
+                    <a:lumOff val="40000"/>
+                  </a:schemeClr>
+                </a:solidFill>
+                <a:effectLst/>
+                <a:latin typeface="Menlo" panose="020B0609030804020204" pitchFamily="49" charset="0"/>
+                <a:ea typeface="Menlo" panose="020B0609030804020204" pitchFamily="49" charset="0"/>
+                <a:cs typeface="Menlo" panose="020B0609030804020204" pitchFamily="49" charset="0"/>
+              </a:rPr>
+              <a:t>// Assume pre-condition </a:t>
+            </a:r>
+          </a:p>
+          <a:p>
+            <a:r>
+              <a:rPr lang="en-GB" sz="1600" i="1" dirty="0">
+                <a:solidFill>
+                  <a:srgbClr val="78B044"/>
+                </a:solidFill>
+                <a:latin typeface="Menlo" panose="020B0609030804020204" pitchFamily="49" charset="0"/>
+                <a:ea typeface="Menlo" panose="020B0609030804020204" pitchFamily="49" charset="0"/>
+                <a:cs typeface="Menlo" panose="020B0609030804020204" pitchFamily="49" charset="0"/>
+              </a:rPr>
+              <a:t>b</a:t>
+            </a:r>
+            <a:r>
+              <a:rPr lang="en-GB" sz="1600" i="1" dirty="0">
+                <a:solidFill>
+                  <a:srgbClr val="78B044"/>
+                </a:solidFill>
+                <a:effectLst/>
+                <a:latin typeface="Menlo" panose="020B0609030804020204" pitchFamily="49" charset="0"/>
+                <a:ea typeface="Menlo" panose="020B0609030804020204" pitchFamily="49" charset="0"/>
+                <a:cs typeface="Menlo" panose="020B0609030804020204" pitchFamily="49" charset="0"/>
+              </a:rPr>
+              <a:t>efore</a:t>
+            </a:r>
+            <a:r>
+              <a:rPr lang="en-GB" sz="1600" i="1" dirty="0">
+                <a:solidFill>
+                  <a:srgbClr val="78B044"/>
+                </a:solidFill>
+                <a:latin typeface="Menlo" panose="020B0609030804020204" pitchFamily="49" charset="0"/>
+                <a:ea typeface="Menlo" panose="020B0609030804020204" pitchFamily="49" charset="0"/>
+                <a:cs typeface="Menlo" panose="020B0609030804020204" pitchFamily="49" charset="0"/>
+              </a:rPr>
+              <a:t> </a:t>
+            </a:r>
+            <a:r>
+              <a:rPr lang="en-GB" sz="1600" i="1" dirty="0">
+                <a:solidFill>
+                  <a:srgbClr val="78B044"/>
+                </a:solidFill>
+                <a:effectLst/>
+                <a:latin typeface="Menlo" panose="020B0609030804020204" pitchFamily="49" charset="0"/>
+                <a:ea typeface="Menlo" panose="020B0609030804020204" pitchFamily="49" charset="0"/>
+                <a:cs typeface="Menlo" panose="020B0609030804020204" pitchFamily="49" charset="0"/>
+              </a:rPr>
+              <a:t>loop</a:t>
+            </a:r>
+            <a:br>
+              <a:rPr lang="en-GB" sz="1600" dirty="0">
+                <a:solidFill>
+                  <a:srgbClr val="080808"/>
+                </a:solidFill>
+                <a:effectLst/>
+                <a:latin typeface="Menlo" panose="020B0609030804020204" pitchFamily="49" charset="0"/>
+                <a:ea typeface="Menlo" panose="020B0609030804020204" pitchFamily="49" charset="0"/>
+                <a:cs typeface="Menlo" panose="020B0609030804020204" pitchFamily="49" charset="0"/>
+              </a:rPr>
+            </a:br>
+            <a:r>
+              <a:rPr lang="en-GB" sz="1600" dirty="0">
+                <a:solidFill>
+                  <a:srgbClr val="8C8C8C"/>
+                </a:solidFill>
+                <a:effectLst/>
+                <a:latin typeface="Menlo" panose="020B0609030804020204" pitchFamily="49" charset="0"/>
+                <a:ea typeface="Menlo" panose="020B0609030804020204" pitchFamily="49" charset="0"/>
+                <a:cs typeface="Menlo" panose="020B0609030804020204" pitchFamily="49" charset="0"/>
+              </a:rPr>
+              <a:t>// Deduce facts </a:t>
+            </a:r>
+            <a:r>
+              <a:rPr lang="en-GB" sz="1600" b="1" dirty="0">
+                <a:solidFill>
+                  <a:srgbClr val="8C8C8C"/>
+                </a:solidFill>
+                <a:effectLst/>
+                <a:latin typeface="Menlo" panose="020B0609030804020204" pitchFamily="49" charset="0"/>
+                <a:ea typeface="Menlo" panose="020B0609030804020204" pitchFamily="49" charset="0"/>
+                <a:cs typeface="Menlo" panose="020B0609030804020204" pitchFamily="49" charset="0"/>
+              </a:rPr>
+              <a:t>known</a:t>
+            </a:r>
+            <a:r>
+              <a:rPr lang="en-GB" sz="1600" dirty="0">
+                <a:solidFill>
+                  <a:srgbClr val="8C8C8C"/>
+                </a:solidFill>
+                <a:effectLst/>
+                <a:latin typeface="Menlo" panose="020B0609030804020204" pitchFamily="49" charset="0"/>
+                <a:ea typeface="Menlo" panose="020B0609030804020204" pitchFamily="49" charset="0"/>
+                <a:cs typeface="Menlo" panose="020B0609030804020204" pitchFamily="49" charset="0"/>
+              </a:rPr>
+              <a:t> before the loop is entered</a:t>
+            </a:r>
+          </a:p>
+          <a:p>
+            <a:r>
+              <a:rPr lang="en-GB" sz="1600" dirty="0">
+                <a:solidFill>
+                  <a:srgbClr val="8C8C8C"/>
+                </a:solidFill>
+                <a:latin typeface="Menlo" panose="020B0609030804020204" pitchFamily="49" charset="0"/>
+                <a:ea typeface="Menlo" panose="020B0609030804020204" pitchFamily="49" charset="0"/>
+                <a:cs typeface="Menlo" panose="020B0609030804020204" pitchFamily="49" charset="0"/>
+              </a:rPr>
+              <a:t>// Deduce the </a:t>
+            </a:r>
+            <a:r>
+              <a:rPr lang="en-GB" sz="1600" dirty="0">
+                <a:solidFill>
+                  <a:srgbClr val="0070C0"/>
+                </a:solidFill>
+                <a:latin typeface="Menlo" panose="020B0609030804020204" pitchFamily="49" charset="0"/>
+                <a:ea typeface="Menlo" panose="020B0609030804020204" pitchFamily="49" charset="0"/>
+                <a:cs typeface="Menlo" panose="020B0609030804020204" pitchFamily="49" charset="0"/>
+              </a:rPr>
+              <a:t>invariant</a:t>
+            </a:r>
+            <a:r>
+              <a:rPr lang="en-GB" sz="1600" dirty="0">
+                <a:solidFill>
+                  <a:srgbClr val="8C8C8C"/>
+                </a:solidFill>
+                <a:latin typeface="Menlo" panose="020B0609030804020204" pitchFamily="49" charset="0"/>
+                <a:ea typeface="Menlo" panose="020B0609030804020204" pitchFamily="49" charset="0"/>
+                <a:cs typeface="Menlo" panose="020B0609030804020204" pitchFamily="49" charset="0"/>
+              </a:rPr>
+              <a:t> (</a:t>
+            </a:r>
+            <a:r>
+              <a:rPr lang="en-GB" sz="1600" dirty="0">
+                <a:solidFill>
+                  <a:srgbClr val="FF0000"/>
+                </a:solidFill>
+                <a:latin typeface="Menlo" panose="020B0609030804020204" pitchFamily="49" charset="0"/>
+                <a:ea typeface="Menlo" panose="020B0609030804020204" pitchFamily="49" charset="0"/>
+                <a:cs typeface="Menlo" panose="020B0609030804020204" pitchFamily="49" charset="0"/>
+              </a:rPr>
+              <a:t>loop proof obligation</a:t>
+            </a:r>
+            <a:r>
+              <a:rPr lang="en-GB" sz="1600" dirty="0">
+                <a:solidFill>
+                  <a:srgbClr val="8C8C8C"/>
+                </a:solidFill>
+                <a:latin typeface="Menlo" panose="020B0609030804020204" pitchFamily="49" charset="0"/>
+                <a:ea typeface="Menlo" panose="020B0609030804020204" pitchFamily="49" charset="0"/>
+                <a:cs typeface="Menlo" panose="020B0609030804020204" pitchFamily="49" charset="0"/>
+              </a:rPr>
+              <a:t>)</a:t>
+            </a:r>
+            <a:br>
+              <a:rPr lang="en-GB" sz="1600" dirty="0">
+                <a:solidFill>
+                  <a:srgbClr val="8C8C8C"/>
+                </a:solidFill>
+                <a:effectLst/>
+                <a:latin typeface="Menlo" panose="020B0609030804020204" pitchFamily="49" charset="0"/>
+                <a:ea typeface="Menlo" panose="020B0609030804020204" pitchFamily="49" charset="0"/>
+                <a:cs typeface="Menlo" panose="020B0609030804020204" pitchFamily="49" charset="0"/>
+              </a:rPr>
+            </a:br>
+            <a:r>
+              <a:rPr lang="en-GB" sz="1600" dirty="0">
+                <a:solidFill>
+                  <a:srgbClr val="0033B3"/>
+                </a:solidFill>
+                <a:effectLst/>
+                <a:latin typeface="Menlo" panose="020B0609030804020204" pitchFamily="49" charset="0"/>
+                <a:ea typeface="Menlo" panose="020B0609030804020204" pitchFamily="49" charset="0"/>
+                <a:cs typeface="Menlo" panose="020B0609030804020204" pitchFamily="49" charset="0"/>
+              </a:rPr>
+              <a:t>while </a:t>
+            </a:r>
+            <a:r>
+              <a:rPr lang="en-GB" sz="1600" dirty="0">
+                <a:solidFill>
+                  <a:srgbClr val="080808"/>
+                </a:solidFill>
+                <a:effectLst/>
+                <a:latin typeface="Menlo" panose="020B0609030804020204" pitchFamily="49" charset="0"/>
+                <a:ea typeface="Menlo" panose="020B0609030804020204" pitchFamily="49" charset="0"/>
+                <a:cs typeface="Menlo" panose="020B0609030804020204" pitchFamily="49" charset="0"/>
+              </a:rPr>
+              <a:t>(</a:t>
+            </a:r>
+            <a:r>
+              <a:rPr lang="en-GB" sz="1600" dirty="0">
+                <a:solidFill>
+                  <a:srgbClr val="00B0F0"/>
+                </a:solidFill>
+                <a:effectLst/>
+                <a:latin typeface="Menlo" panose="020B0609030804020204" pitchFamily="49" charset="0"/>
+                <a:ea typeface="Menlo" panose="020B0609030804020204" pitchFamily="49" charset="0"/>
+                <a:cs typeface="Menlo" panose="020B0609030804020204" pitchFamily="49" charset="0"/>
+              </a:rPr>
+              <a:t>condition</a:t>
+            </a:r>
+            <a:r>
+              <a:rPr lang="en-GB" sz="1600" dirty="0">
+                <a:solidFill>
+                  <a:srgbClr val="080808"/>
+                </a:solidFill>
+                <a:effectLst/>
+                <a:latin typeface="Menlo" panose="020B0609030804020204" pitchFamily="49" charset="0"/>
+                <a:ea typeface="Menlo" panose="020B0609030804020204" pitchFamily="49" charset="0"/>
+                <a:cs typeface="Menlo" panose="020B0609030804020204" pitchFamily="49" charset="0"/>
+              </a:rPr>
+              <a:t>) {</a:t>
+            </a:r>
+            <a:br>
+              <a:rPr lang="en-GB" sz="1600" dirty="0">
+                <a:solidFill>
+                  <a:srgbClr val="080808"/>
+                </a:solidFill>
+                <a:effectLst/>
+                <a:latin typeface="Menlo" panose="020B0609030804020204" pitchFamily="49" charset="0"/>
+                <a:ea typeface="Menlo" panose="020B0609030804020204" pitchFamily="49" charset="0"/>
+                <a:cs typeface="Menlo" panose="020B0609030804020204" pitchFamily="49" charset="0"/>
+              </a:rPr>
+            </a:br>
+            <a:r>
+              <a:rPr lang="en-GB" sz="1600" dirty="0">
+                <a:solidFill>
+                  <a:srgbClr val="080808"/>
+                </a:solidFill>
+                <a:effectLst/>
+                <a:latin typeface="Menlo" panose="020B0609030804020204" pitchFamily="49" charset="0"/>
+                <a:ea typeface="Menlo" panose="020B0609030804020204" pitchFamily="49" charset="0"/>
+                <a:cs typeface="Menlo" panose="020B0609030804020204" pitchFamily="49" charset="0"/>
+              </a:rPr>
+              <a:t>  </a:t>
+            </a:r>
+            <a:r>
+              <a:rPr lang="en-GB" sz="1600" dirty="0">
+                <a:solidFill>
+                  <a:srgbClr val="8C8C8C"/>
+                </a:solidFill>
+                <a:effectLst/>
+                <a:latin typeface="Menlo" panose="020B0609030804020204" pitchFamily="49" charset="0"/>
+                <a:ea typeface="Menlo" panose="020B0609030804020204" pitchFamily="49" charset="0"/>
+                <a:cs typeface="Menlo" panose="020B0609030804020204" pitchFamily="49" charset="0"/>
+              </a:rPr>
+              <a:t>// Deduce the </a:t>
+            </a:r>
+            <a:r>
+              <a:rPr lang="en-GB" sz="1600" dirty="0">
+                <a:solidFill>
+                  <a:srgbClr val="00B0F0"/>
+                </a:solidFill>
+                <a:effectLst/>
+                <a:latin typeface="Menlo" panose="020B0609030804020204" pitchFamily="49" charset="0"/>
+                <a:ea typeface="Menlo" panose="020B0609030804020204" pitchFamily="49" charset="0"/>
+                <a:cs typeface="Menlo" panose="020B0609030804020204" pitchFamily="49" charset="0"/>
+              </a:rPr>
+              <a:t>condition</a:t>
+            </a:r>
+            <a:r>
+              <a:rPr lang="en-GB" sz="1600" dirty="0">
+                <a:solidFill>
+                  <a:srgbClr val="8C8C8C"/>
+                </a:solidFill>
+                <a:effectLst/>
+                <a:latin typeface="Menlo" panose="020B0609030804020204" pitchFamily="49" charset="0"/>
+                <a:ea typeface="Menlo" panose="020B0609030804020204" pitchFamily="49" charset="0"/>
+                <a:cs typeface="Menlo" panose="020B0609030804020204" pitchFamily="49" charset="0"/>
+              </a:rPr>
+              <a:t> (at this program location)</a:t>
+            </a:r>
+          </a:p>
+          <a:p>
+            <a:r>
+              <a:rPr lang="en-GB" sz="1600" dirty="0">
+                <a:solidFill>
+                  <a:srgbClr val="8C8C8C"/>
+                </a:solidFill>
+                <a:effectLst/>
+                <a:latin typeface="Menlo" panose="020B0609030804020204" pitchFamily="49" charset="0"/>
+                <a:ea typeface="Menlo" panose="020B0609030804020204" pitchFamily="49" charset="0"/>
+                <a:cs typeface="Menlo" panose="020B0609030804020204" pitchFamily="49" charset="0"/>
+              </a:rPr>
+              <a:t>  // Assume the </a:t>
+            </a:r>
+            <a:r>
+              <a:rPr lang="en-GB" sz="1600" dirty="0">
+                <a:solidFill>
+                  <a:srgbClr val="0070C0"/>
+                </a:solidFill>
+                <a:effectLst/>
+                <a:latin typeface="Menlo" panose="020B0609030804020204" pitchFamily="49" charset="0"/>
+                <a:ea typeface="Menlo" panose="020B0609030804020204" pitchFamily="49" charset="0"/>
+                <a:cs typeface="Menlo" panose="020B0609030804020204" pitchFamily="49" charset="0"/>
+              </a:rPr>
+              <a:t>invariant</a:t>
+            </a:r>
+            <a:br>
+              <a:rPr lang="en-GB" sz="1600" dirty="0">
+                <a:solidFill>
+                  <a:srgbClr val="8C8C8C"/>
+                </a:solidFill>
+                <a:effectLst/>
+                <a:latin typeface="Menlo" panose="020B0609030804020204" pitchFamily="49" charset="0"/>
+                <a:ea typeface="Menlo" panose="020B0609030804020204" pitchFamily="49" charset="0"/>
+                <a:cs typeface="Menlo" panose="020B0609030804020204" pitchFamily="49" charset="0"/>
+              </a:rPr>
+            </a:br>
+            <a:r>
+              <a:rPr lang="en-GB" sz="1600" dirty="0">
+                <a:solidFill>
+                  <a:srgbClr val="8C8C8C"/>
+                </a:solidFill>
+                <a:effectLst/>
+                <a:latin typeface="Menlo" panose="020B0609030804020204" pitchFamily="49" charset="0"/>
+                <a:ea typeface="Menlo" panose="020B0609030804020204" pitchFamily="49" charset="0"/>
+                <a:cs typeface="Menlo" panose="020B0609030804020204" pitchFamily="49" charset="0"/>
+              </a:rPr>
+              <a:t>  </a:t>
+            </a:r>
+            <a:r>
+              <a:rPr lang="en-GB" sz="1600" i="1" dirty="0">
+                <a:solidFill>
+                  <a:srgbClr val="78B044"/>
+                </a:solidFill>
+                <a:effectLst/>
+                <a:latin typeface="Menlo" panose="020B0609030804020204" pitchFamily="49" charset="0"/>
+                <a:ea typeface="Menlo" panose="020B0609030804020204" pitchFamily="49" charset="0"/>
+                <a:cs typeface="Menlo" panose="020B0609030804020204" pitchFamily="49" charset="0"/>
+              </a:rPr>
+              <a:t>loop</a:t>
+            </a:r>
+            <a:r>
+              <a:rPr lang="en-GB" sz="1600" i="1" dirty="0">
+                <a:solidFill>
+                  <a:srgbClr val="78B044"/>
+                </a:solidFill>
+                <a:latin typeface="Menlo" panose="020B0609030804020204" pitchFamily="49" charset="0"/>
+                <a:ea typeface="Menlo" panose="020B0609030804020204" pitchFamily="49" charset="0"/>
+                <a:cs typeface="Menlo" panose="020B0609030804020204" pitchFamily="49" charset="0"/>
+              </a:rPr>
+              <a:t> </a:t>
+            </a:r>
+            <a:r>
+              <a:rPr lang="en-GB" sz="1600" i="1" dirty="0">
+                <a:solidFill>
+                  <a:srgbClr val="78B044"/>
+                </a:solidFill>
+                <a:effectLst/>
+                <a:latin typeface="Menlo" panose="020B0609030804020204" pitchFamily="49" charset="0"/>
+                <a:ea typeface="Menlo" panose="020B0609030804020204" pitchFamily="49" charset="0"/>
+                <a:cs typeface="Menlo" panose="020B0609030804020204" pitchFamily="49" charset="0"/>
+              </a:rPr>
+              <a:t>body</a:t>
+            </a:r>
+            <a:br>
+              <a:rPr lang="en-GB" sz="1600" dirty="0">
+                <a:solidFill>
+                  <a:srgbClr val="080808"/>
+                </a:solidFill>
+                <a:effectLst/>
+                <a:latin typeface="Menlo" panose="020B0609030804020204" pitchFamily="49" charset="0"/>
+                <a:ea typeface="Menlo" panose="020B0609030804020204" pitchFamily="49" charset="0"/>
+                <a:cs typeface="Menlo" panose="020B0609030804020204" pitchFamily="49" charset="0"/>
+              </a:rPr>
+            </a:br>
+            <a:r>
+              <a:rPr lang="en-GB" sz="1600" dirty="0">
+                <a:solidFill>
+                  <a:srgbClr val="080808"/>
+                </a:solidFill>
+                <a:effectLst/>
+                <a:latin typeface="Menlo" panose="020B0609030804020204" pitchFamily="49" charset="0"/>
+                <a:ea typeface="Menlo" panose="020B0609030804020204" pitchFamily="49" charset="0"/>
+                <a:cs typeface="Menlo" panose="020B0609030804020204" pitchFamily="49" charset="0"/>
+              </a:rPr>
+              <a:t> </a:t>
+            </a:r>
+            <a:r>
+              <a:rPr lang="en-GB" sz="1600" dirty="0">
+                <a:solidFill>
+                  <a:srgbClr val="8C8C8C"/>
+                </a:solidFill>
+                <a:effectLst/>
+                <a:latin typeface="Menlo" panose="020B0609030804020204" pitchFamily="49" charset="0"/>
+                <a:ea typeface="Menlo" panose="020B0609030804020204" pitchFamily="49" charset="0"/>
+                <a:cs typeface="Menlo" panose="020B0609030804020204" pitchFamily="49" charset="0"/>
+              </a:rPr>
+              <a:t> // Deduce the </a:t>
+            </a:r>
+            <a:r>
+              <a:rPr lang="en-GB" sz="1600" dirty="0">
+                <a:solidFill>
+                  <a:srgbClr val="0070C0"/>
+                </a:solidFill>
+                <a:effectLst/>
+                <a:latin typeface="Menlo" panose="020B0609030804020204" pitchFamily="49" charset="0"/>
+                <a:ea typeface="Menlo" panose="020B0609030804020204" pitchFamily="49" charset="0"/>
+                <a:cs typeface="Menlo" panose="020B0609030804020204" pitchFamily="49" charset="0"/>
+              </a:rPr>
+              <a:t>invariant</a:t>
+            </a:r>
+            <a:r>
+              <a:rPr lang="en-GB" sz="1600" dirty="0">
+                <a:solidFill>
+                  <a:srgbClr val="8C8C8C"/>
+                </a:solidFill>
+                <a:effectLst/>
+                <a:latin typeface="Menlo" panose="020B0609030804020204" pitchFamily="49" charset="0"/>
+                <a:ea typeface="Menlo" panose="020B0609030804020204" pitchFamily="49" charset="0"/>
+                <a:cs typeface="Menlo" panose="020B0609030804020204" pitchFamily="49" charset="0"/>
+              </a:rPr>
+              <a:t> (</a:t>
+            </a:r>
+            <a:r>
+              <a:rPr lang="en-GB" sz="1600" dirty="0">
+                <a:solidFill>
+                  <a:srgbClr val="FF0000"/>
+                </a:solidFill>
+                <a:effectLst/>
+                <a:latin typeface="Menlo" panose="020B0609030804020204" pitchFamily="49" charset="0"/>
+                <a:ea typeface="Menlo" panose="020B0609030804020204" pitchFamily="49" charset="0"/>
+                <a:cs typeface="Menlo" panose="020B0609030804020204" pitchFamily="49" charset="0"/>
+              </a:rPr>
+              <a:t>loop proof obligation</a:t>
+            </a:r>
+            <a:r>
+              <a:rPr lang="en-GB" sz="1600" dirty="0">
+                <a:solidFill>
+                  <a:srgbClr val="8C8C8C"/>
+                </a:solidFill>
+                <a:effectLst/>
+                <a:latin typeface="Menlo" panose="020B0609030804020204" pitchFamily="49" charset="0"/>
+                <a:ea typeface="Menlo" panose="020B0609030804020204" pitchFamily="49" charset="0"/>
+                <a:cs typeface="Menlo" panose="020B0609030804020204" pitchFamily="49" charset="0"/>
+              </a:rPr>
+              <a:t>)</a:t>
+            </a:r>
+          </a:p>
+          <a:p>
+            <a:r>
+              <a:rPr lang="en-GB" sz="1600" dirty="0">
+                <a:solidFill>
+                  <a:srgbClr val="080808"/>
+                </a:solidFill>
+                <a:effectLst/>
+                <a:latin typeface="Menlo" panose="020B0609030804020204" pitchFamily="49" charset="0"/>
+                <a:ea typeface="Menlo" panose="020B0609030804020204" pitchFamily="49" charset="0"/>
+                <a:cs typeface="Menlo" panose="020B0609030804020204" pitchFamily="49" charset="0"/>
+              </a:rPr>
+              <a:t>}</a:t>
+            </a:r>
+            <a:br>
+              <a:rPr lang="en-GB" sz="1600" dirty="0">
+                <a:solidFill>
+                  <a:srgbClr val="080808"/>
+                </a:solidFill>
+                <a:effectLst/>
+                <a:latin typeface="Menlo" panose="020B0609030804020204" pitchFamily="49" charset="0"/>
+                <a:ea typeface="Menlo" panose="020B0609030804020204" pitchFamily="49" charset="0"/>
+                <a:cs typeface="Menlo" panose="020B0609030804020204" pitchFamily="49" charset="0"/>
+              </a:rPr>
+            </a:br>
+            <a:r>
+              <a:rPr lang="en-GB" sz="1600" dirty="0">
+                <a:solidFill>
+                  <a:srgbClr val="8C8C8C"/>
+                </a:solidFill>
+                <a:effectLst/>
+                <a:latin typeface="Menlo" panose="020B0609030804020204" pitchFamily="49" charset="0"/>
+                <a:ea typeface="Menlo" panose="020B0609030804020204" pitchFamily="49" charset="0"/>
+                <a:cs typeface="Menlo" panose="020B0609030804020204" pitchFamily="49" charset="0"/>
+              </a:rPr>
+              <a:t>// Deduce the </a:t>
+            </a:r>
+            <a:r>
+              <a:rPr lang="en-GB" sz="1600" b="1" dirty="0">
+                <a:solidFill>
+                  <a:srgbClr val="8C8C8C"/>
+                </a:solidFill>
+                <a:effectLst/>
+                <a:latin typeface="Menlo" panose="020B0609030804020204" pitchFamily="49" charset="0"/>
+                <a:ea typeface="Menlo" panose="020B0609030804020204" pitchFamily="49" charset="0"/>
+                <a:cs typeface="Menlo" panose="020B0609030804020204" pitchFamily="49" charset="0"/>
+              </a:rPr>
+              <a:t>negation</a:t>
+            </a:r>
+            <a:r>
+              <a:rPr lang="en-GB" sz="1600" dirty="0">
+                <a:solidFill>
+                  <a:srgbClr val="8C8C8C"/>
+                </a:solidFill>
+                <a:effectLst/>
+                <a:latin typeface="Menlo" panose="020B0609030804020204" pitchFamily="49" charset="0"/>
+                <a:ea typeface="Menlo" panose="020B0609030804020204" pitchFamily="49" charset="0"/>
+                <a:cs typeface="Menlo" panose="020B0609030804020204" pitchFamily="49" charset="0"/>
+              </a:rPr>
+              <a:t> of the </a:t>
+            </a:r>
+            <a:r>
+              <a:rPr lang="en-GB" sz="1600" dirty="0">
+                <a:solidFill>
+                  <a:srgbClr val="00B0F0"/>
+                </a:solidFill>
+                <a:effectLst/>
+                <a:latin typeface="Menlo" panose="020B0609030804020204" pitchFamily="49" charset="0"/>
+                <a:ea typeface="Menlo" panose="020B0609030804020204" pitchFamily="49" charset="0"/>
+                <a:cs typeface="Menlo" panose="020B0609030804020204" pitchFamily="49" charset="0"/>
+              </a:rPr>
+              <a:t>condition</a:t>
+            </a:r>
+            <a:r>
+              <a:rPr lang="en-GB" sz="1600" dirty="0">
+                <a:solidFill>
+                  <a:srgbClr val="8C8C8C"/>
+                </a:solidFill>
+                <a:effectLst/>
+                <a:latin typeface="Menlo" panose="020B0609030804020204" pitchFamily="49" charset="0"/>
+                <a:ea typeface="Menlo" panose="020B0609030804020204" pitchFamily="49" charset="0"/>
+                <a:cs typeface="Menlo" panose="020B0609030804020204" pitchFamily="49" charset="0"/>
+              </a:rPr>
+              <a:t> (at this program location)</a:t>
+            </a:r>
+          </a:p>
+          <a:p>
+            <a:r>
+              <a:rPr lang="en-GB" sz="1600" dirty="0">
+                <a:solidFill>
+                  <a:srgbClr val="8C8C8C"/>
+                </a:solidFill>
+                <a:latin typeface="Menlo" panose="020B0609030804020204" pitchFamily="49" charset="0"/>
+                <a:ea typeface="Menlo" panose="020B0609030804020204" pitchFamily="49" charset="0"/>
+                <a:cs typeface="Menlo" panose="020B0609030804020204" pitchFamily="49" charset="0"/>
+              </a:rPr>
+              <a:t>// Deduce the </a:t>
+            </a:r>
+            <a:r>
+              <a:rPr lang="en-GB" sz="1600" dirty="0">
+                <a:solidFill>
+                  <a:srgbClr val="0070C0"/>
+                </a:solidFill>
+                <a:latin typeface="Menlo" panose="020B0609030804020204" pitchFamily="49" charset="0"/>
+                <a:ea typeface="Menlo" panose="020B0609030804020204" pitchFamily="49" charset="0"/>
+                <a:cs typeface="Menlo" panose="020B0609030804020204" pitchFamily="49" charset="0"/>
+              </a:rPr>
+              <a:t>invariant</a:t>
+            </a:r>
+            <a:br>
+              <a:rPr lang="en-GB" sz="1600" dirty="0">
+                <a:solidFill>
+                  <a:srgbClr val="8C8C8C"/>
+                </a:solidFill>
+                <a:effectLst/>
+                <a:latin typeface="Menlo" panose="020B0609030804020204" pitchFamily="49" charset="0"/>
+                <a:ea typeface="Menlo" panose="020B0609030804020204" pitchFamily="49" charset="0"/>
+                <a:cs typeface="Menlo" panose="020B0609030804020204" pitchFamily="49" charset="0"/>
+              </a:rPr>
+            </a:br>
+            <a:r>
+              <a:rPr lang="en-GB" sz="1600" i="1" dirty="0">
+                <a:solidFill>
+                  <a:srgbClr val="78B044"/>
+                </a:solidFill>
+                <a:effectLst/>
+                <a:latin typeface="Menlo" panose="020B0609030804020204" pitchFamily="49" charset="0"/>
+                <a:ea typeface="Menlo" panose="020B0609030804020204" pitchFamily="49" charset="0"/>
+                <a:cs typeface="Menlo" panose="020B0609030804020204" pitchFamily="49" charset="0"/>
+              </a:rPr>
+              <a:t>after loop</a:t>
+            </a:r>
+          </a:p>
+          <a:p>
+            <a:r>
+              <a:rPr lang="en-GB" sz="1600" dirty="0">
+                <a:solidFill>
+                  <a:schemeClr val="tx2">
+                    <a:lumMod val="60000"/>
+                    <a:lumOff val="40000"/>
+                  </a:schemeClr>
+                </a:solidFill>
+                <a:effectLst/>
+                <a:latin typeface="Menlo" panose="020B0609030804020204" pitchFamily="49" charset="0"/>
+                <a:ea typeface="Menlo" panose="020B0609030804020204" pitchFamily="49" charset="0"/>
+                <a:cs typeface="Menlo" panose="020B0609030804020204" pitchFamily="49" charset="0"/>
+              </a:rPr>
+              <a:t>// Deduce post-condition</a:t>
+            </a:r>
+            <a:r>
+              <a:rPr lang="en-GB" sz="1600" dirty="0">
+                <a:solidFill>
+                  <a:srgbClr val="8C8C8C"/>
+                </a:solidFill>
+                <a:effectLst/>
+                <a:latin typeface="Menlo" panose="020B0609030804020204" pitchFamily="49" charset="0"/>
+                <a:ea typeface="Menlo" panose="020B0609030804020204" pitchFamily="49" charset="0"/>
+                <a:cs typeface="Menlo" panose="020B0609030804020204" pitchFamily="49" charset="0"/>
+              </a:rPr>
+              <a:t> (</a:t>
+            </a:r>
+            <a:r>
+              <a:rPr lang="en-GB" sz="1600" dirty="0">
+                <a:solidFill>
+                  <a:srgbClr val="FF0000"/>
+                </a:solidFill>
+                <a:effectLst/>
+                <a:latin typeface="Menlo" panose="020B0609030804020204" pitchFamily="49" charset="0"/>
+                <a:ea typeface="Menlo" panose="020B0609030804020204" pitchFamily="49" charset="0"/>
+                <a:cs typeface="Menlo" panose="020B0609030804020204" pitchFamily="49" charset="0"/>
+              </a:rPr>
+              <a:t>proof obligation</a:t>
+            </a:r>
+            <a:r>
+              <a:rPr lang="en-GB" sz="1600" dirty="0">
+                <a:solidFill>
+                  <a:srgbClr val="8C8C8C"/>
+                </a:solidFill>
+                <a:effectLst/>
+                <a:latin typeface="Menlo" panose="020B0609030804020204" pitchFamily="49" charset="0"/>
+                <a:ea typeface="Menlo" panose="020B0609030804020204" pitchFamily="49" charset="0"/>
+                <a:cs typeface="Menlo" panose="020B0609030804020204" pitchFamily="49" charset="0"/>
+              </a:rPr>
+              <a:t>)</a:t>
+            </a:r>
+          </a:p>
+          <a:p>
+            <a:r>
+              <a:rPr lang="en-GB" sz="1600" dirty="0">
+                <a:solidFill>
+                  <a:srgbClr val="8C8C8C"/>
+                </a:solidFill>
+                <a:latin typeface="Menlo" panose="020B0609030804020204" pitchFamily="49" charset="0"/>
+                <a:ea typeface="Menlo" panose="020B0609030804020204" pitchFamily="49" charset="0"/>
+                <a:cs typeface="Menlo" panose="020B0609030804020204" pitchFamily="49" charset="0"/>
+              </a:rPr>
+              <a:t>// … using the </a:t>
+            </a:r>
+            <a:r>
+              <a:rPr lang="en-GB" sz="1600" dirty="0">
+                <a:solidFill>
+                  <a:srgbClr val="0070C0"/>
+                </a:solidFill>
+                <a:latin typeface="Menlo" panose="020B0609030804020204" pitchFamily="49" charset="0"/>
+                <a:ea typeface="Menlo" panose="020B0609030804020204" pitchFamily="49" charset="0"/>
+                <a:cs typeface="Menlo" panose="020B0609030804020204" pitchFamily="49" charset="0"/>
+              </a:rPr>
+              <a:t>invariant</a:t>
+            </a:r>
+            <a:r>
+              <a:rPr lang="en-GB" sz="1600" dirty="0">
+                <a:solidFill>
+                  <a:srgbClr val="8C8C8C"/>
+                </a:solidFill>
+                <a:latin typeface="Menlo" panose="020B0609030804020204" pitchFamily="49" charset="0"/>
+                <a:ea typeface="Menlo" panose="020B0609030804020204" pitchFamily="49" charset="0"/>
+                <a:cs typeface="Menlo" panose="020B0609030804020204" pitchFamily="49" charset="0"/>
+              </a:rPr>
+              <a:t> and the </a:t>
+            </a:r>
+            <a:r>
+              <a:rPr lang="en-GB" sz="1600" b="1" dirty="0">
+                <a:solidFill>
+                  <a:srgbClr val="8C8C8C"/>
+                </a:solidFill>
+                <a:latin typeface="Menlo" panose="020B0609030804020204" pitchFamily="49" charset="0"/>
+                <a:ea typeface="Menlo" panose="020B0609030804020204" pitchFamily="49" charset="0"/>
+                <a:cs typeface="Menlo" panose="020B0609030804020204" pitchFamily="49" charset="0"/>
+              </a:rPr>
+              <a:t>negation</a:t>
+            </a:r>
+            <a:r>
+              <a:rPr lang="en-GB" sz="1600" dirty="0">
+                <a:solidFill>
+                  <a:srgbClr val="8C8C8C"/>
+                </a:solidFill>
+                <a:latin typeface="Menlo" panose="020B0609030804020204" pitchFamily="49" charset="0"/>
+                <a:ea typeface="Menlo" panose="020B0609030804020204" pitchFamily="49" charset="0"/>
+                <a:cs typeface="Menlo" panose="020B0609030804020204" pitchFamily="49" charset="0"/>
+              </a:rPr>
+              <a:t> of the </a:t>
+            </a:r>
+            <a:r>
+              <a:rPr lang="en-GB" sz="1600" dirty="0">
+                <a:solidFill>
+                  <a:srgbClr val="00B0F0"/>
+                </a:solidFill>
+                <a:latin typeface="Menlo" panose="020B0609030804020204" pitchFamily="49" charset="0"/>
+                <a:ea typeface="Menlo" panose="020B0609030804020204" pitchFamily="49" charset="0"/>
+                <a:cs typeface="Menlo" panose="020B0609030804020204" pitchFamily="49" charset="0"/>
+              </a:rPr>
+              <a:t>condition</a:t>
+            </a:r>
+            <a:endParaRPr lang="en-GB" sz="1600" dirty="0">
+              <a:solidFill>
+                <a:srgbClr val="00B0F0"/>
+              </a:solidFill>
+              <a:effectLst/>
+              <a:latin typeface="Menlo" panose="020B0609030804020204" pitchFamily="49" charset="0"/>
+              <a:ea typeface="Menlo" panose="020B0609030804020204" pitchFamily="49" charset="0"/>
+              <a:cs typeface="Menlo" panose="020B0609030804020204" pitchFamily="49" charset="0"/>
+            </a:endParaRPr>
+          </a:p>
+        </p:txBody>
+      </p:sp>
+    </p:spTree>
+    <p:extLst>
+      <p:ext uri="{BB962C8B-B14F-4D97-AF65-F5344CB8AC3E}">
+        <p14:creationId xmlns:p14="http://schemas.microsoft.com/office/powerpoint/2010/main" val="3080382045"/>
+      </p:ext>
+    </p:extLst>
+  </p:cSld>
+  <p:clrMapOvr>
+    <a:masterClrMapping/>
+  </p:clrMapOvr>
+</p:sld>
+</file>
+
+<file path=ppt/slides/slide8.xml><?xml version="1.0" encoding="utf-8"?>
+<p:sld xmlns:a="http://schemas.openxmlformats.org/drawingml/2006/main" xmlns:r="http://schemas.openxmlformats.org/officeDocument/2006/relationships" xmlns:p="http://schemas.openxmlformats.org/presentationml/2006/main">
+  <p:cSld>
+    <p:spTree>
+      <p:nvGrpSpPr>
+        <p:cNvPr id="1" name="">
+          <a:extLst>
+            <a:ext uri="{FF2B5EF4-FFF2-40B4-BE49-F238E27FC236}">
+              <a16:creationId xmlns:a16="http://schemas.microsoft.com/office/drawing/2014/main" id="{1B4C85AF-DBF6-4FCA-6CE9-7E4235692341}"/>
+            </a:ext>
+          </a:extLst>
+        </p:cNvPr>
+        <p:cNvGrpSpPr/>
+        <p:nvPr/>
+      </p:nvGrpSpPr>
+      <p:grpSpPr>
+        <a:xfrm>
+          <a:off x="0" y="0"/>
+          <a:ext cx="0" cy="0"/>
+          <a:chOff x="0" y="0"/>
+          <a:chExt cx="0" cy="0"/>
+        </a:xfrm>
+      </p:grpSpPr>
+      <p:sp>
+        <p:nvSpPr>
+          <p:cNvPr id="2" name="Title 1">
+            <a:extLst>
+              <a:ext uri="{FF2B5EF4-FFF2-40B4-BE49-F238E27FC236}">
+                <a16:creationId xmlns:a16="http://schemas.microsoft.com/office/drawing/2014/main" id="{EF9E0011-84EE-AD54-4FBE-33C894EE8372}"/>
+              </a:ext>
+            </a:extLst>
+          </p:cNvPr>
+          <p:cNvSpPr>
+            <a:spLocks noGrp="1"/>
+          </p:cNvSpPr>
+          <p:nvPr>
+            <p:ph type="title"/>
+          </p:nvPr>
+        </p:nvSpPr>
+        <p:spPr/>
+        <p:txBody>
+          <a:bodyPr/>
+          <a:lstStyle/>
+          <a:p>
+            <a:r>
+              <a:rPr lang="en-US" sz="3600" dirty="0"/>
+              <a:t>While Loops</a:t>
+            </a:r>
+          </a:p>
+        </p:txBody>
+      </p:sp>
+      <p:sp>
+        <p:nvSpPr>
+          <p:cNvPr id="128" name="Slide Number Placeholder 127">
+            <a:extLst>
+              <a:ext uri="{FF2B5EF4-FFF2-40B4-BE49-F238E27FC236}">
+                <a16:creationId xmlns:a16="http://schemas.microsoft.com/office/drawing/2014/main" id="{3C8A440B-2811-2725-2466-60E09027AB2E}"/>
+              </a:ext>
+            </a:extLst>
+          </p:cNvPr>
+          <p:cNvSpPr>
+            <a:spLocks noGrp="1"/>
+          </p:cNvSpPr>
+          <p:nvPr>
+            <p:ph type="sldNum" sz="quarter" idx="11"/>
+          </p:nvPr>
+        </p:nvSpPr>
+        <p:spPr/>
+        <p:txBody>
+          <a:bodyPr/>
+          <a:lstStyle/>
+          <a:p>
+            <a:pPr>
+              <a:defRPr/>
+            </a:pPr>
+            <a:fld id="{6E0AA622-F4CE-604D-A669-CD3D12FC535C}" type="slidenum">
+              <a:rPr lang="en-US" smtClean="0"/>
+              <a:pPr>
+                <a:defRPr/>
+              </a:pPr>
+              <a:t>8</a:t>
+            </a:fld>
+            <a:endParaRPr lang="en-US" dirty="0"/>
+          </a:p>
+        </p:txBody>
+      </p:sp>
+      <p:sp>
+        <p:nvSpPr>
+          <p:cNvPr id="3" name="TextBox 2">
+            <a:extLst>
+              <a:ext uri="{FF2B5EF4-FFF2-40B4-BE49-F238E27FC236}">
+                <a16:creationId xmlns:a16="http://schemas.microsoft.com/office/drawing/2014/main" id="{B59B4712-831C-BC17-54CC-54572FAFE496}"/>
+              </a:ext>
+            </a:extLst>
+          </p:cNvPr>
+          <p:cNvSpPr txBox="1"/>
+          <p:nvPr/>
+        </p:nvSpPr>
+        <p:spPr>
+          <a:xfrm>
+            <a:off x="381000" y="1158925"/>
+            <a:ext cx="8016766" cy="338554"/>
+          </a:xfrm>
+          <a:prstGeom prst="rect">
+            <a:avLst/>
+          </a:prstGeom>
+          <a:gradFill flip="none" rotWithShape="1">
+            <a:gsLst>
+              <a:gs pos="0">
+                <a:schemeClr val="bg1"/>
+              </a:gs>
+              <a:gs pos="74000">
+                <a:srgbClr val="FFE267"/>
+              </a:gs>
+              <a:gs pos="83000">
+                <a:srgbClr val="FFE267"/>
+              </a:gs>
+              <a:gs pos="100000">
+                <a:srgbClr val="FFE267"/>
+              </a:gs>
+            </a:gsLst>
+            <a:lin ang="10800000" scaled="1"/>
+            <a:tileRect/>
+          </a:gradFill>
+        </p:spPr>
+        <p:txBody>
+          <a:bodyPr wrap="square" rtlCol="0">
+            <a:spAutoFit/>
+          </a:bodyPr>
+          <a:lstStyle/>
+          <a:p>
+            <a:r>
+              <a:rPr lang="en-US" sz="1600" dirty="0"/>
+              <a:t>Syntax of loop invariants and </a:t>
+            </a:r>
+            <a:r>
+              <a:rPr lang="en-US" sz="1600" dirty="0" err="1"/>
+              <a:t>Logika</a:t>
+            </a:r>
+            <a:r>
+              <a:rPr lang="en-US" sz="1600" dirty="0"/>
+              <a:t> deductions</a:t>
+            </a:r>
+          </a:p>
+        </p:txBody>
+      </p:sp>
+      <p:sp>
+        <p:nvSpPr>
+          <p:cNvPr id="4" name="TextBox 3">
+            <a:extLst>
+              <a:ext uri="{FF2B5EF4-FFF2-40B4-BE49-F238E27FC236}">
+                <a16:creationId xmlns:a16="http://schemas.microsoft.com/office/drawing/2014/main" id="{B97F79EB-3F9E-1A3C-ACD3-65311E747763}"/>
+              </a:ext>
+            </a:extLst>
+          </p:cNvPr>
+          <p:cNvSpPr txBox="1"/>
+          <p:nvPr/>
+        </p:nvSpPr>
+        <p:spPr>
+          <a:xfrm>
+            <a:off x="549166" y="1697872"/>
+            <a:ext cx="8290034" cy="3539430"/>
+          </a:xfrm>
+          <a:prstGeom prst="rect">
+            <a:avLst/>
+          </a:prstGeom>
+          <a:noFill/>
+        </p:spPr>
+        <p:txBody>
+          <a:bodyPr wrap="square" rtlCol="0">
+            <a:spAutoFit/>
+          </a:bodyPr>
+          <a:lstStyle/>
+          <a:p>
+            <a:r>
+              <a:rPr lang="en-GB" sz="1600" dirty="0">
+                <a:solidFill>
+                  <a:schemeClr val="tx2">
+                    <a:lumMod val="60000"/>
+                    <a:lumOff val="40000"/>
+                  </a:schemeClr>
+                </a:solidFill>
+                <a:effectLst/>
+                <a:latin typeface="Menlo" panose="020B0609030804020204" pitchFamily="49" charset="0"/>
+                <a:ea typeface="Menlo" panose="020B0609030804020204" pitchFamily="49" charset="0"/>
+                <a:cs typeface="Menlo" panose="020B0609030804020204" pitchFamily="49" charset="0"/>
+              </a:rPr>
+              <a:t>// Assume pre-condition </a:t>
+            </a:r>
+          </a:p>
+          <a:p>
+            <a:r>
+              <a:rPr lang="en-GB" sz="1600" dirty="0">
+                <a:solidFill>
+                  <a:srgbClr val="8C8C8C"/>
+                </a:solidFill>
+                <a:effectLst/>
+                <a:latin typeface="Menlo" panose="020B0609030804020204" pitchFamily="49" charset="0"/>
+                <a:ea typeface="Menlo" panose="020B0609030804020204" pitchFamily="49" charset="0"/>
+                <a:cs typeface="Menlo" panose="020B0609030804020204" pitchFamily="49" charset="0"/>
+              </a:rPr>
+              <a:t>…</a:t>
+            </a:r>
+          </a:p>
+          <a:p>
+            <a:r>
+              <a:rPr lang="en-GB" sz="1600" dirty="0">
+                <a:solidFill>
+                  <a:srgbClr val="8C8C8C"/>
+                </a:solidFill>
+                <a:effectLst/>
+                <a:latin typeface="Menlo" panose="020B0609030804020204" pitchFamily="49" charset="0"/>
+                <a:ea typeface="Menlo" panose="020B0609030804020204" pitchFamily="49" charset="0"/>
+                <a:cs typeface="Menlo" panose="020B0609030804020204" pitchFamily="49" charset="0"/>
+              </a:rPr>
+              <a:t>Deduce</a:t>
+            </a:r>
+            <a:r>
+              <a:rPr lang="en-GB" sz="1600" dirty="0">
+                <a:solidFill>
+                  <a:srgbClr val="8C8C8C"/>
+                </a:solidFill>
+                <a:latin typeface="Menlo" panose="020B0609030804020204" pitchFamily="49" charset="0"/>
+                <a:ea typeface="Menlo" panose="020B0609030804020204" pitchFamily="49" charset="0"/>
+                <a:cs typeface="Menlo" panose="020B0609030804020204" pitchFamily="49" charset="0"/>
+              </a:rPr>
+              <a:t>(</a:t>
+            </a:r>
+            <a:r>
+              <a:rPr lang="en-DK" sz="1600" dirty="0">
+                <a:solidFill>
+                  <a:srgbClr val="080808"/>
+                </a:solidFill>
+                <a:latin typeface="Menlo" panose="020B0609030804020204" pitchFamily="49" charset="0"/>
+                <a:ea typeface="Menlo" panose="020B0609030804020204" pitchFamily="49" charset="0"/>
+                <a:cs typeface="Menlo" panose="020B0609030804020204" pitchFamily="49" charset="0"/>
+              </a:rPr>
+              <a:t>⊢ …</a:t>
+            </a:r>
+            <a:r>
+              <a:rPr lang="en-GB" sz="1600" dirty="0">
+                <a:solidFill>
+                  <a:srgbClr val="8C8C8C"/>
+                </a:solidFill>
+                <a:latin typeface="Menlo" panose="020B0609030804020204" pitchFamily="49" charset="0"/>
+                <a:ea typeface="Menlo" panose="020B0609030804020204" pitchFamily="49" charset="0"/>
+                <a:cs typeface="Menlo" panose="020B0609030804020204" pitchFamily="49" charset="0"/>
+              </a:rPr>
+              <a:t>)</a:t>
+            </a:r>
+            <a:endParaRPr lang="en-GB" sz="1600" dirty="0">
+              <a:solidFill>
+                <a:srgbClr val="8C8C8C"/>
+              </a:solidFill>
+              <a:effectLst/>
+              <a:latin typeface="Menlo" panose="020B0609030804020204" pitchFamily="49" charset="0"/>
+              <a:ea typeface="Menlo" panose="020B0609030804020204" pitchFamily="49" charset="0"/>
+              <a:cs typeface="Menlo" panose="020B0609030804020204" pitchFamily="49" charset="0"/>
+            </a:endParaRPr>
+          </a:p>
+          <a:p>
+            <a:r>
+              <a:rPr lang="en-GB" sz="1600" dirty="0">
+                <a:solidFill>
+                  <a:srgbClr val="8C8C8C"/>
+                </a:solidFill>
+                <a:latin typeface="Menlo" panose="020B0609030804020204" pitchFamily="49" charset="0"/>
+                <a:ea typeface="Menlo" panose="020B0609030804020204" pitchFamily="49" charset="0"/>
+                <a:cs typeface="Menlo" panose="020B0609030804020204" pitchFamily="49" charset="0"/>
+              </a:rPr>
+              <a:t>Deduce(</a:t>
+            </a:r>
+            <a:r>
+              <a:rPr lang="en-DK" sz="1600" dirty="0">
+                <a:solidFill>
+                  <a:srgbClr val="080808"/>
+                </a:solidFill>
+                <a:latin typeface="Menlo" panose="020B0609030804020204" pitchFamily="49" charset="0"/>
+                <a:ea typeface="Menlo" panose="020B0609030804020204" pitchFamily="49" charset="0"/>
+                <a:cs typeface="Menlo" panose="020B0609030804020204" pitchFamily="49" charset="0"/>
+              </a:rPr>
+              <a:t>⊢ </a:t>
+            </a:r>
+            <a:r>
+              <a:rPr lang="en-DK" sz="1600" dirty="0">
+                <a:solidFill>
+                  <a:srgbClr val="0070C0"/>
+                </a:solidFill>
+                <a:latin typeface="Menlo" panose="020B0609030804020204" pitchFamily="49" charset="0"/>
+                <a:ea typeface="Menlo" panose="020B0609030804020204" pitchFamily="49" charset="0"/>
+                <a:cs typeface="Menlo" panose="020B0609030804020204" pitchFamily="49" charset="0"/>
+              </a:rPr>
+              <a:t>I</a:t>
+            </a:r>
+            <a:r>
+              <a:rPr lang="en-GB" sz="1600" dirty="0">
+                <a:solidFill>
+                  <a:srgbClr val="8C8C8C"/>
+                </a:solidFill>
+                <a:latin typeface="Menlo" panose="020B0609030804020204" pitchFamily="49" charset="0"/>
+                <a:ea typeface="Menlo" panose="020B0609030804020204" pitchFamily="49" charset="0"/>
+                <a:cs typeface="Menlo" panose="020B0609030804020204" pitchFamily="49" charset="0"/>
+              </a:rPr>
+              <a:t>)</a:t>
+            </a:r>
+            <a:br>
+              <a:rPr lang="en-GB" sz="1600" dirty="0">
+                <a:solidFill>
+                  <a:srgbClr val="8C8C8C"/>
+                </a:solidFill>
+                <a:effectLst/>
+                <a:latin typeface="Menlo" panose="020B0609030804020204" pitchFamily="49" charset="0"/>
+                <a:ea typeface="Menlo" panose="020B0609030804020204" pitchFamily="49" charset="0"/>
+                <a:cs typeface="Menlo" panose="020B0609030804020204" pitchFamily="49" charset="0"/>
+              </a:rPr>
+            </a:br>
+            <a:r>
+              <a:rPr lang="en-GB" sz="1600" dirty="0">
+                <a:solidFill>
+                  <a:srgbClr val="0033B3"/>
+                </a:solidFill>
+                <a:effectLst/>
+                <a:latin typeface="Menlo" panose="020B0609030804020204" pitchFamily="49" charset="0"/>
+                <a:ea typeface="Menlo" panose="020B0609030804020204" pitchFamily="49" charset="0"/>
+                <a:cs typeface="Menlo" panose="020B0609030804020204" pitchFamily="49" charset="0"/>
+              </a:rPr>
+              <a:t>while </a:t>
+            </a:r>
+            <a:r>
+              <a:rPr lang="en-GB" sz="1600" dirty="0">
+                <a:solidFill>
+                  <a:srgbClr val="080808"/>
+                </a:solidFill>
+                <a:effectLst/>
+                <a:latin typeface="Menlo" panose="020B0609030804020204" pitchFamily="49" charset="0"/>
+                <a:ea typeface="Menlo" panose="020B0609030804020204" pitchFamily="49" charset="0"/>
+                <a:cs typeface="Menlo" panose="020B0609030804020204" pitchFamily="49" charset="0"/>
+              </a:rPr>
+              <a:t>(</a:t>
+            </a:r>
+            <a:r>
+              <a:rPr lang="en-GB" sz="1600" dirty="0">
+                <a:solidFill>
+                  <a:srgbClr val="00B0F0"/>
+                </a:solidFill>
+                <a:effectLst/>
+                <a:latin typeface="Menlo" panose="020B0609030804020204" pitchFamily="49" charset="0"/>
+                <a:ea typeface="Menlo" panose="020B0609030804020204" pitchFamily="49" charset="0"/>
+                <a:cs typeface="Menlo" panose="020B0609030804020204" pitchFamily="49" charset="0"/>
+              </a:rPr>
+              <a:t>C</a:t>
+            </a:r>
+            <a:r>
+              <a:rPr lang="en-GB" sz="1600" dirty="0">
+                <a:solidFill>
+                  <a:srgbClr val="080808"/>
+                </a:solidFill>
+                <a:effectLst/>
+                <a:latin typeface="Menlo" panose="020B0609030804020204" pitchFamily="49" charset="0"/>
+                <a:ea typeface="Menlo" panose="020B0609030804020204" pitchFamily="49" charset="0"/>
+                <a:cs typeface="Menlo" panose="020B0609030804020204" pitchFamily="49" charset="0"/>
+              </a:rPr>
+              <a:t>) {</a:t>
+            </a:r>
+          </a:p>
+          <a:p>
+            <a:r>
+              <a:rPr lang="en-GB" sz="1600" dirty="0">
+                <a:solidFill>
+                  <a:srgbClr val="8C8C8C"/>
+                </a:solidFill>
+                <a:effectLst/>
+                <a:latin typeface="Menlo" panose="020B0609030804020204" pitchFamily="49" charset="0"/>
+                <a:ea typeface="Menlo" panose="020B0609030804020204" pitchFamily="49" charset="0"/>
+                <a:cs typeface="Menlo" panose="020B0609030804020204" pitchFamily="49" charset="0"/>
+              </a:rPr>
+              <a:t>  </a:t>
+            </a:r>
+            <a:r>
+              <a:rPr lang="en-GB" sz="1600" dirty="0">
+                <a:effectLst/>
+                <a:latin typeface="Menlo" panose="020B0609030804020204" pitchFamily="49" charset="0"/>
+                <a:ea typeface="Menlo" panose="020B0609030804020204" pitchFamily="49" charset="0"/>
+                <a:cs typeface="Menlo" panose="020B0609030804020204" pitchFamily="49" charset="0"/>
+              </a:rPr>
+              <a:t>Invariant(</a:t>
+            </a:r>
+          </a:p>
+          <a:p>
+            <a:r>
+              <a:rPr lang="en-GB" sz="1600" dirty="0">
+                <a:solidFill>
+                  <a:srgbClr val="8C8C8C"/>
+                </a:solidFill>
+                <a:effectLst/>
+                <a:latin typeface="Menlo" panose="020B0609030804020204" pitchFamily="49" charset="0"/>
+                <a:ea typeface="Menlo" panose="020B0609030804020204" pitchFamily="49" charset="0"/>
+                <a:cs typeface="Menlo" panose="020B0609030804020204" pitchFamily="49" charset="0"/>
+              </a:rPr>
+              <a:t>    </a:t>
+            </a:r>
+            <a:r>
+              <a:rPr lang="en-GB" sz="1600" dirty="0">
+                <a:effectLst/>
+                <a:latin typeface="Menlo" panose="020B0609030804020204" pitchFamily="49" charset="0"/>
+                <a:ea typeface="Menlo" panose="020B0609030804020204" pitchFamily="49" charset="0"/>
+                <a:cs typeface="Menlo" panose="020B0609030804020204" pitchFamily="49" charset="0"/>
+              </a:rPr>
+              <a:t>Modifies(</a:t>
+            </a:r>
+            <a:r>
+              <a:rPr lang="en-GB" sz="1600" dirty="0">
+                <a:solidFill>
+                  <a:srgbClr val="8C8C8C"/>
+                </a:solidFill>
+                <a:effectLst/>
+                <a:latin typeface="Menlo" panose="020B0609030804020204" pitchFamily="49" charset="0"/>
+                <a:ea typeface="Menlo" panose="020B0609030804020204" pitchFamily="49" charset="0"/>
+                <a:cs typeface="Menlo" panose="020B0609030804020204" pitchFamily="49" charset="0"/>
+              </a:rPr>
+              <a:t>list of variables</a:t>
+            </a:r>
+            <a:r>
+              <a:rPr lang="en-GB" sz="1600" dirty="0">
+                <a:effectLst/>
+                <a:latin typeface="Menlo" panose="020B0609030804020204" pitchFamily="49" charset="0"/>
+                <a:ea typeface="Menlo" panose="020B0609030804020204" pitchFamily="49" charset="0"/>
+                <a:cs typeface="Menlo" panose="020B0609030804020204" pitchFamily="49" charset="0"/>
+              </a:rPr>
+              <a:t>)</a:t>
+            </a:r>
+            <a:r>
+              <a:rPr lang="en-GB" sz="1600" dirty="0">
+                <a:solidFill>
+                  <a:srgbClr val="8C8C8C"/>
+                </a:solidFill>
+                <a:effectLst/>
+                <a:latin typeface="Menlo" panose="020B0609030804020204" pitchFamily="49" charset="0"/>
+                <a:ea typeface="Menlo" panose="020B0609030804020204" pitchFamily="49" charset="0"/>
+                <a:cs typeface="Menlo" panose="020B0609030804020204" pitchFamily="49" charset="0"/>
+              </a:rPr>
+              <a:t>,</a:t>
+            </a:r>
+          </a:p>
+          <a:p>
+            <a:r>
+              <a:rPr lang="en-GB" sz="1600" dirty="0">
+                <a:solidFill>
+                  <a:srgbClr val="8C8C8C"/>
+                </a:solidFill>
+                <a:effectLst/>
+                <a:latin typeface="Menlo" panose="020B0609030804020204" pitchFamily="49" charset="0"/>
+                <a:ea typeface="Menlo" panose="020B0609030804020204" pitchFamily="49" charset="0"/>
+                <a:cs typeface="Menlo" panose="020B0609030804020204" pitchFamily="49" charset="0"/>
+              </a:rPr>
+              <a:t>    </a:t>
+            </a:r>
+            <a:r>
+              <a:rPr lang="en-GB" sz="1600" dirty="0">
+                <a:solidFill>
+                  <a:srgbClr val="0070C0"/>
+                </a:solidFill>
+                <a:effectLst/>
+                <a:latin typeface="Menlo" panose="020B0609030804020204" pitchFamily="49" charset="0"/>
+                <a:ea typeface="Menlo" panose="020B0609030804020204" pitchFamily="49" charset="0"/>
+                <a:cs typeface="Menlo" panose="020B0609030804020204" pitchFamily="49" charset="0"/>
+              </a:rPr>
+              <a:t>I</a:t>
+            </a:r>
+          </a:p>
+          <a:p>
+            <a:r>
+              <a:rPr lang="en-GB" sz="1600" dirty="0">
+                <a:effectLst/>
+                <a:latin typeface="Menlo" panose="020B0609030804020204" pitchFamily="49" charset="0"/>
+                <a:ea typeface="Menlo" panose="020B0609030804020204" pitchFamily="49" charset="0"/>
+                <a:cs typeface="Menlo" panose="020B0609030804020204" pitchFamily="49" charset="0"/>
+              </a:rPr>
+              <a:t>  )</a:t>
+            </a:r>
+          </a:p>
+          <a:p>
+            <a:r>
+              <a:rPr lang="en-GB" sz="1600" dirty="0">
+                <a:solidFill>
+                  <a:srgbClr val="8C8C8C"/>
+                </a:solidFill>
+                <a:effectLst/>
+                <a:latin typeface="Menlo" panose="020B0609030804020204" pitchFamily="49" charset="0"/>
+                <a:ea typeface="Menlo" panose="020B0609030804020204" pitchFamily="49" charset="0"/>
+                <a:cs typeface="Menlo" panose="020B0609030804020204" pitchFamily="49" charset="0"/>
+              </a:rPr>
+              <a:t>  …</a:t>
+            </a:r>
+          </a:p>
+          <a:p>
+            <a:r>
+              <a:rPr lang="en-GB" sz="1600" dirty="0">
+                <a:solidFill>
+                  <a:srgbClr val="080808"/>
+                </a:solidFill>
+                <a:effectLst/>
+                <a:latin typeface="Menlo" panose="020B0609030804020204" pitchFamily="49" charset="0"/>
+                <a:ea typeface="Menlo" panose="020B0609030804020204" pitchFamily="49" charset="0"/>
+                <a:cs typeface="Menlo" panose="020B0609030804020204" pitchFamily="49" charset="0"/>
+              </a:rPr>
+              <a:t>}</a:t>
+            </a:r>
+            <a:br>
+              <a:rPr lang="en-GB" sz="1600" dirty="0">
+                <a:solidFill>
+                  <a:srgbClr val="080808"/>
+                </a:solidFill>
+                <a:effectLst/>
+                <a:latin typeface="Menlo" panose="020B0609030804020204" pitchFamily="49" charset="0"/>
+                <a:ea typeface="Menlo" panose="020B0609030804020204" pitchFamily="49" charset="0"/>
+                <a:cs typeface="Menlo" panose="020B0609030804020204" pitchFamily="49" charset="0"/>
+              </a:rPr>
+            </a:br>
+            <a:r>
+              <a:rPr lang="en-GB" sz="1600" dirty="0">
+                <a:solidFill>
+                  <a:srgbClr val="8C8C8C"/>
+                </a:solidFill>
+                <a:effectLst/>
+                <a:latin typeface="Menlo" panose="020B0609030804020204" pitchFamily="49" charset="0"/>
+                <a:ea typeface="Menlo" panose="020B0609030804020204" pitchFamily="49" charset="0"/>
+                <a:cs typeface="Menlo" panose="020B0609030804020204" pitchFamily="49" charset="0"/>
+              </a:rPr>
+              <a:t>Deduce</a:t>
+            </a:r>
+            <a:r>
+              <a:rPr lang="en-GB" sz="1600" dirty="0">
+                <a:solidFill>
+                  <a:srgbClr val="8C8C8C"/>
+                </a:solidFill>
+                <a:latin typeface="Menlo" panose="020B0609030804020204" pitchFamily="49" charset="0"/>
+                <a:ea typeface="Menlo" panose="020B0609030804020204" pitchFamily="49" charset="0"/>
+                <a:cs typeface="Menlo" panose="020B0609030804020204" pitchFamily="49" charset="0"/>
+              </a:rPr>
+              <a:t>(</a:t>
+            </a:r>
+            <a:r>
+              <a:rPr lang="en-DK" sz="1600" dirty="0">
+                <a:solidFill>
+                  <a:srgbClr val="080808"/>
+                </a:solidFill>
+                <a:latin typeface="Menlo" panose="020B0609030804020204" pitchFamily="49" charset="0"/>
+                <a:ea typeface="Menlo" panose="020B0609030804020204" pitchFamily="49" charset="0"/>
+                <a:cs typeface="Menlo" panose="020B0609030804020204" pitchFamily="49" charset="0"/>
+              </a:rPr>
+              <a:t>⊢ </a:t>
+            </a:r>
+            <a:r>
+              <a:rPr lang="en-DK" sz="1600" dirty="0">
+                <a:solidFill>
+                  <a:srgbClr val="0070C0"/>
+                </a:solidFill>
+                <a:latin typeface="Menlo" panose="020B0609030804020204" pitchFamily="49" charset="0"/>
+                <a:ea typeface="Menlo" panose="020B0609030804020204" pitchFamily="49" charset="0"/>
+                <a:cs typeface="Menlo" panose="020B0609030804020204" pitchFamily="49" charset="0"/>
+              </a:rPr>
+              <a:t>I </a:t>
+            </a:r>
+            <a:r>
+              <a:rPr lang="en-DK" sz="1600" dirty="0">
+                <a:solidFill>
+                  <a:srgbClr val="080808"/>
+                </a:solidFill>
+                <a:latin typeface="Menlo" panose="020B0609030804020204" pitchFamily="49" charset="0"/>
+                <a:ea typeface="Menlo" panose="020B0609030804020204" pitchFamily="49" charset="0"/>
+                <a:cs typeface="Menlo" panose="020B0609030804020204" pitchFamily="49" charset="0"/>
+              </a:rPr>
+              <a:t>∧ ¬</a:t>
+            </a:r>
+            <a:r>
+              <a:rPr lang="en-DK" sz="1600" dirty="0">
+                <a:solidFill>
+                  <a:srgbClr val="0070C0"/>
+                </a:solidFill>
+                <a:latin typeface="Menlo" panose="020B0609030804020204" pitchFamily="49" charset="0"/>
+                <a:ea typeface="Menlo" panose="020B0609030804020204" pitchFamily="49" charset="0"/>
+                <a:cs typeface="Menlo" panose="020B0609030804020204" pitchFamily="49" charset="0"/>
+              </a:rPr>
+              <a:t>C</a:t>
+            </a:r>
+            <a:r>
+              <a:rPr lang="en-GB" sz="1600" dirty="0">
+                <a:solidFill>
+                  <a:srgbClr val="8C8C8C"/>
+                </a:solidFill>
+                <a:latin typeface="Menlo" panose="020B0609030804020204" pitchFamily="49" charset="0"/>
+                <a:ea typeface="Menlo" panose="020B0609030804020204" pitchFamily="49" charset="0"/>
+                <a:cs typeface="Menlo" panose="020B0609030804020204" pitchFamily="49" charset="0"/>
+              </a:rPr>
+              <a:t>)</a:t>
+            </a:r>
+          </a:p>
+          <a:p>
+            <a:r>
+              <a:rPr lang="en-GB" sz="1600" dirty="0">
+                <a:solidFill>
+                  <a:srgbClr val="8C8C8C"/>
+                </a:solidFill>
+                <a:effectLst/>
+                <a:latin typeface="Menlo" panose="020B0609030804020204" pitchFamily="49" charset="0"/>
+                <a:ea typeface="Menlo" panose="020B0609030804020204" pitchFamily="49" charset="0"/>
+                <a:cs typeface="Menlo" panose="020B0609030804020204" pitchFamily="49" charset="0"/>
+              </a:rPr>
+              <a:t>…</a:t>
+            </a:r>
+          </a:p>
+          <a:p>
+            <a:r>
+              <a:rPr lang="en-GB" sz="1600" dirty="0">
+                <a:solidFill>
+                  <a:schemeClr val="tx2">
+                    <a:lumMod val="60000"/>
+                    <a:lumOff val="40000"/>
+                  </a:schemeClr>
+                </a:solidFill>
+                <a:effectLst/>
+                <a:latin typeface="Menlo" panose="020B0609030804020204" pitchFamily="49" charset="0"/>
+                <a:ea typeface="Menlo" panose="020B0609030804020204" pitchFamily="49" charset="0"/>
+                <a:cs typeface="Menlo" panose="020B0609030804020204" pitchFamily="49" charset="0"/>
+              </a:rPr>
+              <a:t>// Deduce post-condition</a:t>
+            </a:r>
+            <a:r>
+              <a:rPr lang="en-GB" sz="1600" dirty="0">
+                <a:solidFill>
+                  <a:srgbClr val="8C8C8C"/>
+                </a:solidFill>
+                <a:effectLst/>
+                <a:latin typeface="Menlo" panose="020B0609030804020204" pitchFamily="49" charset="0"/>
+                <a:ea typeface="Menlo" panose="020B0609030804020204" pitchFamily="49" charset="0"/>
+                <a:cs typeface="Menlo" panose="020B0609030804020204" pitchFamily="49" charset="0"/>
+              </a:rPr>
+              <a:t> (</a:t>
+            </a:r>
+            <a:r>
+              <a:rPr lang="en-GB" sz="1600" dirty="0">
+                <a:solidFill>
+                  <a:srgbClr val="FF0000"/>
+                </a:solidFill>
+                <a:effectLst/>
+                <a:latin typeface="Menlo" panose="020B0609030804020204" pitchFamily="49" charset="0"/>
+                <a:ea typeface="Menlo" panose="020B0609030804020204" pitchFamily="49" charset="0"/>
+                <a:cs typeface="Menlo" panose="020B0609030804020204" pitchFamily="49" charset="0"/>
+              </a:rPr>
+              <a:t>proof obligation</a:t>
+            </a:r>
+            <a:r>
+              <a:rPr lang="en-GB" sz="1600" dirty="0">
+                <a:solidFill>
+                  <a:srgbClr val="8C8C8C"/>
+                </a:solidFill>
+                <a:effectLst/>
+                <a:latin typeface="Menlo" panose="020B0609030804020204" pitchFamily="49" charset="0"/>
+                <a:ea typeface="Menlo" panose="020B0609030804020204" pitchFamily="49" charset="0"/>
+                <a:cs typeface="Menlo" panose="020B0609030804020204" pitchFamily="49" charset="0"/>
+              </a:rPr>
+              <a:t>)</a:t>
+            </a:r>
+          </a:p>
+        </p:txBody>
+      </p:sp>
+    </p:spTree>
+    <p:extLst>
+      <p:ext uri="{BB962C8B-B14F-4D97-AF65-F5344CB8AC3E}">
+        <p14:creationId xmlns:p14="http://schemas.microsoft.com/office/powerpoint/2010/main" val="74946591"/>
+      </p:ext>
+    </p:extLst>
+  </p:cSld>
+  <p:clrMapOvr>
+    <a:masterClrMapping/>
+  </p:clrMapOvr>
+</p:sld>
+</file>
+
+<file path=ppt/slides/slide9.xml><?xml version="1.0" encoding="utf-8"?>
+<p:sld xmlns:a="http://schemas.openxmlformats.org/drawingml/2006/main" xmlns:r="http://schemas.openxmlformats.org/officeDocument/2006/relationships" xmlns:p="http://schemas.openxmlformats.org/presentationml/2006/main">
+  <p:cSld>
+    <p:spTree>
+      <p:nvGrpSpPr>
+        <p:cNvPr id="1" name="">
+          <a:extLst>
+            <a:ext uri="{FF2B5EF4-FFF2-40B4-BE49-F238E27FC236}">
+              <a16:creationId xmlns:a16="http://schemas.microsoft.com/office/drawing/2014/main" id="{E5192C68-0298-F392-8D23-562C0185A082}"/>
+            </a:ext>
+          </a:extLst>
+        </p:cNvPr>
+        <p:cNvGrpSpPr/>
+        <p:nvPr/>
+      </p:nvGrpSpPr>
+      <p:grpSpPr>
+        <a:xfrm>
+          <a:off x="0" y="0"/>
+          <a:ext cx="0" cy="0"/>
+          <a:chOff x="0" y="0"/>
+          <a:chExt cx="0" cy="0"/>
+        </a:xfrm>
+      </p:grpSpPr>
+      <p:sp>
+        <p:nvSpPr>
+          <p:cNvPr id="2" name="Title 1">
+            <a:extLst>
+              <a:ext uri="{FF2B5EF4-FFF2-40B4-BE49-F238E27FC236}">
+                <a16:creationId xmlns:a16="http://schemas.microsoft.com/office/drawing/2014/main" id="{BD14C9BA-377C-4CCC-0ADE-AA7D3B3F8E42}"/>
+              </a:ext>
+            </a:extLst>
+          </p:cNvPr>
+          <p:cNvSpPr>
+            <a:spLocks noGrp="1"/>
+          </p:cNvSpPr>
+          <p:nvPr>
+            <p:ph type="title"/>
+          </p:nvPr>
+        </p:nvSpPr>
+        <p:spPr/>
+        <p:txBody>
+          <a:bodyPr/>
+          <a:lstStyle/>
+          <a:p>
+            <a:r>
+              <a:rPr lang="en-US" sz="3600" dirty="0"/>
+              <a:t>While Loops</a:t>
+            </a:r>
+          </a:p>
+        </p:txBody>
+      </p:sp>
+      <p:sp>
+        <p:nvSpPr>
+          <p:cNvPr id="128" name="Slide Number Placeholder 127">
+            <a:extLst>
+              <a:ext uri="{FF2B5EF4-FFF2-40B4-BE49-F238E27FC236}">
+                <a16:creationId xmlns:a16="http://schemas.microsoft.com/office/drawing/2014/main" id="{54481488-79D0-2854-4CA5-B46AE64F9616}"/>
+              </a:ext>
+            </a:extLst>
+          </p:cNvPr>
+          <p:cNvSpPr>
+            <a:spLocks noGrp="1"/>
+          </p:cNvSpPr>
+          <p:nvPr>
+            <p:ph type="sldNum" sz="quarter" idx="11"/>
+          </p:nvPr>
+        </p:nvSpPr>
+        <p:spPr/>
+        <p:txBody>
+          <a:bodyPr/>
+          <a:lstStyle/>
+          <a:p>
+            <a:pPr>
+              <a:defRPr/>
+            </a:pPr>
+            <a:fld id="{6E0AA622-F4CE-604D-A669-CD3D12FC535C}" type="slidenum">
+              <a:rPr lang="en-US" smtClean="0"/>
+              <a:pPr>
+                <a:defRPr/>
+              </a:pPr>
+              <a:t>9</a:t>
+            </a:fld>
+            <a:endParaRPr lang="en-US" dirty="0"/>
+          </a:p>
+        </p:txBody>
+      </p:sp>
+      <p:sp>
+        <p:nvSpPr>
+          <p:cNvPr id="3" name="TextBox 2">
+            <a:extLst>
+              <a:ext uri="{FF2B5EF4-FFF2-40B4-BE49-F238E27FC236}">
+                <a16:creationId xmlns:a16="http://schemas.microsoft.com/office/drawing/2014/main" id="{7FFBCBB1-02A3-9437-85DA-19ACB5E1C228}"/>
+              </a:ext>
+            </a:extLst>
+          </p:cNvPr>
+          <p:cNvSpPr txBox="1"/>
+          <p:nvPr/>
+        </p:nvSpPr>
+        <p:spPr>
+          <a:xfrm>
+            <a:off x="381000" y="1158925"/>
+            <a:ext cx="8016766" cy="338554"/>
+          </a:xfrm>
+          <a:prstGeom prst="rect">
+            <a:avLst/>
+          </a:prstGeom>
+          <a:gradFill flip="none" rotWithShape="1">
+            <a:gsLst>
+              <a:gs pos="0">
+                <a:schemeClr val="bg1"/>
+              </a:gs>
+              <a:gs pos="74000">
+                <a:srgbClr val="FFE267"/>
+              </a:gs>
+              <a:gs pos="83000">
+                <a:srgbClr val="FFE267"/>
+              </a:gs>
+              <a:gs pos="100000">
+                <a:srgbClr val="FFE267"/>
+              </a:gs>
+            </a:gsLst>
+            <a:lin ang="10800000" scaled="1"/>
+            <a:tileRect/>
+          </a:gradFill>
+        </p:spPr>
+        <p:txBody>
+          <a:bodyPr wrap="square" rtlCol="0">
+            <a:spAutoFit/>
+          </a:bodyPr>
+          <a:lstStyle/>
+          <a:p>
+            <a:r>
+              <a:rPr lang="en-US" sz="1600" dirty="0"/>
+              <a:t>Example: Factorial function</a:t>
+            </a:r>
+          </a:p>
+        </p:txBody>
+      </p:sp>
+      <p:sp>
+        <p:nvSpPr>
+          <p:cNvPr id="4" name="TextBox 3">
+            <a:extLst>
+              <a:ext uri="{FF2B5EF4-FFF2-40B4-BE49-F238E27FC236}">
+                <a16:creationId xmlns:a16="http://schemas.microsoft.com/office/drawing/2014/main" id="{856B35DE-989D-9275-6E07-37441F6FBCB3}"/>
+              </a:ext>
+            </a:extLst>
+          </p:cNvPr>
+          <p:cNvSpPr txBox="1"/>
+          <p:nvPr/>
+        </p:nvSpPr>
+        <p:spPr>
+          <a:xfrm>
+            <a:off x="549166" y="1697872"/>
+            <a:ext cx="8290034" cy="1077218"/>
+          </a:xfrm>
+          <a:prstGeom prst="rect">
+            <a:avLst/>
+          </a:prstGeom>
+          <a:noFill/>
+        </p:spPr>
+        <p:txBody>
+          <a:bodyPr wrap="square" rtlCol="0">
+            <a:spAutoFit/>
+          </a:bodyPr>
+          <a:lstStyle/>
+          <a:p>
+            <a:r>
+              <a:rPr lang="en-GB" sz="1600" dirty="0">
+                <a:solidFill>
+                  <a:srgbClr val="9E880D"/>
+                </a:solidFill>
+                <a:effectLst/>
+                <a:latin typeface="Menlo" panose="020B0609030804020204" pitchFamily="49" charset="0"/>
+                <a:ea typeface="Menlo" panose="020B0609030804020204" pitchFamily="49" charset="0"/>
+                <a:cs typeface="Menlo" panose="020B0609030804020204" pitchFamily="49" charset="0"/>
+              </a:rPr>
+              <a:t>@</a:t>
+            </a:r>
+            <a:r>
+              <a:rPr lang="en-GB" sz="1600" dirty="0" err="1">
+                <a:solidFill>
+                  <a:srgbClr val="9E880D"/>
+                </a:solidFill>
+                <a:effectLst/>
+                <a:latin typeface="Menlo" panose="020B0609030804020204" pitchFamily="49" charset="0"/>
+                <a:ea typeface="Menlo" panose="020B0609030804020204" pitchFamily="49" charset="0"/>
+                <a:cs typeface="Menlo" panose="020B0609030804020204" pitchFamily="49" charset="0"/>
+              </a:rPr>
+              <a:t>strictpure</a:t>
+            </a:r>
+            <a:r>
+              <a:rPr lang="en-GB" sz="1600" dirty="0">
+                <a:solidFill>
+                  <a:srgbClr val="9E880D"/>
+                </a:solidFill>
+                <a:effectLst/>
+                <a:latin typeface="Menlo" panose="020B0609030804020204" pitchFamily="49" charset="0"/>
+                <a:ea typeface="Menlo" panose="020B0609030804020204" pitchFamily="49" charset="0"/>
+                <a:cs typeface="Menlo" panose="020B0609030804020204" pitchFamily="49" charset="0"/>
+              </a:rPr>
+              <a:t> </a:t>
+            </a:r>
+            <a:r>
+              <a:rPr lang="en-GB" sz="1600" dirty="0">
+                <a:solidFill>
+                  <a:srgbClr val="0033B3"/>
+                </a:solidFill>
+                <a:effectLst/>
+                <a:latin typeface="Menlo" panose="020B0609030804020204" pitchFamily="49" charset="0"/>
+                <a:ea typeface="Menlo" panose="020B0609030804020204" pitchFamily="49" charset="0"/>
+                <a:cs typeface="Menlo" panose="020B0609030804020204" pitchFamily="49" charset="0"/>
+              </a:rPr>
+              <a:t>def </a:t>
+            </a:r>
+            <a:r>
+              <a:rPr lang="en-GB" sz="1600" dirty="0" err="1">
+                <a:solidFill>
+                  <a:srgbClr val="00627A"/>
+                </a:solidFill>
+                <a:effectLst/>
+                <a:latin typeface="Menlo" panose="020B0609030804020204" pitchFamily="49" charset="0"/>
+                <a:ea typeface="Menlo" panose="020B0609030804020204" pitchFamily="49" charset="0"/>
+                <a:cs typeface="Menlo" panose="020B0609030804020204" pitchFamily="49" charset="0"/>
+              </a:rPr>
+              <a:t>fac_spec</a:t>
+            </a:r>
+            <a:r>
+              <a:rPr lang="en-GB" sz="1600" dirty="0">
+                <a:solidFill>
+                  <a:srgbClr val="080808"/>
+                </a:solidFill>
+                <a:effectLst/>
+                <a:latin typeface="Menlo" panose="020B0609030804020204" pitchFamily="49" charset="0"/>
+                <a:ea typeface="Menlo" panose="020B0609030804020204" pitchFamily="49" charset="0"/>
+                <a:cs typeface="Menlo" panose="020B0609030804020204" pitchFamily="49" charset="0"/>
+              </a:rPr>
+              <a:t>(</a:t>
+            </a:r>
+            <a:r>
+              <a:rPr lang="en-GB" sz="1600" dirty="0">
+                <a:solidFill>
+                  <a:srgbClr val="000000"/>
+                </a:solidFill>
+                <a:effectLst/>
+                <a:latin typeface="Menlo" panose="020B0609030804020204" pitchFamily="49" charset="0"/>
+                <a:ea typeface="Menlo" panose="020B0609030804020204" pitchFamily="49" charset="0"/>
+                <a:cs typeface="Menlo" panose="020B0609030804020204" pitchFamily="49" charset="0"/>
+              </a:rPr>
+              <a:t>n</a:t>
+            </a:r>
+            <a:r>
+              <a:rPr lang="en-GB" sz="1600" dirty="0">
+                <a:solidFill>
+                  <a:srgbClr val="080808"/>
+                </a:solidFill>
+                <a:effectLst/>
+                <a:latin typeface="Menlo" panose="020B0609030804020204" pitchFamily="49" charset="0"/>
+                <a:ea typeface="Menlo" panose="020B0609030804020204" pitchFamily="49" charset="0"/>
+                <a:cs typeface="Menlo" panose="020B0609030804020204" pitchFamily="49" charset="0"/>
+              </a:rPr>
+              <a:t>: </a:t>
+            </a:r>
+            <a:r>
+              <a:rPr lang="en-GB" sz="1600" dirty="0">
+                <a:solidFill>
+                  <a:srgbClr val="000000"/>
+                </a:solidFill>
+                <a:effectLst/>
+                <a:latin typeface="Menlo" panose="020B0609030804020204" pitchFamily="49" charset="0"/>
+                <a:ea typeface="Menlo" panose="020B0609030804020204" pitchFamily="49" charset="0"/>
+                <a:cs typeface="Menlo" panose="020B0609030804020204" pitchFamily="49" charset="0"/>
+              </a:rPr>
+              <a:t>Z</a:t>
+            </a:r>
+            <a:r>
+              <a:rPr lang="en-GB" sz="1600" dirty="0">
+                <a:solidFill>
+                  <a:srgbClr val="080808"/>
+                </a:solidFill>
+                <a:effectLst/>
+                <a:latin typeface="Menlo" panose="020B0609030804020204" pitchFamily="49" charset="0"/>
+                <a:ea typeface="Menlo" panose="020B0609030804020204" pitchFamily="49" charset="0"/>
+                <a:cs typeface="Menlo" panose="020B0609030804020204" pitchFamily="49" charset="0"/>
+              </a:rPr>
+              <a:t>): </a:t>
+            </a:r>
+            <a:r>
+              <a:rPr lang="en-GB" sz="1600" dirty="0">
+                <a:solidFill>
+                  <a:srgbClr val="000000"/>
+                </a:solidFill>
+                <a:effectLst/>
+                <a:latin typeface="Menlo" panose="020B0609030804020204" pitchFamily="49" charset="0"/>
+                <a:ea typeface="Menlo" panose="020B0609030804020204" pitchFamily="49" charset="0"/>
+                <a:cs typeface="Menlo" panose="020B0609030804020204" pitchFamily="49" charset="0"/>
+              </a:rPr>
+              <a:t>Z </a:t>
+            </a:r>
+            <a:r>
+              <a:rPr lang="en-GB" sz="1600" dirty="0">
+                <a:solidFill>
+                  <a:srgbClr val="080808"/>
+                </a:solidFill>
+                <a:effectLst/>
+                <a:latin typeface="Menlo" panose="020B0609030804020204" pitchFamily="49" charset="0"/>
+                <a:ea typeface="Menlo" panose="020B0609030804020204" pitchFamily="49" charset="0"/>
+                <a:cs typeface="Menlo" panose="020B0609030804020204" pitchFamily="49" charset="0"/>
+              </a:rPr>
+              <a:t>= </a:t>
+            </a:r>
+            <a:r>
+              <a:rPr lang="en-GB" sz="1600" dirty="0">
+                <a:solidFill>
+                  <a:srgbClr val="000000"/>
+                </a:solidFill>
+                <a:effectLst/>
+                <a:latin typeface="Menlo" panose="020B0609030804020204" pitchFamily="49" charset="0"/>
+                <a:ea typeface="Menlo" panose="020B0609030804020204" pitchFamily="49" charset="0"/>
+                <a:cs typeface="Menlo" panose="020B0609030804020204" pitchFamily="49" charset="0"/>
+              </a:rPr>
+              <a:t>n </a:t>
+            </a:r>
+            <a:r>
+              <a:rPr lang="en-GB" sz="1600" dirty="0">
+                <a:solidFill>
+                  <a:srgbClr val="0033B3"/>
+                </a:solidFill>
+                <a:effectLst/>
+                <a:latin typeface="Menlo" panose="020B0609030804020204" pitchFamily="49" charset="0"/>
+                <a:ea typeface="Menlo" panose="020B0609030804020204" pitchFamily="49" charset="0"/>
+                <a:cs typeface="Menlo" panose="020B0609030804020204" pitchFamily="49" charset="0"/>
+              </a:rPr>
+              <a:t>match </a:t>
+            </a:r>
+            <a:r>
+              <a:rPr lang="en-GB" sz="1600" dirty="0">
+                <a:solidFill>
+                  <a:srgbClr val="080808"/>
+                </a:solidFill>
+                <a:effectLst/>
+                <a:latin typeface="Menlo" panose="020B0609030804020204" pitchFamily="49" charset="0"/>
+                <a:ea typeface="Menlo" panose="020B0609030804020204" pitchFamily="49" charset="0"/>
+                <a:cs typeface="Menlo" panose="020B0609030804020204" pitchFamily="49" charset="0"/>
+              </a:rPr>
+              <a:t>{</a:t>
+            </a:r>
+            <a:br>
+              <a:rPr lang="en-GB" sz="1600" dirty="0">
+                <a:solidFill>
+                  <a:srgbClr val="080808"/>
+                </a:solidFill>
+                <a:effectLst/>
+                <a:latin typeface="Menlo" panose="020B0609030804020204" pitchFamily="49" charset="0"/>
+                <a:ea typeface="Menlo" panose="020B0609030804020204" pitchFamily="49" charset="0"/>
+                <a:cs typeface="Menlo" panose="020B0609030804020204" pitchFamily="49" charset="0"/>
+              </a:rPr>
+            </a:br>
+            <a:r>
+              <a:rPr lang="en-GB" sz="1600" dirty="0">
+                <a:solidFill>
+                  <a:srgbClr val="080808"/>
+                </a:solidFill>
+                <a:effectLst/>
+                <a:latin typeface="Menlo" panose="020B0609030804020204" pitchFamily="49" charset="0"/>
+                <a:ea typeface="Menlo" panose="020B0609030804020204" pitchFamily="49" charset="0"/>
+                <a:cs typeface="Menlo" panose="020B0609030804020204" pitchFamily="49" charset="0"/>
+              </a:rPr>
+              <a:t>  </a:t>
+            </a:r>
+            <a:r>
+              <a:rPr lang="en-GB" sz="1600" dirty="0">
+                <a:solidFill>
+                  <a:srgbClr val="0033B3"/>
+                </a:solidFill>
+                <a:effectLst/>
+                <a:latin typeface="Menlo" panose="020B0609030804020204" pitchFamily="49" charset="0"/>
+                <a:ea typeface="Menlo" panose="020B0609030804020204" pitchFamily="49" charset="0"/>
+                <a:cs typeface="Menlo" panose="020B0609030804020204" pitchFamily="49" charset="0"/>
+              </a:rPr>
+              <a:t>case </a:t>
+            </a:r>
+            <a:r>
+              <a:rPr lang="en-GB" sz="1600" dirty="0">
+                <a:solidFill>
+                  <a:srgbClr val="1750EB"/>
+                </a:solidFill>
+                <a:effectLst/>
+                <a:latin typeface="Menlo" panose="020B0609030804020204" pitchFamily="49" charset="0"/>
+                <a:ea typeface="Menlo" panose="020B0609030804020204" pitchFamily="49" charset="0"/>
+                <a:cs typeface="Menlo" panose="020B0609030804020204" pitchFamily="49" charset="0"/>
+              </a:rPr>
+              <a:t>0 </a:t>
+            </a:r>
+            <a:r>
+              <a:rPr lang="en-GB" sz="1600" dirty="0">
+                <a:solidFill>
+                  <a:srgbClr val="080808"/>
+                </a:solidFill>
+                <a:effectLst/>
+                <a:latin typeface="Menlo" panose="020B0609030804020204" pitchFamily="49" charset="0"/>
+                <a:ea typeface="Menlo" panose="020B0609030804020204" pitchFamily="49" charset="0"/>
+                <a:cs typeface="Menlo" panose="020B0609030804020204" pitchFamily="49" charset="0"/>
+              </a:rPr>
+              <a:t>=&gt; </a:t>
+            </a:r>
+            <a:r>
+              <a:rPr lang="en-GB" sz="1600" dirty="0">
+                <a:solidFill>
+                  <a:srgbClr val="1750EB"/>
+                </a:solidFill>
+                <a:effectLst/>
+                <a:latin typeface="Menlo" panose="020B0609030804020204" pitchFamily="49" charset="0"/>
+                <a:ea typeface="Menlo" panose="020B0609030804020204" pitchFamily="49" charset="0"/>
+                <a:cs typeface="Menlo" panose="020B0609030804020204" pitchFamily="49" charset="0"/>
+              </a:rPr>
+              <a:t>1</a:t>
+            </a:r>
+            <a:br>
+              <a:rPr lang="en-GB" sz="1600" dirty="0">
+                <a:solidFill>
+                  <a:srgbClr val="1750EB"/>
+                </a:solidFill>
+                <a:effectLst/>
+                <a:latin typeface="Menlo" panose="020B0609030804020204" pitchFamily="49" charset="0"/>
+                <a:ea typeface="Menlo" panose="020B0609030804020204" pitchFamily="49" charset="0"/>
+                <a:cs typeface="Menlo" panose="020B0609030804020204" pitchFamily="49" charset="0"/>
+              </a:rPr>
+            </a:br>
+            <a:r>
+              <a:rPr lang="en-GB" sz="1600" dirty="0">
+                <a:solidFill>
+                  <a:srgbClr val="1750EB"/>
+                </a:solidFill>
+                <a:effectLst/>
+                <a:latin typeface="Menlo" panose="020B0609030804020204" pitchFamily="49" charset="0"/>
+                <a:ea typeface="Menlo" panose="020B0609030804020204" pitchFamily="49" charset="0"/>
+                <a:cs typeface="Menlo" panose="020B0609030804020204" pitchFamily="49" charset="0"/>
+              </a:rPr>
+              <a:t>  </a:t>
+            </a:r>
+            <a:r>
+              <a:rPr lang="en-GB" sz="1600" dirty="0">
+                <a:solidFill>
+                  <a:srgbClr val="0033B3"/>
+                </a:solidFill>
+                <a:effectLst/>
+                <a:latin typeface="Menlo" panose="020B0609030804020204" pitchFamily="49" charset="0"/>
+                <a:ea typeface="Menlo" panose="020B0609030804020204" pitchFamily="49" charset="0"/>
+                <a:cs typeface="Menlo" panose="020B0609030804020204" pitchFamily="49" charset="0"/>
+              </a:rPr>
+              <a:t>case </a:t>
+            </a:r>
+            <a:r>
+              <a:rPr lang="en-GB" sz="1600" dirty="0">
+                <a:solidFill>
+                  <a:srgbClr val="000000"/>
+                </a:solidFill>
+                <a:effectLst/>
+                <a:latin typeface="Menlo" panose="020B0609030804020204" pitchFamily="49" charset="0"/>
+                <a:ea typeface="Menlo" panose="020B0609030804020204" pitchFamily="49" charset="0"/>
+                <a:cs typeface="Menlo" panose="020B0609030804020204" pitchFamily="49" charset="0"/>
+              </a:rPr>
+              <a:t>m </a:t>
+            </a:r>
+            <a:r>
+              <a:rPr lang="en-GB" sz="1600" dirty="0">
+                <a:solidFill>
+                  <a:srgbClr val="080808"/>
+                </a:solidFill>
+                <a:effectLst/>
+                <a:latin typeface="Menlo" panose="020B0609030804020204" pitchFamily="49" charset="0"/>
+                <a:ea typeface="Menlo" panose="020B0609030804020204" pitchFamily="49" charset="0"/>
+                <a:cs typeface="Menlo" panose="020B0609030804020204" pitchFamily="49" charset="0"/>
+              </a:rPr>
+              <a:t>=&gt; </a:t>
+            </a:r>
+            <a:r>
+              <a:rPr lang="en-GB" sz="1600" dirty="0">
+                <a:solidFill>
+                  <a:srgbClr val="000000"/>
+                </a:solidFill>
+                <a:effectLst/>
+                <a:latin typeface="Menlo" panose="020B0609030804020204" pitchFamily="49" charset="0"/>
+                <a:ea typeface="Menlo" panose="020B0609030804020204" pitchFamily="49" charset="0"/>
+                <a:cs typeface="Menlo" panose="020B0609030804020204" pitchFamily="49" charset="0"/>
+              </a:rPr>
+              <a:t>m </a:t>
+            </a:r>
+            <a:r>
+              <a:rPr lang="en-GB" sz="1600" dirty="0">
+                <a:solidFill>
+                  <a:srgbClr val="080808"/>
+                </a:solidFill>
+                <a:effectLst/>
+                <a:latin typeface="Menlo" panose="020B0609030804020204" pitchFamily="49" charset="0"/>
+                <a:ea typeface="Menlo" panose="020B0609030804020204" pitchFamily="49" charset="0"/>
+                <a:cs typeface="Menlo" panose="020B0609030804020204" pitchFamily="49" charset="0"/>
+              </a:rPr>
+              <a:t>* </a:t>
+            </a:r>
+            <a:r>
+              <a:rPr lang="en-GB" sz="1600" dirty="0" err="1">
+                <a:solidFill>
+                  <a:srgbClr val="080808"/>
+                </a:solidFill>
+                <a:effectLst/>
+                <a:latin typeface="Menlo" panose="020B0609030804020204" pitchFamily="49" charset="0"/>
+                <a:ea typeface="Menlo" panose="020B0609030804020204" pitchFamily="49" charset="0"/>
+                <a:cs typeface="Menlo" panose="020B0609030804020204" pitchFamily="49" charset="0"/>
+              </a:rPr>
+              <a:t>fac_spec</a:t>
+            </a:r>
+            <a:r>
+              <a:rPr lang="en-GB" sz="1600" dirty="0">
+                <a:solidFill>
+                  <a:srgbClr val="080808"/>
+                </a:solidFill>
+                <a:effectLst/>
+                <a:latin typeface="Menlo" panose="020B0609030804020204" pitchFamily="49" charset="0"/>
+                <a:ea typeface="Menlo" panose="020B0609030804020204" pitchFamily="49" charset="0"/>
+                <a:cs typeface="Menlo" panose="020B0609030804020204" pitchFamily="49" charset="0"/>
+              </a:rPr>
+              <a:t>(</a:t>
+            </a:r>
+            <a:r>
+              <a:rPr lang="en-GB" sz="1600" dirty="0">
+                <a:solidFill>
+                  <a:srgbClr val="000000"/>
+                </a:solidFill>
+                <a:effectLst/>
+                <a:latin typeface="Menlo" panose="020B0609030804020204" pitchFamily="49" charset="0"/>
+                <a:ea typeface="Menlo" panose="020B0609030804020204" pitchFamily="49" charset="0"/>
+                <a:cs typeface="Menlo" panose="020B0609030804020204" pitchFamily="49" charset="0"/>
+              </a:rPr>
+              <a:t>m </a:t>
+            </a:r>
+            <a:r>
+              <a:rPr lang="en-GB" sz="1600" dirty="0">
+                <a:solidFill>
+                  <a:srgbClr val="080808"/>
+                </a:solidFill>
+                <a:effectLst/>
+                <a:latin typeface="Menlo" panose="020B0609030804020204" pitchFamily="49" charset="0"/>
+                <a:ea typeface="Menlo" panose="020B0609030804020204" pitchFamily="49" charset="0"/>
+                <a:cs typeface="Menlo" panose="020B0609030804020204" pitchFamily="49" charset="0"/>
+              </a:rPr>
+              <a:t>- </a:t>
+            </a:r>
+            <a:r>
+              <a:rPr lang="en-GB" sz="1600" dirty="0">
+                <a:solidFill>
+                  <a:srgbClr val="1750EB"/>
+                </a:solidFill>
+                <a:effectLst/>
+                <a:latin typeface="Menlo" panose="020B0609030804020204" pitchFamily="49" charset="0"/>
+                <a:ea typeface="Menlo" panose="020B0609030804020204" pitchFamily="49" charset="0"/>
+                <a:cs typeface="Menlo" panose="020B0609030804020204" pitchFamily="49" charset="0"/>
+              </a:rPr>
+              <a:t>1</a:t>
+            </a:r>
+            <a:r>
+              <a:rPr lang="en-GB" sz="1600" dirty="0">
+                <a:solidFill>
+                  <a:srgbClr val="080808"/>
+                </a:solidFill>
+                <a:effectLst/>
+                <a:latin typeface="Menlo" panose="020B0609030804020204" pitchFamily="49" charset="0"/>
+                <a:ea typeface="Menlo" panose="020B0609030804020204" pitchFamily="49" charset="0"/>
+                <a:cs typeface="Menlo" panose="020B0609030804020204" pitchFamily="49" charset="0"/>
+              </a:rPr>
+              <a:t>)</a:t>
+            </a:r>
+            <a:br>
+              <a:rPr lang="en-GB" sz="1600" dirty="0">
+                <a:solidFill>
+                  <a:srgbClr val="080808"/>
+                </a:solidFill>
+                <a:effectLst/>
+                <a:latin typeface="Menlo" panose="020B0609030804020204" pitchFamily="49" charset="0"/>
+                <a:ea typeface="Menlo" panose="020B0609030804020204" pitchFamily="49" charset="0"/>
+                <a:cs typeface="Menlo" panose="020B0609030804020204" pitchFamily="49" charset="0"/>
+              </a:rPr>
+            </a:br>
+            <a:r>
+              <a:rPr lang="en-GB" sz="1600" dirty="0">
+                <a:solidFill>
+                  <a:srgbClr val="080808"/>
+                </a:solidFill>
+                <a:effectLst/>
+                <a:latin typeface="Menlo" panose="020B0609030804020204" pitchFamily="49" charset="0"/>
+                <a:ea typeface="Menlo" panose="020B0609030804020204" pitchFamily="49" charset="0"/>
+                <a:cs typeface="Menlo" panose="020B0609030804020204" pitchFamily="49" charset="0"/>
+              </a:rPr>
+              <a:t>}</a:t>
+            </a:r>
+          </a:p>
+        </p:txBody>
+      </p:sp>
+    </p:spTree>
+    <p:extLst>
+      <p:ext uri="{BB962C8B-B14F-4D97-AF65-F5344CB8AC3E}">
+        <p14:creationId xmlns:p14="http://schemas.microsoft.com/office/powerpoint/2010/main" val="2484429127"/>
       </p:ext>
     </p:extLst>
   </p:cSld>

--- a/slides/M-02-01-Loops-Invariants.pptx
+++ b/slides/M-02-01-Loops-Invariants.pptx
@@ -5,10 +5,10 @@
     <p:sldMasterId id="2147483649" r:id="rId1"/>
   </p:sldMasterIdLst>
   <p:notesMasterIdLst>
-    <p:notesMasterId r:id="rId12"/>
+    <p:notesMasterId r:id="rId13"/>
   </p:notesMasterIdLst>
   <p:handoutMasterIdLst>
-    <p:handoutMasterId r:id="rId13"/>
+    <p:handoutMasterId r:id="rId14"/>
   </p:handoutMasterIdLst>
   <p:sldIdLst>
     <p:sldId id="258" r:id="rId2"/>
@@ -21,6 +21,7 @@
     <p:sldId id="1912" r:id="rId9"/>
     <p:sldId id="1918" r:id="rId10"/>
     <p:sldId id="1919" r:id="rId11"/>
+    <p:sldId id="1920" r:id="rId12"/>
   </p:sldIdLst>
   <p:sldSz cx="9144000" cy="6858000" type="screen4x3"/>
   <p:notesSz cx="6858000" cy="9144000"/>
@@ -1139,6 +1140,185 @@
     <p:extLst>
       <p:ext uri="{BB962C8B-B14F-4D97-AF65-F5344CB8AC3E}">
         <p14:creationId xmlns:p14="http://schemas.microsoft.com/office/powerpoint/2010/main" val="3464101712"/>
+      </p:ext>
+    </p:extLst>
+  </p:cSld>
+  <p:clrMapOvr>
+    <a:masterClrMapping/>
+  </p:clrMapOvr>
+</p:notes>
+</file>
+
+<file path=ppt/notesSlides/notesSlide11.xml><?xml version="1.0" encoding="utf-8"?>
+<p:notes xmlns:a="http://schemas.openxmlformats.org/drawingml/2006/main" xmlns:r="http://schemas.openxmlformats.org/officeDocument/2006/relationships" xmlns:p="http://schemas.openxmlformats.org/presentationml/2006/main">
+  <p:cSld>
+    <p:spTree>
+      <p:nvGrpSpPr>
+        <p:cNvPr id="1" name="">
+          <a:extLst>
+            <a:ext uri="{FF2B5EF4-FFF2-40B4-BE49-F238E27FC236}">
+              <a16:creationId xmlns:a16="http://schemas.microsoft.com/office/drawing/2014/main" id="{4BD258D5-DC37-CACF-7726-5BAB01F696E3}"/>
+            </a:ext>
+          </a:extLst>
+        </p:cNvPr>
+        <p:cNvGrpSpPr/>
+        <p:nvPr/>
+      </p:nvGrpSpPr>
+      <p:grpSpPr>
+        <a:xfrm>
+          <a:off x="0" y="0"/>
+          <a:ext cx="0" cy="0"/>
+          <a:chOff x="0" y="0"/>
+          <a:chExt cx="0" cy="0"/>
+        </a:xfrm>
+      </p:grpSpPr>
+      <p:sp>
+        <p:nvSpPr>
+          <p:cNvPr id="2" name="Slide Image Placeholder 1">
+            <a:extLst>
+              <a:ext uri="{FF2B5EF4-FFF2-40B4-BE49-F238E27FC236}">
+                <a16:creationId xmlns:a16="http://schemas.microsoft.com/office/drawing/2014/main" id="{836DDBE9-7563-6822-9FA0-AA00D6DD1501}"/>
+              </a:ext>
+            </a:extLst>
+          </p:cNvPr>
+          <p:cNvSpPr>
+            <a:spLocks noGrp="1" noRot="1" noChangeAspect="1"/>
+          </p:cNvSpPr>
+          <p:nvPr>
+            <p:ph type="sldImg"/>
+          </p:nvPr>
+        </p:nvSpPr>
+        <p:spPr/>
+      </p:sp>
+      <p:sp>
+        <p:nvSpPr>
+          <p:cNvPr id="3" name="Notes Placeholder 2">
+            <a:extLst>
+              <a:ext uri="{FF2B5EF4-FFF2-40B4-BE49-F238E27FC236}">
+                <a16:creationId xmlns:a16="http://schemas.microsoft.com/office/drawing/2014/main" id="{A26FE29C-A2E9-9F66-5E0D-CB3E4DD60D14}"/>
+              </a:ext>
+            </a:extLst>
+          </p:cNvPr>
+          <p:cNvSpPr>
+            <a:spLocks noGrp="1"/>
+          </p:cNvSpPr>
+          <p:nvPr>
+            <p:ph type="body" idx="1"/>
+          </p:nvPr>
+        </p:nvSpPr>
+        <p:spPr/>
+        <p:txBody>
+          <a:bodyPr/>
+          <a:lstStyle/>
+          <a:p>
+            <a:r>
+              <a:rPr lang="en-US" dirty="0">
+                <a:latin typeface="Tahoma" panose="020B0604030504040204" pitchFamily="34" charset="0"/>
+                <a:ea typeface="Tahoma" panose="020B0604030504040204" pitchFamily="34" charset="0"/>
+                <a:cs typeface="Tahoma" panose="020B0604030504040204" pitchFamily="34" charset="0"/>
+              </a:rPr>
+              <a:t>The framework that we will be using for this work is HAMR -- a model-driven development tool chain for high assurance embedded systems that emphasizes three layers of development:</a:t>
+            </a:r>
+          </a:p>
+          <a:p>
+            <a:endParaRPr lang="en-US" dirty="0">
+              <a:latin typeface="Tahoma" panose="020B0604030504040204" pitchFamily="34" charset="0"/>
+              <a:ea typeface="Tahoma" panose="020B0604030504040204" pitchFamily="34" charset="0"/>
+              <a:cs typeface="Tahoma" panose="020B0604030504040204" pitchFamily="34" charset="0"/>
+            </a:endParaRPr>
+          </a:p>
+          <a:p>
+            <a:r>
+              <a:rPr lang="en-US" dirty="0">
+                <a:latin typeface="Tahoma" panose="020B0604030504040204" pitchFamily="34" charset="0"/>
+                <a:ea typeface="Tahoma" panose="020B0604030504040204" pitchFamily="34" charset="0"/>
+                <a:cs typeface="Tahoma" panose="020B0604030504040204" pitchFamily="34" charset="0"/>
+              </a:rPr>
+              <a:t>Modeling, analysis and verification in the AADL modeling language, leveraging many tools in the AADL ecosystem</a:t>
+            </a:r>
+          </a:p>
+          <a:p>
+            <a:endParaRPr lang="en-US" dirty="0">
+              <a:latin typeface="Tahoma" panose="020B0604030504040204" pitchFamily="34" charset="0"/>
+              <a:ea typeface="Tahoma" panose="020B0604030504040204" pitchFamily="34" charset="0"/>
+              <a:cs typeface="Tahoma" panose="020B0604030504040204" pitchFamily="34" charset="0"/>
+            </a:endParaRPr>
+          </a:p>
+          <a:p>
+            <a:r>
+              <a:rPr lang="en-US" dirty="0">
+                <a:latin typeface="Tahoma" panose="020B0604030504040204" pitchFamily="34" charset="0"/>
+                <a:ea typeface="Tahoma" panose="020B0604030504040204" pitchFamily="34" charset="0"/>
+                <a:cs typeface="Tahoma" panose="020B0604030504040204" pitchFamily="34" charset="0"/>
+              </a:rPr>
+              <a:t>Development of component application logic in multiple languages include C and Slang (a safety-critical system of Scala with a contract verification framework, which can be translated to C)</a:t>
+            </a:r>
+          </a:p>
+          <a:p>
+            <a:endParaRPr lang="en-US" dirty="0">
+              <a:latin typeface="Tahoma" panose="020B0604030504040204" pitchFamily="34" charset="0"/>
+              <a:ea typeface="Tahoma" panose="020B0604030504040204" pitchFamily="34" charset="0"/>
+              <a:cs typeface="Tahoma" panose="020B0604030504040204" pitchFamily="34" charset="0"/>
+            </a:endParaRPr>
+          </a:p>
+          <a:p>
+            <a:r>
+              <a:rPr lang="en-US" dirty="0">
+                <a:latin typeface="Tahoma" panose="020B0604030504040204" pitchFamily="34" charset="0"/>
+                <a:ea typeface="Tahoma" panose="020B0604030504040204" pitchFamily="34" charset="0"/>
+                <a:cs typeface="Tahoma" panose="020B0604030504040204" pitchFamily="34" charset="0"/>
+              </a:rPr>
+              <a:t>Deployments on multiple platforms including seL4 verified microkernel.</a:t>
+            </a:r>
+          </a:p>
+          <a:p>
+            <a:endParaRPr lang="en-US" dirty="0">
+              <a:latin typeface="Tahoma" panose="020B0604030504040204" pitchFamily="34" charset="0"/>
+              <a:ea typeface="Tahoma" panose="020B0604030504040204" pitchFamily="34" charset="0"/>
+              <a:cs typeface="Tahoma" panose="020B0604030504040204" pitchFamily="34" charset="0"/>
+            </a:endParaRPr>
+          </a:p>
+        </p:txBody>
+      </p:sp>
+      <p:sp>
+        <p:nvSpPr>
+          <p:cNvPr id="4" name="Slide Number Placeholder 3">
+            <a:extLst>
+              <a:ext uri="{FF2B5EF4-FFF2-40B4-BE49-F238E27FC236}">
+                <a16:creationId xmlns:a16="http://schemas.microsoft.com/office/drawing/2014/main" id="{22A6107E-D47D-9317-05C6-85987C900F1C}"/>
+              </a:ext>
+            </a:extLst>
+          </p:cNvPr>
+          <p:cNvSpPr>
+            <a:spLocks noGrp="1"/>
+          </p:cNvSpPr>
+          <p:nvPr>
+            <p:ph type="sldNum" sz="quarter" idx="5"/>
+          </p:nvPr>
+        </p:nvSpPr>
+        <p:spPr/>
+        <p:txBody>
+          <a:bodyPr/>
+          <a:lstStyle/>
+          <a:p>
+            <a:pPr>
+              <a:defRPr/>
+            </a:pPr>
+            <a:fld id="{2BFE2475-28EF-9A44-97D3-D2287C00B1B1}" type="slidenum">
+              <a:rPr lang="en-US" smtClean="0"/>
+              <a:pPr>
+                <a:defRPr/>
+              </a:pPr>
+              <a:t>11</a:t>
+            </a:fld>
+            <a:endParaRPr lang="en-US"/>
+          </a:p>
+        </p:txBody>
+      </p:sp>
+    </p:spTree>
+    <p:extLst>
+      <p:ext uri="{BB962C8B-B14F-4D97-AF65-F5344CB8AC3E}">
+        <p14:creationId xmlns:p14="http://schemas.microsoft.com/office/powerpoint/2010/main" val="102732858"/>
       </p:ext>
     </p:extLst>
   </p:cSld>
@@ -8110,6 +8290,318 @@
     <p:extLst>
       <p:ext uri="{BB962C8B-B14F-4D97-AF65-F5344CB8AC3E}">
         <p14:creationId xmlns:p14="http://schemas.microsoft.com/office/powerpoint/2010/main" val="3467698002"/>
+      </p:ext>
+    </p:extLst>
+  </p:cSld>
+  <p:clrMapOvr>
+    <a:masterClrMapping/>
+  </p:clrMapOvr>
+</p:sld>
+</file>
+
+<file path=ppt/slides/slide11.xml><?xml version="1.0" encoding="utf-8"?>
+<p:sld xmlns:a="http://schemas.openxmlformats.org/drawingml/2006/main" xmlns:r="http://schemas.openxmlformats.org/officeDocument/2006/relationships" xmlns:p="http://schemas.openxmlformats.org/presentationml/2006/main">
+  <p:cSld>
+    <p:spTree>
+      <p:nvGrpSpPr>
+        <p:cNvPr id="1" name="">
+          <a:extLst>
+            <a:ext uri="{FF2B5EF4-FFF2-40B4-BE49-F238E27FC236}">
+              <a16:creationId xmlns:a16="http://schemas.microsoft.com/office/drawing/2014/main" id="{DA297A88-0813-EA17-10CE-2815AEE06C1F}"/>
+            </a:ext>
+          </a:extLst>
+        </p:cNvPr>
+        <p:cNvGrpSpPr/>
+        <p:nvPr/>
+      </p:nvGrpSpPr>
+      <p:grpSpPr>
+        <a:xfrm>
+          <a:off x="0" y="0"/>
+          <a:ext cx="0" cy="0"/>
+          <a:chOff x="0" y="0"/>
+          <a:chExt cx="0" cy="0"/>
+        </a:xfrm>
+      </p:grpSpPr>
+      <p:sp>
+        <p:nvSpPr>
+          <p:cNvPr id="2" name="Title 1">
+            <a:extLst>
+              <a:ext uri="{FF2B5EF4-FFF2-40B4-BE49-F238E27FC236}">
+                <a16:creationId xmlns:a16="http://schemas.microsoft.com/office/drawing/2014/main" id="{061FEB39-A139-4360-8171-E22680A89655}"/>
+              </a:ext>
+            </a:extLst>
+          </p:cNvPr>
+          <p:cNvSpPr>
+            <a:spLocks noGrp="1"/>
+          </p:cNvSpPr>
+          <p:nvPr>
+            <p:ph type="title"/>
+          </p:nvPr>
+        </p:nvSpPr>
+        <p:spPr/>
+        <p:txBody>
+          <a:bodyPr/>
+          <a:lstStyle/>
+          <a:p>
+            <a:r>
+              <a:rPr lang="en-US" sz="3600" dirty="0"/>
+              <a:t>Exercise</a:t>
+            </a:r>
+          </a:p>
+        </p:txBody>
+      </p:sp>
+      <p:sp>
+        <p:nvSpPr>
+          <p:cNvPr id="128" name="Slide Number Placeholder 127">
+            <a:extLst>
+              <a:ext uri="{FF2B5EF4-FFF2-40B4-BE49-F238E27FC236}">
+                <a16:creationId xmlns:a16="http://schemas.microsoft.com/office/drawing/2014/main" id="{F4AC09C0-F180-9B0C-5EF7-5024187860CA}"/>
+              </a:ext>
+            </a:extLst>
+          </p:cNvPr>
+          <p:cNvSpPr>
+            <a:spLocks noGrp="1"/>
+          </p:cNvSpPr>
+          <p:nvPr>
+            <p:ph type="sldNum" sz="quarter" idx="11"/>
+          </p:nvPr>
+        </p:nvSpPr>
+        <p:spPr/>
+        <p:txBody>
+          <a:bodyPr/>
+          <a:lstStyle/>
+          <a:p>
+            <a:pPr>
+              <a:defRPr/>
+            </a:pPr>
+            <a:fld id="{6E0AA622-F4CE-604D-A669-CD3D12FC535C}" type="slidenum">
+              <a:rPr lang="en-US" smtClean="0"/>
+              <a:pPr>
+                <a:defRPr/>
+              </a:pPr>
+              <a:t>11</a:t>
+            </a:fld>
+            <a:endParaRPr lang="en-US" dirty="0"/>
+          </a:p>
+        </p:txBody>
+      </p:sp>
+      <p:sp>
+        <p:nvSpPr>
+          <p:cNvPr id="3" name="TextBox 2">
+            <a:extLst>
+              <a:ext uri="{FF2B5EF4-FFF2-40B4-BE49-F238E27FC236}">
+                <a16:creationId xmlns:a16="http://schemas.microsoft.com/office/drawing/2014/main" id="{1B3A5468-9803-CE44-8A39-790086B0F346}"/>
+              </a:ext>
+            </a:extLst>
+          </p:cNvPr>
+          <p:cNvSpPr txBox="1"/>
+          <p:nvPr/>
+        </p:nvSpPr>
+        <p:spPr>
+          <a:xfrm>
+            <a:off x="381000" y="1158925"/>
+            <a:ext cx="8016766" cy="338554"/>
+          </a:xfrm>
+          <a:prstGeom prst="rect">
+            <a:avLst/>
+          </a:prstGeom>
+          <a:gradFill flip="none" rotWithShape="1">
+            <a:gsLst>
+              <a:gs pos="0">
+                <a:schemeClr val="bg1"/>
+              </a:gs>
+              <a:gs pos="74000">
+                <a:srgbClr val="FFE267"/>
+              </a:gs>
+              <a:gs pos="83000">
+                <a:srgbClr val="FFE267"/>
+              </a:gs>
+              <a:gs pos="100000">
+                <a:srgbClr val="FFE267"/>
+              </a:gs>
+            </a:gsLst>
+            <a:lin ang="10800000" scaled="1"/>
+            <a:tileRect/>
+          </a:gradFill>
+        </p:spPr>
+        <p:txBody>
+          <a:bodyPr wrap="square" rtlCol="0">
+            <a:spAutoFit/>
+          </a:bodyPr>
+          <a:lstStyle/>
+          <a:p>
+            <a:r>
+              <a:rPr lang="en-US" sz="1600" dirty="0"/>
+              <a:t>Function computing </a:t>
+            </a:r>
+            <a:r>
+              <a:rPr lang="en-US" sz="1600" dirty="0">
+                <a:solidFill>
+                  <a:srgbClr val="8922FD"/>
+                </a:solidFill>
+                <a:latin typeface="Menlo" panose="020B0609030804020204" pitchFamily="49" charset="0"/>
+                <a:ea typeface="Menlo" panose="020B0609030804020204" pitchFamily="49" charset="0"/>
+                <a:cs typeface="Menlo" panose="020B0609030804020204" pitchFamily="49" charset="0"/>
+              </a:rPr>
+              <a:t>n * (n + 1) / 2</a:t>
+            </a:r>
+          </a:p>
+        </p:txBody>
+      </p:sp>
+      <p:pic>
+        <p:nvPicPr>
+          <p:cNvPr id="6" name="Picture 5" descr="A screenshot of a math program&#10;&#10;Description automatically generated">
+            <a:extLst>
+              <a:ext uri="{FF2B5EF4-FFF2-40B4-BE49-F238E27FC236}">
+                <a16:creationId xmlns:a16="http://schemas.microsoft.com/office/drawing/2014/main" id="{DFF089D4-D031-4B54-EEDA-836B9ED78E1A}"/>
+              </a:ext>
+            </a:extLst>
+          </p:cNvPr>
+          <p:cNvPicPr>
+            <a:picLocks noChangeAspect="1"/>
+          </p:cNvPicPr>
+          <p:nvPr/>
+        </p:nvPicPr>
+        <p:blipFill>
+          <a:blip r:embed="rId3"/>
+          <a:stretch>
+            <a:fillRect/>
+          </a:stretch>
+        </p:blipFill>
+        <p:spPr>
+          <a:xfrm>
+            <a:off x="609600" y="1600200"/>
+            <a:ext cx="4432300" cy="4610100"/>
+          </a:xfrm>
+          <a:prstGeom prst="rect">
+            <a:avLst/>
+          </a:prstGeom>
+        </p:spPr>
+      </p:pic>
+      <p:sp>
+        <p:nvSpPr>
+          <p:cNvPr id="7" name="TextBox 6">
+            <a:extLst>
+              <a:ext uri="{FF2B5EF4-FFF2-40B4-BE49-F238E27FC236}">
+                <a16:creationId xmlns:a16="http://schemas.microsoft.com/office/drawing/2014/main" id="{96CC413F-EF40-210E-DF9C-8232A06D2295}"/>
+              </a:ext>
+            </a:extLst>
+          </p:cNvPr>
+          <p:cNvSpPr txBox="1"/>
+          <p:nvPr/>
+        </p:nvSpPr>
+        <p:spPr>
+          <a:xfrm>
+            <a:off x="5257800" y="1515116"/>
+            <a:ext cx="2971800" cy="830997"/>
+          </a:xfrm>
+          <a:prstGeom prst="rect">
+            <a:avLst/>
+          </a:prstGeom>
+          <a:gradFill flip="none" rotWithShape="1">
+            <a:gsLst>
+              <a:gs pos="0">
+                <a:schemeClr val="bg1"/>
+              </a:gs>
+              <a:gs pos="74000">
+                <a:srgbClr val="FFE267"/>
+              </a:gs>
+              <a:gs pos="83000">
+                <a:srgbClr val="FFE267"/>
+              </a:gs>
+              <a:gs pos="100000">
+                <a:srgbClr val="FFE267"/>
+              </a:gs>
+            </a:gsLst>
+            <a:lin ang="10800000" scaled="1"/>
+            <a:tileRect/>
+          </a:gradFill>
+        </p:spPr>
+        <p:txBody>
+          <a:bodyPr wrap="square" rtlCol="0">
+            <a:spAutoFit/>
+          </a:bodyPr>
+          <a:lstStyle/>
+          <a:p>
+            <a:r>
+              <a:rPr lang="en-US" sz="1600" dirty="0"/>
+              <a:t>(A) State a contract that ensures that the returned result is </a:t>
+            </a:r>
+            <a:r>
+              <a:rPr lang="en-US" sz="1600" dirty="0">
+                <a:solidFill>
+                  <a:srgbClr val="8922FD"/>
+                </a:solidFill>
+                <a:latin typeface="Menlo" panose="020B0609030804020204" pitchFamily="49" charset="0"/>
+                <a:ea typeface="Menlo" panose="020B0609030804020204" pitchFamily="49" charset="0"/>
+                <a:cs typeface="Menlo" panose="020B0609030804020204" pitchFamily="49" charset="0"/>
+              </a:rPr>
+              <a:t>n * (n + 1) / 2</a:t>
+            </a:r>
+          </a:p>
+        </p:txBody>
+      </p:sp>
+      <p:sp>
+        <p:nvSpPr>
+          <p:cNvPr id="8" name="TextBox 7">
+            <a:extLst>
+              <a:ext uri="{FF2B5EF4-FFF2-40B4-BE49-F238E27FC236}">
+                <a16:creationId xmlns:a16="http://schemas.microsoft.com/office/drawing/2014/main" id="{A9A023ED-8E35-40FA-1555-801F1D39CBC7}"/>
+              </a:ext>
+            </a:extLst>
+          </p:cNvPr>
+          <p:cNvSpPr txBox="1"/>
+          <p:nvPr/>
+        </p:nvSpPr>
+        <p:spPr>
+          <a:xfrm>
+            <a:off x="5250094" y="2514600"/>
+            <a:ext cx="3505200" cy="338554"/>
+          </a:xfrm>
+          <a:prstGeom prst="rect">
+            <a:avLst/>
+          </a:prstGeom>
+          <a:gradFill flip="none" rotWithShape="1">
+            <a:gsLst>
+              <a:gs pos="0">
+                <a:schemeClr val="bg1"/>
+              </a:gs>
+              <a:gs pos="74000">
+                <a:srgbClr val="FFE267"/>
+              </a:gs>
+              <a:gs pos="83000">
+                <a:srgbClr val="FFE267"/>
+              </a:gs>
+              <a:gs pos="100000">
+                <a:srgbClr val="FFE267"/>
+              </a:gs>
+            </a:gsLst>
+            <a:lin ang="10800000" scaled="1"/>
+            <a:tileRect/>
+          </a:gradFill>
+        </p:spPr>
+        <p:txBody>
+          <a:bodyPr wrap="square" rtlCol="0">
+            <a:spAutoFit/>
+          </a:bodyPr>
+          <a:lstStyle/>
+          <a:p>
+            <a:r>
+              <a:rPr lang="en-US" sz="1600" dirty="0"/>
+              <a:t>(B</a:t>
+            </a:r>
+            <a:r>
+              <a:rPr lang="en-US" sz="1600"/>
+              <a:t>) Prove it</a:t>
+            </a:r>
+            <a:endParaRPr lang="en-US" sz="1600" dirty="0"/>
+          </a:p>
+        </p:txBody>
+      </p:sp>
+    </p:spTree>
+    <p:extLst>
+      <p:ext uri="{BB962C8B-B14F-4D97-AF65-F5344CB8AC3E}">
+        <p14:creationId xmlns:p14="http://schemas.microsoft.com/office/powerpoint/2010/main" val="2942697330"/>
       </p:ext>
     </p:extLst>
   </p:cSld>

--- a/slides/M-02-01-Loops-Invariants.pptx
+++ b/slides/M-02-01-Loops-Invariants.pptx
@@ -6481,7 +6481,7 @@
           <a:p>
             <a:r>
               <a:rPr lang="en-US" sz="3600" dirty="0"/>
-              <a:t>While Loops</a:t>
+              <a:t>Implementation using a While Loop</a:t>
             </a:r>
           </a:p>
         </p:txBody>
@@ -8286,6 +8286,403 @@
           </a:p>
         </p:txBody>
       </p:sp>
+      <p:sp>
+        <p:nvSpPr>
+          <p:cNvPr id="5" name="Rectangle 4">
+            <a:extLst>
+              <a:ext uri="{FF2B5EF4-FFF2-40B4-BE49-F238E27FC236}">
+                <a16:creationId xmlns:a16="http://schemas.microsoft.com/office/drawing/2014/main" id="{D61A6678-5EC5-EB4B-460D-BA3F86D15BCE}"/>
+              </a:ext>
+            </a:extLst>
+          </p:cNvPr>
+          <p:cNvSpPr/>
+          <p:nvPr/>
+        </p:nvSpPr>
+        <p:spPr bwMode="auto">
+          <a:xfrm>
+            <a:off x="4038600" y="2743200"/>
+            <a:ext cx="2895600" cy="685800"/>
+          </a:xfrm>
+          <a:prstGeom prst="rect">
+            <a:avLst/>
+          </a:prstGeom>
+          <a:solidFill>
+            <a:srgbClr val="FFE267"/>
+          </a:solidFill>
+          <a:ln w="9525" cap="flat" cmpd="sng" algn="ctr">
+            <a:solidFill>
+              <a:schemeClr val="tx1"/>
+            </a:solidFill>
+            <a:prstDash val="solid"/>
+            <a:miter lim="800000"/>
+            <a:headEnd type="none" w="med" len="med"/>
+            <a:tailEnd type="none" w="med" len="med"/>
+          </a:ln>
+          <a:effectLst/>
+        </p:spPr>
+        <p:txBody>
+          <a:bodyPr vert="horz" wrap="square" lIns="91440" tIns="45720" rIns="91440" bIns="45720" numCol="1" rtlCol="0" anchor="t" anchorCtr="0" compatLnSpc="1">
+            <a:prstTxWarp prst="textNoShape">
+              <a:avLst/>
+            </a:prstTxWarp>
+          </a:bodyPr>
+          <a:lstStyle/>
+          <a:p>
+            <a:pPr marL="0" marR="0" indent="0" algn="l" defTabSz="914400" rtl="0" eaLnBrk="1" fontAlgn="base" latinLnBrk="0" hangingPunct="1">
+              <a:lnSpc>
+                <a:spcPct val="100000"/>
+              </a:lnSpc>
+              <a:spcBef>
+                <a:spcPct val="0"/>
+              </a:spcBef>
+              <a:spcAft>
+                <a:spcPct val="0"/>
+              </a:spcAft>
+              <a:buClrTx/>
+              <a:buSzTx/>
+              <a:buFontTx/>
+              <a:buNone/>
+              <a:tabLst/>
+            </a:pPr>
+            <a:r>
+              <a:rPr kumimoji="0" lang="en-GB" sz="1800" b="0" i="0" u="none" strike="noStrike" cap="none" normalizeH="0" baseline="0" dirty="0">
+                <a:ln>
+                  <a:noFill/>
+                </a:ln>
+                <a:solidFill>
+                  <a:schemeClr val="tx1"/>
+                </a:solidFill>
+                <a:effectLst/>
+                <a:latin typeface="Tahoma" charset="0"/>
+              </a:rPr>
+              <a:t>Variables </a:t>
+            </a:r>
+            <a:r>
+              <a:rPr kumimoji="0" lang="en-GB" sz="1800" b="0" i="0" u="none" strike="noStrike" cap="none" normalizeH="0" baseline="0" dirty="0">
+                <a:ln>
+                  <a:noFill/>
+                </a:ln>
+                <a:solidFill>
+                  <a:srgbClr val="8922FD"/>
+                </a:solidFill>
+                <a:effectLst/>
+                <a:latin typeface="Menlo" panose="020B0609030804020204" pitchFamily="49" charset="0"/>
+                <a:ea typeface="Menlo" panose="020B0609030804020204" pitchFamily="49" charset="0"/>
+                <a:cs typeface="Menlo" panose="020B0609030804020204" pitchFamily="49" charset="0"/>
+              </a:rPr>
+              <a:t>x</a:t>
+            </a:r>
+            <a:r>
+              <a:rPr kumimoji="0" lang="en-GB" sz="1800" b="0" i="0" u="none" strike="noStrike" cap="none" normalizeH="0" baseline="0" dirty="0">
+                <a:ln>
+                  <a:noFill/>
+                </a:ln>
+                <a:solidFill>
+                  <a:schemeClr val="tx1"/>
+                </a:solidFill>
+                <a:effectLst/>
+                <a:latin typeface="Tahoma" charset="0"/>
+              </a:rPr>
+              <a:t> and </a:t>
+            </a:r>
+            <a:r>
+              <a:rPr kumimoji="0" lang="en-GB" sz="1800" b="0" i="0" u="none" strike="noStrike" cap="none" normalizeH="0" baseline="0" dirty="0">
+                <a:ln>
+                  <a:noFill/>
+                </a:ln>
+                <a:solidFill>
+                  <a:srgbClr val="8922FD"/>
+                </a:solidFill>
+                <a:effectLst/>
+                <a:latin typeface="Menlo" panose="020B0609030804020204" pitchFamily="49" charset="0"/>
+                <a:ea typeface="Menlo" panose="020B0609030804020204" pitchFamily="49" charset="0"/>
+                <a:cs typeface="Menlo" panose="020B0609030804020204" pitchFamily="49" charset="0"/>
+              </a:rPr>
+              <a:t>m</a:t>
+            </a:r>
+            <a:r>
+              <a:rPr kumimoji="0" lang="en-GB" sz="1800" b="0" i="0" u="none" strike="noStrike" cap="none" normalizeH="0" baseline="0" dirty="0">
+                <a:ln>
+                  <a:noFill/>
+                </a:ln>
+                <a:solidFill>
+                  <a:schemeClr val="tx1"/>
+                </a:solidFill>
+                <a:effectLst/>
+                <a:latin typeface="Tahoma" charset="0"/>
+              </a:rPr>
+              <a:t> are modified by the loop body</a:t>
+            </a:r>
+          </a:p>
+        </p:txBody>
+      </p:sp>
+      <p:cxnSp>
+        <p:nvCxnSpPr>
+          <p:cNvPr id="7" name="Straight Arrow Connector 6">
+            <a:extLst>
+              <a:ext uri="{FF2B5EF4-FFF2-40B4-BE49-F238E27FC236}">
+                <a16:creationId xmlns:a16="http://schemas.microsoft.com/office/drawing/2014/main" id="{5063BD3A-71C8-1A73-7C49-FFDBD293C13C}"/>
+              </a:ext>
+            </a:extLst>
+          </p:cNvPr>
+          <p:cNvCxnSpPr>
+            <a:stCxn id="5" idx="1"/>
+          </p:cNvCxnSpPr>
+          <p:nvPr/>
+        </p:nvCxnSpPr>
+        <p:spPr bwMode="auto">
+          <a:xfrm flipH="1">
+            <a:off x="2819400" y="3086100"/>
+            <a:ext cx="1219200" cy="571500"/>
+          </a:xfrm>
+          <a:prstGeom prst="straightConnector1">
+            <a:avLst/>
+          </a:prstGeom>
+          <a:solidFill>
+            <a:schemeClr val="accent1"/>
+          </a:solidFill>
+          <a:ln w="15875" cap="flat" cmpd="sng" algn="ctr">
+            <a:solidFill>
+              <a:schemeClr val="tx1"/>
+            </a:solidFill>
+            <a:prstDash val="solid"/>
+            <a:miter lim="800000"/>
+            <a:headEnd type="none" w="med" len="med"/>
+            <a:tailEnd type="triangle" w="lg" len="med"/>
+          </a:ln>
+          <a:effectLst/>
+        </p:spPr>
+      </p:cxnSp>
+      <p:sp>
+        <p:nvSpPr>
+          <p:cNvPr id="8" name="Rectangle 7">
+            <a:extLst>
+              <a:ext uri="{FF2B5EF4-FFF2-40B4-BE49-F238E27FC236}">
+                <a16:creationId xmlns:a16="http://schemas.microsoft.com/office/drawing/2014/main" id="{679795C7-5264-6CBB-A8CB-D89930014CF7}"/>
+              </a:ext>
+            </a:extLst>
+          </p:cNvPr>
+          <p:cNvSpPr/>
+          <p:nvPr/>
+        </p:nvSpPr>
+        <p:spPr bwMode="auto">
+          <a:xfrm>
+            <a:off x="4389383" y="3640972"/>
+            <a:ext cx="2895600" cy="685800"/>
+          </a:xfrm>
+          <a:prstGeom prst="rect">
+            <a:avLst/>
+          </a:prstGeom>
+          <a:solidFill>
+            <a:srgbClr val="FFE267"/>
+          </a:solidFill>
+          <a:ln w="9525" cap="flat" cmpd="sng" algn="ctr">
+            <a:solidFill>
+              <a:schemeClr val="tx1"/>
+            </a:solidFill>
+            <a:prstDash val="solid"/>
+            <a:miter lim="800000"/>
+            <a:headEnd type="none" w="med" len="med"/>
+            <a:tailEnd type="none" w="med" len="med"/>
+          </a:ln>
+          <a:effectLst/>
+        </p:spPr>
+        <p:txBody>
+          <a:bodyPr vert="horz" wrap="square" lIns="91440" tIns="45720" rIns="91440" bIns="45720" numCol="1" rtlCol="0" anchor="t" anchorCtr="0" compatLnSpc="1">
+            <a:prstTxWarp prst="textNoShape">
+              <a:avLst/>
+            </a:prstTxWarp>
+          </a:bodyPr>
+          <a:lstStyle/>
+          <a:p>
+            <a:pPr marL="0" marR="0" indent="0" algn="l" defTabSz="914400" rtl="0" eaLnBrk="1" fontAlgn="base" latinLnBrk="0" hangingPunct="1">
+              <a:lnSpc>
+                <a:spcPct val="100000"/>
+              </a:lnSpc>
+              <a:spcBef>
+                <a:spcPct val="0"/>
+              </a:spcBef>
+              <a:spcAft>
+                <a:spcPct val="0"/>
+              </a:spcAft>
+              <a:buClrTx/>
+              <a:buSzTx/>
+              <a:buFontTx/>
+              <a:buNone/>
+              <a:tabLst/>
+            </a:pPr>
+            <a:r>
+              <a:rPr lang="en-GB" sz="1800" dirty="0">
+                <a:latin typeface="Tahoma" charset="0"/>
+              </a:rPr>
+              <a:t>Inductive property (that is continually true)</a:t>
+            </a:r>
+            <a:endParaRPr kumimoji="0" lang="en-GB" sz="1800" b="0" i="0" u="none" strike="noStrike" cap="none" normalizeH="0" baseline="0" dirty="0">
+              <a:ln>
+                <a:noFill/>
+              </a:ln>
+              <a:solidFill>
+                <a:schemeClr val="tx1"/>
+              </a:solidFill>
+              <a:effectLst/>
+              <a:latin typeface="Tahoma" charset="0"/>
+            </a:endParaRPr>
+          </a:p>
+        </p:txBody>
+      </p:sp>
+      <p:cxnSp>
+        <p:nvCxnSpPr>
+          <p:cNvPr id="9" name="Straight Arrow Connector 8">
+            <a:extLst>
+              <a:ext uri="{FF2B5EF4-FFF2-40B4-BE49-F238E27FC236}">
+                <a16:creationId xmlns:a16="http://schemas.microsoft.com/office/drawing/2014/main" id="{05AB5384-9C04-C179-C77C-50E7AB8ABC50}"/>
+              </a:ext>
+            </a:extLst>
+          </p:cNvPr>
+          <p:cNvCxnSpPr>
+            <a:cxnSpLocks/>
+            <a:stCxn id="8" idx="1"/>
+          </p:cNvCxnSpPr>
+          <p:nvPr/>
+        </p:nvCxnSpPr>
+        <p:spPr bwMode="auto">
+          <a:xfrm flipH="1">
+            <a:off x="3048000" y="3983872"/>
+            <a:ext cx="1341383" cy="130928"/>
+          </a:xfrm>
+          <a:prstGeom prst="straightConnector1">
+            <a:avLst/>
+          </a:prstGeom>
+          <a:solidFill>
+            <a:schemeClr val="accent1"/>
+          </a:solidFill>
+          <a:ln w="15875" cap="flat" cmpd="sng" algn="ctr">
+            <a:solidFill>
+              <a:schemeClr val="tx1"/>
+            </a:solidFill>
+            <a:prstDash val="solid"/>
+            <a:miter lim="800000"/>
+            <a:headEnd type="none" w="med" len="med"/>
+            <a:tailEnd type="triangle" w="lg" len="med"/>
+          </a:ln>
+          <a:effectLst/>
+        </p:spPr>
+      </p:cxnSp>
+      <p:sp>
+        <p:nvSpPr>
+          <p:cNvPr id="12" name="Rectangle 11">
+            <a:extLst>
+              <a:ext uri="{FF2B5EF4-FFF2-40B4-BE49-F238E27FC236}">
+                <a16:creationId xmlns:a16="http://schemas.microsoft.com/office/drawing/2014/main" id="{2C24A680-1E26-F774-7573-97E23168EC31}"/>
+              </a:ext>
+            </a:extLst>
+          </p:cNvPr>
+          <p:cNvSpPr/>
+          <p:nvPr/>
+        </p:nvSpPr>
+        <p:spPr bwMode="auto">
+          <a:xfrm>
+            <a:off x="4389382" y="5773004"/>
+            <a:ext cx="3078217" cy="685800"/>
+          </a:xfrm>
+          <a:prstGeom prst="rect">
+            <a:avLst/>
+          </a:prstGeom>
+          <a:solidFill>
+            <a:srgbClr val="FFE267"/>
+          </a:solidFill>
+          <a:ln w="9525" cap="flat" cmpd="sng" algn="ctr">
+            <a:solidFill>
+              <a:schemeClr val="tx1"/>
+            </a:solidFill>
+            <a:prstDash val="solid"/>
+            <a:miter lim="800000"/>
+            <a:headEnd type="none" w="med" len="med"/>
+            <a:tailEnd type="none" w="med" len="med"/>
+          </a:ln>
+          <a:effectLst/>
+        </p:spPr>
+        <p:txBody>
+          <a:bodyPr vert="horz" wrap="square" lIns="91440" tIns="45720" rIns="91440" bIns="45720" numCol="1" rtlCol="0" anchor="t" anchorCtr="0" compatLnSpc="1">
+            <a:prstTxWarp prst="textNoShape">
+              <a:avLst/>
+            </a:prstTxWarp>
+          </a:bodyPr>
+          <a:lstStyle/>
+          <a:p>
+            <a:pPr marL="0" marR="0" indent="0" algn="l" defTabSz="914400" rtl="0" eaLnBrk="1" fontAlgn="base" latinLnBrk="0" hangingPunct="1">
+              <a:lnSpc>
+                <a:spcPct val="100000"/>
+              </a:lnSpc>
+              <a:spcBef>
+                <a:spcPct val="0"/>
+              </a:spcBef>
+              <a:spcAft>
+                <a:spcPct val="0"/>
+              </a:spcAft>
+              <a:buClrTx/>
+              <a:buSzTx/>
+              <a:buFontTx/>
+              <a:buNone/>
+              <a:tabLst/>
+            </a:pPr>
+            <a:r>
+              <a:rPr lang="en-GB" sz="1800" dirty="0">
+                <a:latin typeface="Tahoma" charset="0"/>
+              </a:rPr>
+              <a:t>Property that can be inferred on loop termination</a:t>
+            </a:r>
+            <a:endParaRPr kumimoji="0" lang="en-GB" sz="1800" b="0" i="0" u="none" strike="noStrike" cap="none" normalizeH="0" baseline="0" dirty="0">
+              <a:ln>
+                <a:noFill/>
+              </a:ln>
+              <a:solidFill>
+                <a:schemeClr val="tx1"/>
+              </a:solidFill>
+              <a:effectLst/>
+              <a:latin typeface="Tahoma" charset="0"/>
+            </a:endParaRPr>
+          </a:p>
+        </p:txBody>
+      </p:sp>
+      <p:cxnSp>
+        <p:nvCxnSpPr>
+          <p:cNvPr id="13" name="Straight Arrow Connector 12">
+            <a:extLst>
+              <a:ext uri="{FF2B5EF4-FFF2-40B4-BE49-F238E27FC236}">
+                <a16:creationId xmlns:a16="http://schemas.microsoft.com/office/drawing/2014/main" id="{EB020834-CBEE-0AFE-A0DF-14FB28400094}"/>
+              </a:ext>
+            </a:extLst>
+          </p:cNvPr>
+          <p:cNvCxnSpPr>
+            <a:cxnSpLocks/>
+            <a:stCxn id="12" idx="1"/>
+          </p:cNvCxnSpPr>
+          <p:nvPr/>
+        </p:nvCxnSpPr>
+        <p:spPr bwMode="auto">
+          <a:xfrm flipH="1">
+            <a:off x="3048000" y="6115904"/>
+            <a:ext cx="1341382" cy="0"/>
+          </a:xfrm>
+          <a:prstGeom prst="straightConnector1">
+            <a:avLst/>
+          </a:prstGeom>
+          <a:solidFill>
+            <a:schemeClr val="accent1"/>
+          </a:solidFill>
+          <a:ln w="15875" cap="flat" cmpd="sng" algn="ctr">
+            <a:solidFill>
+              <a:schemeClr val="tx1"/>
+            </a:solidFill>
+            <a:prstDash val="solid"/>
+            <a:miter lim="800000"/>
+            <a:headEnd type="none" w="med" len="med"/>
+            <a:tailEnd type="triangle" w="lg" len="med"/>
+          </a:ln>
+          <a:effectLst/>
+        </p:spPr>
+      </p:cxnSp>
     </p:spTree>
     <p:extLst>
       <p:ext uri="{BB962C8B-B14F-4D97-AF65-F5344CB8AC3E}">
@@ -13406,7 +13803,15 @@
           <a:p>
             <a:r>
               <a:rPr lang="en-US" sz="3600" dirty="0"/>
-              <a:t>While Loops</a:t>
+              <a:t>Specification (The </a:t>
+            </a:r>
+            <a:r>
+              <a:rPr lang="en-US" sz="3600" dirty="0" err="1"/>
+              <a:t>maths</a:t>
+            </a:r>
+            <a:r>
+              <a:rPr lang="en-US" sz="3600" dirty="0"/>
+              <a:t>)</a:t>
             </a:r>
           </a:p>
         </p:txBody>
@@ -13958,6 +14363,118 @@
           </a:p>
         </p:txBody>
       </p:sp>
+      <p:sp>
+        <p:nvSpPr>
+          <p:cNvPr id="5" name="Rectangle 4">
+            <a:extLst>
+              <a:ext uri="{FF2B5EF4-FFF2-40B4-BE49-F238E27FC236}">
+                <a16:creationId xmlns:a16="http://schemas.microsoft.com/office/drawing/2014/main" id="{D9D2C4EE-F351-5B7E-973A-4CDA368707F4}"/>
+              </a:ext>
+            </a:extLst>
+          </p:cNvPr>
+          <p:cNvSpPr/>
+          <p:nvPr/>
+        </p:nvSpPr>
+        <p:spPr bwMode="auto">
+          <a:xfrm>
+            <a:off x="3124200" y="3581400"/>
+            <a:ext cx="2895600" cy="685800"/>
+          </a:xfrm>
+          <a:prstGeom prst="rect">
+            <a:avLst/>
+          </a:prstGeom>
+          <a:solidFill>
+            <a:srgbClr val="FFE267"/>
+          </a:solidFill>
+          <a:ln w="9525" cap="flat" cmpd="sng" algn="ctr">
+            <a:solidFill>
+              <a:schemeClr val="tx1"/>
+            </a:solidFill>
+            <a:prstDash val="solid"/>
+            <a:miter lim="800000"/>
+            <a:headEnd type="none" w="med" len="med"/>
+            <a:tailEnd type="none" w="med" len="med"/>
+          </a:ln>
+          <a:effectLst/>
+        </p:spPr>
+        <p:txBody>
+          <a:bodyPr vert="horz" wrap="square" lIns="91440" tIns="45720" rIns="91440" bIns="45720" numCol="1" rtlCol="0" anchor="t" anchorCtr="0" compatLnSpc="1">
+            <a:prstTxWarp prst="textNoShape">
+              <a:avLst/>
+            </a:prstTxWarp>
+          </a:bodyPr>
+          <a:lstStyle/>
+          <a:p>
+            <a:pPr marL="0" marR="0" indent="0" algn="l" defTabSz="914400" rtl="0" eaLnBrk="1" fontAlgn="base" latinLnBrk="0" hangingPunct="1">
+              <a:lnSpc>
+                <a:spcPct val="100000"/>
+              </a:lnSpc>
+              <a:spcBef>
+                <a:spcPct val="0"/>
+              </a:spcBef>
+              <a:spcAft>
+                <a:spcPct val="0"/>
+              </a:spcAft>
+              <a:buClrTx/>
+              <a:buSzTx/>
+              <a:buFontTx/>
+              <a:buNone/>
+              <a:tabLst/>
+            </a:pPr>
+            <a:r>
+              <a:rPr kumimoji="0" lang="en-GB" sz="1800" b="0" i="0" u="none" strike="noStrike" cap="none" normalizeH="0" baseline="0" dirty="0">
+                <a:ln>
+                  <a:noFill/>
+                </a:ln>
+                <a:solidFill>
+                  <a:schemeClr val="tx1"/>
+                </a:solidFill>
+                <a:effectLst/>
+                <a:latin typeface="Tahoma" charset="0"/>
+              </a:rPr>
+              <a:t>Recursive specification of the factorial function</a:t>
+            </a:r>
+          </a:p>
+        </p:txBody>
+      </p:sp>
+      <p:cxnSp>
+        <p:nvCxnSpPr>
+          <p:cNvPr id="6" name="Straight Arrow Connector 5">
+            <a:extLst>
+              <a:ext uri="{FF2B5EF4-FFF2-40B4-BE49-F238E27FC236}">
+                <a16:creationId xmlns:a16="http://schemas.microsoft.com/office/drawing/2014/main" id="{FBB8BB8E-7A47-E0AF-1EE7-A4CFB3B16B33}"/>
+              </a:ext>
+            </a:extLst>
+          </p:cNvPr>
+          <p:cNvCxnSpPr>
+            <a:cxnSpLocks/>
+            <a:stCxn id="5" idx="0"/>
+          </p:cNvCxnSpPr>
+          <p:nvPr/>
+        </p:nvCxnSpPr>
+        <p:spPr bwMode="auto">
+          <a:xfrm flipH="1" flipV="1">
+            <a:off x="3810000" y="2721045"/>
+            <a:ext cx="762000" cy="860355"/>
+          </a:xfrm>
+          <a:prstGeom prst="straightConnector1">
+            <a:avLst/>
+          </a:prstGeom>
+          <a:solidFill>
+            <a:schemeClr val="accent1"/>
+          </a:solidFill>
+          <a:ln w="15875" cap="flat" cmpd="sng" algn="ctr">
+            <a:solidFill>
+              <a:schemeClr val="tx1"/>
+            </a:solidFill>
+            <a:prstDash val="solid"/>
+            <a:miter lim="800000"/>
+            <a:headEnd type="none" w="med" len="med"/>
+            <a:tailEnd type="triangle" w="lg" len="med"/>
+          </a:ln>
+          <a:effectLst/>
+        </p:spPr>
+      </p:cxnSp>
     </p:spTree>
     <p:extLst>
       <p:ext uri="{BB962C8B-B14F-4D97-AF65-F5344CB8AC3E}">

--- a/slides/M-02-01-Loops-Invariants.pptx
+++ b/slides/M-02-01-Loops-Invariants.pptx
@@ -6324,10 +6324,46 @@
       </p:sp>
       <p:sp>
         <p:nvSpPr>
-          <p:cNvPr id="5" name="Rectangle 4">
+          <p:cNvPr id="16" name="TextBox 15">
             <a:extLst>
               <a:ext uri="{FF2B5EF4-FFF2-40B4-BE49-F238E27FC236}">
-                <a16:creationId xmlns:a16="http://schemas.microsoft.com/office/drawing/2014/main" id="{38E4B0B0-22E8-1340-AA2C-68C72F08D6A5}"/>
+                <a16:creationId xmlns:a16="http://schemas.microsoft.com/office/drawing/2014/main" id="{663EBDB7-43CB-B144-9456-14002C9FB986}"/>
+              </a:ext>
+            </a:extLst>
+          </p:cNvPr>
+          <p:cNvSpPr txBox="1"/>
+          <p:nvPr/>
+        </p:nvSpPr>
+        <p:spPr>
+          <a:xfrm>
+            <a:off x="457200" y="6400800"/>
+            <a:ext cx="8453927" cy="369332"/>
+          </a:xfrm>
+          <a:prstGeom prst="rect">
+            <a:avLst/>
+          </a:prstGeom>
+          <a:noFill/>
+        </p:spPr>
+        <p:txBody>
+          <a:bodyPr wrap="square">
+            <a:spAutoFit/>
+          </a:bodyPr>
+          <a:lstStyle/>
+          <a:p>
+            <a:pPr algn="ctr"/>
+            <a:r>
+              <a:rPr lang="en-US" sz="900" dirty="0"/>
+              <a:t>DISCLAIMER: The views and conclusions contained in this presentation are those of the author and should not be interpreted as representing the official policies, either express or implied, of any agency or department of the U.S. Government, Kansas State University or Aarhus University</a:t>
+            </a:r>
+          </a:p>
+        </p:txBody>
+      </p:sp>
+      <p:sp>
+        <p:nvSpPr>
+          <p:cNvPr id="2" name="Rectangle 1">
+            <a:extLst>
+              <a:ext uri="{FF2B5EF4-FFF2-40B4-BE49-F238E27FC236}">
+                <a16:creationId xmlns:a16="http://schemas.microsoft.com/office/drawing/2014/main" id="{201D9105-EE82-E7CA-4839-913C6AF2D8A2}"/>
               </a:ext>
             </a:extLst>
           </p:cNvPr>
@@ -6336,8 +6372,8 @@
         </p:nvSpPr>
         <p:spPr bwMode="auto">
           <a:xfrm flipV="1">
-            <a:off x="2317125" y="4599080"/>
-            <a:ext cx="1421121" cy="277720"/>
+            <a:off x="4953000" y="4396636"/>
+            <a:ext cx="1832233" cy="277720"/>
           </a:xfrm>
           <a:prstGeom prst="rect">
             <a:avLst/>
@@ -6388,42 +6424,6 @@
               <a:effectLst/>
               <a:latin typeface="Tahoma" charset="0"/>
             </a:endParaRPr>
-          </a:p>
-        </p:txBody>
-      </p:sp>
-      <p:sp>
-        <p:nvSpPr>
-          <p:cNvPr id="16" name="TextBox 15">
-            <a:extLst>
-              <a:ext uri="{FF2B5EF4-FFF2-40B4-BE49-F238E27FC236}">
-                <a16:creationId xmlns:a16="http://schemas.microsoft.com/office/drawing/2014/main" id="{663EBDB7-43CB-B144-9456-14002C9FB986}"/>
-              </a:ext>
-            </a:extLst>
-          </p:cNvPr>
-          <p:cNvSpPr txBox="1"/>
-          <p:nvPr/>
-        </p:nvSpPr>
-        <p:spPr>
-          <a:xfrm>
-            <a:off x="457200" y="6400800"/>
-            <a:ext cx="8453927" cy="369332"/>
-          </a:xfrm>
-          <a:prstGeom prst="rect">
-            <a:avLst/>
-          </a:prstGeom>
-          <a:noFill/>
-        </p:spPr>
-        <p:txBody>
-          <a:bodyPr wrap="square">
-            <a:spAutoFit/>
-          </a:bodyPr>
-          <a:lstStyle/>
-          <a:p>
-            <a:pPr algn="ctr"/>
-            <a:r>
-              <a:rPr lang="en-US" sz="900" dirty="0"/>
-              <a:t>DISCLAIMER: The views and conclusions contained in this presentation are those of the author and should not be interpreted as representing the official policies, either express or implied, of any agency or department of the U.S. Government, Kansas State University or Aarhus University</a:t>
-            </a:r>
           </a:p>
         </p:txBody>
       </p:sp>
@@ -8992,6 +8992,80 @@
               <a:t>) Prove it</a:t>
             </a:r>
             <a:endParaRPr lang="en-US" sz="1600" dirty="0"/>
+          </a:p>
+        </p:txBody>
+      </p:sp>
+      <p:sp>
+        <p:nvSpPr>
+          <p:cNvPr id="4" name="Rectangle 3">
+            <a:extLst>
+              <a:ext uri="{FF2B5EF4-FFF2-40B4-BE49-F238E27FC236}">
+                <a16:creationId xmlns:a16="http://schemas.microsoft.com/office/drawing/2014/main" id="{42D5A7BD-F3B2-209F-5BE6-48CDE659BD68}"/>
+              </a:ext>
+            </a:extLst>
+          </p:cNvPr>
+          <p:cNvSpPr/>
+          <p:nvPr/>
+        </p:nvSpPr>
+        <p:spPr bwMode="auto">
+          <a:xfrm>
+            <a:off x="685800" y="6372769"/>
+            <a:ext cx="2743200" cy="381000"/>
+          </a:xfrm>
+          <a:prstGeom prst="rect">
+            <a:avLst/>
+          </a:prstGeom>
+          <a:solidFill>
+            <a:srgbClr val="FFE267"/>
+          </a:solidFill>
+          <a:ln w="25400" cap="flat" cmpd="sng" algn="ctr">
+            <a:solidFill>
+              <a:srgbClr val="C00000"/>
+            </a:solidFill>
+            <a:prstDash val="solid"/>
+            <a:miter lim="800000"/>
+            <a:headEnd type="none" w="med" len="med"/>
+            <a:tailEnd type="none" w="med" len="med"/>
+          </a:ln>
+          <a:effectLst/>
+        </p:spPr>
+        <p:txBody>
+          <a:bodyPr vert="horz" wrap="none" lIns="91440" tIns="45720" rIns="91440" bIns="45720" numCol="1" rtlCol="0" anchor="t" anchorCtr="0" compatLnSpc="1">
+            <a:prstTxWarp prst="textNoShape">
+              <a:avLst/>
+            </a:prstTxWarp>
+          </a:bodyPr>
+          <a:lstStyle/>
+          <a:p>
+            <a:pPr marL="0" marR="0" indent="0" algn="l" defTabSz="914400" rtl="0" eaLnBrk="1" fontAlgn="base" latinLnBrk="0" hangingPunct="1">
+              <a:lnSpc>
+                <a:spcPct val="100000"/>
+              </a:lnSpc>
+              <a:spcBef>
+                <a:spcPct val="0"/>
+              </a:spcBef>
+              <a:spcAft>
+                <a:spcPct val="0"/>
+              </a:spcAft>
+              <a:buClrTx/>
+              <a:buSzTx/>
+              <a:buFontTx/>
+              <a:buNone/>
+              <a:tabLst/>
+            </a:pPr>
+            <a:r>
+              <a:rPr kumimoji="0" lang="en-GB" sz="1800" b="0" i="0" u="none" strike="noStrike" cap="none" normalizeH="0" baseline="0" dirty="0">
+                <a:ln>
+                  <a:noFill/>
+                </a:ln>
+                <a:solidFill>
+                  <a:schemeClr val="tx1"/>
+                </a:solidFill>
+                <a:effectLst/>
+                <a:latin typeface="Tahoma" charset="0"/>
+              </a:rPr>
+              <a:t>File: M02_01_Sum_Up.sc</a:t>
+            </a:r>
           </a:p>
         </p:txBody>
       </p:sp>
